--- a/relatorio/Fase 2/LI4.pptx
+++ b/relatorio/Fase 2/LI4.pptx
@@ -5,7 +5,7 @@
     <p:sldMasterId id="2147483648" r:id="rId1"/>
   </p:sldMasterIdLst>
   <p:notesMasterIdLst>
-    <p:notesMasterId r:id="rId43"/>
+    <p:notesMasterId r:id="rId42"/>
   </p:notesMasterIdLst>
   <p:sldIdLst>
     <p:sldId id="256" r:id="rId2"/>
@@ -28,27 +28,26 @@
     <p:sldId id="302" r:id="rId19"/>
     <p:sldId id="305" r:id="rId20"/>
     <p:sldId id="308" r:id="rId21"/>
-    <p:sldId id="313" r:id="rId22"/>
-    <p:sldId id="314" r:id="rId23"/>
-    <p:sldId id="315" r:id="rId24"/>
-    <p:sldId id="317" r:id="rId25"/>
-    <p:sldId id="316" r:id="rId26"/>
-    <p:sldId id="318" r:id="rId27"/>
-    <p:sldId id="319" r:id="rId28"/>
-    <p:sldId id="320" r:id="rId29"/>
-    <p:sldId id="321" r:id="rId30"/>
-    <p:sldId id="322" r:id="rId31"/>
-    <p:sldId id="323" r:id="rId32"/>
-    <p:sldId id="324" r:id="rId33"/>
-    <p:sldId id="325" r:id="rId34"/>
-    <p:sldId id="326" r:id="rId35"/>
-    <p:sldId id="329" r:id="rId36"/>
-    <p:sldId id="327" r:id="rId37"/>
-    <p:sldId id="328" r:id="rId38"/>
-    <p:sldId id="331" r:id="rId39"/>
-    <p:sldId id="332" r:id="rId40"/>
-    <p:sldId id="330" r:id="rId41"/>
-    <p:sldId id="303" r:id="rId42"/>
+    <p:sldId id="314" r:id="rId22"/>
+    <p:sldId id="315" r:id="rId23"/>
+    <p:sldId id="319" r:id="rId24"/>
+    <p:sldId id="320" r:id="rId25"/>
+    <p:sldId id="321" r:id="rId26"/>
+    <p:sldId id="322" r:id="rId27"/>
+    <p:sldId id="324" r:id="rId28"/>
+    <p:sldId id="325" r:id="rId29"/>
+    <p:sldId id="326" r:id="rId30"/>
+    <p:sldId id="328" r:id="rId31"/>
+    <p:sldId id="331" r:id="rId32"/>
+    <p:sldId id="332" r:id="rId33"/>
+    <p:sldId id="330" r:id="rId34"/>
+    <p:sldId id="335" r:id="rId35"/>
+    <p:sldId id="333" r:id="rId36"/>
+    <p:sldId id="336" r:id="rId37"/>
+    <p:sldId id="334" r:id="rId38"/>
+    <p:sldId id="337" r:id="rId39"/>
+    <p:sldId id="338" r:id="rId40"/>
+    <p:sldId id="303" r:id="rId41"/>
   </p:sldIdLst>
   <p:sldSz cx="12192000" cy="6858000"/>
   <p:notesSz cx="6858000" cy="9144000"/>
@@ -8543,7 +8542,6 @@
               <a:rPr lang="pt-PT" dirty="0"/>
               <a:t>, um ano após a implementação.</a:t>
             </a:r>
-            <a:endParaRPr lang="pt-PT" dirty="0"/>
           </a:p>
           <a:p>
             <a:pPr marL="285750" lvl="0" indent="-285750" algn="just">
@@ -8575,15 +8573,7 @@
                   <a:schemeClr val="accent2"/>
                 </a:solidFill>
               </a:rPr>
-              <a:t>24h, 365 dias por </a:t>
-            </a:r>
-            <a:r>
-              <a:rPr lang="pt-PT" b="1" dirty="0">
-                <a:solidFill>
-                  <a:schemeClr val="accent2"/>
-                </a:solidFill>
-              </a:rPr>
-              <a:t>ano!</a:t>
+              <a:t>24h, 365 dias por ano!</a:t>
             </a:r>
           </a:p>
         </p:txBody>
@@ -10069,91 +10059,11 @@
           <a:p>
             <a:r>
               <a:rPr lang="pt-PT" dirty="0" smtClean="0"/>
-              <a:t>Requisitos do utilizador e de sistema funcionais</a:t>
-            </a:r>
-            <a:endParaRPr lang="pt-PT" dirty="0"/>
-          </a:p>
-        </p:txBody>
-      </p:sp>
-      <p:pic>
-        <p:nvPicPr>
-          <p:cNvPr id="6" name="Picture 5"/>
-          <p:cNvPicPr>
-            <a:picLocks noChangeAspect="1"/>
-          </p:cNvPicPr>
-          <p:nvPr/>
-        </p:nvPicPr>
-        <p:blipFill>
-          <a:blip r:embed="rId2"/>
-          <a:stretch>
-            <a:fillRect/>
-          </a:stretch>
-        </p:blipFill>
-        <p:spPr>
-          <a:xfrm>
-            <a:off x="677334" y="1930400"/>
-            <a:ext cx="8304741" cy="4029033"/>
-          </a:xfrm>
-          <a:prstGeom prst="rect">
-            <a:avLst/>
-          </a:prstGeom>
-        </p:spPr>
-      </p:pic>
-    </p:spTree>
-    <p:extLst>
-      <p:ext uri="{BB962C8B-B14F-4D97-AF65-F5344CB8AC3E}">
-        <p14:creationId xmlns:p14="http://schemas.microsoft.com/office/powerpoint/2010/main" val="1256185130"/>
-      </p:ext>
-    </p:extLst>
-  </p:cSld>
-  <p:clrMapOvr>
-    <a:masterClrMapping/>
-  </p:clrMapOvr>
-  <p:timing>
-    <p:tnLst>
-      <p:par>
-        <p:cTn id="1" dur="indefinite" restart="never" nodeType="tmRoot"/>
-      </p:par>
-    </p:tnLst>
-  </p:timing>
-</p:sld>
-</file>
-
-<file path=ppt/slides/slide22.xml><?xml version="1.0" encoding="utf-8"?>
-<p:sld xmlns:a="http://schemas.openxmlformats.org/drawingml/2006/main" xmlns:r="http://schemas.openxmlformats.org/officeDocument/2006/relationships" xmlns:p="http://schemas.openxmlformats.org/presentationml/2006/main">
-  <p:cSld>
-    <p:spTree>
-      <p:nvGrpSpPr>
-        <p:cNvPr id="1" name=""/>
-        <p:cNvGrpSpPr/>
-        <p:nvPr/>
-      </p:nvGrpSpPr>
-      <p:grpSpPr>
-        <a:xfrm>
-          <a:off x="0" y="0"/>
-          <a:ext cx="0" cy="0"/>
-          <a:chOff x="0" y="0"/>
-          <a:chExt cx="0" cy="0"/>
-        </a:xfrm>
-      </p:grpSpPr>
-      <p:sp>
-        <p:nvSpPr>
-          <p:cNvPr id="4" name="Title 3"/>
-          <p:cNvSpPr>
-            <a:spLocks noGrp="1"/>
-          </p:cNvSpPr>
-          <p:nvPr>
-            <p:ph type="title"/>
-          </p:nvPr>
-        </p:nvSpPr>
-        <p:spPr/>
-        <p:txBody>
-          <a:bodyPr/>
-          <a:lstStyle/>
-          <a:p>
+              <a:t>Requisitos do utilizador e de sistema </a:t>
+            </a:r>
             <a:r>
               <a:rPr lang="pt-PT" dirty="0" smtClean="0"/>
-              <a:t>Requisitos do utilizador e de sistema funcionais</a:t>
+              <a:t>funcionais - Cliente</a:t>
             </a:r>
             <a:endParaRPr lang="pt-PT" dirty="0"/>
           </a:p>
@@ -10203,7 +10113,7 @@
 </p:sld>
 </file>
 
-<file path=ppt/slides/slide23.xml><?xml version="1.0" encoding="utf-8"?>
+<file path=ppt/slides/slide22.xml><?xml version="1.0" encoding="utf-8"?>
 <p:sld xmlns:a="http://schemas.openxmlformats.org/drawingml/2006/main" xmlns:r="http://schemas.openxmlformats.org/officeDocument/2006/relationships" xmlns:p="http://schemas.openxmlformats.org/presentationml/2006/main">
   <p:cSld>
     <p:spTree>
@@ -10237,7 +10147,11 @@
           <a:p>
             <a:r>
               <a:rPr lang="pt-PT" dirty="0" smtClean="0"/>
-              <a:t>Requisitos do utilizador e de sistema funcionais</a:t>
+              <a:t>Requisitos do utilizador e de sistema </a:t>
+            </a:r>
+            <a:r>
+              <a:rPr lang="pt-PT" dirty="0"/>
+              <a:t>funcionais - Cliente</a:t>
             </a:r>
             <a:endParaRPr lang="pt-PT" dirty="0"/>
           </a:p>
@@ -10287,6 +10201,93 @@
 </p:sld>
 </file>
 
+<file path=ppt/slides/slide23.xml><?xml version="1.0" encoding="utf-8"?>
+<p:sld xmlns:a="http://schemas.openxmlformats.org/drawingml/2006/main" xmlns:r="http://schemas.openxmlformats.org/officeDocument/2006/relationships" xmlns:p="http://schemas.openxmlformats.org/presentationml/2006/main">
+  <p:cSld>
+    <p:spTree>
+      <p:nvGrpSpPr>
+        <p:cNvPr id="1" name=""/>
+        <p:cNvGrpSpPr/>
+        <p:nvPr/>
+      </p:nvGrpSpPr>
+      <p:grpSpPr>
+        <a:xfrm>
+          <a:off x="0" y="0"/>
+          <a:ext cx="0" cy="0"/>
+          <a:chOff x="0" y="0"/>
+          <a:chExt cx="0" cy="0"/>
+        </a:xfrm>
+      </p:grpSpPr>
+      <p:sp>
+        <p:nvSpPr>
+          <p:cNvPr id="4" name="Title 3"/>
+          <p:cNvSpPr>
+            <a:spLocks noGrp="1"/>
+          </p:cNvSpPr>
+          <p:nvPr>
+            <p:ph type="title"/>
+          </p:nvPr>
+        </p:nvSpPr>
+        <p:spPr/>
+        <p:txBody>
+          <a:bodyPr/>
+          <a:lstStyle/>
+          <a:p>
+            <a:r>
+              <a:rPr lang="pt-PT" dirty="0" smtClean="0"/>
+              <a:t>Requisitos do utilizador e de sistema </a:t>
+            </a:r>
+            <a:r>
+              <a:rPr lang="pt-PT" dirty="0" smtClean="0"/>
+              <a:t>funcionais - Profissional</a:t>
+            </a:r>
+            <a:endParaRPr lang="pt-PT" dirty="0"/>
+          </a:p>
+        </p:txBody>
+      </p:sp>
+      <p:pic>
+        <p:nvPicPr>
+          <p:cNvPr id="2" name="Picture 1"/>
+          <p:cNvPicPr>
+            <a:picLocks noChangeAspect="1"/>
+          </p:cNvPicPr>
+          <p:nvPr/>
+        </p:nvPicPr>
+        <p:blipFill rotWithShape="1">
+          <a:blip r:embed="rId2"/>
+          <a:srcRect t="16209"/>
+          <a:stretch/>
+        </p:blipFill>
+        <p:spPr>
+          <a:xfrm>
+            <a:off x="677334" y="2369976"/>
+            <a:ext cx="8256124" cy="3303035"/>
+          </a:xfrm>
+          <a:prstGeom prst="rect">
+            <a:avLst/>
+          </a:prstGeom>
+        </p:spPr>
+      </p:pic>
+    </p:spTree>
+    <p:extLst>
+      <p:ext uri="{BB962C8B-B14F-4D97-AF65-F5344CB8AC3E}">
+        <p14:creationId xmlns:p14="http://schemas.microsoft.com/office/powerpoint/2010/main" val="4281878344"/>
+      </p:ext>
+    </p:extLst>
+  </p:cSld>
+  <p:clrMapOvr>
+    <a:masterClrMapping/>
+  </p:clrMapOvr>
+  <p:timing>
+    <p:tnLst>
+      <p:par>
+        <p:cTn id="1" dur="indefinite" restart="never" nodeType="tmRoot"/>
+      </p:par>
+    </p:tnLst>
+  </p:timing>
+</p:sld>
+</file>
+
 <file path=ppt/slides/slide24.xml><?xml version="1.0" encoding="utf-8"?>
 <p:sld xmlns:a="http://schemas.openxmlformats.org/drawingml/2006/main" xmlns:r="http://schemas.openxmlformats.org/officeDocument/2006/relationships" xmlns:p="http://schemas.openxmlformats.org/presentationml/2006/main">
   <p:cSld>
@@ -10321,7 +10322,11 @@
           <a:p>
             <a:r>
               <a:rPr lang="pt-PT" dirty="0" smtClean="0"/>
-              <a:t>Requisitos do utilizador e de sistema funcionais</a:t>
+              <a:t>Requisitos do utilizador e de sistema </a:t>
+            </a:r>
+            <a:r>
+              <a:rPr lang="pt-PT" dirty="0" smtClean="0"/>
+              <a:t>funcionais – Cliente e Profissional</a:t>
             </a:r>
             <a:endParaRPr lang="pt-PT" dirty="0"/>
           </a:p>
@@ -10335,16 +10340,15 @@
           </p:cNvPicPr>
           <p:nvPr/>
         </p:nvPicPr>
-        <p:blipFill>
+        <p:blipFill rotWithShape="1">
           <a:blip r:embed="rId2"/>
-          <a:stretch>
-            <a:fillRect/>
-          </a:stretch>
+          <a:srcRect t="15670"/>
+          <a:stretch/>
         </p:blipFill>
         <p:spPr>
           <a:xfrm>
-            <a:off x="677334" y="2146041"/>
-            <a:ext cx="8919417" cy="3377681"/>
+            <a:off x="677334" y="2239346"/>
+            <a:ext cx="8275273" cy="2836506"/>
           </a:xfrm>
           <a:prstGeom prst="rect">
             <a:avLst/>
@@ -10354,7 +10358,7 @@
     </p:spTree>
     <p:extLst>
       <p:ext uri="{BB962C8B-B14F-4D97-AF65-F5344CB8AC3E}">
-        <p14:creationId xmlns:p14="http://schemas.microsoft.com/office/powerpoint/2010/main" val="2085042817"/>
+        <p14:creationId xmlns:p14="http://schemas.microsoft.com/office/powerpoint/2010/main" val="3442306051"/>
       </p:ext>
     </p:extLst>
   </p:cSld>
@@ -10405,343 +10409,11 @@
           <a:p>
             <a:r>
               <a:rPr lang="pt-PT" dirty="0" smtClean="0"/>
-              <a:t>Requisitos do utilizador e de sistema funcionais</a:t>
-            </a:r>
-            <a:endParaRPr lang="pt-PT" dirty="0"/>
-          </a:p>
-        </p:txBody>
-      </p:sp>
-      <p:pic>
-        <p:nvPicPr>
-          <p:cNvPr id="2" name="Picture 1"/>
-          <p:cNvPicPr>
-            <a:picLocks noChangeAspect="1"/>
-          </p:cNvPicPr>
-          <p:nvPr/>
-        </p:nvPicPr>
-        <p:blipFill>
-          <a:blip r:embed="rId2"/>
-          <a:stretch>
-            <a:fillRect/>
-          </a:stretch>
-        </p:blipFill>
-        <p:spPr>
-          <a:xfrm>
-            <a:off x="677334" y="2682940"/>
-            <a:ext cx="8813005" cy="2803460"/>
-          </a:xfrm>
-          <a:prstGeom prst="rect">
-            <a:avLst/>
-          </a:prstGeom>
-        </p:spPr>
-      </p:pic>
-    </p:spTree>
-    <p:extLst>
-      <p:ext uri="{BB962C8B-B14F-4D97-AF65-F5344CB8AC3E}">
-        <p14:creationId xmlns:p14="http://schemas.microsoft.com/office/powerpoint/2010/main" val="4288774033"/>
-      </p:ext>
-    </p:extLst>
-  </p:cSld>
-  <p:clrMapOvr>
-    <a:masterClrMapping/>
-  </p:clrMapOvr>
-  <p:timing>
-    <p:tnLst>
-      <p:par>
-        <p:cTn id="1" dur="indefinite" restart="never" nodeType="tmRoot"/>
-      </p:par>
-    </p:tnLst>
-  </p:timing>
-</p:sld>
-</file>
-
-<file path=ppt/slides/slide26.xml><?xml version="1.0" encoding="utf-8"?>
-<p:sld xmlns:a="http://schemas.openxmlformats.org/drawingml/2006/main" xmlns:r="http://schemas.openxmlformats.org/officeDocument/2006/relationships" xmlns:p="http://schemas.openxmlformats.org/presentationml/2006/main">
-  <p:cSld>
-    <p:spTree>
-      <p:nvGrpSpPr>
-        <p:cNvPr id="1" name=""/>
-        <p:cNvGrpSpPr/>
-        <p:nvPr/>
-      </p:nvGrpSpPr>
-      <p:grpSpPr>
-        <a:xfrm>
-          <a:off x="0" y="0"/>
-          <a:ext cx="0" cy="0"/>
-          <a:chOff x="0" y="0"/>
-          <a:chExt cx="0" cy="0"/>
-        </a:xfrm>
-      </p:grpSpPr>
-      <p:sp>
-        <p:nvSpPr>
-          <p:cNvPr id="4" name="Title 3"/>
-          <p:cNvSpPr>
-            <a:spLocks noGrp="1"/>
-          </p:cNvSpPr>
-          <p:nvPr>
-            <p:ph type="title"/>
-          </p:nvPr>
-        </p:nvSpPr>
-        <p:spPr/>
-        <p:txBody>
-          <a:bodyPr/>
-          <a:lstStyle/>
-          <a:p>
-            <a:r>
-              <a:rPr lang="pt-PT" dirty="0" smtClean="0"/>
-              <a:t>Requisitos do utilizador e de sistema funcionais</a:t>
-            </a:r>
-            <a:endParaRPr lang="pt-PT" dirty="0"/>
-          </a:p>
-        </p:txBody>
-      </p:sp>
-      <p:pic>
-        <p:nvPicPr>
-          <p:cNvPr id="2" name="Picture 1"/>
-          <p:cNvPicPr>
-            <a:picLocks noChangeAspect="1"/>
-          </p:cNvPicPr>
-          <p:nvPr/>
-        </p:nvPicPr>
-        <p:blipFill>
-          <a:blip r:embed="rId2"/>
-          <a:stretch>
-            <a:fillRect/>
-          </a:stretch>
-        </p:blipFill>
-        <p:spPr>
-          <a:xfrm>
-            <a:off x="677334" y="2226030"/>
-            <a:ext cx="8596668" cy="3327282"/>
-          </a:xfrm>
-          <a:prstGeom prst="rect">
-            <a:avLst/>
-          </a:prstGeom>
-        </p:spPr>
-      </p:pic>
-    </p:spTree>
-    <p:extLst>
-      <p:ext uri="{BB962C8B-B14F-4D97-AF65-F5344CB8AC3E}">
-        <p14:creationId xmlns:p14="http://schemas.microsoft.com/office/powerpoint/2010/main" val="3816718170"/>
-      </p:ext>
-    </p:extLst>
-  </p:cSld>
-  <p:clrMapOvr>
-    <a:masterClrMapping/>
-  </p:clrMapOvr>
-  <p:timing>
-    <p:tnLst>
-      <p:par>
-        <p:cTn id="1" dur="indefinite" restart="never" nodeType="tmRoot"/>
-      </p:par>
-    </p:tnLst>
-  </p:timing>
-</p:sld>
-</file>
-
-<file path=ppt/slides/slide27.xml><?xml version="1.0" encoding="utf-8"?>
-<p:sld xmlns:a="http://schemas.openxmlformats.org/drawingml/2006/main" xmlns:r="http://schemas.openxmlformats.org/officeDocument/2006/relationships" xmlns:p="http://schemas.openxmlformats.org/presentationml/2006/main">
-  <p:cSld>
-    <p:spTree>
-      <p:nvGrpSpPr>
-        <p:cNvPr id="1" name=""/>
-        <p:cNvGrpSpPr/>
-        <p:nvPr/>
-      </p:nvGrpSpPr>
-      <p:grpSpPr>
-        <a:xfrm>
-          <a:off x="0" y="0"/>
-          <a:ext cx="0" cy="0"/>
-          <a:chOff x="0" y="0"/>
-          <a:chExt cx="0" cy="0"/>
-        </a:xfrm>
-      </p:grpSpPr>
-      <p:sp>
-        <p:nvSpPr>
-          <p:cNvPr id="4" name="Title 3"/>
-          <p:cNvSpPr>
-            <a:spLocks noGrp="1"/>
-          </p:cNvSpPr>
-          <p:nvPr>
-            <p:ph type="title"/>
-          </p:nvPr>
-        </p:nvSpPr>
-        <p:spPr/>
-        <p:txBody>
-          <a:bodyPr/>
-          <a:lstStyle/>
-          <a:p>
-            <a:r>
-              <a:rPr lang="pt-PT" dirty="0" smtClean="0"/>
-              <a:t>Requisitos do utilizador e de sistema funcionais</a:t>
-            </a:r>
-            <a:endParaRPr lang="pt-PT" dirty="0"/>
-          </a:p>
-        </p:txBody>
-      </p:sp>
-      <p:pic>
-        <p:nvPicPr>
-          <p:cNvPr id="2" name="Picture 1"/>
-          <p:cNvPicPr>
-            <a:picLocks noChangeAspect="1"/>
-          </p:cNvPicPr>
-          <p:nvPr/>
-        </p:nvPicPr>
-        <p:blipFill>
-          <a:blip r:embed="rId2"/>
-          <a:stretch>
-            <a:fillRect/>
-          </a:stretch>
-        </p:blipFill>
-        <p:spPr>
-          <a:xfrm>
-            <a:off x="677334" y="2234875"/>
-            <a:ext cx="8256124" cy="3941989"/>
-          </a:xfrm>
-          <a:prstGeom prst="rect">
-            <a:avLst/>
-          </a:prstGeom>
-        </p:spPr>
-      </p:pic>
-    </p:spTree>
-    <p:extLst>
-      <p:ext uri="{BB962C8B-B14F-4D97-AF65-F5344CB8AC3E}">
-        <p14:creationId xmlns:p14="http://schemas.microsoft.com/office/powerpoint/2010/main" val="4281878344"/>
-      </p:ext>
-    </p:extLst>
-  </p:cSld>
-  <p:clrMapOvr>
-    <a:masterClrMapping/>
-  </p:clrMapOvr>
-  <p:timing>
-    <p:tnLst>
-      <p:par>
-        <p:cTn id="1" dur="indefinite" restart="never" nodeType="tmRoot"/>
-      </p:par>
-    </p:tnLst>
-  </p:timing>
-</p:sld>
-</file>
-
-<file path=ppt/slides/slide28.xml><?xml version="1.0" encoding="utf-8"?>
-<p:sld xmlns:a="http://schemas.openxmlformats.org/drawingml/2006/main" xmlns:r="http://schemas.openxmlformats.org/officeDocument/2006/relationships" xmlns:p="http://schemas.openxmlformats.org/presentationml/2006/main">
-  <p:cSld>
-    <p:spTree>
-      <p:nvGrpSpPr>
-        <p:cNvPr id="1" name=""/>
-        <p:cNvGrpSpPr/>
-        <p:nvPr/>
-      </p:nvGrpSpPr>
-      <p:grpSpPr>
-        <a:xfrm>
-          <a:off x="0" y="0"/>
-          <a:ext cx="0" cy="0"/>
-          <a:chOff x="0" y="0"/>
-          <a:chExt cx="0" cy="0"/>
-        </a:xfrm>
-      </p:grpSpPr>
-      <p:sp>
-        <p:nvSpPr>
-          <p:cNvPr id="4" name="Title 3"/>
-          <p:cNvSpPr>
-            <a:spLocks noGrp="1"/>
-          </p:cNvSpPr>
-          <p:nvPr>
-            <p:ph type="title"/>
-          </p:nvPr>
-        </p:nvSpPr>
-        <p:spPr/>
-        <p:txBody>
-          <a:bodyPr/>
-          <a:lstStyle/>
-          <a:p>
-            <a:r>
-              <a:rPr lang="pt-PT" dirty="0" smtClean="0"/>
-              <a:t>Requisitos do utilizador e de sistema funcionais</a:t>
-            </a:r>
-            <a:endParaRPr lang="pt-PT" dirty="0"/>
-          </a:p>
-        </p:txBody>
-      </p:sp>
-      <p:pic>
-        <p:nvPicPr>
-          <p:cNvPr id="2" name="Picture 1"/>
-          <p:cNvPicPr>
-            <a:picLocks noChangeAspect="1"/>
-          </p:cNvPicPr>
-          <p:nvPr/>
-        </p:nvPicPr>
-        <p:blipFill>
-          <a:blip r:embed="rId2"/>
-          <a:stretch>
-            <a:fillRect/>
-          </a:stretch>
-        </p:blipFill>
-        <p:spPr>
-          <a:xfrm>
-            <a:off x="677334" y="2402729"/>
-            <a:ext cx="8275273" cy="3363589"/>
-          </a:xfrm>
-          <a:prstGeom prst="rect">
-            <a:avLst/>
-          </a:prstGeom>
-        </p:spPr>
-      </p:pic>
-    </p:spTree>
-    <p:extLst>
-      <p:ext uri="{BB962C8B-B14F-4D97-AF65-F5344CB8AC3E}">
-        <p14:creationId xmlns:p14="http://schemas.microsoft.com/office/powerpoint/2010/main" val="3442306051"/>
-      </p:ext>
-    </p:extLst>
-  </p:cSld>
-  <p:clrMapOvr>
-    <a:masterClrMapping/>
-  </p:clrMapOvr>
-  <p:timing>
-    <p:tnLst>
-      <p:par>
-        <p:cTn id="1" dur="indefinite" restart="never" nodeType="tmRoot"/>
-      </p:par>
-    </p:tnLst>
-  </p:timing>
-</p:sld>
-</file>
-
-<file path=ppt/slides/slide29.xml><?xml version="1.0" encoding="utf-8"?>
-<p:sld xmlns:a="http://schemas.openxmlformats.org/drawingml/2006/main" xmlns:r="http://schemas.openxmlformats.org/officeDocument/2006/relationships" xmlns:p="http://schemas.openxmlformats.org/presentationml/2006/main">
-  <p:cSld>
-    <p:spTree>
-      <p:nvGrpSpPr>
-        <p:cNvPr id="1" name=""/>
-        <p:cNvGrpSpPr/>
-        <p:nvPr/>
-      </p:nvGrpSpPr>
-      <p:grpSpPr>
-        <a:xfrm>
-          <a:off x="0" y="0"/>
-          <a:ext cx="0" cy="0"/>
-          <a:chOff x="0" y="0"/>
-          <a:chExt cx="0" cy="0"/>
-        </a:xfrm>
-      </p:grpSpPr>
-      <p:sp>
-        <p:nvSpPr>
-          <p:cNvPr id="4" name="Title 3"/>
-          <p:cNvSpPr>
-            <a:spLocks noGrp="1"/>
-          </p:cNvSpPr>
-          <p:nvPr>
-            <p:ph type="title"/>
-          </p:nvPr>
-        </p:nvSpPr>
-        <p:spPr/>
-        <p:txBody>
-          <a:bodyPr/>
-          <a:lstStyle/>
-          <a:p>
-            <a:r>
-              <a:rPr lang="pt-PT" dirty="0" smtClean="0"/>
-              <a:t>Requisitos do utilizador e de sistema funcionais</a:t>
+              <a:t>Requisitos do utilizador e de sistema </a:t>
+            </a:r>
+            <a:r>
+              <a:rPr lang="pt-PT" dirty="0"/>
+              <a:t>funcionais – Cliente e Profissional</a:t>
             </a:r>
             <a:endParaRPr lang="pt-PT" dirty="0"/>
           </a:p>
@@ -10791,7 +10463,7 @@
 </p:sld>
 </file>
 
-<file path=ppt/slides/slide3.xml><?xml version="1.0" encoding="utf-8"?>
+<file path=ppt/slides/slide26.xml><?xml version="1.0" encoding="utf-8"?>
 <p:sld xmlns:a="http://schemas.openxmlformats.org/drawingml/2006/main" xmlns:r="http://schemas.openxmlformats.org/officeDocument/2006/relationships" xmlns:p="http://schemas.openxmlformats.org/presentationml/2006/main">
   <p:cSld>
     <p:spTree>
@@ -10810,7 +10482,7 @@
       </p:grpSpPr>
       <p:sp>
         <p:nvSpPr>
-          <p:cNvPr id="2" name="Title 1"/>
+          <p:cNvPr id="4" name="Title 3"/>
           <p:cNvSpPr>
             <a:spLocks noGrp="1"/>
           </p:cNvSpPr>
@@ -10825,90 +10497,11 @@
           <a:p>
             <a:r>
               <a:rPr lang="pt-PT" dirty="0" smtClean="0"/>
-              <a:t>Parte I</a:t>
-            </a:r>
-            <a:endParaRPr lang="pt-PT" dirty="0"/>
-          </a:p>
-        </p:txBody>
-      </p:sp>
-      <p:sp>
-        <p:nvSpPr>
-          <p:cNvPr id="3" name="Text Placeholder 2"/>
-          <p:cNvSpPr>
-            <a:spLocks noGrp="1"/>
-          </p:cNvSpPr>
-          <p:nvPr>
-            <p:ph type="body" idx="1"/>
-          </p:nvPr>
-        </p:nvSpPr>
-        <p:spPr/>
-        <p:txBody>
-          <a:bodyPr/>
-          <a:lstStyle/>
-          <a:p>
-            <a:r>
-              <a:rPr lang="pt-PT" dirty="0" smtClean="0"/>
-              <a:t>Fundamentação</a:t>
-            </a:r>
-            <a:endParaRPr lang="pt-PT" dirty="0"/>
-          </a:p>
-        </p:txBody>
-      </p:sp>
-    </p:spTree>
-    <p:extLst>
-      <p:ext uri="{BB962C8B-B14F-4D97-AF65-F5344CB8AC3E}">
-        <p14:creationId xmlns:p14="http://schemas.microsoft.com/office/powerpoint/2010/main" val="2134899933"/>
-      </p:ext>
-    </p:extLst>
-  </p:cSld>
-  <p:clrMapOvr>
-    <a:masterClrMapping/>
-  </p:clrMapOvr>
-  <p:timing>
-    <p:tnLst>
-      <p:par>
-        <p:cTn id="1" dur="indefinite" restart="never" nodeType="tmRoot"/>
-      </p:par>
-    </p:tnLst>
-  </p:timing>
-</p:sld>
-</file>
-
-<file path=ppt/slides/slide30.xml><?xml version="1.0" encoding="utf-8"?>
-<p:sld xmlns:a="http://schemas.openxmlformats.org/drawingml/2006/main" xmlns:r="http://schemas.openxmlformats.org/officeDocument/2006/relationships" xmlns:p="http://schemas.openxmlformats.org/presentationml/2006/main">
-  <p:cSld>
-    <p:spTree>
-      <p:nvGrpSpPr>
-        <p:cNvPr id="1" name=""/>
-        <p:cNvGrpSpPr/>
-        <p:nvPr/>
-      </p:nvGrpSpPr>
-      <p:grpSpPr>
-        <a:xfrm>
-          <a:off x="0" y="0"/>
-          <a:ext cx="0" cy="0"/>
-          <a:chOff x="0" y="0"/>
-          <a:chExt cx="0" cy="0"/>
-        </a:xfrm>
-      </p:grpSpPr>
-      <p:sp>
-        <p:nvSpPr>
-          <p:cNvPr id="4" name="Title 3"/>
-          <p:cNvSpPr>
-            <a:spLocks noGrp="1"/>
-          </p:cNvSpPr>
-          <p:nvPr>
-            <p:ph type="title"/>
-          </p:nvPr>
-        </p:nvSpPr>
-        <p:spPr/>
-        <p:txBody>
-          <a:bodyPr/>
-          <a:lstStyle/>
-          <a:p>
-            <a:r>
-              <a:rPr lang="pt-PT" dirty="0" smtClean="0"/>
-              <a:t>Requisitos do utilizador e de sistema funcionais</a:t>
+              <a:t>Requisitos do utilizador e de sistema </a:t>
+            </a:r>
+            <a:r>
+              <a:rPr lang="pt-PT" dirty="0"/>
+              <a:t>funcionais – Cliente e Profissional</a:t>
             </a:r>
             <a:endParaRPr lang="pt-PT" dirty="0"/>
           </a:p>
@@ -10958,7 +10551,7 @@
 </p:sld>
 </file>
 
-<file path=ppt/slides/slide31.xml><?xml version="1.0" encoding="utf-8"?>
+<file path=ppt/slides/slide27.xml><?xml version="1.0" encoding="utf-8"?>
 <p:sld xmlns:a="http://schemas.openxmlformats.org/drawingml/2006/main" xmlns:r="http://schemas.openxmlformats.org/officeDocument/2006/relationships" xmlns:p="http://schemas.openxmlformats.org/presentationml/2006/main">
   <p:cSld>
     <p:spTree>
@@ -10992,7 +10585,11 @@
           <a:p>
             <a:r>
               <a:rPr lang="pt-PT" dirty="0" smtClean="0"/>
-              <a:t>Requisitos do utilizador e de sistema funcionais</a:t>
+              <a:t>Requisitos do utilizador e de sistema </a:t>
+            </a:r>
+            <a:r>
+              <a:rPr lang="pt-PT" dirty="0" smtClean="0"/>
+              <a:t>funcionais - Administrador</a:t>
             </a:r>
             <a:endParaRPr lang="pt-PT" dirty="0"/>
           </a:p>
@@ -11006,100 +10603,15 @@
           </p:cNvPicPr>
           <p:nvPr/>
         </p:nvPicPr>
-        <p:blipFill>
+        <p:blipFill rotWithShape="1">
           <a:blip r:embed="rId2"/>
-          <a:stretch>
-            <a:fillRect/>
-          </a:stretch>
+          <a:srcRect t="19861"/>
+          <a:stretch/>
         </p:blipFill>
         <p:spPr>
           <a:xfrm>
-            <a:off x="677334" y="2267241"/>
-            <a:ext cx="9103595" cy="2957902"/>
-          </a:xfrm>
-          <a:prstGeom prst="rect">
-            <a:avLst/>
-          </a:prstGeom>
-        </p:spPr>
-      </p:pic>
-    </p:spTree>
-    <p:extLst>
-      <p:ext uri="{BB962C8B-B14F-4D97-AF65-F5344CB8AC3E}">
-        <p14:creationId xmlns:p14="http://schemas.microsoft.com/office/powerpoint/2010/main" val="3027359546"/>
-      </p:ext>
-    </p:extLst>
-  </p:cSld>
-  <p:clrMapOvr>
-    <a:masterClrMapping/>
-  </p:clrMapOvr>
-  <p:timing>
-    <p:tnLst>
-      <p:par>
-        <p:cTn id="1" dur="indefinite" restart="never" nodeType="tmRoot"/>
-      </p:par>
-    </p:tnLst>
-  </p:timing>
-</p:sld>
-</file>
-
-<file path=ppt/slides/slide32.xml><?xml version="1.0" encoding="utf-8"?>
-<p:sld xmlns:a="http://schemas.openxmlformats.org/drawingml/2006/main" xmlns:r="http://schemas.openxmlformats.org/officeDocument/2006/relationships" xmlns:p="http://schemas.openxmlformats.org/presentationml/2006/main">
-  <p:cSld>
-    <p:spTree>
-      <p:nvGrpSpPr>
-        <p:cNvPr id="1" name=""/>
-        <p:cNvGrpSpPr/>
-        <p:nvPr/>
-      </p:nvGrpSpPr>
-      <p:grpSpPr>
-        <a:xfrm>
-          <a:off x="0" y="0"/>
-          <a:ext cx="0" cy="0"/>
-          <a:chOff x="0" y="0"/>
-          <a:chExt cx="0" cy="0"/>
-        </a:xfrm>
-      </p:grpSpPr>
-      <p:sp>
-        <p:nvSpPr>
-          <p:cNvPr id="4" name="Title 3"/>
-          <p:cNvSpPr>
-            <a:spLocks noGrp="1"/>
-          </p:cNvSpPr>
-          <p:nvPr>
-            <p:ph type="title"/>
-          </p:nvPr>
-        </p:nvSpPr>
-        <p:spPr/>
-        <p:txBody>
-          <a:bodyPr/>
-          <a:lstStyle/>
-          <a:p>
-            <a:r>
-              <a:rPr lang="pt-PT" dirty="0" smtClean="0"/>
-              <a:t>Requisitos do utilizador e de sistema funcionais</a:t>
-            </a:r>
-            <a:endParaRPr lang="pt-PT" dirty="0"/>
-          </a:p>
-        </p:txBody>
-      </p:sp>
-      <p:pic>
-        <p:nvPicPr>
-          <p:cNvPr id="2" name="Picture 1"/>
-          <p:cNvPicPr>
-            <a:picLocks noChangeAspect="1"/>
-          </p:cNvPicPr>
-          <p:nvPr/>
-        </p:nvPicPr>
-        <p:blipFill>
-          <a:blip r:embed="rId2"/>
-          <a:stretch>
-            <a:fillRect/>
-          </a:stretch>
-        </p:blipFill>
-        <p:spPr>
-          <a:xfrm>
-            <a:off x="677334" y="2315838"/>
-            <a:ext cx="8153160" cy="3749060"/>
+            <a:off x="677334" y="2481942"/>
+            <a:ext cx="8153160" cy="3004457"/>
           </a:xfrm>
           <a:prstGeom prst="rect">
             <a:avLst/>
@@ -11126,7 +10638,7 @@
 </p:sld>
 </file>
 
-<file path=ppt/slides/slide33.xml><?xml version="1.0" encoding="utf-8"?>
+<file path=ppt/slides/slide28.xml><?xml version="1.0" encoding="utf-8"?>
 <p:sld xmlns:a="http://schemas.openxmlformats.org/drawingml/2006/main" xmlns:r="http://schemas.openxmlformats.org/officeDocument/2006/relationships" xmlns:p="http://schemas.openxmlformats.org/presentationml/2006/main">
   <p:cSld>
     <p:spTree>
@@ -11160,7 +10672,15 @@
           <a:p>
             <a:r>
               <a:rPr lang="pt-PT" dirty="0" smtClean="0"/>
-              <a:t>Requisitos do utilizador e de sistema funcionais</a:t>
+              <a:t>Requisitos do utilizador e de sistema </a:t>
+            </a:r>
+            <a:r>
+              <a:rPr lang="pt-PT" dirty="0"/>
+              <a:t>funcionais </a:t>
+            </a:r>
+            <a:r>
+              <a:rPr lang="pt-PT" dirty="0" smtClean="0"/>
+              <a:t>– Administrador</a:t>
             </a:r>
             <a:endParaRPr lang="pt-PT" dirty="0"/>
           </a:p>
@@ -11210,7 +10730,7 @@
 </p:sld>
 </file>
 
-<file path=ppt/slides/slide34.xml><?xml version="1.0" encoding="utf-8"?>
+<file path=ppt/slides/slide29.xml><?xml version="1.0" encoding="utf-8"?>
 <p:sld xmlns:a="http://schemas.openxmlformats.org/drawingml/2006/main" xmlns:r="http://schemas.openxmlformats.org/officeDocument/2006/relationships" xmlns:p="http://schemas.openxmlformats.org/presentationml/2006/main">
   <p:cSld>
     <p:spTree>
@@ -11244,7 +10764,11 @@
           <a:p>
             <a:r>
               <a:rPr lang="pt-PT" dirty="0" smtClean="0"/>
-              <a:t>Requisitos do utilizador e de sistema funcionais</a:t>
+              <a:t>Requisitos do utilizador e de sistema </a:t>
+            </a:r>
+            <a:r>
+              <a:rPr lang="pt-PT" dirty="0" smtClean="0"/>
+              <a:t>funcionais - Administrador</a:t>
             </a:r>
             <a:endParaRPr lang="pt-PT" dirty="0"/>
           </a:p>
@@ -11294,6 +10818,731 @@
 </p:sld>
 </file>
 
+<file path=ppt/slides/slide3.xml><?xml version="1.0" encoding="utf-8"?>
+<p:sld xmlns:a="http://schemas.openxmlformats.org/drawingml/2006/main" xmlns:r="http://schemas.openxmlformats.org/officeDocument/2006/relationships" xmlns:p="http://schemas.openxmlformats.org/presentationml/2006/main">
+  <p:cSld>
+    <p:spTree>
+      <p:nvGrpSpPr>
+        <p:cNvPr id="1" name=""/>
+        <p:cNvGrpSpPr/>
+        <p:nvPr/>
+      </p:nvGrpSpPr>
+      <p:grpSpPr>
+        <a:xfrm>
+          <a:off x="0" y="0"/>
+          <a:ext cx="0" cy="0"/>
+          <a:chOff x="0" y="0"/>
+          <a:chExt cx="0" cy="0"/>
+        </a:xfrm>
+      </p:grpSpPr>
+      <p:sp>
+        <p:nvSpPr>
+          <p:cNvPr id="2" name="Title 1"/>
+          <p:cNvSpPr>
+            <a:spLocks noGrp="1"/>
+          </p:cNvSpPr>
+          <p:nvPr>
+            <p:ph type="title"/>
+          </p:nvPr>
+        </p:nvSpPr>
+        <p:spPr/>
+        <p:txBody>
+          <a:bodyPr/>
+          <a:lstStyle/>
+          <a:p>
+            <a:r>
+              <a:rPr lang="pt-PT" dirty="0" smtClean="0"/>
+              <a:t>Parte I</a:t>
+            </a:r>
+            <a:endParaRPr lang="pt-PT" dirty="0"/>
+          </a:p>
+        </p:txBody>
+      </p:sp>
+      <p:sp>
+        <p:nvSpPr>
+          <p:cNvPr id="3" name="Text Placeholder 2"/>
+          <p:cNvSpPr>
+            <a:spLocks noGrp="1"/>
+          </p:cNvSpPr>
+          <p:nvPr>
+            <p:ph type="body" idx="1"/>
+          </p:nvPr>
+        </p:nvSpPr>
+        <p:spPr/>
+        <p:txBody>
+          <a:bodyPr/>
+          <a:lstStyle/>
+          <a:p>
+            <a:r>
+              <a:rPr lang="pt-PT" dirty="0" smtClean="0"/>
+              <a:t>Fundamentação</a:t>
+            </a:r>
+            <a:endParaRPr lang="pt-PT" dirty="0"/>
+          </a:p>
+        </p:txBody>
+      </p:sp>
+    </p:spTree>
+    <p:extLst>
+      <p:ext uri="{BB962C8B-B14F-4D97-AF65-F5344CB8AC3E}">
+        <p14:creationId xmlns:p14="http://schemas.microsoft.com/office/powerpoint/2010/main" val="2134899933"/>
+      </p:ext>
+    </p:extLst>
+  </p:cSld>
+  <p:clrMapOvr>
+    <a:masterClrMapping/>
+  </p:clrMapOvr>
+  <p:timing>
+    <p:tnLst>
+      <p:par>
+        <p:cTn id="1" dur="indefinite" restart="never" nodeType="tmRoot"/>
+      </p:par>
+    </p:tnLst>
+  </p:timing>
+</p:sld>
+</file>
+
+<file path=ppt/slides/slide30.xml><?xml version="1.0" encoding="utf-8"?>
+<p:sld xmlns:a="http://schemas.openxmlformats.org/drawingml/2006/main" xmlns:r="http://schemas.openxmlformats.org/officeDocument/2006/relationships" xmlns:p="http://schemas.openxmlformats.org/presentationml/2006/main">
+  <p:cSld>
+    <p:spTree>
+      <p:nvGrpSpPr>
+        <p:cNvPr id="1" name=""/>
+        <p:cNvGrpSpPr/>
+        <p:nvPr/>
+      </p:nvGrpSpPr>
+      <p:grpSpPr>
+        <a:xfrm>
+          <a:off x="0" y="0"/>
+          <a:ext cx="0" cy="0"/>
+          <a:chOff x="0" y="0"/>
+          <a:chExt cx="0" cy="0"/>
+        </a:xfrm>
+      </p:grpSpPr>
+      <p:sp>
+        <p:nvSpPr>
+          <p:cNvPr id="4" name="Title 3"/>
+          <p:cNvSpPr>
+            <a:spLocks noGrp="1"/>
+          </p:cNvSpPr>
+          <p:nvPr>
+            <p:ph type="title"/>
+          </p:nvPr>
+        </p:nvSpPr>
+        <p:spPr/>
+        <p:txBody>
+          <a:bodyPr/>
+          <a:lstStyle/>
+          <a:p>
+            <a:r>
+              <a:rPr lang="pt-PT" dirty="0" smtClean="0"/>
+              <a:t>Requisitos de sistem não-funcionais</a:t>
+            </a:r>
+            <a:endParaRPr lang="pt-PT" dirty="0"/>
+          </a:p>
+        </p:txBody>
+      </p:sp>
+      <p:sp>
+        <p:nvSpPr>
+          <p:cNvPr id="2" name="Content Placeholder 1"/>
+          <p:cNvSpPr>
+            <a:spLocks noGrp="1"/>
+          </p:cNvSpPr>
+          <p:nvPr>
+            <p:ph idx="1"/>
+          </p:nvPr>
+        </p:nvSpPr>
+        <p:spPr/>
+        <p:txBody>
+          <a:bodyPr>
+            <a:normAutofit/>
+          </a:bodyPr>
+          <a:lstStyle/>
+          <a:p>
+            <a:pPr algn="just"/>
+            <a:r>
+              <a:rPr lang="pt-PT" sz="2800" dirty="0" smtClean="0"/>
+              <a:t>Organizacionais</a:t>
+            </a:r>
+          </a:p>
+          <a:p>
+            <a:pPr lvl="1" algn="just"/>
+            <a:r>
+              <a:rPr lang="pt-PT" sz="2400" dirty="0"/>
+              <a:t>O utilizador deve autenticar-se com o seu username e a password respetiva</a:t>
+            </a:r>
+            <a:r>
+              <a:rPr lang="pt-PT" sz="2400" dirty="0" smtClean="0"/>
+              <a:t>;</a:t>
+            </a:r>
+          </a:p>
+          <a:p>
+            <a:pPr lvl="1" algn="just"/>
+            <a:r>
+              <a:rPr lang="pt-PT" sz="2400" dirty="0"/>
+              <a:t>A linguagem de programação a utilizar será C# em cooperação com a framework ASP.NET</a:t>
+            </a:r>
+            <a:r>
+              <a:rPr lang="pt-PT" sz="2400" dirty="0" smtClean="0"/>
+              <a:t>;</a:t>
+            </a:r>
+          </a:p>
+          <a:p>
+            <a:pPr lvl="1" algn="just"/>
+            <a:r>
+              <a:rPr lang="pt-PT" sz="2400" dirty="0"/>
+              <a:t>O SGBD a usar deve ser o SQL Server</a:t>
+            </a:r>
+            <a:r>
+              <a:rPr lang="pt-PT" sz="2400" dirty="0" smtClean="0"/>
+              <a:t>;</a:t>
+            </a:r>
+          </a:p>
+          <a:p>
+            <a:pPr lvl="1" algn="just"/>
+            <a:r>
+              <a:rPr lang="pt-PT" sz="2400" dirty="0"/>
+              <a:t>A aplicação será desenvolvida para web;</a:t>
+            </a:r>
+          </a:p>
+        </p:txBody>
+      </p:sp>
+    </p:spTree>
+    <p:extLst>
+      <p:ext uri="{BB962C8B-B14F-4D97-AF65-F5344CB8AC3E}">
+        <p14:creationId xmlns:p14="http://schemas.microsoft.com/office/powerpoint/2010/main" val="1620922798"/>
+      </p:ext>
+    </p:extLst>
+  </p:cSld>
+  <p:clrMapOvr>
+    <a:masterClrMapping/>
+  </p:clrMapOvr>
+  <p:timing>
+    <p:tnLst>
+      <p:par>
+        <p:cTn id="1" dur="indefinite" restart="never" nodeType="tmRoot"/>
+      </p:par>
+    </p:tnLst>
+  </p:timing>
+</p:sld>
+</file>
+
+<file path=ppt/slides/slide31.xml><?xml version="1.0" encoding="utf-8"?>
+<p:sld xmlns:a="http://schemas.openxmlformats.org/drawingml/2006/main" xmlns:r="http://schemas.openxmlformats.org/officeDocument/2006/relationships" xmlns:p="http://schemas.openxmlformats.org/presentationml/2006/main">
+  <p:cSld>
+    <p:spTree>
+      <p:nvGrpSpPr>
+        <p:cNvPr id="1" name=""/>
+        <p:cNvGrpSpPr/>
+        <p:nvPr/>
+      </p:nvGrpSpPr>
+      <p:grpSpPr>
+        <a:xfrm>
+          <a:off x="0" y="0"/>
+          <a:ext cx="0" cy="0"/>
+          <a:chOff x="0" y="0"/>
+          <a:chExt cx="0" cy="0"/>
+        </a:xfrm>
+      </p:grpSpPr>
+      <p:sp>
+        <p:nvSpPr>
+          <p:cNvPr id="4" name="Title 3"/>
+          <p:cNvSpPr>
+            <a:spLocks noGrp="1"/>
+          </p:cNvSpPr>
+          <p:nvPr>
+            <p:ph type="title"/>
+          </p:nvPr>
+        </p:nvSpPr>
+        <p:spPr/>
+        <p:txBody>
+          <a:bodyPr/>
+          <a:lstStyle/>
+          <a:p>
+            <a:r>
+              <a:rPr lang="pt-PT" dirty="0" smtClean="0"/>
+              <a:t>Requisitos de sistem não-funcionais</a:t>
+            </a:r>
+            <a:endParaRPr lang="pt-PT" dirty="0"/>
+          </a:p>
+        </p:txBody>
+      </p:sp>
+      <p:sp>
+        <p:nvSpPr>
+          <p:cNvPr id="2" name="Content Placeholder 1"/>
+          <p:cNvSpPr>
+            <a:spLocks noGrp="1"/>
+          </p:cNvSpPr>
+          <p:nvPr>
+            <p:ph idx="1"/>
+          </p:nvPr>
+        </p:nvSpPr>
+        <p:spPr/>
+        <p:txBody>
+          <a:bodyPr>
+            <a:normAutofit/>
+          </a:bodyPr>
+          <a:lstStyle/>
+          <a:p>
+            <a:pPr algn="just"/>
+            <a:r>
+              <a:rPr lang="pt-PT" sz="2800" dirty="0" smtClean="0"/>
+              <a:t>Externos</a:t>
+            </a:r>
+          </a:p>
+          <a:p>
+            <a:pPr lvl="1" algn="just"/>
+            <a:r>
+              <a:rPr lang="pt-PT" sz="2400" dirty="0"/>
+              <a:t>O sistema deve recorrer a uma API de mapas para representar a localização do trabalho ou até mesmo para representar a sua própria localização</a:t>
+            </a:r>
+            <a:r>
+              <a:rPr lang="pt-PT" sz="2400" dirty="0" smtClean="0"/>
+              <a:t>;</a:t>
+            </a:r>
+          </a:p>
+          <a:p>
+            <a:pPr lvl="1" algn="just"/>
+            <a:r>
+              <a:rPr lang="pt-PT" sz="2400" dirty="0"/>
+              <a:t>O sistema não deve apresentar aos utilizadores dados privados acerca dos restantes utilizadores, sendo que, cada utilizador só pode ver os seus dados e aqueles que são públicos; </a:t>
+            </a:r>
+          </a:p>
+        </p:txBody>
+      </p:sp>
+    </p:spTree>
+    <p:extLst>
+      <p:ext uri="{BB962C8B-B14F-4D97-AF65-F5344CB8AC3E}">
+        <p14:creationId xmlns:p14="http://schemas.microsoft.com/office/powerpoint/2010/main" val="374380089"/>
+      </p:ext>
+    </p:extLst>
+  </p:cSld>
+  <p:clrMapOvr>
+    <a:masterClrMapping/>
+  </p:clrMapOvr>
+  <p:timing>
+    <p:tnLst>
+      <p:par>
+        <p:cTn id="1" dur="indefinite" restart="never" nodeType="tmRoot"/>
+      </p:par>
+    </p:tnLst>
+  </p:timing>
+</p:sld>
+</file>
+
+<file path=ppt/slides/slide32.xml><?xml version="1.0" encoding="utf-8"?>
+<p:sld xmlns:a="http://schemas.openxmlformats.org/drawingml/2006/main" xmlns:r="http://schemas.openxmlformats.org/officeDocument/2006/relationships" xmlns:p="http://schemas.openxmlformats.org/presentationml/2006/main">
+  <p:cSld>
+    <p:spTree>
+      <p:nvGrpSpPr>
+        <p:cNvPr id="1" name=""/>
+        <p:cNvGrpSpPr/>
+        <p:nvPr/>
+      </p:nvGrpSpPr>
+      <p:grpSpPr>
+        <a:xfrm>
+          <a:off x="0" y="0"/>
+          <a:ext cx="0" cy="0"/>
+          <a:chOff x="0" y="0"/>
+          <a:chExt cx="0" cy="0"/>
+        </a:xfrm>
+      </p:grpSpPr>
+      <p:sp>
+        <p:nvSpPr>
+          <p:cNvPr id="4" name="Title 3"/>
+          <p:cNvSpPr>
+            <a:spLocks noGrp="1"/>
+          </p:cNvSpPr>
+          <p:nvPr>
+            <p:ph type="title"/>
+          </p:nvPr>
+        </p:nvSpPr>
+        <p:spPr/>
+        <p:txBody>
+          <a:bodyPr/>
+          <a:lstStyle/>
+          <a:p>
+            <a:r>
+              <a:rPr lang="pt-PT" dirty="0" smtClean="0"/>
+              <a:t>Requisitos de sistem não-funcionais</a:t>
+            </a:r>
+            <a:endParaRPr lang="pt-PT" dirty="0"/>
+          </a:p>
+        </p:txBody>
+      </p:sp>
+      <p:sp>
+        <p:nvSpPr>
+          <p:cNvPr id="2" name="Content Placeholder 1"/>
+          <p:cNvSpPr>
+            <a:spLocks noGrp="1"/>
+          </p:cNvSpPr>
+          <p:nvPr>
+            <p:ph idx="1"/>
+          </p:nvPr>
+        </p:nvSpPr>
+        <p:spPr>
+          <a:xfrm>
+            <a:off x="677334" y="2160589"/>
+            <a:ext cx="8596668" cy="4352178"/>
+          </a:xfrm>
+        </p:spPr>
+        <p:txBody>
+          <a:bodyPr>
+            <a:normAutofit fontScale="92500"/>
+          </a:bodyPr>
+          <a:lstStyle/>
+          <a:p>
+            <a:pPr algn="just"/>
+            <a:r>
+              <a:rPr lang="pt-PT" sz="2800" dirty="0" smtClean="0"/>
+              <a:t>Produto</a:t>
+            </a:r>
+          </a:p>
+          <a:p>
+            <a:pPr lvl="1" algn="just"/>
+            <a:r>
+              <a:rPr lang="pt-PT" sz="2400" dirty="0"/>
+              <a:t>O sistema deve estar disponível 24h por dia. No pior dos casos, espera-se uma disponibilidade média superior a 99</a:t>
+            </a:r>
+            <a:r>
+              <a:rPr lang="pt-PT" sz="2400" dirty="0" smtClean="0"/>
+              <a:t>%;</a:t>
+            </a:r>
+          </a:p>
+          <a:p>
+            <a:pPr lvl="1" algn="just"/>
+            <a:r>
+              <a:rPr lang="pt-PT" sz="2400" dirty="0"/>
+              <a:t>O sistema deve ser de fácil uso</a:t>
+            </a:r>
+            <a:r>
+              <a:rPr lang="pt-PT" sz="2400" dirty="0" smtClean="0"/>
+              <a:t>;</a:t>
+            </a:r>
+          </a:p>
+          <a:p>
+            <a:pPr lvl="1" algn="just"/>
+            <a:r>
+              <a:rPr lang="pt-PT" sz="2400" dirty="0"/>
+              <a:t>O sistema deve ser produzido de modo a ser executado em todos os browsers</a:t>
+            </a:r>
+            <a:r>
+              <a:rPr lang="pt-PT" sz="2400" dirty="0" smtClean="0"/>
+              <a:t>;</a:t>
+            </a:r>
+          </a:p>
+          <a:p>
+            <a:pPr lvl="1" algn="just"/>
+            <a:r>
+              <a:rPr lang="pt-PT" sz="2400" dirty="0"/>
+              <a:t>O sistema deve suportar o registo de 1000 utilizadores, no espaço de 1 ano</a:t>
+            </a:r>
+            <a:r>
+              <a:rPr lang="pt-PT" sz="2400" dirty="0" smtClean="0"/>
+              <a:t>;</a:t>
+            </a:r>
+          </a:p>
+          <a:p>
+            <a:pPr lvl="1" algn="just"/>
+            <a:r>
+              <a:rPr lang="pt-PT" sz="2400" dirty="0"/>
+              <a:t>O nível de satisfação dos utilizadores com a aplicação deverá ser elevado.</a:t>
+            </a:r>
+          </a:p>
+        </p:txBody>
+      </p:sp>
+    </p:spTree>
+    <p:extLst>
+      <p:ext uri="{BB962C8B-B14F-4D97-AF65-F5344CB8AC3E}">
+        <p14:creationId xmlns:p14="http://schemas.microsoft.com/office/powerpoint/2010/main" val="206296111"/>
+      </p:ext>
+    </p:extLst>
+  </p:cSld>
+  <p:clrMapOvr>
+    <a:masterClrMapping/>
+  </p:clrMapOvr>
+  <p:timing>
+    <p:tnLst>
+      <p:par>
+        <p:cTn id="1" dur="indefinite" restart="never" nodeType="tmRoot"/>
+      </p:par>
+    </p:tnLst>
+  </p:timing>
+</p:sld>
+</file>
+
+<file path=ppt/slides/slide33.xml><?xml version="1.0" encoding="utf-8"?>
+<p:sld xmlns:a="http://schemas.openxmlformats.org/drawingml/2006/main" xmlns:r="http://schemas.openxmlformats.org/officeDocument/2006/relationships" xmlns:p="http://schemas.openxmlformats.org/presentationml/2006/main">
+  <p:cSld>
+    <p:spTree>
+      <p:nvGrpSpPr>
+        <p:cNvPr id="1" name=""/>
+        <p:cNvGrpSpPr/>
+        <p:nvPr/>
+      </p:nvGrpSpPr>
+      <p:grpSpPr>
+        <a:xfrm>
+          <a:off x="0" y="0"/>
+          <a:ext cx="0" cy="0"/>
+          <a:chOff x="0" y="0"/>
+          <a:chExt cx="0" cy="0"/>
+        </a:xfrm>
+      </p:grpSpPr>
+      <p:sp>
+        <p:nvSpPr>
+          <p:cNvPr id="4" name="Title 3"/>
+          <p:cNvSpPr>
+            <a:spLocks noGrp="1"/>
+          </p:cNvSpPr>
+          <p:nvPr>
+            <p:ph type="title"/>
+          </p:nvPr>
+        </p:nvSpPr>
+        <p:spPr>
+          <a:xfrm>
+            <a:off x="0" y="0"/>
+            <a:ext cx="8596668" cy="1320800"/>
+          </a:xfrm>
+        </p:spPr>
+        <p:txBody>
+          <a:bodyPr/>
+          <a:lstStyle/>
+          <a:p>
+            <a:r>
+              <a:rPr lang="pt-PT" dirty="0" smtClean="0"/>
+              <a:t>Diagrama de Use Cases</a:t>
+            </a:r>
+            <a:endParaRPr lang="pt-PT" dirty="0"/>
+          </a:p>
+        </p:txBody>
+      </p:sp>
+      <p:pic>
+        <p:nvPicPr>
+          <p:cNvPr id="2" name="Picture 1"/>
+          <p:cNvPicPr>
+            <a:picLocks noChangeAspect="1"/>
+          </p:cNvPicPr>
+          <p:nvPr/>
+        </p:nvPicPr>
+        <p:blipFill rotWithShape="1">
+          <a:blip r:embed="rId2">
+            <a:extLst>
+              <a:ext uri="{28A0092B-C50C-407E-A947-70E740481C1C}">
+                <a14:useLocalDpi xmlns:a14="http://schemas.microsoft.com/office/drawing/2010/main" val="0"/>
+              </a:ext>
+            </a:extLst>
+          </a:blip>
+          <a:srcRect l="-337" b="29091"/>
+          <a:stretch/>
+        </p:blipFill>
+        <p:spPr>
+          <a:xfrm>
+            <a:off x="0" y="695866"/>
+            <a:ext cx="5956503" cy="6162134"/>
+          </a:xfrm>
+          <a:prstGeom prst="rect">
+            <a:avLst/>
+          </a:prstGeom>
+        </p:spPr>
+      </p:pic>
+      <p:pic>
+        <p:nvPicPr>
+          <p:cNvPr id="3" name="Picture 2"/>
+          <p:cNvPicPr>
+            <a:picLocks noChangeAspect="1"/>
+          </p:cNvPicPr>
+          <p:nvPr/>
+        </p:nvPicPr>
+        <p:blipFill rotWithShape="1">
+          <a:blip r:embed="rId2">
+            <a:extLst>
+              <a:ext uri="{28A0092B-C50C-407E-A947-70E740481C1C}">
+                <a14:useLocalDpi xmlns:a14="http://schemas.microsoft.com/office/drawing/2010/main" val="0"/>
+              </a:ext>
+            </a:extLst>
+          </a:blip>
+          <a:srcRect t="46083" r="15453"/>
+          <a:stretch/>
+        </p:blipFill>
+        <p:spPr>
+          <a:xfrm>
+            <a:off x="6032192" y="1107644"/>
+            <a:ext cx="6159808" cy="5750356"/>
+          </a:xfrm>
+          <a:prstGeom prst="rect">
+            <a:avLst/>
+          </a:prstGeom>
+        </p:spPr>
+      </p:pic>
+    </p:spTree>
+    <p:extLst>
+      <p:ext uri="{BB962C8B-B14F-4D97-AF65-F5344CB8AC3E}">
+        <p14:creationId xmlns:p14="http://schemas.microsoft.com/office/powerpoint/2010/main" val="358780655"/>
+      </p:ext>
+    </p:extLst>
+  </p:cSld>
+  <p:clrMapOvr>
+    <a:masterClrMapping/>
+  </p:clrMapOvr>
+  <p:timing>
+    <p:tnLst>
+      <p:par>
+        <p:cTn id="1" dur="indefinite" restart="never" nodeType="tmRoot"/>
+      </p:par>
+    </p:tnLst>
+  </p:timing>
+</p:sld>
+</file>
+
+<file path=ppt/slides/slide34.xml><?xml version="1.0" encoding="utf-8"?>
+<p:sld xmlns:a="http://schemas.openxmlformats.org/drawingml/2006/main" xmlns:r="http://schemas.openxmlformats.org/officeDocument/2006/relationships" xmlns:p="http://schemas.openxmlformats.org/presentationml/2006/main">
+  <p:cSld>
+    <p:spTree>
+      <p:nvGrpSpPr>
+        <p:cNvPr id="1" name=""/>
+        <p:cNvGrpSpPr/>
+        <p:nvPr/>
+      </p:nvGrpSpPr>
+      <p:grpSpPr>
+        <a:xfrm>
+          <a:off x="0" y="0"/>
+          <a:ext cx="0" cy="0"/>
+          <a:chOff x="0" y="0"/>
+          <a:chExt cx="0" cy="0"/>
+        </a:xfrm>
+      </p:grpSpPr>
+      <p:sp>
+        <p:nvSpPr>
+          <p:cNvPr id="2" name="Title 1"/>
+          <p:cNvSpPr>
+            <a:spLocks noGrp="1"/>
+          </p:cNvSpPr>
+          <p:nvPr>
+            <p:ph type="title"/>
+          </p:nvPr>
+        </p:nvSpPr>
+        <p:spPr>
+          <a:xfrm>
+            <a:off x="677334" y="273698"/>
+            <a:ext cx="8596668" cy="1320800"/>
+          </a:xfrm>
+        </p:spPr>
+        <p:txBody>
+          <a:bodyPr/>
+          <a:lstStyle/>
+          <a:p>
+            <a:r>
+              <a:rPr lang="pt-PT" dirty="0" smtClean="0"/>
+              <a:t>Especificação do Use Case</a:t>
+            </a:r>
+            <a:br>
+              <a:rPr lang="pt-PT" dirty="0" smtClean="0"/>
+            </a:br>
+            <a:r>
+              <a:rPr lang="pt-PT" dirty="0" smtClean="0"/>
+              <a:t>“Agendar trabalho”</a:t>
+            </a:r>
+            <a:endParaRPr lang="pt-PT" dirty="0"/>
+          </a:p>
+        </p:txBody>
+      </p:sp>
+      <p:pic>
+        <p:nvPicPr>
+          <p:cNvPr id="3" name="Content Placeholder 2"/>
+          <p:cNvPicPr>
+            <a:picLocks noGrp="1" noChangeAspect="1"/>
+          </p:cNvPicPr>
+          <p:nvPr>
+            <p:ph sz="half" idx="1"/>
+          </p:nvPr>
+        </p:nvPicPr>
+        <p:blipFill rotWithShape="1">
+          <a:blip r:embed="rId2">
+            <a:extLst>
+              <a:ext uri="{28A0092B-C50C-407E-A947-70E740481C1C}">
+                <a14:useLocalDpi xmlns:a14="http://schemas.microsoft.com/office/drawing/2010/main" val="0"/>
+              </a:ext>
+            </a:extLst>
+          </a:blip>
+          <a:srcRect b="36953"/>
+          <a:stretch/>
+        </p:blipFill>
+        <p:spPr>
+          <a:xfrm>
+            <a:off x="677334" y="1750041"/>
+            <a:ext cx="4806178" cy="4706743"/>
+          </a:xfrm>
+        </p:spPr>
+      </p:pic>
+      <p:pic>
+        <p:nvPicPr>
+          <p:cNvPr id="7" name="Picture 6"/>
+          <p:cNvPicPr>
+            <a:picLocks noChangeAspect="1"/>
+          </p:cNvPicPr>
+          <p:nvPr/>
+        </p:nvPicPr>
+        <p:blipFill rotWithShape="1">
+          <a:blip r:embed="rId3">
+            <a:extLst>
+              <a:ext uri="{28A0092B-C50C-407E-A947-70E740481C1C}">
+                <a14:useLocalDpi xmlns:a14="http://schemas.microsoft.com/office/drawing/2010/main" val="0"/>
+              </a:ext>
+            </a:extLst>
+          </a:blip>
+          <a:srcRect t="36156"/>
+          <a:stretch/>
+        </p:blipFill>
+        <p:spPr>
+          <a:xfrm>
+            <a:off x="5913772" y="5240609"/>
+            <a:ext cx="5469575" cy="961251"/>
+          </a:xfrm>
+          <a:prstGeom prst="rect">
+            <a:avLst/>
+          </a:prstGeom>
+        </p:spPr>
+      </p:pic>
+      <p:pic>
+        <p:nvPicPr>
+          <p:cNvPr id="6" name="Content Placeholder 5"/>
+          <p:cNvPicPr>
+            <a:picLocks noGrp="1" noChangeAspect="1"/>
+          </p:cNvPicPr>
+          <p:nvPr>
+            <p:ph sz="half" idx="2"/>
+          </p:nvPr>
+        </p:nvPicPr>
+        <p:blipFill rotWithShape="1">
+          <a:blip r:embed="rId2">
+            <a:extLst>
+              <a:ext uri="{28A0092B-C50C-407E-A947-70E740481C1C}">
+                <a14:useLocalDpi xmlns:a14="http://schemas.microsoft.com/office/drawing/2010/main" val="0"/>
+              </a:ext>
+            </a:extLst>
+          </a:blip>
+          <a:srcRect t="58915" b="841"/>
+          <a:stretch/>
+        </p:blipFill>
+        <p:spPr>
+          <a:xfrm>
+            <a:off x="5913772" y="1824684"/>
+            <a:ext cx="5469575" cy="3419118"/>
+          </a:xfrm>
+        </p:spPr>
+      </p:pic>
+    </p:spTree>
+    <p:extLst>
+      <p:ext uri="{BB962C8B-B14F-4D97-AF65-F5344CB8AC3E}">
+        <p14:creationId xmlns:p14="http://schemas.microsoft.com/office/powerpoint/2010/main" val="3916033345"/>
+      </p:ext>
+    </p:extLst>
+  </p:cSld>
+  <p:clrMapOvr>
+    <a:masterClrMapping/>
+  </p:clrMapOvr>
+</p:sld>
+</file>
+
 <file path=ppt/slides/slide35.xml><?xml version="1.0" encoding="utf-8"?>
 <p:sld xmlns:a="http://schemas.openxmlformats.org/drawingml/2006/main" xmlns:r="http://schemas.openxmlformats.org/officeDocument/2006/relationships" xmlns:p="http://schemas.openxmlformats.org/presentationml/2006/main">
   <p:cSld>
@@ -11313,7 +11562,7 @@
       </p:grpSpPr>
       <p:sp>
         <p:nvSpPr>
-          <p:cNvPr id="4" name="Title 3"/>
+          <p:cNvPr id="2" name="Title 1"/>
           <p:cNvSpPr>
             <a:spLocks noGrp="1"/>
           </p:cNvSpPr>
@@ -11321,14 +11570,26 @@
             <p:ph type="title"/>
           </p:nvPr>
         </p:nvSpPr>
-        <p:spPr/>
+        <p:spPr>
+          <a:xfrm>
+            <a:off x="677334" y="273698"/>
+            <a:ext cx="8596668" cy="1320800"/>
+          </a:xfrm>
+        </p:spPr>
         <p:txBody>
           <a:bodyPr/>
           <a:lstStyle/>
           <a:p>
             <a:r>
               <a:rPr lang="pt-PT" dirty="0" smtClean="0"/>
-              <a:t>Requisitos do utilizador e de sistema funcionais</a:t>
+              <a:t>Especificação do Use Case</a:t>
+            </a:r>
+            <a:br>
+              <a:rPr lang="pt-PT" dirty="0" smtClean="0"/>
+            </a:br>
+            <a:r>
+              <a:rPr lang="pt-PT" dirty="0" smtClean="0"/>
+              <a:t>“Aceitar proposta de trabalho”</a:t>
             </a:r>
             <a:endParaRPr lang="pt-PT" dirty="0"/>
           </a:p>
@@ -11336,32 +11597,37 @@
       </p:sp>
       <p:pic>
         <p:nvPicPr>
-          <p:cNvPr id="2" name="Picture 1"/>
+          <p:cNvPr id="6" name="Content Placeholder 5"/>
           <p:cNvPicPr>
-            <a:picLocks noChangeAspect="1"/>
+            <a:picLocks noGrp="1" noChangeAspect="1"/>
           </p:cNvPicPr>
-          <p:nvPr/>
+          <p:nvPr>
+            <p:ph sz="half" idx="1"/>
+          </p:nvPr>
         </p:nvPicPr>
         <p:blipFill>
-          <a:blip r:embed="rId2"/>
+          <a:blip r:embed="rId2">
+            <a:extLst>
+              <a:ext uri="{28A0092B-C50C-407E-A947-70E740481C1C}">
+                <a14:useLocalDpi xmlns:a14="http://schemas.microsoft.com/office/drawing/2010/main" val="0"/>
+              </a:ext>
+            </a:extLst>
+          </a:blip>
           <a:stretch>
             <a:fillRect/>
           </a:stretch>
         </p:blipFill>
         <p:spPr>
           <a:xfrm>
-            <a:off x="492481" y="2724247"/>
-            <a:ext cx="8966374" cy="2762153"/>
+            <a:off x="677334" y="1594498"/>
+            <a:ext cx="7020919" cy="4936931"/>
           </a:xfrm>
-          <a:prstGeom prst="rect">
-            <a:avLst/>
-          </a:prstGeom>
         </p:spPr>
       </p:pic>
     </p:spTree>
     <p:extLst>
       <p:ext uri="{BB962C8B-B14F-4D97-AF65-F5344CB8AC3E}">
-        <p14:creationId xmlns:p14="http://schemas.microsoft.com/office/powerpoint/2010/main" val="2759846772"/>
+        <p14:creationId xmlns:p14="http://schemas.microsoft.com/office/powerpoint/2010/main" val="173754408"/>
       </p:ext>
     </p:extLst>
   </p:cSld>
@@ -11397,7 +11663,7 @@
       </p:grpSpPr>
       <p:sp>
         <p:nvSpPr>
-          <p:cNvPr id="4" name="Title 3"/>
+          <p:cNvPr id="2" name="Title 1"/>
           <p:cNvSpPr>
             <a:spLocks noGrp="1"/>
           </p:cNvSpPr>
@@ -11405,14 +11671,26 @@
             <p:ph type="title"/>
           </p:nvPr>
         </p:nvSpPr>
-        <p:spPr/>
+        <p:spPr>
+          <a:xfrm>
+            <a:off x="677334" y="273698"/>
+            <a:ext cx="8596668" cy="1320800"/>
+          </a:xfrm>
+        </p:spPr>
         <p:txBody>
           <a:bodyPr/>
           <a:lstStyle/>
           <a:p>
             <a:r>
               <a:rPr lang="pt-PT" dirty="0" smtClean="0"/>
-              <a:t>Requisitos do utilizador e de sistema funcionais</a:t>
+              <a:t>Especificação do Use Case</a:t>
+            </a:r>
+            <a:br>
+              <a:rPr lang="pt-PT" dirty="0" smtClean="0"/>
+            </a:br>
+            <a:r>
+              <a:rPr lang="pt-PT" dirty="0" smtClean="0"/>
+              <a:t>“Avaliar trabalho”</a:t>
             </a:r>
             <a:endParaRPr lang="pt-PT" dirty="0"/>
           </a:p>
@@ -11420,45 +11698,43 @@
       </p:sp>
       <p:pic>
         <p:nvPicPr>
-          <p:cNvPr id="2" name="Picture 1"/>
+          <p:cNvPr id="3" name="Content Placeholder 2"/>
           <p:cNvPicPr>
-            <a:picLocks noChangeAspect="1"/>
+            <a:picLocks noGrp="1" noChangeAspect="1"/>
           </p:cNvPicPr>
-          <p:nvPr/>
+          <p:nvPr>
+            <p:ph sz="half" idx="1"/>
+          </p:nvPr>
         </p:nvPicPr>
         <p:blipFill>
-          <a:blip r:embed="rId2"/>
+          <a:blip r:embed="rId2">
+            <a:extLst>
+              <a:ext uri="{28A0092B-C50C-407E-A947-70E740481C1C}">
+                <a14:useLocalDpi xmlns:a14="http://schemas.microsoft.com/office/drawing/2010/main" val="0"/>
+              </a:ext>
+            </a:extLst>
+          </a:blip>
           <a:stretch>
             <a:fillRect/>
           </a:stretch>
         </p:blipFill>
         <p:spPr>
           <a:xfrm>
-            <a:off x="416126" y="2122129"/>
-            <a:ext cx="8671264" cy="4092057"/>
+            <a:off x="677334" y="1594498"/>
+            <a:ext cx="8564288" cy="4843624"/>
           </a:xfrm>
-          <a:prstGeom prst="rect">
-            <a:avLst/>
-          </a:prstGeom>
         </p:spPr>
       </p:pic>
     </p:spTree>
     <p:extLst>
       <p:ext uri="{BB962C8B-B14F-4D97-AF65-F5344CB8AC3E}">
-        <p14:creationId xmlns:p14="http://schemas.microsoft.com/office/powerpoint/2010/main" val="4099501689"/>
+        <p14:creationId xmlns:p14="http://schemas.microsoft.com/office/powerpoint/2010/main" val="3346765317"/>
       </p:ext>
     </p:extLst>
   </p:cSld>
   <p:clrMapOvr>
     <a:masterClrMapping/>
   </p:clrMapOvr>
-  <p:timing>
-    <p:tnLst>
-      <p:par>
-        <p:cTn id="1" dur="indefinite" restart="never" nodeType="tmRoot"/>
-      </p:par>
-    </p:tnLst>
-  </p:timing>
 </p:sld>
 </file>
 
@@ -11481,7 +11757,7 @@
       </p:grpSpPr>
       <p:sp>
         <p:nvSpPr>
-          <p:cNvPr id="4" name="Title 3"/>
+          <p:cNvPr id="2" name="Title 1"/>
           <p:cNvSpPr>
             <a:spLocks noGrp="1"/>
           </p:cNvSpPr>
@@ -11489,14 +11765,26 @@
             <p:ph type="title"/>
           </p:nvPr>
         </p:nvSpPr>
-        <p:spPr/>
+        <p:spPr>
+          <a:xfrm>
+            <a:off x="677334" y="273698"/>
+            <a:ext cx="8596668" cy="1320800"/>
+          </a:xfrm>
+        </p:spPr>
         <p:txBody>
           <a:bodyPr/>
           <a:lstStyle/>
           <a:p>
             <a:r>
               <a:rPr lang="pt-PT" dirty="0" smtClean="0"/>
-              <a:t>Requisitos de sistem não-funcionais</a:t>
+              <a:t>Diagrama de Sequência de Sistema</a:t>
+            </a:r>
+            <a:br>
+              <a:rPr lang="pt-PT" dirty="0" smtClean="0"/>
+            </a:br>
+            <a:r>
+              <a:rPr lang="pt-PT" dirty="0" smtClean="0"/>
+              <a:t>“Agendar trabalho”</a:t>
             </a:r>
             <a:endParaRPr lang="pt-PT" dirty="0"/>
           </a:p>
@@ -11504,73 +11792,93 @@
       </p:sp>
       <p:sp>
         <p:nvSpPr>
-          <p:cNvPr id="2" name="Content Placeholder 1"/>
+          <p:cNvPr id="4" name="Content Placeholder 3"/>
           <p:cNvSpPr>
             <a:spLocks noGrp="1"/>
           </p:cNvSpPr>
           <p:nvPr>
-            <p:ph idx="1"/>
+            <p:ph sz="half" idx="1"/>
           </p:nvPr>
         </p:nvSpPr>
         <p:spPr/>
         <p:txBody>
-          <a:bodyPr>
-            <a:normAutofit/>
-          </a:bodyPr>
+          <a:bodyPr/>
           <a:lstStyle/>
           <a:p>
-            <a:pPr algn="just"/>
-            <a:r>
-              <a:rPr lang="pt-PT" sz="2800" dirty="0" smtClean="0"/>
-              <a:t>Organizacionais</a:t>
-            </a:r>
-          </a:p>
-          <a:p>
-            <a:pPr lvl="1" algn="just"/>
-            <a:r>
-              <a:rPr lang="pt-PT" sz="2400" dirty="0"/>
-              <a:t>O utilizador deve autenticar-se com o seu username e a password respetiva</a:t>
-            </a:r>
-            <a:r>
-              <a:rPr lang="pt-PT" sz="2400" dirty="0" smtClean="0"/>
-              <a:t>;</a:t>
-            </a:r>
-          </a:p>
-          <a:p>
-            <a:pPr lvl="1" algn="just"/>
-            <a:r>
-              <a:rPr lang="pt-PT" sz="2400" dirty="0"/>
-              <a:t>A linguagem de programação a utilizar será C# em cooperação com a framework ASP.NET</a:t>
-            </a:r>
-            <a:r>
-              <a:rPr lang="pt-PT" sz="2400" dirty="0" smtClean="0"/>
-              <a:t>;</a:t>
-            </a:r>
-          </a:p>
-          <a:p>
-            <a:pPr lvl="1" algn="just"/>
-            <a:r>
-              <a:rPr lang="pt-PT" sz="2400" dirty="0"/>
-              <a:t>O SGBD a usar deve ser o SQL Server</a:t>
-            </a:r>
-            <a:r>
-              <a:rPr lang="pt-PT" sz="2400" dirty="0" smtClean="0"/>
-              <a:t>;</a:t>
-            </a:r>
-          </a:p>
-          <a:p>
-            <a:pPr lvl="1" algn="just"/>
-            <a:r>
-              <a:rPr lang="pt-PT" sz="2400" dirty="0"/>
-              <a:t>A aplicação será desenvolvida para web;</a:t>
-            </a:r>
-          </a:p>
-        </p:txBody>
-      </p:sp>
+            <a:endParaRPr lang="pt-PT" dirty="0"/>
+          </a:p>
+        </p:txBody>
+      </p:sp>
+      <p:sp>
+        <p:nvSpPr>
+          <p:cNvPr id="5" name="Content Placeholder 4"/>
+          <p:cNvSpPr>
+            <a:spLocks noGrp="1"/>
+          </p:cNvSpPr>
+          <p:nvPr>
+            <p:ph sz="half" idx="2"/>
+          </p:nvPr>
+        </p:nvSpPr>
+        <p:spPr/>
+        <p:txBody>
+          <a:bodyPr/>
+          <a:lstStyle/>
+          <a:p>
+            <a:endParaRPr lang="pt-PT" dirty="0"/>
+          </a:p>
+        </p:txBody>
+      </p:sp>
+      <p:pic>
+        <p:nvPicPr>
+          <p:cNvPr id="3" name="Picture 2"/>
+          <p:cNvPicPr>
+            <a:picLocks noChangeAspect="1"/>
+          </p:cNvPicPr>
+          <p:nvPr/>
+        </p:nvPicPr>
+        <p:blipFill rotWithShape="1">
+          <a:blip r:embed="rId2"/>
+          <a:srcRect t="1196"/>
+          <a:stretch/>
+        </p:blipFill>
+        <p:spPr>
+          <a:xfrm>
+            <a:off x="0" y="1530220"/>
+            <a:ext cx="5779537" cy="5327780"/>
+          </a:xfrm>
+          <a:prstGeom prst="rect">
+            <a:avLst/>
+          </a:prstGeom>
+        </p:spPr>
+      </p:pic>
+      <p:pic>
+        <p:nvPicPr>
+          <p:cNvPr id="6" name="Picture 5"/>
+          <p:cNvPicPr>
+            <a:picLocks noChangeAspect="1"/>
+          </p:cNvPicPr>
+          <p:nvPr/>
+        </p:nvPicPr>
+        <p:blipFill>
+          <a:blip r:embed="rId3"/>
+          <a:stretch>
+            <a:fillRect/>
+          </a:stretch>
+        </p:blipFill>
+        <p:spPr>
+          <a:xfrm>
+            <a:off x="6217979" y="1594498"/>
+            <a:ext cx="5974021" cy="5279883"/>
+          </a:xfrm>
+          <a:prstGeom prst="rect">
+            <a:avLst/>
+          </a:prstGeom>
+        </p:spPr>
+      </p:pic>
     </p:spTree>
     <p:extLst>
       <p:ext uri="{BB962C8B-B14F-4D97-AF65-F5344CB8AC3E}">
-        <p14:creationId xmlns:p14="http://schemas.microsoft.com/office/powerpoint/2010/main" val="1620922798"/>
+        <p14:creationId xmlns:p14="http://schemas.microsoft.com/office/powerpoint/2010/main" val="2998013"/>
       </p:ext>
     </p:extLst>
   </p:cSld>
@@ -11606,7 +11914,7 @@
       </p:grpSpPr>
       <p:sp>
         <p:nvSpPr>
-          <p:cNvPr id="4" name="Title 3"/>
+          <p:cNvPr id="2" name="Title 1"/>
           <p:cNvSpPr>
             <a:spLocks noGrp="1"/>
           </p:cNvSpPr>
@@ -11614,14 +11922,26 @@
             <p:ph type="title"/>
           </p:nvPr>
         </p:nvSpPr>
-        <p:spPr/>
+        <p:spPr>
+          <a:xfrm>
+            <a:off x="677334" y="273698"/>
+            <a:ext cx="8596668" cy="1320800"/>
+          </a:xfrm>
+        </p:spPr>
         <p:txBody>
           <a:bodyPr/>
           <a:lstStyle/>
           <a:p>
             <a:r>
               <a:rPr lang="pt-PT" dirty="0" smtClean="0"/>
-              <a:t>Requisitos de sistem não-funcionais</a:t>
+              <a:t>Diagrama de Sequência de Sistema</a:t>
+            </a:r>
+            <a:br>
+              <a:rPr lang="pt-PT" dirty="0" smtClean="0"/>
+            </a:br>
+            <a:r>
+              <a:rPr lang="pt-PT" dirty="0" smtClean="0"/>
+              <a:t>“Aceitar proposta de trabalho”</a:t>
             </a:r>
             <a:endParaRPr lang="pt-PT" dirty="0"/>
           </a:p>
@@ -11629,51 +11949,70 @@
       </p:sp>
       <p:sp>
         <p:nvSpPr>
-          <p:cNvPr id="2" name="Content Placeholder 1"/>
+          <p:cNvPr id="4" name="Content Placeholder 3"/>
           <p:cNvSpPr>
             <a:spLocks noGrp="1"/>
           </p:cNvSpPr>
           <p:nvPr>
-            <p:ph idx="1"/>
+            <p:ph sz="half" idx="1"/>
           </p:nvPr>
         </p:nvSpPr>
         <p:spPr/>
         <p:txBody>
-          <a:bodyPr>
-            <a:normAutofit/>
-          </a:bodyPr>
+          <a:bodyPr/>
           <a:lstStyle/>
           <a:p>
-            <a:pPr algn="just"/>
-            <a:r>
-              <a:rPr lang="pt-PT" sz="2800" dirty="0" smtClean="0"/>
-              <a:t>Externos</a:t>
-            </a:r>
-          </a:p>
-          <a:p>
-            <a:pPr lvl="1" algn="just"/>
-            <a:r>
-              <a:rPr lang="pt-PT" sz="2400" dirty="0"/>
-              <a:t>O sistema deve recorrer a uma API de mapas para representar a localização do trabalho ou até mesmo para representar a sua própria localização</a:t>
-            </a:r>
-            <a:r>
-              <a:rPr lang="pt-PT" sz="2400" dirty="0" smtClean="0"/>
-              <a:t>;</a:t>
-            </a:r>
-          </a:p>
-          <a:p>
-            <a:pPr lvl="1" algn="just"/>
-            <a:r>
-              <a:rPr lang="pt-PT" sz="2400" dirty="0"/>
-              <a:t>O sistema não deve apresentar aos utilizadores dados privados acerca dos restantes utilizadores, sendo que, cada utilizador só pode ver os seus dados e aqueles que são públicos; </a:t>
-            </a:r>
-          </a:p>
-        </p:txBody>
-      </p:sp>
+            <a:endParaRPr lang="pt-PT" dirty="0"/>
+          </a:p>
+        </p:txBody>
+      </p:sp>
+      <p:sp>
+        <p:nvSpPr>
+          <p:cNvPr id="5" name="Content Placeholder 4"/>
+          <p:cNvSpPr>
+            <a:spLocks noGrp="1"/>
+          </p:cNvSpPr>
+          <p:nvPr>
+            <p:ph sz="half" idx="2"/>
+          </p:nvPr>
+        </p:nvSpPr>
+        <p:spPr/>
+        <p:txBody>
+          <a:bodyPr/>
+          <a:lstStyle/>
+          <a:p>
+            <a:endParaRPr lang="pt-PT" dirty="0"/>
+          </a:p>
+        </p:txBody>
+      </p:sp>
+      <p:pic>
+        <p:nvPicPr>
+          <p:cNvPr id="7" name="Picture 6"/>
+          <p:cNvPicPr>
+            <a:picLocks noChangeAspect="1"/>
+          </p:cNvPicPr>
+          <p:nvPr/>
+        </p:nvPicPr>
+        <p:blipFill>
+          <a:blip r:embed="rId2"/>
+          <a:stretch>
+            <a:fillRect/>
+          </a:stretch>
+        </p:blipFill>
+        <p:spPr>
+          <a:xfrm>
+            <a:off x="1797240" y="1608283"/>
+            <a:ext cx="6356855" cy="5149857"/>
+          </a:xfrm>
+          <a:prstGeom prst="rect">
+            <a:avLst/>
+          </a:prstGeom>
+        </p:spPr>
+      </p:pic>
     </p:spTree>
     <p:extLst>
       <p:ext uri="{BB962C8B-B14F-4D97-AF65-F5344CB8AC3E}">
-        <p14:creationId xmlns:p14="http://schemas.microsoft.com/office/powerpoint/2010/main" val="374380089"/>
+        <p14:creationId xmlns:p14="http://schemas.microsoft.com/office/powerpoint/2010/main" val="2756160048"/>
       </p:ext>
     </p:extLst>
   </p:cSld>
@@ -11709,7 +12048,7 @@
       </p:grpSpPr>
       <p:sp>
         <p:nvSpPr>
-          <p:cNvPr id="4" name="Title 3"/>
+          <p:cNvPr id="2" name="Title 1"/>
           <p:cNvSpPr>
             <a:spLocks noGrp="1"/>
           </p:cNvSpPr>
@@ -11717,14 +12056,26 @@
             <p:ph type="title"/>
           </p:nvPr>
         </p:nvSpPr>
-        <p:spPr/>
+        <p:spPr>
+          <a:xfrm>
+            <a:off x="677334" y="273698"/>
+            <a:ext cx="8596668" cy="1320800"/>
+          </a:xfrm>
+        </p:spPr>
         <p:txBody>
           <a:bodyPr/>
           <a:lstStyle/>
           <a:p>
             <a:r>
               <a:rPr lang="pt-PT" dirty="0" smtClean="0"/>
-              <a:t>Requisitos de sistem não-funcionais</a:t>
+              <a:t>Diagrama de Sequência de Sistema</a:t>
+            </a:r>
+            <a:br>
+              <a:rPr lang="pt-PT" dirty="0" smtClean="0"/>
+            </a:br>
+            <a:r>
+              <a:rPr lang="pt-PT" dirty="0" smtClean="0"/>
+              <a:t>“Avaliar trabalho”</a:t>
             </a:r>
             <a:endParaRPr lang="pt-PT" dirty="0"/>
           </a:p>
@@ -11732,89 +12083,70 @@
       </p:sp>
       <p:sp>
         <p:nvSpPr>
-          <p:cNvPr id="2" name="Content Placeholder 1"/>
+          <p:cNvPr id="4" name="Content Placeholder 3"/>
           <p:cNvSpPr>
             <a:spLocks noGrp="1"/>
           </p:cNvSpPr>
           <p:nvPr>
-            <p:ph idx="1"/>
+            <p:ph sz="half" idx="1"/>
           </p:nvPr>
         </p:nvSpPr>
+        <p:spPr/>
+        <p:txBody>
+          <a:bodyPr/>
+          <a:lstStyle/>
+          <a:p>
+            <a:endParaRPr lang="pt-PT" dirty="0"/>
+          </a:p>
+        </p:txBody>
+      </p:sp>
+      <p:sp>
+        <p:nvSpPr>
+          <p:cNvPr id="5" name="Content Placeholder 4"/>
+          <p:cNvSpPr>
+            <a:spLocks noGrp="1"/>
+          </p:cNvSpPr>
+          <p:nvPr>
+            <p:ph sz="half" idx="2"/>
+          </p:nvPr>
+        </p:nvSpPr>
+        <p:spPr/>
+        <p:txBody>
+          <a:bodyPr/>
+          <a:lstStyle/>
+          <a:p>
+            <a:endParaRPr lang="pt-PT" dirty="0"/>
+          </a:p>
+        </p:txBody>
+      </p:sp>
+      <p:pic>
+        <p:nvPicPr>
+          <p:cNvPr id="7" name="Picture 6"/>
+          <p:cNvPicPr>
+            <a:picLocks noChangeAspect="1"/>
+          </p:cNvPicPr>
+          <p:nvPr/>
+        </p:nvPicPr>
+        <p:blipFill>
+          <a:blip r:embed="rId2"/>
+          <a:stretch>
+            <a:fillRect/>
+          </a:stretch>
+        </p:blipFill>
         <p:spPr>
           <a:xfrm>
-            <a:off x="677334" y="2160589"/>
-            <a:ext cx="8596668" cy="4352178"/>
+            <a:off x="2461323" y="1594498"/>
+            <a:ext cx="5028689" cy="5277316"/>
           </a:xfrm>
+          <a:prstGeom prst="rect">
+            <a:avLst/>
+          </a:prstGeom>
         </p:spPr>
-        <p:txBody>
-          <a:bodyPr>
-            <a:normAutofit fontScale="92500"/>
-          </a:bodyPr>
-          <a:lstStyle/>
-          <a:p>
-            <a:pPr algn="just"/>
-            <a:r>
-              <a:rPr lang="pt-PT" sz="2800" dirty="0" smtClean="0"/>
-              <a:t>Produto</a:t>
-            </a:r>
-          </a:p>
-          <a:p>
-            <a:pPr lvl="1" algn="just"/>
-            <a:r>
-              <a:rPr lang="pt-PT" sz="2400" dirty="0"/>
-              <a:t>O sistema deve estar disponível 24h por dia. No pior dos casos, espera-se uma disponibilidade média superior a 99</a:t>
-            </a:r>
-            <a:r>
-              <a:rPr lang="pt-PT" sz="2400" dirty="0" smtClean="0"/>
-              <a:t>%;</a:t>
-            </a:r>
-          </a:p>
-          <a:p>
-            <a:pPr lvl="1" algn="just"/>
-            <a:r>
-              <a:rPr lang="pt-PT" sz="2400" dirty="0"/>
-              <a:t>O sistema deve ser de fácil uso</a:t>
-            </a:r>
-            <a:r>
-              <a:rPr lang="pt-PT" sz="2400" dirty="0" smtClean="0"/>
-              <a:t>;</a:t>
-            </a:r>
-          </a:p>
-          <a:p>
-            <a:pPr lvl="1" algn="just"/>
-            <a:r>
-              <a:rPr lang="pt-PT" sz="2400" dirty="0"/>
-              <a:t>O sistema deve ser produzido de modo a ser executado em todos os browsers</a:t>
-            </a:r>
-            <a:r>
-              <a:rPr lang="pt-PT" sz="2400" dirty="0" smtClean="0"/>
-              <a:t>;</a:t>
-            </a:r>
-          </a:p>
-          <a:p>
-            <a:pPr lvl="1" algn="just"/>
-            <a:r>
-              <a:rPr lang="pt-PT" sz="2400" dirty="0"/>
-              <a:t>O sistema deve suportar o registo de 1000 utilizadores, no espaço de 1 ano</a:t>
-            </a:r>
-            <a:r>
-              <a:rPr lang="pt-PT" sz="2400" dirty="0" smtClean="0"/>
-              <a:t>;</a:t>
-            </a:r>
-          </a:p>
-          <a:p>
-            <a:pPr lvl="1" algn="just"/>
-            <a:r>
-              <a:rPr lang="pt-PT" sz="2400" dirty="0"/>
-              <a:t>O nível de satisfação dos utilizadores com a aplicação deverá ser elevado.</a:t>
-            </a:r>
-          </a:p>
-        </p:txBody>
-      </p:sp>
+      </p:pic>
     </p:spTree>
     <p:extLst>
       <p:ext uri="{BB962C8B-B14F-4D97-AF65-F5344CB8AC3E}">
-        <p14:creationId xmlns:p14="http://schemas.microsoft.com/office/powerpoint/2010/main" val="206296111"/>
+        <p14:creationId xmlns:p14="http://schemas.microsoft.com/office/powerpoint/2010/main" val="198381671"/>
       </p:ext>
     </p:extLst>
   </p:cSld>
@@ -12018,66 +12350,6 @@
 </file>
 
 <file path=ppt/slides/slide40.xml><?xml version="1.0" encoding="utf-8"?>
-<p:sld xmlns:a="http://schemas.openxmlformats.org/drawingml/2006/main" xmlns:r="http://schemas.openxmlformats.org/officeDocument/2006/relationships" xmlns:p="http://schemas.openxmlformats.org/presentationml/2006/main">
-  <p:cSld>
-    <p:spTree>
-      <p:nvGrpSpPr>
-        <p:cNvPr id="1" name=""/>
-        <p:cNvGrpSpPr/>
-        <p:nvPr/>
-      </p:nvGrpSpPr>
-      <p:grpSpPr>
-        <a:xfrm>
-          <a:off x="0" y="0"/>
-          <a:ext cx="0" cy="0"/>
-          <a:chOff x="0" y="0"/>
-          <a:chExt cx="0" cy="0"/>
-        </a:xfrm>
-      </p:grpSpPr>
-      <p:sp>
-        <p:nvSpPr>
-          <p:cNvPr id="4" name="Title 3"/>
-          <p:cNvSpPr>
-            <a:spLocks noGrp="1"/>
-          </p:cNvSpPr>
-          <p:nvPr>
-            <p:ph type="title"/>
-          </p:nvPr>
-        </p:nvSpPr>
-        <p:spPr/>
-        <p:txBody>
-          <a:bodyPr/>
-          <a:lstStyle/>
-          <a:p>
-            <a:r>
-              <a:rPr lang="pt-PT" smtClean="0"/>
-              <a:t>Diagrama de Use Cases</a:t>
-            </a:r>
-            <a:endParaRPr lang="pt-PT" dirty="0"/>
-          </a:p>
-        </p:txBody>
-      </p:sp>
-    </p:spTree>
-    <p:extLst>
-      <p:ext uri="{BB962C8B-B14F-4D97-AF65-F5344CB8AC3E}">
-        <p14:creationId xmlns:p14="http://schemas.microsoft.com/office/powerpoint/2010/main" val="358780655"/>
-      </p:ext>
-    </p:extLst>
-  </p:cSld>
-  <p:clrMapOvr>
-    <a:masterClrMapping/>
-  </p:clrMapOvr>
-  <p:timing>
-    <p:tnLst>
-      <p:par>
-        <p:cTn id="1" dur="indefinite" restart="never" nodeType="tmRoot"/>
-      </p:par>
-    </p:tnLst>
-  </p:timing>
-</p:sld>
-</file>
-
-<file path=ppt/slides/slide41.xml><?xml version="1.0" encoding="utf-8"?>
 <p:sld xmlns:a="http://schemas.openxmlformats.org/drawingml/2006/main" xmlns:r="http://schemas.openxmlformats.org/officeDocument/2006/relationships" xmlns:p="http://schemas.openxmlformats.org/presentationml/2006/main">
   <p:cSld>
     <p:spTree>
@@ -12478,61 +12750,65 @@
           </a:p>
         </p:txBody>
       </p:sp>
+      <p:sp>
+        <p:nvSpPr>
+          <p:cNvPr id="11" name="TextBox 10"/>
+          <p:cNvSpPr txBox="1"/>
+          <p:nvPr/>
+        </p:nvSpPr>
+        <p:spPr>
+          <a:xfrm>
+            <a:off x="957" y="5901221"/>
+            <a:ext cx="6059251" cy="975103"/>
+          </a:xfrm>
+          <a:prstGeom prst="rect">
+            <a:avLst/>
+          </a:prstGeom>
+          <a:solidFill>
+            <a:schemeClr val="tx2">
+              <a:lumMod val="60000"/>
+              <a:lumOff val="40000"/>
+            </a:schemeClr>
+          </a:solidFill>
+        </p:spPr>
+        <p:txBody>
+          <a:bodyPr wrap="square" rtlCol="0">
+            <a:spAutoFit/>
+          </a:bodyPr>
+          <a:lstStyle/>
+          <a:p>
+            <a:endParaRPr lang="pt-PT" dirty="0"/>
+          </a:p>
+        </p:txBody>
+      </p:sp>
       <p:pic>
         <p:nvPicPr>
-          <p:cNvPr id="9" name="Picture 1" descr="logo">
-            <a:extLst>
-              <a:ext uri="{FF2B5EF4-FFF2-40B4-BE49-F238E27FC236}">
-                <a16:creationId xmlns:a16="http://schemas.microsoft.com/office/drawing/2014/main" id="{6A4C25DF-6080-4353-8A32-211555DA08D1}"/>
-              </a:ext>
-            </a:extLst>
-          </p:cNvPr>
+          <p:cNvPr id="12" name="Content Placeholder 5"/>
           <p:cNvPicPr>
-            <a:picLocks noChangeAspect="1" noChangeArrowheads="1"/>
+            <a:picLocks noChangeAspect="1"/>
           </p:cNvPicPr>
           <p:nvPr/>
         </p:nvPicPr>
         <p:blipFill>
           <a:blip r:embed="rId3">
-            <a:clrChange>
-              <a:clrFrom>
-                <a:srgbClr val="FFFFFF"/>
-              </a:clrFrom>
-              <a:clrTo>
-                <a:srgbClr val="FFFFFF">
-                  <a:alpha val="0"/>
-                </a:srgbClr>
-              </a:clrTo>
-            </a:clrChange>
             <a:extLst>
               <a:ext uri="{28A0092B-C50C-407E-A947-70E740481C1C}">
                 <a14:useLocalDpi xmlns:a14="http://schemas.microsoft.com/office/drawing/2010/main" val="0"/>
               </a:ext>
             </a:extLst>
           </a:blip>
-          <a:srcRect/>
           <a:stretch>
             <a:fillRect/>
           </a:stretch>
         </p:blipFill>
-        <p:spPr bwMode="auto">
+        <p:spPr>
           <a:xfrm>
-            <a:off x="-606743" y="5116263"/>
-            <a:ext cx="3080293" cy="1973313"/>
+            <a:off x="957" y="5901558"/>
+            <a:ext cx="6059251" cy="975103"/>
           </a:xfrm>
           <a:prstGeom prst="rect">
             <a:avLst/>
           </a:prstGeom>
-          <a:noFill/>
-          <a:extLst>
-            <a:ext uri="{909E8E84-426E-40DD-AFC4-6F175D3DCCD1}">
-              <a14:hiddenFill xmlns:a14="http://schemas.microsoft.com/office/drawing/2010/main">
-                <a:solidFill>
-                  <a:srgbClr val="FFFFFF"/>
-                </a:solidFill>
-              </a14:hiddenFill>
-            </a:ext>
-          </a:extLst>
         </p:spPr>
       </p:pic>
     </p:spTree>

--- a/relatorio/Fase 2/LI4.pptx
+++ b/relatorio/Fase 2/LI4.pptx
@@ -5,7 +5,7 @@
     <p:sldMasterId id="2147483648" r:id="rId1"/>
   </p:sldMasterIdLst>
   <p:notesMasterIdLst>
-    <p:notesMasterId r:id="rId42"/>
+    <p:notesMasterId r:id="rId58"/>
   </p:notesMasterIdLst>
   <p:sldIdLst>
     <p:sldId id="256" r:id="rId2"/>
@@ -47,7 +47,23 @@
     <p:sldId id="334" r:id="rId38"/>
     <p:sldId id="337" r:id="rId39"/>
     <p:sldId id="338" r:id="rId40"/>
-    <p:sldId id="303" r:id="rId41"/>
+    <p:sldId id="339" r:id="rId41"/>
+    <p:sldId id="340" r:id="rId42"/>
+    <p:sldId id="342" r:id="rId43"/>
+    <p:sldId id="341" r:id="rId44"/>
+    <p:sldId id="343" r:id="rId45"/>
+    <p:sldId id="344" r:id="rId46"/>
+    <p:sldId id="345" r:id="rId47"/>
+    <p:sldId id="346" r:id="rId48"/>
+    <p:sldId id="347" r:id="rId49"/>
+    <p:sldId id="348" r:id="rId50"/>
+    <p:sldId id="349" r:id="rId51"/>
+    <p:sldId id="351" r:id="rId52"/>
+    <p:sldId id="350" r:id="rId53"/>
+    <p:sldId id="352" r:id="rId54"/>
+    <p:sldId id="353" r:id="rId55"/>
+    <p:sldId id="354" r:id="rId56"/>
+    <p:sldId id="303" r:id="rId57"/>
   </p:sldIdLst>
   <p:sldSz cx="12192000" cy="6858000"/>
   <p:notesSz cx="6858000" cy="9144000"/>
@@ -12368,6 +12384,2048 @@
       </p:grpSpPr>
       <p:sp>
         <p:nvSpPr>
+          <p:cNvPr id="2" name="Title 1"/>
+          <p:cNvSpPr>
+            <a:spLocks noGrp="1"/>
+          </p:cNvSpPr>
+          <p:nvPr>
+            <p:ph type="title"/>
+          </p:nvPr>
+        </p:nvSpPr>
+        <p:spPr>
+          <a:xfrm>
+            <a:off x="677334" y="273698"/>
+            <a:ext cx="8596668" cy="1320800"/>
+          </a:xfrm>
+        </p:spPr>
+        <p:txBody>
+          <a:bodyPr/>
+          <a:lstStyle/>
+          <a:p>
+            <a:r>
+              <a:rPr lang="pt-PT" dirty="0" smtClean="0"/>
+              <a:t>Diagrama de Máquinas de Estado</a:t>
+            </a:r>
+            <a:endParaRPr lang="pt-PT" dirty="0"/>
+          </a:p>
+        </p:txBody>
+      </p:sp>
+      <p:pic>
+        <p:nvPicPr>
+          <p:cNvPr id="3" name="Content Placeholder 2"/>
+          <p:cNvPicPr>
+            <a:picLocks noGrp="1" noChangeAspect="1"/>
+          </p:cNvPicPr>
+          <p:nvPr>
+            <p:ph sz="half" idx="1"/>
+          </p:nvPr>
+        </p:nvPicPr>
+        <p:blipFill>
+          <a:blip r:embed="rId2">
+            <a:extLst>
+              <a:ext uri="{28A0092B-C50C-407E-A947-70E740481C1C}">
+                <a14:useLocalDpi xmlns:a14="http://schemas.microsoft.com/office/drawing/2010/main" val="0"/>
+              </a:ext>
+            </a:extLst>
+          </a:blip>
+          <a:stretch>
+            <a:fillRect/>
+          </a:stretch>
+        </p:blipFill>
+        <p:spPr>
+          <a:xfrm>
+            <a:off x="429207" y="1314580"/>
+            <a:ext cx="11382061" cy="5076890"/>
+          </a:xfrm>
+        </p:spPr>
+      </p:pic>
+    </p:spTree>
+    <p:extLst>
+      <p:ext uri="{BB962C8B-B14F-4D97-AF65-F5344CB8AC3E}">
+        <p14:creationId xmlns:p14="http://schemas.microsoft.com/office/powerpoint/2010/main" val="3238737404"/>
+      </p:ext>
+    </p:extLst>
+  </p:cSld>
+  <p:clrMapOvr>
+    <a:masterClrMapping/>
+  </p:clrMapOvr>
+  <p:timing>
+    <p:tnLst>
+      <p:par>
+        <p:cTn id="1" dur="indefinite" restart="never" nodeType="tmRoot"/>
+      </p:par>
+    </p:tnLst>
+  </p:timing>
+</p:sld>
+</file>
+
+<file path=ppt/slides/slide41.xml><?xml version="1.0" encoding="utf-8"?>
+<p:sld xmlns:a="http://schemas.openxmlformats.org/drawingml/2006/main" xmlns:r="http://schemas.openxmlformats.org/officeDocument/2006/relationships" xmlns:p="http://schemas.openxmlformats.org/presentationml/2006/main">
+  <p:cSld>
+    <p:spTree>
+      <p:nvGrpSpPr>
+        <p:cNvPr id="1" name=""/>
+        <p:cNvGrpSpPr/>
+        <p:nvPr/>
+      </p:nvGrpSpPr>
+      <p:grpSpPr>
+        <a:xfrm>
+          <a:off x="0" y="0"/>
+          <a:ext cx="0" cy="0"/>
+          <a:chOff x="0" y="0"/>
+          <a:chExt cx="0" cy="0"/>
+        </a:xfrm>
+      </p:grpSpPr>
+      <p:sp>
+        <p:nvSpPr>
+          <p:cNvPr id="2" name="Title 1"/>
+          <p:cNvSpPr>
+            <a:spLocks noGrp="1"/>
+          </p:cNvSpPr>
+          <p:nvPr>
+            <p:ph type="title"/>
+          </p:nvPr>
+        </p:nvSpPr>
+        <p:spPr>
+          <a:xfrm>
+            <a:off x="677334" y="273698"/>
+            <a:ext cx="8596668" cy="1320800"/>
+          </a:xfrm>
+        </p:spPr>
+        <p:txBody>
+          <a:bodyPr/>
+          <a:lstStyle/>
+          <a:p>
+            <a:r>
+              <a:rPr lang="pt-PT" dirty="0" smtClean="0"/>
+              <a:t>Diagrama de Máquinas de Estado</a:t>
+            </a:r>
+            <a:br>
+              <a:rPr lang="pt-PT" dirty="0" smtClean="0"/>
+            </a:br>
+            <a:r>
+              <a:rPr lang="pt-PT" dirty="0" smtClean="0"/>
+              <a:t>“Agendar Trabalho”</a:t>
+            </a:r>
+            <a:endParaRPr lang="pt-PT" dirty="0"/>
+          </a:p>
+        </p:txBody>
+      </p:sp>
+      <p:pic>
+        <p:nvPicPr>
+          <p:cNvPr id="5" name="Content Placeholder 4"/>
+          <p:cNvPicPr>
+            <a:picLocks noGrp="1" noChangeAspect="1"/>
+          </p:cNvPicPr>
+          <p:nvPr>
+            <p:ph sz="half" idx="1"/>
+          </p:nvPr>
+        </p:nvPicPr>
+        <p:blipFill>
+          <a:blip r:embed="rId2">
+            <a:extLst>
+              <a:ext uri="{28A0092B-C50C-407E-A947-70E740481C1C}">
+                <a14:useLocalDpi xmlns:a14="http://schemas.microsoft.com/office/drawing/2010/main" val="0"/>
+              </a:ext>
+            </a:extLst>
+          </a:blip>
+          <a:stretch>
+            <a:fillRect/>
+          </a:stretch>
+        </p:blipFill>
+        <p:spPr>
+          <a:xfrm>
+            <a:off x="677334" y="2220686"/>
+            <a:ext cx="10831168" cy="3903329"/>
+          </a:xfrm>
+        </p:spPr>
+      </p:pic>
+    </p:spTree>
+    <p:extLst>
+      <p:ext uri="{BB962C8B-B14F-4D97-AF65-F5344CB8AC3E}">
+        <p14:creationId xmlns:p14="http://schemas.microsoft.com/office/powerpoint/2010/main" val="1201757989"/>
+      </p:ext>
+    </p:extLst>
+  </p:cSld>
+  <p:clrMapOvr>
+    <a:masterClrMapping/>
+  </p:clrMapOvr>
+  <p:timing>
+    <p:tnLst>
+      <p:par>
+        <p:cTn id="1" dur="indefinite" restart="never" nodeType="tmRoot"/>
+      </p:par>
+    </p:tnLst>
+  </p:timing>
+</p:sld>
+</file>
+
+<file path=ppt/slides/slide42.xml><?xml version="1.0" encoding="utf-8"?>
+<p:sld xmlns:a="http://schemas.openxmlformats.org/drawingml/2006/main" xmlns:r="http://schemas.openxmlformats.org/officeDocument/2006/relationships" xmlns:p="http://schemas.openxmlformats.org/presentationml/2006/main">
+  <p:cSld>
+    <p:spTree>
+      <p:nvGrpSpPr>
+        <p:cNvPr id="1" name=""/>
+        <p:cNvGrpSpPr/>
+        <p:nvPr/>
+      </p:nvGrpSpPr>
+      <p:grpSpPr>
+        <a:xfrm>
+          <a:off x="0" y="0"/>
+          <a:ext cx="0" cy="0"/>
+          <a:chOff x="0" y="0"/>
+          <a:chExt cx="0" cy="0"/>
+        </a:xfrm>
+      </p:grpSpPr>
+      <p:sp>
+        <p:nvSpPr>
+          <p:cNvPr id="2" name="Title 1"/>
+          <p:cNvSpPr>
+            <a:spLocks noGrp="1"/>
+          </p:cNvSpPr>
+          <p:nvPr>
+            <p:ph type="title"/>
+          </p:nvPr>
+        </p:nvSpPr>
+        <p:spPr>
+          <a:xfrm>
+            <a:off x="677334" y="273698"/>
+            <a:ext cx="8596668" cy="1320800"/>
+          </a:xfrm>
+        </p:spPr>
+        <p:txBody>
+          <a:bodyPr/>
+          <a:lstStyle/>
+          <a:p>
+            <a:r>
+              <a:rPr lang="pt-PT" dirty="0" smtClean="0"/>
+              <a:t>Diagrama de Máquinas de Estado</a:t>
+            </a:r>
+            <a:br>
+              <a:rPr lang="pt-PT" dirty="0" smtClean="0"/>
+            </a:br>
+            <a:r>
+              <a:rPr lang="pt-PT" dirty="0" smtClean="0"/>
+              <a:t>“Verificar propostas de trabalho”</a:t>
+            </a:r>
+            <a:endParaRPr lang="pt-PT" dirty="0"/>
+          </a:p>
+        </p:txBody>
+      </p:sp>
+      <p:pic>
+        <p:nvPicPr>
+          <p:cNvPr id="4" name="Content Placeholder 3"/>
+          <p:cNvPicPr>
+            <a:picLocks noGrp="1" noChangeAspect="1"/>
+          </p:cNvPicPr>
+          <p:nvPr>
+            <p:ph sz="half" idx="1"/>
+          </p:nvPr>
+        </p:nvPicPr>
+        <p:blipFill>
+          <a:blip r:embed="rId2">
+            <a:extLst>
+              <a:ext uri="{28A0092B-C50C-407E-A947-70E740481C1C}">
+                <a14:useLocalDpi xmlns:a14="http://schemas.microsoft.com/office/drawing/2010/main" val="0"/>
+              </a:ext>
+            </a:extLst>
+          </a:blip>
+          <a:stretch>
+            <a:fillRect/>
+          </a:stretch>
+        </p:blipFill>
+        <p:spPr>
+          <a:xfrm>
+            <a:off x="677334" y="1594498"/>
+            <a:ext cx="10929419" cy="4966432"/>
+          </a:xfrm>
+        </p:spPr>
+      </p:pic>
+    </p:spTree>
+    <p:extLst>
+      <p:ext uri="{BB962C8B-B14F-4D97-AF65-F5344CB8AC3E}">
+        <p14:creationId xmlns:p14="http://schemas.microsoft.com/office/powerpoint/2010/main" val="3326109473"/>
+      </p:ext>
+    </p:extLst>
+  </p:cSld>
+  <p:clrMapOvr>
+    <a:masterClrMapping/>
+  </p:clrMapOvr>
+  <p:timing>
+    <p:tnLst>
+      <p:par>
+        <p:cTn id="1" dur="indefinite" restart="never" nodeType="tmRoot"/>
+      </p:par>
+    </p:tnLst>
+  </p:timing>
+</p:sld>
+</file>
+
+<file path=ppt/slides/slide43.xml><?xml version="1.0" encoding="utf-8"?>
+<p:sld xmlns:a="http://schemas.openxmlformats.org/drawingml/2006/main" xmlns:r="http://schemas.openxmlformats.org/officeDocument/2006/relationships" xmlns:p="http://schemas.openxmlformats.org/presentationml/2006/main">
+  <p:cSld>
+    <p:spTree>
+      <p:nvGrpSpPr>
+        <p:cNvPr id="1" name=""/>
+        <p:cNvGrpSpPr/>
+        <p:nvPr/>
+      </p:nvGrpSpPr>
+      <p:grpSpPr>
+        <a:xfrm>
+          <a:off x="0" y="0"/>
+          <a:ext cx="0" cy="0"/>
+          <a:chOff x="0" y="0"/>
+          <a:chExt cx="0" cy="0"/>
+        </a:xfrm>
+      </p:grpSpPr>
+      <p:sp>
+        <p:nvSpPr>
+          <p:cNvPr id="2" name="Title 1"/>
+          <p:cNvSpPr>
+            <a:spLocks noGrp="1"/>
+          </p:cNvSpPr>
+          <p:nvPr>
+            <p:ph type="title"/>
+          </p:nvPr>
+        </p:nvSpPr>
+        <p:spPr>
+          <a:xfrm>
+            <a:off x="677334" y="273698"/>
+            <a:ext cx="8596668" cy="1320800"/>
+          </a:xfrm>
+        </p:spPr>
+        <p:txBody>
+          <a:bodyPr/>
+          <a:lstStyle/>
+          <a:p>
+            <a:r>
+              <a:rPr lang="pt-PT" dirty="0" smtClean="0"/>
+              <a:t>Diagrama de Máquinas de Estado</a:t>
+            </a:r>
+            <a:br>
+              <a:rPr lang="pt-PT" dirty="0" smtClean="0"/>
+            </a:br>
+            <a:r>
+              <a:rPr lang="pt-PT" dirty="0" smtClean="0"/>
+              <a:t>“Avaliar Trabalho”</a:t>
+            </a:r>
+            <a:endParaRPr lang="pt-PT" dirty="0"/>
+          </a:p>
+        </p:txBody>
+      </p:sp>
+      <p:pic>
+        <p:nvPicPr>
+          <p:cNvPr id="5" name="Content Placeholder 4"/>
+          <p:cNvPicPr>
+            <a:picLocks noGrp="1" noChangeAspect="1"/>
+          </p:cNvPicPr>
+          <p:nvPr>
+            <p:ph sz="half" idx="1"/>
+          </p:nvPr>
+        </p:nvPicPr>
+        <p:blipFill>
+          <a:blip r:embed="rId2">
+            <a:extLst>
+              <a:ext uri="{28A0092B-C50C-407E-A947-70E740481C1C}">
+                <a14:useLocalDpi xmlns:a14="http://schemas.microsoft.com/office/drawing/2010/main" val="0"/>
+              </a:ext>
+            </a:extLst>
+          </a:blip>
+          <a:stretch>
+            <a:fillRect/>
+          </a:stretch>
+        </p:blipFill>
+        <p:spPr>
+          <a:xfrm>
+            <a:off x="677334" y="2108718"/>
+            <a:ext cx="10875761" cy="3437415"/>
+          </a:xfrm>
+        </p:spPr>
+      </p:pic>
+    </p:spTree>
+    <p:extLst>
+      <p:ext uri="{BB962C8B-B14F-4D97-AF65-F5344CB8AC3E}">
+        <p14:creationId xmlns:p14="http://schemas.microsoft.com/office/powerpoint/2010/main" val="1126668763"/>
+      </p:ext>
+    </p:extLst>
+  </p:cSld>
+  <p:clrMapOvr>
+    <a:masterClrMapping/>
+  </p:clrMapOvr>
+  <p:timing>
+    <p:tnLst>
+      <p:par>
+        <p:cTn id="1" dur="indefinite" restart="never" nodeType="tmRoot"/>
+      </p:par>
+    </p:tnLst>
+  </p:timing>
+</p:sld>
+</file>
+
+<file path=ppt/slides/slide44.xml><?xml version="1.0" encoding="utf-8"?>
+<p:sld xmlns:a="http://schemas.openxmlformats.org/drawingml/2006/main" xmlns:r="http://schemas.openxmlformats.org/officeDocument/2006/relationships" xmlns:p="http://schemas.openxmlformats.org/presentationml/2006/main">
+  <p:cSld>
+    <p:spTree>
+      <p:nvGrpSpPr>
+        <p:cNvPr id="1" name=""/>
+        <p:cNvGrpSpPr/>
+        <p:nvPr/>
+      </p:nvGrpSpPr>
+      <p:grpSpPr>
+        <a:xfrm>
+          <a:off x="0" y="0"/>
+          <a:ext cx="0" cy="0"/>
+          <a:chOff x="0" y="0"/>
+          <a:chExt cx="0" cy="0"/>
+        </a:xfrm>
+      </p:grpSpPr>
+      <p:sp>
+        <p:nvSpPr>
+          <p:cNvPr id="2" name="Title 1"/>
+          <p:cNvSpPr>
+            <a:spLocks noGrp="1"/>
+          </p:cNvSpPr>
+          <p:nvPr>
+            <p:ph type="title"/>
+          </p:nvPr>
+        </p:nvSpPr>
+        <p:spPr>
+          <a:xfrm>
+            <a:off x="677334" y="273698"/>
+            <a:ext cx="8596668" cy="1320800"/>
+          </a:xfrm>
+        </p:spPr>
+        <p:txBody>
+          <a:bodyPr/>
+          <a:lstStyle/>
+          <a:p>
+            <a:r>
+              <a:rPr lang="pt-PT" dirty="0" smtClean="0"/>
+              <a:t>Diagrama de Atividade</a:t>
+            </a:r>
+            <a:endParaRPr lang="pt-PT" dirty="0"/>
+          </a:p>
+        </p:txBody>
+      </p:sp>
+      <p:pic>
+        <p:nvPicPr>
+          <p:cNvPr id="4" name="Content Placeholder 3"/>
+          <p:cNvPicPr>
+            <a:picLocks noGrp="1" noChangeAspect="1"/>
+          </p:cNvPicPr>
+          <p:nvPr>
+            <p:ph sz="half" idx="1"/>
+          </p:nvPr>
+        </p:nvPicPr>
+        <p:blipFill rotWithShape="1">
+          <a:blip r:embed="rId2">
+            <a:extLst>
+              <a:ext uri="{28A0092B-C50C-407E-A947-70E740481C1C}">
+                <a14:useLocalDpi xmlns:a14="http://schemas.microsoft.com/office/drawing/2010/main" val="0"/>
+              </a:ext>
+            </a:extLst>
+          </a:blip>
+          <a:srcRect b="8179"/>
+          <a:stretch/>
+        </p:blipFill>
+        <p:spPr>
+          <a:xfrm>
+            <a:off x="1751905" y="1044587"/>
+            <a:ext cx="6447526" cy="5813413"/>
+          </a:xfrm>
+        </p:spPr>
+      </p:pic>
+    </p:spTree>
+    <p:extLst>
+      <p:ext uri="{BB962C8B-B14F-4D97-AF65-F5344CB8AC3E}">
+        <p14:creationId xmlns:p14="http://schemas.microsoft.com/office/powerpoint/2010/main" val="153814074"/>
+      </p:ext>
+    </p:extLst>
+  </p:cSld>
+  <p:clrMapOvr>
+    <a:masterClrMapping/>
+  </p:clrMapOvr>
+  <p:timing>
+    <p:tnLst>
+      <p:par>
+        <p:cTn id="1" dur="indefinite" restart="never" nodeType="tmRoot"/>
+      </p:par>
+    </p:tnLst>
+  </p:timing>
+</p:sld>
+</file>
+
+<file path=ppt/slides/slide45.xml><?xml version="1.0" encoding="utf-8"?>
+<p:sld xmlns:a="http://schemas.openxmlformats.org/drawingml/2006/main" xmlns:r="http://schemas.openxmlformats.org/officeDocument/2006/relationships" xmlns:p="http://schemas.openxmlformats.org/presentationml/2006/main">
+  <p:cSld>
+    <p:spTree>
+      <p:nvGrpSpPr>
+        <p:cNvPr id="1" name=""/>
+        <p:cNvGrpSpPr/>
+        <p:nvPr/>
+      </p:nvGrpSpPr>
+      <p:grpSpPr>
+        <a:xfrm>
+          <a:off x="0" y="0"/>
+          <a:ext cx="0" cy="0"/>
+          <a:chOff x="0" y="0"/>
+          <a:chExt cx="0" cy="0"/>
+        </a:xfrm>
+      </p:grpSpPr>
+      <p:sp>
+        <p:nvSpPr>
+          <p:cNvPr id="2" name="Title 1"/>
+          <p:cNvSpPr>
+            <a:spLocks noGrp="1"/>
+          </p:cNvSpPr>
+          <p:nvPr>
+            <p:ph type="title"/>
+          </p:nvPr>
+        </p:nvSpPr>
+        <p:spPr>
+          <a:xfrm>
+            <a:off x="677334" y="273698"/>
+            <a:ext cx="8596668" cy="1320800"/>
+          </a:xfrm>
+        </p:spPr>
+        <p:txBody>
+          <a:bodyPr/>
+          <a:lstStyle/>
+          <a:p>
+            <a:r>
+              <a:rPr lang="pt-PT" dirty="0" smtClean="0"/>
+              <a:t>Diagrama de Classes</a:t>
+            </a:r>
+            <a:endParaRPr lang="pt-PT" dirty="0"/>
+          </a:p>
+        </p:txBody>
+      </p:sp>
+      <p:pic>
+        <p:nvPicPr>
+          <p:cNvPr id="5" name="Content Placeholder 4"/>
+          <p:cNvPicPr>
+            <a:picLocks noGrp="1" noChangeAspect="1"/>
+          </p:cNvPicPr>
+          <p:nvPr>
+            <p:ph sz="half" idx="1"/>
+          </p:nvPr>
+        </p:nvPicPr>
+        <p:blipFill>
+          <a:blip r:embed="rId2">
+            <a:extLst>
+              <a:ext uri="{28A0092B-C50C-407E-A947-70E740481C1C}">
+                <a14:useLocalDpi xmlns:a14="http://schemas.microsoft.com/office/drawing/2010/main" val="0"/>
+              </a:ext>
+            </a:extLst>
+          </a:blip>
+          <a:stretch>
+            <a:fillRect/>
+          </a:stretch>
+        </p:blipFill>
+        <p:spPr>
+          <a:xfrm>
+            <a:off x="1192393" y="882788"/>
+            <a:ext cx="7566549" cy="5975212"/>
+          </a:xfrm>
+        </p:spPr>
+      </p:pic>
+    </p:spTree>
+    <p:extLst>
+      <p:ext uri="{BB962C8B-B14F-4D97-AF65-F5344CB8AC3E}">
+        <p14:creationId xmlns:p14="http://schemas.microsoft.com/office/powerpoint/2010/main" val="2834995219"/>
+      </p:ext>
+    </p:extLst>
+  </p:cSld>
+  <p:clrMapOvr>
+    <a:masterClrMapping/>
+  </p:clrMapOvr>
+  <p:timing>
+    <p:tnLst>
+      <p:par>
+        <p:cTn id="1" dur="indefinite" restart="never" nodeType="tmRoot"/>
+      </p:par>
+    </p:tnLst>
+  </p:timing>
+</p:sld>
+</file>
+
+<file path=ppt/slides/slide46.xml><?xml version="1.0" encoding="utf-8"?>
+<p:sld xmlns:a="http://schemas.openxmlformats.org/drawingml/2006/main" xmlns:r="http://schemas.openxmlformats.org/officeDocument/2006/relationships" xmlns:p="http://schemas.openxmlformats.org/presentationml/2006/main">
+  <p:cSld>
+    <p:spTree>
+      <p:nvGrpSpPr>
+        <p:cNvPr id="1" name=""/>
+        <p:cNvGrpSpPr/>
+        <p:nvPr/>
+      </p:nvGrpSpPr>
+      <p:grpSpPr>
+        <a:xfrm>
+          <a:off x="0" y="0"/>
+          <a:ext cx="0" cy="0"/>
+          <a:chOff x="0" y="0"/>
+          <a:chExt cx="0" cy="0"/>
+        </a:xfrm>
+      </p:grpSpPr>
+      <p:sp>
+        <p:nvSpPr>
+          <p:cNvPr id="2" name="Title 1"/>
+          <p:cNvSpPr>
+            <a:spLocks noGrp="1"/>
+          </p:cNvSpPr>
+          <p:nvPr>
+            <p:ph type="title"/>
+          </p:nvPr>
+        </p:nvSpPr>
+        <p:spPr>
+          <a:xfrm>
+            <a:off x="677334" y="273698"/>
+            <a:ext cx="8596668" cy="1320800"/>
+          </a:xfrm>
+        </p:spPr>
+        <p:txBody>
+          <a:bodyPr/>
+          <a:lstStyle/>
+          <a:p>
+            <a:r>
+              <a:rPr lang="pt-PT" dirty="0" smtClean="0"/>
+              <a:t>Modelo Conceptual</a:t>
+            </a:r>
+            <a:endParaRPr lang="pt-PT" dirty="0"/>
+          </a:p>
+        </p:txBody>
+      </p:sp>
+      <p:pic>
+        <p:nvPicPr>
+          <p:cNvPr id="4" name="Content Placeholder 3"/>
+          <p:cNvPicPr>
+            <a:picLocks noGrp="1" noChangeAspect="1"/>
+          </p:cNvPicPr>
+          <p:nvPr>
+            <p:ph sz="half" idx="1"/>
+          </p:nvPr>
+        </p:nvPicPr>
+        <p:blipFill>
+          <a:blip r:embed="rId2">
+            <a:extLst>
+              <a:ext uri="{28A0092B-C50C-407E-A947-70E740481C1C}">
+                <a14:useLocalDpi xmlns:a14="http://schemas.microsoft.com/office/drawing/2010/main" val="0"/>
+              </a:ext>
+            </a:extLst>
+          </a:blip>
+          <a:stretch>
+            <a:fillRect/>
+          </a:stretch>
+        </p:blipFill>
+        <p:spPr>
+          <a:xfrm>
+            <a:off x="761441" y="1103402"/>
+            <a:ext cx="8428453" cy="5754598"/>
+          </a:xfrm>
+        </p:spPr>
+      </p:pic>
+    </p:spTree>
+    <p:extLst>
+      <p:ext uri="{BB962C8B-B14F-4D97-AF65-F5344CB8AC3E}">
+        <p14:creationId xmlns:p14="http://schemas.microsoft.com/office/powerpoint/2010/main" val="640155074"/>
+      </p:ext>
+    </p:extLst>
+  </p:cSld>
+  <p:clrMapOvr>
+    <a:masterClrMapping/>
+  </p:clrMapOvr>
+  <p:timing>
+    <p:tnLst>
+      <p:par>
+        <p:cTn id="1" dur="indefinite" restart="never" nodeType="tmRoot"/>
+      </p:par>
+    </p:tnLst>
+  </p:timing>
+</p:sld>
+</file>
+
+<file path=ppt/slides/slide47.xml><?xml version="1.0" encoding="utf-8"?>
+<p:sld xmlns:a="http://schemas.openxmlformats.org/drawingml/2006/main" xmlns:r="http://schemas.openxmlformats.org/officeDocument/2006/relationships" xmlns:p="http://schemas.openxmlformats.org/presentationml/2006/main">
+  <p:cSld>
+    <p:spTree>
+      <p:nvGrpSpPr>
+        <p:cNvPr id="1" name=""/>
+        <p:cNvGrpSpPr/>
+        <p:nvPr/>
+      </p:nvGrpSpPr>
+      <p:grpSpPr>
+        <a:xfrm>
+          <a:off x="0" y="0"/>
+          <a:ext cx="0" cy="0"/>
+          <a:chOff x="0" y="0"/>
+          <a:chExt cx="0" cy="0"/>
+        </a:xfrm>
+      </p:grpSpPr>
+      <p:sp>
+        <p:nvSpPr>
+          <p:cNvPr id="2" name="Title 1"/>
+          <p:cNvSpPr>
+            <a:spLocks noGrp="1"/>
+          </p:cNvSpPr>
+          <p:nvPr>
+            <p:ph type="title"/>
+          </p:nvPr>
+        </p:nvSpPr>
+        <p:spPr>
+          <a:xfrm>
+            <a:off x="677334" y="273698"/>
+            <a:ext cx="8596668" cy="1320800"/>
+          </a:xfrm>
+        </p:spPr>
+        <p:txBody>
+          <a:bodyPr/>
+          <a:lstStyle/>
+          <a:p>
+            <a:r>
+              <a:rPr lang="pt-PT" dirty="0" smtClean="0"/>
+              <a:t>Entidades</a:t>
+            </a:r>
+            <a:endParaRPr lang="pt-PT" dirty="0"/>
+          </a:p>
+        </p:txBody>
+      </p:sp>
+      <p:sp>
+        <p:nvSpPr>
+          <p:cNvPr id="3" name="Content Placeholder 2"/>
+          <p:cNvSpPr>
+            <a:spLocks noGrp="1"/>
+          </p:cNvSpPr>
+          <p:nvPr>
+            <p:ph sz="half" idx="1"/>
+          </p:nvPr>
+        </p:nvSpPr>
+        <p:spPr/>
+        <p:txBody>
+          <a:bodyPr/>
+          <a:lstStyle/>
+          <a:p>
+            <a:endParaRPr lang="pt-PT"/>
+          </a:p>
+        </p:txBody>
+      </p:sp>
+      <p:pic>
+        <p:nvPicPr>
+          <p:cNvPr id="5" name="Picture 4"/>
+          <p:cNvPicPr>
+            <a:picLocks noChangeAspect="1"/>
+          </p:cNvPicPr>
+          <p:nvPr/>
+        </p:nvPicPr>
+        <p:blipFill>
+          <a:blip r:embed="rId2"/>
+          <a:stretch>
+            <a:fillRect/>
+          </a:stretch>
+        </p:blipFill>
+        <p:spPr>
+          <a:xfrm>
+            <a:off x="677334" y="1198886"/>
+            <a:ext cx="7811957" cy="5500126"/>
+          </a:xfrm>
+          <a:prstGeom prst="rect">
+            <a:avLst/>
+          </a:prstGeom>
+        </p:spPr>
+      </p:pic>
+    </p:spTree>
+    <p:extLst>
+      <p:ext uri="{BB962C8B-B14F-4D97-AF65-F5344CB8AC3E}">
+        <p14:creationId xmlns:p14="http://schemas.microsoft.com/office/powerpoint/2010/main" val="1708088456"/>
+      </p:ext>
+    </p:extLst>
+  </p:cSld>
+  <p:clrMapOvr>
+    <a:masterClrMapping/>
+  </p:clrMapOvr>
+  <p:timing>
+    <p:tnLst>
+      <p:par>
+        <p:cTn id="1" dur="indefinite" restart="never" nodeType="tmRoot"/>
+      </p:par>
+    </p:tnLst>
+  </p:timing>
+</p:sld>
+</file>
+
+<file path=ppt/slides/slide48.xml><?xml version="1.0" encoding="utf-8"?>
+<p:sld xmlns:a="http://schemas.openxmlformats.org/drawingml/2006/main" xmlns:r="http://schemas.openxmlformats.org/officeDocument/2006/relationships" xmlns:p="http://schemas.openxmlformats.org/presentationml/2006/main">
+  <p:cSld>
+    <p:spTree>
+      <p:nvGrpSpPr>
+        <p:cNvPr id="1" name=""/>
+        <p:cNvGrpSpPr/>
+        <p:nvPr/>
+      </p:nvGrpSpPr>
+      <p:grpSpPr>
+        <a:xfrm>
+          <a:off x="0" y="0"/>
+          <a:ext cx="0" cy="0"/>
+          <a:chOff x="0" y="0"/>
+          <a:chExt cx="0" cy="0"/>
+        </a:xfrm>
+      </p:grpSpPr>
+      <p:sp>
+        <p:nvSpPr>
+          <p:cNvPr id="2" name="Title 1"/>
+          <p:cNvSpPr>
+            <a:spLocks noGrp="1"/>
+          </p:cNvSpPr>
+          <p:nvPr>
+            <p:ph type="title"/>
+          </p:nvPr>
+        </p:nvSpPr>
+        <p:spPr>
+          <a:xfrm>
+            <a:off x="677334" y="273698"/>
+            <a:ext cx="8596668" cy="1320800"/>
+          </a:xfrm>
+        </p:spPr>
+        <p:txBody>
+          <a:bodyPr/>
+          <a:lstStyle/>
+          <a:p>
+            <a:r>
+              <a:rPr lang="pt-PT" dirty="0" smtClean="0"/>
+              <a:t>Tipos de relacionamento</a:t>
+            </a:r>
+            <a:endParaRPr lang="pt-PT" dirty="0"/>
+          </a:p>
+        </p:txBody>
+      </p:sp>
+      <p:sp>
+        <p:nvSpPr>
+          <p:cNvPr id="3" name="Content Placeholder 2"/>
+          <p:cNvSpPr>
+            <a:spLocks noGrp="1"/>
+          </p:cNvSpPr>
+          <p:nvPr>
+            <p:ph sz="half" idx="1"/>
+          </p:nvPr>
+        </p:nvSpPr>
+        <p:spPr/>
+        <p:txBody>
+          <a:bodyPr/>
+          <a:lstStyle/>
+          <a:p>
+            <a:endParaRPr lang="pt-PT"/>
+          </a:p>
+        </p:txBody>
+      </p:sp>
+      <p:pic>
+        <p:nvPicPr>
+          <p:cNvPr id="5" name="Picture 4"/>
+          <p:cNvPicPr>
+            <a:picLocks noChangeAspect="1"/>
+          </p:cNvPicPr>
+          <p:nvPr/>
+        </p:nvPicPr>
+        <p:blipFill>
+          <a:blip r:embed="rId2"/>
+          <a:stretch>
+            <a:fillRect/>
+          </a:stretch>
+        </p:blipFill>
+        <p:spPr>
+          <a:xfrm>
+            <a:off x="677334" y="2835243"/>
+            <a:ext cx="9413994" cy="1641801"/>
+          </a:xfrm>
+          <a:prstGeom prst="rect">
+            <a:avLst/>
+          </a:prstGeom>
+        </p:spPr>
+      </p:pic>
+    </p:spTree>
+    <p:extLst>
+      <p:ext uri="{BB962C8B-B14F-4D97-AF65-F5344CB8AC3E}">
+        <p14:creationId xmlns:p14="http://schemas.microsoft.com/office/powerpoint/2010/main" val="2001413485"/>
+      </p:ext>
+    </p:extLst>
+  </p:cSld>
+  <p:clrMapOvr>
+    <a:masterClrMapping/>
+  </p:clrMapOvr>
+  <p:timing>
+    <p:tnLst>
+      <p:par>
+        <p:cTn id="1" dur="indefinite" restart="never" nodeType="tmRoot"/>
+      </p:par>
+    </p:tnLst>
+  </p:timing>
+</p:sld>
+</file>
+
+<file path=ppt/slides/slide49.xml><?xml version="1.0" encoding="utf-8"?>
+<p:sld xmlns:a="http://schemas.openxmlformats.org/drawingml/2006/main" xmlns:r="http://schemas.openxmlformats.org/officeDocument/2006/relationships" xmlns:p="http://schemas.openxmlformats.org/presentationml/2006/main">
+  <p:cSld>
+    <p:spTree>
+      <p:nvGrpSpPr>
+        <p:cNvPr id="1" name=""/>
+        <p:cNvGrpSpPr/>
+        <p:nvPr/>
+      </p:nvGrpSpPr>
+      <p:grpSpPr>
+        <a:xfrm>
+          <a:off x="0" y="0"/>
+          <a:ext cx="0" cy="0"/>
+          <a:chOff x="0" y="0"/>
+          <a:chExt cx="0" cy="0"/>
+        </a:xfrm>
+      </p:grpSpPr>
+      <p:sp>
+        <p:nvSpPr>
+          <p:cNvPr id="2" name="Title 1"/>
+          <p:cNvSpPr>
+            <a:spLocks noGrp="1"/>
+          </p:cNvSpPr>
+          <p:nvPr>
+            <p:ph type="title"/>
+          </p:nvPr>
+        </p:nvSpPr>
+        <p:spPr>
+          <a:xfrm>
+            <a:off x="677334" y="273698"/>
+            <a:ext cx="8596668" cy="1320800"/>
+          </a:xfrm>
+        </p:spPr>
+        <p:txBody>
+          <a:bodyPr/>
+          <a:lstStyle/>
+          <a:p>
+            <a:r>
+              <a:rPr lang="pt-PT" dirty="0" smtClean="0"/>
+              <a:t>Atributos</a:t>
+            </a:r>
+            <a:endParaRPr lang="pt-PT" dirty="0"/>
+          </a:p>
+        </p:txBody>
+      </p:sp>
+      <p:sp>
+        <p:nvSpPr>
+          <p:cNvPr id="3" name="Content Placeholder 2"/>
+          <p:cNvSpPr>
+            <a:spLocks noGrp="1"/>
+          </p:cNvSpPr>
+          <p:nvPr>
+            <p:ph sz="half" idx="1"/>
+          </p:nvPr>
+        </p:nvSpPr>
+        <p:spPr>
+          <a:xfrm>
+            <a:off x="677334" y="2160589"/>
+            <a:ext cx="6749833" cy="3880772"/>
+          </a:xfrm>
+        </p:spPr>
+        <p:txBody>
+          <a:bodyPr>
+            <a:normAutofit/>
+          </a:bodyPr>
+          <a:lstStyle/>
+          <a:p>
+            <a:pPr algn="just"/>
+            <a:r>
+              <a:rPr lang="pt-PT" sz="2400" dirty="0" smtClean="0"/>
+              <a:t>Não existem quaisquer atributos compostos;</a:t>
+            </a:r>
+          </a:p>
+          <a:p>
+            <a:pPr algn="just"/>
+            <a:endParaRPr lang="pt-PT" sz="2400" dirty="0" smtClean="0"/>
+          </a:p>
+          <a:p>
+            <a:pPr algn="just"/>
+            <a:r>
+              <a:rPr lang="pt-PT" sz="2400" dirty="0" smtClean="0"/>
+              <a:t>O atributo Custo é derivado de Duração e Tipo (de Trabalho), com Turno (de Funcionário) e Estatuto (de Cliente);</a:t>
+            </a:r>
+          </a:p>
+          <a:p>
+            <a:pPr algn="just"/>
+            <a:endParaRPr lang="pt-PT" sz="2400" dirty="0" smtClean="0"/>
+          </a:p>
+          <a:p>
+            <a:pPr algn="just"/>
+            <a:r>
+              <a:rPr lang="pt-PT" sz="2400" dirty="0" smtClean="0"/>
+              <a:t>Não existem atributos multivalor; </a:t>
+            </a:r>
+            <a:endParaRPr lang="pt-PT" sz="2400" dirty="0"/>
+          </a:p>
+        </p:txBody>
+      </p:sp>
+    </p:spTree>
+    <p:extLst>
+      <p:ext uri="{BB962C8B-B14F-4D97-AF65-F5344CB8AC3E}">
+        <p14:creationId xmlns:p14="http://schemas.microsoft.com/office/powerpoint/2010/main" val="694921459"/>
+      </p:ext>
+    </p:extLst>
+  </p:cSld>
+  <p:clrMapOvr>
+    <a:masterClrMapping/>
+  </p:clrMapOvr>
+  <p:timing>
+    <p:tnLst>
+      <p:par>
+        <p:cTn id="1" dur="indefinite" restart="never" nodeType="tmRoot"/>
+      </p:par>
+    </p:tnLst>
+  </p:timing>
+</p:sld>
+</file>
+
+<file path=ppt/slides/slide5.xml><?xml version="1.0" encoding="utf-8"?>
+<p:sld xmlns:a="http://schemas.openxmlformats.org/drawingml/2006/main" xmlns:r="http://schemas.openxmlformats.org/officeDocument/2006/relationships" xmlns:p="http://schemas.openxmlformats.org/presentationml/2006/main">
+  <p:cSld>
+    <p:spTree>
+      <p:nvGrpSpPr>
+        <p:cNvPr id="1" name=""/>
+        <p:cNvGrpSpPr/>
+        <p:nvPr/>
+      </p:nvGrpSpPr>
+      <p:grpSpPr>
+        <a:xfrm>
+          <a:off x="0" y="0"/>
+          <a:ext cx="0" cy="0"/>
+          <a:chOff x="0" y="0"/>
+          <a:chExt cx="0" cy="0"/>
+        </a:xfrm>
+      </p:grpSpPr>
+      <p:sp>
+        <p:nvSpPr>
+          <p:cNvPr id="6" name="Título 1">
+            <a:extLst>
+              <a:ext uri="{FF2B5EF4-FFF2-40B4-BE49-F238E27FC236}">
+                <a16:creationId xmlns:a16="http://schemas.microsoft.com/office/drawing/2014/main" id="{76E33AE5-F7BC-4721-8718-71AB3D730002}"/>
+              </a:ext>
+            </a:extLst>
+          </p:cNvPr>
+          <p:cNvSpPr txBox="1">
+            <a:spLocks/>
+          </p:cNvSpPr>
+          <p:nvPr/>
+        </p:nvSpPr>
+        <p:spPr>
+          <a:xfrm>
+            <a:off x="283968" y="234908"/>
+            <a:ext cx="8596668" cy="1320800"/>
+          </a:xfrm>
+          <a:prstGeom prst="rect">
+            <a:avLst/>
+          </a:prstGeom>
+        </p:spPr>
+        <p:txBody>
+          <a:bodyPr/>
+          <a:lstStyle>
+            <a:lvl1pPr algn="l" defTabSz="457200" rtl="0" eaLnBrk="1" latinLnBrk="0" hangingPunct="1">
+              <a:spcBef>
+                <a:spcPct val="0"/>
+              </a:spcBef>
+              <a:buNone/>
+              <a:defRPr sz="3600" kern="1200">
+                <a:solidFill>
+                  <a:schemeClr val="accent1"/>
+                </a:solidFill>
+                <a:latin typeface="+mj-lt"/>
+                <a:ea typeface="+mj-ea"/>
+                <a:cs typeface="+mj-cs"/>
+              </a:defRPr>
+            </a:lvl1pPr>
+            <a:lvl2pPr eaLnBrk="1" hangingPunct="1">
+              <a:defRPr>
+                <a:solidFill>
+                  <a:schemeClr val="tx2"/>
+                </a:solidFill>
+              </a:defRPr>
+            </a:lvl2pPr>
+            <a:lvl3pPr eaLnBrk="1" hangingPunct="1">
+              <a:defRPr>
+                <a:solidFill>
+                  <a:schemeClr val="tx2"/>
+                </a:solidFill>
+              </a:defRPr>
+            </a:lvl3pPr>
+            <a:lvl4pPr eaLnBrk="1" hangingPunct="1">
+              <a:defRPr>
+                <a:solidFill>
+                  <a:schemeClr val="tx2"/>
+                </a:solidFill>
+              </a:defRPr>
+            </a:lvl4pPr>
+            <a:lvl5pPr eaLnBrk="1" hangingPunct="1">
+              <a:defRPr>
+                <a:solidFill>
+                  <a:schemeClr val="tx2"/>
+                </a:solidFill>
+              </a:defRPr>
+            </a:lvl5pPr>
+            <a:lvl6pPr eaLnBrk="1" hangingPunct="1">
+              <a:defRPr>
+                <a:solidFill>
+                  <a:schemeClr val="tx2"/>
+                </a:solidFill>
+              </a:defRPr>
+            </a:lvl6pPr>
+            <a:lvl7pPr eaLnBrk="1" hangingPunct="1">
+              <a:defRPr>
+                <a:solidFill>
+                  <a:schemeClr val="tx2"/>
+                </a:solidFill>
+              </a:defRPr>
+            </a:lvl7pPr>
+            <a:lvl8pPr eaLnBrk="1" hangingPunct="1">
+              <a:defRPr>
+                <a:solidFill>
+                  <a:schemeClr val="tx2"/>
+                </a:solidFill>
+              </a:defRPr>
+            </a:lvl8pPr>
+            <a:lvl9pPr eaLnBrk="1" hangingPunct="1">
+              <a:defRPr>
+                <a:solidFill>
+                  <a:schemeClr val="tx2"/>
+                </a:solidFill>
+              </a:defRPr>
+            </a:lvl9pPr>
+          </a:lstStyle>
+          <a:p>
+            <a:r>
+              <a:rPr lang="pt-PT" dirty="0"/>
+              <a:t>Contextualização</a:t>
+            </a:r>
+          </a:p>
+        </p:txBody>
+      </p:sp>
+      <p:sp>
+        <p:nvSpPr>
+          <p:cNvPr id="4" name="CaixaDeTexto 3">
+            <a:extLst>
+              <a:ext uri="{FF2B5EF4-FFF2-40B4-BE49-F238E27FC236}">
+                <a16:creationId xmlns:a16="http://schemas.microsoft.com/office/drawing/2014/main" id="{037B5F4B-DA41-45A6-98B2-0FFDF0BF4409}"/>
+              </a:ext>
+            </a:extLst>
+          </p:cNvPr>
+          <p:cNvSpPr txBox="1"/>
+          <p:nvPr/>
+        </p:nvSpPr>
+        <p:spPr>
+          <a:xfrm>
+            <a:off x="404948" y="1400499"/>
+            <a:ext cx="8987246" cy="4524315"/>
+          </a:xfrm>
+          <a:prstGeom prst="rect">
+            <a:avLst/>
+          </a:prstGeom>
+          <a:noFill/>
+        </p:spPr>
+        <p:txBody>
+          <a:bodyPr wrap="square" rtlCol="0">
+            <a:spAutoFit/>
+          </a:bodyPr>
+          <a:lstStyle/>
+          <a:p>
+            <a:pPr marL="342900" indent="-342900">
+              <a:buFont typeface="Arial" panose="020B0604020202020204" pitchFamily="34" charset="0"/>
+              <a:buChar char="•"/>
+            </a:pPr>
+            <a:r>
+              <a:rPr lang="pt-PT" sz="1600" dirty="0"/>
+              <a:t>Necessidade de produção contínua e rápida por parte das empresas, para singrar nos mercados económicos;</a:t>
+            </a:r>
+          </a:p>
+          <a:p>
+            <a:pPr marL="342900" indent="-342900">
+              <a:buFont typeface="Arial" panose="020B0604020202020204" pitchFamily="34" charset="0"/>
+              <a:buChar char="•"/>
+            </a:pPr>
+            <a:endParaRPr lang="pt-PT" sz="1600" dirty="0"/>
+          </a:p>
+          <a:p>
+            <a:pPr marL="342900" indent="-342900">
+              <a:buFont typeface="Arial" panose="020B0604020202020204" pitchFamily="34" charset="0"/>
+              <a:buChar char="•"/>
+            </a:pPr>
+            <a:r>
+              <a:rPr lang="pt-PT" sz="1600" dirty="0"/>
+              <a:t>Aumenta a carga horária dos trabalhadores -&gt; </a:t>
+            </a:r>
+            <a:r>
+              <a:rPr lang="pt-PT" sz="1600" b="1" dirty="0">
+                <a:solidFill>
+                  <a:schemeClr val="accent2"/>
+                </a:solidFill>
+              </a:rPr>
+              <a:t>problema</a:t>
+            </a:r>
+            <a:r>
+              <a:rPr lang="pt-PT" sz="1600" dirty="0">
+                <a:solidFill>
+                  <a:srgbClr val="FF0000"/>
+                </a:solidFill>
+              </a:rPr>
+              <a:t> </a:t>
+            </a:r>
+            <a:r>
+              <a:rPr lang="pt-PT" sz="1600" b="1" dirty="0">
+                <a:solidFill>
+                  <a:schemeClr val="accent2"/>
+                </a:solidFill>
+              </a:rPr>
+              <a:t>sério</a:t>
+            </a:r>
+            <a:r>
+              <a:rPr lang="pt-PT" sz="1600" dirty="0">
+                <a:solidFill>
+                  <a:srgbClr val="FF0000"/>
+                </a:solidFill>
+              </a:rPr>
+              <a:t> </a:t>
+            </a:r>
+            <a:r>
+              <a:rPr lang="pt-PT" sz="1600" dirty="0"/>
+              <a:t>para quem tem filhos torna-se difícil arranjar alguém para tomar conta dos filhos;</a:t>
+            </a:r>
+          </a:p>
+          <a:p>
+            <a:pPr marL="342900" indent="-342900">
+              <a:buFont typeface="Arial" panose="020B0604020202020204" pitchFamily="34" charset="0"/>
+              <a:buChar char="•"/>
+            </a:pPr>
+            <a:endParaRPr lang="pt-PT" sz="1600" dirty="0"/>
+          </a:p>
+          <a:p>
+            <a:pPr marL="342900" indent="-342900">
+              <a:buFont typeface="Arial" panose="020B0604020202020204" pitchFamily="34" charset="0"/>
+              <a:buChar char="•"/>
+            </a:pPr>
+            <a:r>
+              <a:rPr lang="pt-PT" sz="1600" dirty="0"/>
+              <a:t>“Bebés &amp; Companhia” possui uma cadeia de infantários espalhados pela grande Lisboa: </a:t>
+            </a:r>
+          </a:p>
+          <a:p>
+            <a:r>
+              <a:rPr lang="pt-PT" sz="1600" dirty="0"/>
+              <a:t>			- maioria dos seus funcionários estão na faixa etária dos vinte </a:t>
+            </a:r>
+          </a:p>
+          <a:p>
+            <a:r>
+              <a:rPr lang="pt-PT" sz="1600" dirty="0"/>
+              <a:t>			- dispõem de tempo livre para horário extra</a:t>
+            </a:r>
+          </a:p>
+          <a:p>
+            <a:r>
+              <a:rPr lang="pt-PT" sz="1600" dirty="0"/>
+              <a:t>			- viram aqui uma ótima oportunidade. </a:t>
+            </a:r>
+          </a:p>
+          <a:p>
+            <a:r>
+              <a:rPr lang="pt-PT" sz="1600" dirty="0"/>
+              <a:t>			- </a:t>
+            </a:r>
+            <a:r>
+              <a:rPr lang="pt-PT" sz="1600" b="1" dirty="0">
+                <a:solidFill>
+                  <a:schemeClr val="accent2"/>
+                </a:solidFill>
+              </a:rPr>
+              <a:t>Surge, assim, a ideia de fazer um serviço ao domicílio de babysitting; </a:t>
+            </a:r>
+          </a:p>
+          <a:p>
+            <a:endParaRPr lang="pt-PT" sz="1600" b="1" dirty="0">
+              <a:solidFill>
+                <a:schemeClr val="accent2"/>
+              </a:solidFill>
+            </a:endParaRPr>
+          </a:p>
+          <a:p>
+            <a:pPr marL="342900" indent="-342900">
+              <a:buFont typeface="Arial" panose="020B0604020202020204" pitchFamily="34" charset="0"/>
+              <a:buChar char="•"/>
+            </a:pPr>
+            <a:r>
+              <a:rPr lang="pt-PT" sz="1600" dirty="0"/>
+              <a:t>Realização de inquéritos: </a:t>
+            </a:r>
+          </a:p>
+          <a:p>
+            <a:r>
+              <a:rPr lang="pt-PT" sz="1600" dirty="0"/>
+              <a:t>	- disposição para trabalhar horas extra</a:t>
+            </a:r>
+          </a:p>
+          <a:p>
+            <a:r>
+              <a:rPr lang="pt-PT" sz="1600" dirty="0"/>
+              <a:t>	- disponibilidade para horas tardias e para deslocações ao domicílio</a:t>
+            </a:r>
+          </a:p>
+          <a:p>
+            <a:r>
+              <a:rPr lang="pt-PT" sz="1600" dirty="0"/>
+              <a:t>	-&gt; Sem necessidade de contratação de agentes externos ao infantário!</a:t>
+            </a:r>
+          </a:p>
+          <a:p>
+            <a:endParaRPr lang="pt-PT" sz="1600" dirty="0"/>
+          </a:p>
+          <a:p>
+            <a:pPr marL="342900" indent="-342900">
+              <a:buFont typeface="Arial" panose="020B0604020202020204" pitchFamily="34" charset="0"/>
+              <a:buChar char="•"/>
+            </a:pPr>
+            <a:r>
+              <a:rPr lang="pt-PT" sz="1600" dirty="0"/>
+              <a:t>É criada a plataforma “GuguDadah”.</a:t>
+            </a:r>
+          </a:p>
+        </p:txBody>
+      </p:sp>
+    </p:spTree>
+    <p:extLst>
+      <p:ext uri="{BB962C8B-B14F-4D97-AF65-F5344CB8AC3E}">
+        <p14:creationId xmlns:p14="http://schemas.microsoft.com/office/powerpoint/2010/main" val="1370001760"/>
+      </p:ext>
+    </p:extLst>
+  </p:cSld>
+  <p:clrMapOvr>
+    <a:masterClrMapping/>
+  </p:clrMapOvr>
+  <mc:AlternateContent xmlns:mc="http://schemas.openxmlformats.org/markup-compatibility/2006" xmlns:p14="http://schemas.microsoft.com/office/powerpoint/2010/main">
+    <mc:Choice Requires="p14">
+      <p:transition spd="med" p14:dur="700">
+        <p:fade/>
+      </p:transition>
+    </mc:Choice>
+    <mc:Fallback xmlns="">
+      <p:transition spd="med">
+        <p:fade/>
+      </p:transition>
+    </mc:Fallback>
+  </mc:AlternateContent>
+  <p:timing>
+    <p:tnLst>
+      <p:par>
+        <p:cTn id="1" dur="indefinite" restart="never" nodeType="tmRoot"/>
+      </p:par>
+    </p:tnLst>
+  </p:timing>
+</p:sld>
+</file>
+
+<file path=ppt/slides/slide50.xml><?xml version="1.0" encoding="utf-8"?>
+<p:sld xmlns:a="http://schemas.openxmlformats.org/drawingml/2006/main" xmlns:r="http://schemas.openxmlformats.org/officeDocument/2006/relationships" xmlns:p="http://schemas.openxmlformats.org/presentationml/2006/main">
+  <p:cSld>
+    <p:spTree>
+      <p:nvGrpSpPr>
+        <p:cNvPr id="1" name=""/>
+        <p:cNvGrpSpPr/>
+        <p:nvPr/>
+      </p:nvGrpSpPr>
+      <p:grpSpPr>
+        <a:xfrm>
+          <a:off x="0" y="0"/>
+          <a:ext cx="0" cy="0"/>
+          <a:chOff x="0" y="0"/>
+          <a:chExt cx="0" cy="0"/>
+        </a:xfrm>
+      </p:grpSpPr>
+      <p:sp>
+        <p:nvSpPr>
+          <p:cNvPr id="2" name="Title 1"/>
+          <p:cNvSpPr>
+            <a:spLocks noGrp="1"/>
+          </p:cNvSpPr>
+          <p:nvPr>
+            <p:ph type="title"/>
+          </p:nvPr>
+        </p:nvSpPr>
+        <p:spPr>
+          <a:xfrm>
+            <a:off x="677334" y="273698"/>
+            <a:ext cx="8596668" cy="1320800"/>
+          </a:xfrm>
+        </p:spPr>
+        <p:txBody>
+          <a:bodyPr/>
+          <a:lstStyle/>
+          <a:p>
+            <a:r>
+              <a:rPr lang="pt-PT" dirty="0" smtClean="0"/>
+              <a:t>Modelo Lógico</a:t>
+            </a:r>
+            <a:endParaRPr lang="pt-PT" dirty="0"/>
+          </a:p>
+        </p:txBody>
+      </p:sp>
+      <p:pic>
+        <p:nvPicPr>
+          <p:cNvPr id="4" name="Content Placeholder 3"/>
+          <p:cNvPicPr>
+            <a:picLocks noGrp="1" noChangeAspect="1"/>
+          </p:cNvPicPr>
+          <p:nvPr>
+            <p:ph sz="half" idx="1"/>
+          </p:nvPr>
+        </p:nvPicPr>
+        <p:blipFill>
+          <a:blip r:embed="rId2">
+            <a:extLst>
+              <a:ext uri="{28A0092B-C50C-407E-A947-70E740481C1C}">
+                <a14:useLocalDpi xmlns:a14="http://schemas.microsoft.com/office/drawing/2010/main" val="0"/>
+              </a:ext>
+            </a:extLst>
+          </a:blip>
+          <a:stretch>
+            <a:fillRect/>
+          </a:stretch>
+        </p:blipFill>
+        <p:spPr>
+          <a:xfrm>
+            <a:off x="677334" y="1594498"/>
+            <a:ext cx="10335734" cy="3722279"/>
+          </a:xfrm>
+        </p:spPr>
+      </p:pic>
+    </p:spTree>
+    <p:extLst>
+      <p:ext uri="{BB962C8B-B14F-4D97-AF65-F5344CB8AC3E}">
+        <p14:creationId xmlns:p14="http://schemas.microsoft.com/office/powerpoint/2010/main" val="2922289073"/>
+      </p:ext>
+    </p:extLst>
+  </p:cSld>
+  <p:clrMapOvr>
+    <a:masterClrMapping/>
+  </p:clrMapOvr>
+  <p:timing>
+    <p:tnLst>
+      <p:par>
+        <p:cTn id="1" dur="indefinite" restart="never" nodeType="tmRoot"/>
+      </p:par>
+    </p:tnLst>
+  </p:timing>
+</p:sld>
+</file>
+
+<file path=ppt/slides/slide51.xml><?xml version="1.0" encoding="utf-8"?>
+<p:sld xmlns:a="http://schemas.openxmlformats.org/drawingml/2006/main" xmlns:r="http://schemas.openxmlformats.org/officeDocument/2006/relationships" xmlns:p="http://schemas.openxmlformats.org/presentationml/2006/main">
+  <p:cSld>
+    <p:spTree>
+      <p:nvGrpSpPr>
+        <p:cNvPr id="1" name=""/>
+        <p:cNvGrpSpPr/>
+        <p:nvPr/>
+      </p:nvGrpSpPr>
+      <p:grpSpPr>
+        <a:xfrm>
+          <a:off x="0" y="0"/>
+          <a:ext cx="0" cy="0"/>
+          <a:chOff x="0" y="0"/>
+          <a:chExt cx="0" cy="0"/>
+        </a:xfrm>
+      </p:grpSpPr>
+      <p:sp>
+        <p:nvSpPr>
+          <p:cNvPr id="2" name="Title 1"/>
+          <p:cNvSpPr>
+            <a:spLocks noGrp="1"/>
+          </p:cNvSpPr>
+          <p:nvPr>
+            <p:ph type="title"/>
+          </p:nvPr>
+        </p:nvSpPr>
+        <p:spPr>
+          <a:xfrm>
+            <a:off x="677334" y="273698"/>
+            <a:ext cx="8596668" cy="1320800"/>
+          </a:xfrm>
+        </p:spPr>
+        <p:txBody>
+          <a:bodyPr/>
+          <a:lstStyle/>
+          <a:p>
+            <a:r>
+              <a:rPr lang="pt-PT" dirty="0" smtClean="0"/>
+              <a:t>Mockups “Agendar Trabalho”</a:t>
+            </a:r>
+            <a:endParaRPr lang="pt-PT" dirty="0"/>
+          </a:p>
+        </p:txBody>
+      </p:sp>
+      <p:pic>
+        <p:nvPicPr>
+          <p:cNvPr id="5" name="Content Placeholder 4"/>
+          <p:cNvPicPr>
+            <a:picLocks noGrp="1" noChangeAspect="1"/>
+          </p:cNvPicPr>
+          <p:nvPr>
+            <p:ph sz="half" idx="1"/>
+          </p:nvPr>
+        </p:nvPicPr>
+        <p:blipFill>
+          <a:blip r:embed="rId2">
+            <a:extLst>
+              <a:ext uri="{28A0092B-C50C-407E-A947-70E740481C1C}">
+                <a14:useLocalDpi xmlns:a14="http://schemas.microsoft.com/office/drawing/2010/main" val="0"/>
+              </a:ext>
+            </a:extLst>
+          </a:blip>
+          <a:stretch>
+            <a:fillRect/>
+          </a:stretch>
+        </p:blipFill>
+        <p:spPr>
+          <a:xfrm>
+            <a:off x="677334" y="934098"/>
+            <a:ext cx="4727242" cy="5802711"/>
+          </a:xfrm>
+        </p:spPr>
+      </p:pic>
+      <p:pic>
+        <p:nvPicPr>
+          <p:cNvPr id="3" name="Picture 2"/>
+          <p:cNvPicPr>
+            <a:picLocks noChangeAspect="1"/>
+          </p:cNvPicPr>
+          <p:nvPr/>
+        </p:nvPicPr>
+        <p:blipFill>
+          <a:blip r:embed="rId3">
+            <a:extLst>
+              <a:ext uri="{28A0092B-C50C-407E-A947-70E740481C1C}">
+                <a14:useLocalDpi xmlns:a14="http://schemas.microsoft.com/office/drawing/2010/main" val="0"/>
+              </a:ext>
+            </a:extLst>
+          </a:blip>
+          <a:stretch>
+            <a:fillRect/>
+          </a:stretch>
+        </p:blipFill>
+        <p:spPr>
+          <a:xfrm>
+            <a:off x="5771810" y="905177"/>
+            <a:ext cx="4299646" cy="5831632"/>
+          </a:xfrm>
+          <a:prstGeom prst="rect">
+            <a:avLst/>
+          </a:prstGeom>
+        </p:spPr>
+      </p:pic>
+    </p:spTree>
+    <p:extLst>
+      <p:ext uri="{BB962C8B-B14F-4D97-AF65-F5344CB8AC3E}">
+        <p14:creationId xmlns:p14="http://schemas.microsoft.com/office/powerpoint/2010/main" val="3333725702"/>
+      </p:ext>
+    </p:extLst>
+  </p:cSld>
+  <p:clrMapOvr>
+    <a:masterClrMapping/>
+  </p:clrMapOvr>
+  <p:timing>
+    <p:tnLst>
+      <p:par>
+        <p:cTn id="1" dur="indefinite" restart="never" nodeType="tmRoot"/>
+      </p:par>
+    </p:tnLst>
+  </p:timing>
+</p:sld>
+</file>
+
+<file path=ppt/slides/slide52.xml><?xml version="1.0" encoding="utf-8"?>
+<p:sld xmlns:a="http://schemas.openxmlformats.org/drawingml/2006/main" xmlns:r="http://schemas.openxmlformats.org/officeDocument/2006/relationships" xmlns:p="http://schemas.openxmlformats.org/presentationml/2006/main">
+  <p:cSld>
+    <p:spTree>
+      <p:nvGrpSpPr>
+        <p:cNvPr id="1" name=""/>
+        <p:cNvGrpSpPr/>
+        <p:nvPr/>
+      </p:nvGrpSpPr>
+      <p:grpSpPr>
+        <a:xfrm>
+          <a:off x="0" y="0"/>
+          <a:ext cx="0" cy="0"/>
+          <a:chOff x="0" y="0"/>
+          <a:chExt cx="0" cy="0"/>
+        </a:xfrm>
+      </p:grpSpPr>
+      <p:sp>
+        <p:nvSpPr>
+          <p:cNvPr id="2" name="Title 1"/>
+          <p:cNvSpPr>
+            <a:spLocks noGrp="1"/>
+          </p:cNvSpPr>
+          <p:nvPr>
+            <p:ph type="title"/>
+          </p:nvPr>
+        </p:nvSpPr>
+        <p:spPr>
+          <a:xfrm>
+            <a:off x="677334" y="273698"/>
+            <a:ext cx="8596668" cy="1320800"/>
+          </a:xfrm>
+        </p:spPr>
+        <p:txBody>
+          <a:bodyPr/>
+          <a:lstStyle/>
+          <a:p>
+            <a:r>
+              <a:rPr lang="pt-PT" dirty="0" smtClean="0"/>
+              <a:t>Mockups </a:t>
+            </a:r>
+            <a:r>
+              <a:rPr lang="pt-PT" dirty="0"/>
+              <a:t>“Agendar Trabalho”</a:t>
+            </a:r>
+          </a:p>
+        </p:txBody>
+      </p:sp>
+      <p:pic>
+        <p:nvPicPr>
+          <p:cNvPr id="7" name="Content Placeholder 6"/>
+          <p:cNvPicPr>
+            <a:picLocks noGrp="1" noChangeAspect="1"/>
+          </p:cNvPicPr>
+          <p:nvPr>
+            <p:ph sz="half" idx="1"/>
+          </p:nvPr>
+        </p:nvPicPr>
+        <p:blipFill>
+          <a:blip r:embed="rId2">
+            <a:extLst>
+              <a:ext uri="{28A0092B-C50C-407E-A947-70E740481C1C}">
+                <a14:useLocalDpi xmlns:a14="http://schemas.microsoft.com/office/drawing/2010/main" val="0"/>
+              </a:ext>
+            </a:extLst>
+          </a:blip>
+          <a:stretch>
+            <a:fillRect/>
+          </a:stretch>
+        </p:blipFill>
+        <p:spPr>
+          <a:xfrm>
+            <a:off x="677333" y="1131930"/>
+            <a:ext cx="3969311" cy="5633863"/>
+          </a:xfrm>
+        </p:spPr>
+      </p:pic>
+      <p:pic>
+        <p:nvPicPr>
+          <p:cNvPr id="8" name="Picture 7"/>
+          <p:cNvPicPr>
+            <a:picLocks noChangeAspect="1"/>
+          </p:cNvPicPr>
+          <p:nvPr/>
+        </p:nvPicPr>
+        <p:blipFill>
+          <a:blip r:embed="rId3">
+            <a:extLst>
+              <a:ext uri="{28A0092B-C50C-407E-A947-70E740481C1C}">
+                <a14:useLocalDpi xmlns:a14="http://schemas.microsoft.com/office/drawing/2010/main" val="0"/>
+              </a:ext>
+            </a:extLst>
+          </a:blip>
+          <a:stretch>
+            <a:fillRect/>
+          </a:stretch>
+        </p:blipFill>
+        <p:spPr>
+          <a:xfrm>
+            <a:off x="4975668" y="1594498"/>
+            <a:ext cx="5272508" cy="4777727"/>
+          </a:xfrm>
+          <a:prstGeom prst="rect">
+            <a:avLst/>
+          </a:prstGeom>
+        </p:spPr>
+      </p:pic>
+    </p:spTree>
+    <p:extLst>
+      <p:ext uri="{BB962C8B-B14F-4D97-AF65-F5344CB8AC3E}">
+        <p14:creationId xmlns:p14="http://schemas.microsoft.com/office/powerpoint/2010/main" val="3941461251"/>
+      </p:ext>
+    </p:extLst>
+  </p:cSld>
+  <p:clrMapOvr>
+    <a:masterClrMapping/>
+  </p:clrMapOvr>
+  <p:timing>
+    <p:tnLst>
+      <p:par>
+        <p:cTn id="1" dur="indefinite" restart="never" nodeType="tmRoot"/>
+      </p:par>
+    </p:tnLst>
+  </p:timing>
+</p:sld>
+</file>
+
+<file path=ppt/slides/slide53.xml><?xml version="1.0" encoding="utf-8"?>
+<p:sld xmlns:a="http://schemas.openxmlformats.org/drawingml/2006/main" xmlns:r="http://schemas.openxmlformats.org/officeDocument/2006/relationships" xmlns:p="http://schemas.openxmlformats.org/presentationml/2006/main">
+  <p:cSld>
+    <p:spTree>
+      <p:nvGrpSpPr>
+        <p:cNvPr id="1" name=""/>
+        <p:cNvGrpSpPr/>
+        <p:nvPr/>
+      </p:nvGrpSpPr>
+      <p:grpSpPr>
+        <a:xfrm>
+          <a:off x="0" y="0"/>
+          <a:ext cx="0" cy="0"/>
+          <a:chOff x="0" y="0"/>
+          <a:chExt cx="0" cy="0"/>
+        </a:xfrm>
+      </p:grpSpPr>
+      <p:sp>
+        <p:nvSpPr>
+          <p:cNvPr id="2" name="Title 1"/>
+          <p:cNvSpPr>
+            <a:spLocks noGrp="1"/>
+          </p:cNvSpPr>
+          <p:nvPr>
+            <p:ph type="title"/>
+          </p:nvPr>
+        </p:nvSpPr>
+        <p:spPr>
+          <a:xfrm>
+            <a:off x="677334" y="273698"/>
+            <a:ext cx="8596668" cy="1320800"/>
+          </a:xfrm>
+        </p:spPr>
+        <p:txBody>
+          <a:bodyPr/>
+          <a:lstStyle/>
+          <a:p>
+            <a:r>
+              <a:rPr lang="pt-PT" dirty="0" smtClean="0"/>
+              <a:t>Mockups </a:t>
+            </a:r>
+            <a:r>
+              <a:rPr lang="pt-PT" dirty="0"/>
+              <a:t>“Agendar Trabalho”</a:t>
+            </a:r>
+          </a:p>
+        </p:txBody>
+      </p:sp>
+      <p:pic>
+        <p:nvPicPr>
+          <p:cNvPr id="4" name="Content Placeholder 3"/>
+          <p:cNvPicPr>
+            <a:picLocks noGrp="1" noChangeAspect="1"/>
+          </p:cNvPicPr>
+          <p:nvPr>
+            <p:ph sz="half" idx="1"/>
+          </p:nvPr>
+        </p:nvPicPr>
+        <p:blipFill>
+          <a:blip r:embed="rId2">
+            <a:extLst>
+              <a:ext uri="{28A0092B-C50C-407E-A947-70E740481C1C}">
+                <a14:useLocalDpi xmlns:a14="http://schemas.microsoft.com/office/drawing/2010/main" val="0"/>
+              </a:ext>
+            </a:extLst>
+          </a:blip>
+          <a:stretch>
+            <a:fillRect/>
+          </a:stretch>
+        </p:blipFill>
+        <p:spPr>
+          <a:xfrm>
+            <a:off x="1759371" y="934098"/>
+            <a:ext cx="6432593" cy="5828947"/>
+          </a:xfrm>
+        </p:spPr>
+      </p:pic>
+    </p:spTree>
+    <p:extLst>
+      <p:ext uri="{BB962C8B-B14F-4D97-AF65-F5344CB8AC3E}">
+        <p14:creationId xmlns:p14="http://schemas.microsoft.com/office/powerpoint/2010/main" val="1103540693"/>
+      </p:ext>
+    </p:extLst>
+  </p:cSld>
+  <p:clrMapOvr>
+    <a:masterClrMapping/>
+  </p:clrMapOvr>
+  <p:timing>
+    <p:tnLst>
+      <p:par>
+        <p:cTn id="1" dur="indefinite" restart="never" nodeType="tmRoot"/>
+      </p:par>
+    </p:tnLst>
+  </p:timing>
+</p:sld>
+</file>
+
+<file path=ppt/slides/slide54.xml><?xml version="1.0" encoding="utf-8"?>
+<p:sld xmlns:a="http://schemas.openxmlformats.org/drawingml/2006/main" xmlns:r="http://schemas.openxmlformats.org/officeDocument/2006/relationships" xmlns:p="http://schemas.openxmlformats.org/presentationml/2006/main">
+  <p:cSld>
+    <p:spTree>
+      <p:nvGrpSpPr>
+        <p:cNvPr id="1" name=""/>
+        <p:cNvGrpSpPr/>
+        <p:nvPr/>
+      </p:nvGrpSpPr>
+      <p:grpSpPr>
+        <a:xfrm>
+          <a:off x="0" y="0"/>
+          <a:ext cx="0" cy="0"/>
+          <a:chOff x="0" y="0"/>
+          <a:chExt cx="0" cy="0"/>
+        </a:xfrm>
+      </p:grpSpPr>
+      <p:sp>
+        <p:nvSpPr>
+          <p:cNvPr id="2" name="Title 1"/>
+          <p:cNvSpPr>
+            <a:spLocks noGrp="1"/>
+          </p:cNvSpPr>
+          <p:nvPr>
+            <p:ph type="title"/>
+          </p:nvPr>
+        </p:nvSpPr>
+        <p:spPr>
+          <a:xfrm>
+            <a:off x="677334" y="273698"/>
+            <a:ext cx="8596668" cy="1320800"/>
+          </a:xfrm>
+        </p:spPr>
+        <p:txBody>
+          <a:bodyPr/>
+          <a:lstStyle/>
+          <a:p>
+            <a:r>
+              <a:rPr lang="pt-PT" dirty="0" smtClean="0"/>
+              <a:t>Mockups “Área de Profissional”</a:t>
+            </a:r>
+            <a:endParaRPr lang="pt-PT" dirty="0"/>
+          </a:p>
+        </p:txBody>
+      </p:sp>
+      <p:pic>
+        <p:nvPicPr>
+          <p:cNvPr id="5" name="Content Placeholder 4"/>
+          <p:cNvPicPr>
+            <a:picLocks noGrp="1" noChangeAspect="1"/>
+          </p:cNvPicPr>
+          <p:nvPr>
+            <p:ph sz="half" idx="1"/>
+          </p:nvPr>
+        </p:nvPicPr>
+        <p:blipFill rotWithShape="1">
+          <a:blip r:embed="rId2">
+            <a:extLst>
+              <a:ext uri="{28A0092B-C50C-407E-A947-70E740481C1C}">
+                <a14:useLocalDpi xmlns:a14="http://schemas.microsoft.com/office/drawing/2010/main" val="0"/>
+              </a:ext>
+            </a:extLst>
+          </a:blip>
+          <a:srcRect b="41626"/>
+          <a:stretch/>
+        </p:blipFill>
+        <p:spPr>
+          <a:xfrm>
+            <a:off x="677334" y="1202420"/>
+            <a:ext cx="3700850" cy="5384992"/>
+          </a:xfrm>
+        </p:spPr>
+      </p:pic>
+      <p:pic>
+        <p:nvPicPr>
+          <p:cNvPr id="6" name="Picture 5"/>
+          <p:cNvPicPr>
+            <a:picLocks noChangeAspect="1"/>
+          </p:cNvPicPr>
+          <p:nvPr/>
+        </p:nvPicPr>
+        <p:blipFill>
+          <a:blip r:embed="rId3">
+            <a:extLst>
+              <a:ext uri="{28A0092B-C50C-407E-A947-70E740481C1C}">
+                <a14:useLocalDpi xmlns:a14="http://schemas.microsoft.com/office/drawing/2010/main" val="0"/>
+              </a:ext>
+            </a:extLst>
+          </a:blip>
+          <a:stretch>
+            <a:fillRect/>
+          </a:stretch>
+        </p:blipFill>
+        <p:spPr>
+          <a:xfrm>
+            <a:off x="4729880" y="1202420"/>
+            <a:ext cx="4192425" cy="5384992"/>
+          </a:xfrm>
+          <a:prstGeom prst="rect">
+            <a:avLst/>
+          </a:prstGeom>
+        </p:spPr>
+      </p:pic>
+    </p:spTree>
+    <p:extLst>
+      <p:ext uri="{BB962C8B-B14F-4D97-AF65-F5344CB8AC3E}">
+        <p14:creationId xmlns:p14="http://schemas.microsoft.com/office/powerpoint/2010/main" val="1918464663"/>
+      </p:ext>
+    </p:extLst>
+  </p:cSld>
+  <p:clrMapOvr>
+    <a:masterClrMapping/>
+  </p:clrMapOvr>
+  <p:timing>
+    <p:tnLst>
+      <p:par>
+        <p:cTn id="1" dur="indefinite" restart="never" nodeType="tmRoot"/>
+      </p:par>
+    </p:tnLst>
+  </p:timing>
+</p:sld>
+</file>
+
+<file path=ppt/slides/slide55.xml><?xml version="1.0" encoding="utf-8"?>
+<p:sld xmlns:a="http://schemas.openxmlformats.org/drawingml/2006/main" xmlns:r="http://schemas.openxmlformats.org/officeDocument/2006/relationships" xmlns:p="http://schemas.openxmlformats.org/presentationml/2006/main">
+  <p:cSld>
+    <p:spTree>
+      <p:nvGrpSpPr>
+        <p:cNvPr id="1" name=""/>
+        <p:cNvGrpSpPr/>
+        <p:nvPr/>
+      </p:nvGrpSpPr>
+      <p:grpSpPr>
+        <a:xfrm>
+          <a:off x="0" y="0"/>
+          <a:ext cx="0" cy="0"/>
+          <a:chOff x="0" y="0"/>
+          <a:chExt cx="0" cy="0"/>
+        </a:xfrm>
+      </p:grpSpPr>
+      <p:sp>
+        <p:nvSpPr>
+          <p:cNvPr id="2" name="Title 1"/>
+          <p:cNvSpPr>
+            <a:spLocks noGrp="1"/>
+          </p:cNvSpPr>
+          <p:nvPr>
+            <p:ph type="title"/>
+          </p:nvPr>
+        </p:nvSpPr>
+        <p:spPr>
+          <a:xfrm>
+            <a:off x="677334" y="273698"/>
+            <a:ext cx="8596668" cy="1320800"/>
+          </a:xfrm>
+        </p:spPr>
+        <p:txBody>
+          <a:bodyPr/>
+          <a:lstStyle/>
+          <a:p>
+            <a:r>
+              <a:rPr lang="pt-PT" dirty="0" smtClean="0"/>
+              <a:t>Mockups “Área de Cliente”</a:t>
+            </a:r>
+            <a:endParaRPr lang="pt-PT" dirty="0"/>
+          </a:p>
+        </p:txBody>
+      </p:sp>
+      <p:pic>
+        <p:nvPicPr>
+          <p:cNvPr id="4" name="Content Placeholder 3"/>
+          <p:cNvPicPr>
+            <a:picLocks noGrp="1" noChangeAspect="1"/>
+          </p:cNvPicPr>
+          <p:nvPr>
+            <p:ph sz="half" idx="1"/>
+          </p:nvPr>
+        </p:nvPicPr>
+        <p:blipFill rotWithShape="1">
+          <a:blip r:embed="rId2">
+            <a:extLst>
+              <a:ext uri="{28A0092B-C50C-407E-A947-70E740481C1C}">
+                <a14:useLocalDpi xmlns:a14="http://schemas.microsoft.com/office/drawing/2010/main" val="0"/>
+              </a:ext>
+            </a:extLst>
+          </a:blip>
+          <a:srcRect b="59645"/>
+          <a:stretch/>
+        </p:blipFill>
+        <p:spPr>
+          <a:xfrm>
+            <a:off x="1877277" y="1179180"/>
+            <a:ext cx="3857877" cy="5072330"/>
+          </a:xfrm>
+        </p:spPr>
+      </p:pic>
+      <p:pic>
+        <p:nvPicPr>
+          <p:cNvPr id="7" name="Picture 6"/>
+          <p:cNvPicPr>
+            <a:picLocks noChangeAspect="1"/>
+          </p:cNvPicPr>
+          <p:nvPr/>
+        </p:nvPicPr>
+        <p:blipFill rotWithShape="1">
+          <a:blip r:embed="rId2">
+            <a:extLst>
+              <a:ext uri="{28A0092B-C50C-407E-A947-70E740481C1C}">
+                <a14:useLocalDpi xmlns:a14="http://schemas.microsoft.com/office/drawing/2010/main" val="0"/>
+              </a:ext>
+            </a:extLst>
+          </a:blip>
+          <a:srcRect t="40705" b="3638"/>
+          <a:stretch/>
+        </p:blipFill>
+        <p:spPr>
+          <a:xfrm>
+            <a:off x="6935097" y="273698"/>
+            <a:ext cx="3552511" cy="6441929"/>
+          </a:xfrm>
+          <a:prstGeom prst="rect">
+            <a:avLst/>
+          </a:prstGeom>
+        </p:spPr>
+      </p:pic>
+    </p:spTree>
+    <p:extLst>
+      <p:ext uri="{BB962C8B-B14F-4D97-AF65-F5344CB8AC3E}">
+        <p14:creationId xmlns:p14="http://schemas.microsoft.com/office/powerpoint/2010/main" val="2431276090"/>
+      </p:ext>
+    </p:extLst>
+  </p:cSld>
+  <p:clrMapOvr>
+    <a:masterClrMapping/>
+  </p:clrMapOvr>
+  <p:timing>
+    <p:tnLst>
+      <p:par>
+        <p:cTn id="1" dur="indefinite" restart="never" nodeType="tmRoot"/>
+      </p:par>
+    </p:tnLst>
+  </p:timing>
+</p:sld>
+</file>
+
+<file path=ppt/slides/slide56.xml><?xml version="1.0" encoding="utf-8"?>
+<p:sld xmlns:a="http://schemas.openxmlformats.org/drawingml/2006/main" xmlns:r="http://schemas.openxmlformats.org/officeDocument/2006/relationships" xmlns:p="http://schemas.openxmlformats.org/presentationml/2006/main">
+  <p:cSld>
+    <p:spTree>
+      <p:nvGrpSpPr>
+        <p:cNvPr id="1" name=""/>
+        <p:cNvGrpSpPr/>
+        <p:nvPr/>
+      </p:nvGrpSpPr>
+      <p:grpSpPr>
+        <a:xfrm>
+          <a:off x="0" y="0"/>
+          <a:ext cx="0" cy="0"/>
+          <a:chOff x="0" y="0"/>
+          <a:chExt cx="0" cy="0"/>
+        </a:xfrm>
+      </p:grpSpPr>
+      <p:sp>
+        <p:nvSpPr>
           <p:cNvPr id="2" name="Título 1">
             <a:extLst>
               <a:ext uri="{FF2B5EF4-FFF2-40B4-BE49-F238E27FC236}">
@@ -12815,349 +14873,6 @@
     <p:extLst>
       <p:ext uri="{BB962C8B-B14F-4D97-AF65-F5344CB8AC3E}">
         <p14:creationId xmlns:p14="http://schemas.microsoft.com/office/powerpoint/2010/main" val="3114277076"/>
-      </p:ext>
-    </p:extLst>
-  </p:cSld>
-  <p:clrMapOvr>
-    <a:masterClrMapping/>
-  </p:clrMapOvr>
-  <mc:AlternateContent xmlns:mc="http://schemas.openxmlformats.org/markup-compatibility/2006" xmlns:p14="http://schemas.microsoft.com/office/powerpoint/2010/main">
-    <mc:Choice Requires="p14">
-      <p:transition spd="med" p14:dur="700">
-        <p:fade/>
-      </p:transition>
-    </mc:Choice>
-    <mc:Fallback xmlns="">
-      <p:transition spd="med">
-        <p:fade/>
-      </p:transition>
-    </mc:Fallback>
-  </mc:AlternateContent>
-  <p:timing>
-    <p:tnLst>
-      <p:par>
-        <p:cTn id="1" dur="indefinite" restart="never" nodeType="tmRoot"/>
-      </p:par>
-    </p:tnLst>
-  </p:timing>
-</p:sld>
-</file>
-
-<file path=ppt/slides/slide5.xml><?xml version="1.0" encoding="utf-8"?>
-<p:sld xmlns:a="http://schemas.openxmlformats.org/drawingml/2006/main" xmlns:r="http://schemas.openxmlformats.org/officeDocument/2006/relationships" xmlns:p="http://schemas.openxmlformats.org/presentationml/2006/main">
-  <p:cSld>
-    <p:spTree>
-      <p:nvGrpSpPr>
-        <p:cNvPr id="1" name=""/>
-        <p:cNvGrpSpPr/>
-        <p:nvPr/>
-      </p:nvGrpSpPr>
-      <p:grpSpPr>
-        <a:xfrm>
-          <a:off x="0" y="0"/>
-          <a:ext cx="0" cy="0"/>
-          <a:chOff x="0" y="0"/>
-          <a:chExt cx="0" cy="0"/>
-        </a:xfrm>
-      </p:grpSpPr>
-      <p:sp>
-        <p:nvSpPr>
-          <p:cNvPr id="6" name="Título 1">
-            <a:extLst>
-              <a:ext uri="{FF2B5EF4-FFF2-40B4-BE49-F238E27FC236}">
-                <a16:creationId xmlns:a16="http://schemas.microsoft.com/office/drawing/2014/main" id="{76E33AE5-F7BC-4721-8718-71AB3D730002}"/>
-              </a:ext>
-            </a:extLst>
-          </p:cNvPr>
-          <p:cNvSpPr txBox="1">
-            <a:spLocks/>
-          </p:cNvSpPr>
-          <p:nvPr/>
-        </p:nvSpPr>
-        <p:spPr>
-          <a:xfrm>
-            <a:off x="283968" y="234908"/>
-            <a:ext cx="8596668" cy="1320800"/>
-          </a:xfrm>
-          <a:prstGeom prst="rect">
-            <a:avLst/>
-          </a:prstGeom>
-        </p:spPr>
-        <p:txBody>
-          <a:bodyPr/>
-          <a:lstStyle>
-            <a:lvl1pPr algn="l" defTabSz="457200" rtl="0" eaLnBrk="1" latinLnBrk="0" hangingPunct="1">
-              <a:spcBef>
-                <a:spcPct val="0"/>
-              </a:spcBef>
-              <a:buNone/>
-              <a:defRPr sz="3600" kern="1200">
-                <a:solidFill>
-                  <a:schemeClr val="accent1"/>
-                </a:solidFill>
-                <a:latin typeface="+mj-lt"/>
-                <a:ea typeface="+mj-ea"/>
-                <a:cs typeface="+mj-cs"/>
-              </a:defRPr>
-            </a:lvl1pPr>
-            <a:lvl2pPr eaLnBrk="1" hangingPunct="1">
-              <a:defRPr>
-                <a:solidFill>
-                  <a:schemeClr val="tx2"/>
-                </a:solidFill>
-              </a:defRPr>
-            </a:lvl2pPr>
-            <a:lvl3pPr eaLnBrk="1" hangingPunct="1">
-              <a:defRPr>
-                <a:solidFill>
-                  <a:schemeClr val="tx2"/>
-                </a:solidFill>
-              </a:defRPr>
-            </a:lvl3pPr>
-            <a:lvl4pPr eaLnBrk="1" hangingPunct="1">
-              <a:defRPr>
-                <a:solidFill>
-                  <a:schemeClr val="tx2"/>
-                </a:solidFill>
-              </a:defRPr>
-            </a:lvl4pPr>
-            <a:lvl5pPr eaLnBrk="1" hangingPunct="1">
-              <a:defRPr>
-                <a:solidFill>
-                  <a:schemeClr val="tx2"/>
-                </a:solidFill>
-              </a:defRPr>
-            </a:lvl5pPr>
-            <a:lvl6pPr eaLnBrk="1" hangingPunct="1">
-              <a:defRPr>
-                <a:solidFill>
-                  <a:schemeClr val="tx2"/>
-                </a:solidFill>
-              </a:defRPr>
-            </a:lvl6pPr>
-            <a:lvl7pPr eaLnBrk="1" hangingPunct="1">
-              <a:defRPr>
-                <a:solidFill>
-                  <a:schemeClr val="tx2"/>
-                </a:solidFill>
-              </a:defRPr>
-            </a:lvl7pPr>
-            <a:lvl8pPr eaLnBrk="1" hangingPunct="1">
-              <a:defRPr>
-                <a:solidFill>
-                  <a:schemeClr val="tx2"/>
-                </a:solidFill>
-              </a:defRPr>
-            </a:lvl8pPr>
-            <a:lvl9pPr eaLnBrk="1" hangingPunct="1">
-              <a:defRPr>
-                <a:solidFill>
-                  <a:schemeClr val="tx2"/>
-                </a:solidFill>
-              </a:defRPr>
-            </a:lvl9pPr>
-          </a:lstStyle>
-          <a:p>
-            <a:r>
-              <a:rPr lang="pt-PT" dirty="0"/>
-              <a:t>Contextualização</a:t>
-            </a:r>
-          </a:p>
-        </p:txBody>
-      </p:sp>
-      <p:sp>
-        <p:nvSpPr>
-          <p:cNvPr id="4" name="CaixaDeTexto 3">
-            <a:extLst>
-              <a:ext uri="{FF2B5EF4-FFF2-40B4-BE49-F238E27FC236}">
-                <a16:creationId xmlns:a16="http://schemas.microsoft.com/office/drawing/2014/main" id="{037B5F4B-DA41-45A6-98B2-0FFDF0BF4409}"/>
-              </a:ext>
-            </a:extLst>
-          </p:cNvPr>
-          <p:cNvSpPr txBox="1"/>
-          <p:nvPr/>
-        </p:nvSpPr>
-        <p:spPr>
-          <a:xfrm>
-            <a:off x="404948" y="1400499"/>
-            <a:ext cx="8987246" cy="4524315"/>
-          </a:xfrm>
-          <a:prstGeom prst="rect">
-            <a:avLst/>
-          </a:prstGeom>
-          <a:noFill/>
-        </p:spPr>
-        <p:txBody>
-          <a:bodyPr wrap="square" rtlCol="0">
-            <a:spAutoFit/>
-          </a:bodyPr>
-          <a:lstStyle/>
-          <a:p>
-            <a:pPr marL="342900" indent="-342900">
-              <a:buFont typeface="Arial" panose="020B0604020202020204" pitchFamily="34" charset="0"/>
-              <a:buChar char="•"/>
-            </a:pPr>
-            <a:r>
-              <a:rPr lang="pt-PT" sz="1600" dirty="0"/>
-              <a:t>Necessidade de produção contínua e rápida por parte das empresas, para singrar nos mercados económicos;</a:t>
-            </a:r>
-          </a:p>
-          <a:p>
-            <a:pPr marL="342900" indent="-342900">
-              <a:buFont typeface="Arial" panose="020B0604020202020204" pitchFamily="34" charset="0"/>
-              <a:buChar char="•"/>
-            </a:pPr>
-            <a:endParaRPr lang="pt-PT" sz="1600" dirty="0"/>
-          </a:p>
-          <a:p>
-            <a:pPr marL="342900" indent="-342900">
-              <a:buFont typeface="Arial" panose="020B0604020202020204" pitchFamily="34" charset="0"/>
-              <a:buChar char="•"/>
-            </a:pPr>
-            <a:r>
-              <a:rPr lang="pt-PT" sz="1600" dirty="0"/>
-              <a:t>Aumenta a carga horária dos trabalhadores -&gt; </a:t>
-            </a:r>
-            <a:r>
-              <a:rPr lang="pt-PT" sz="1600" b="1" dirty="0">
-                <a:solidFill>
-                  <a:schemeClr val="accent2"/>
-                </a:solidFill>
-              </a:rPr>
-              <a:t>problema</a:t>
-            </a:r>
-            <a:r>
-              <a:rPr lang="pt-PT" sz="1600" dirty="0">
-                <a:solidFill>
-                  <a:srgbClr val="FF0000"/>
-                </a:solidFill>
-              </a:rPr>
-              <a:t> </a:t>
-            </a:r>
-            <a:r>
-              <a:rPr lang="pt-PT" sz="1600" b="1" dirty="0">
-                <a:solidFill>
-                  <a:schemeClr val="accent2"/>
-                </a:solidFill>
-              </a:rPr>
-              <a:t>sério</a:t>
-            </a:r>
-            <a:r>
-              <a:rPr lang="pt-PT" sz="1600" dirty="0">
-                <a:solidFill>
-                  <a:srgbClr val="FF0000"/>
-                </a:solidFill>
-              </a:rPr>
-              <a:t> </a:t>
-            </a:r>
-            <a:r>
-              <a:rPr lang="pt-PT" sz="1600" dirty="0"/>
-              <a:t>para quem tem filhos torna-se difícil arranjar alguém para tomar conta dos filhos;</a:t>
-            </a:r>
-          </a:p>
-          <a:p>
-            <a:pPr marL="342900" indent="-342900">
-              <a:buFont typeface="Arial" panose="020B0604020202020204" pitchFamily="34" charset="0"/>
-              <a:buChar char="•"/>
-            </a:pPr>
-            <a:endParaRPr lang="pt-PT" sz="1600" dirty="0"/>
-          </a:p>
-          <a:p>
-            <a:pPr marL="342900" indent="-342900">
-              <a:buFont typeface="Arial" panose="020B0604020202020204" pitchFamily="34" charset="0"/>
-              <a:buChar char="•"/>
-            </a:pPr>
-            <a:r>
-              <a:rPr lang="pt-PT" sz="1600" dirty="0"/>
-              <a:t>“Bebés &amp; Companhia” possui uma cadeia de infantários espalhados pela grande Lisboa: </a:t>
-            </a:r>
-          </a:p>
-          <a:p>
-            <a:r>
-              <a:rPr lang="pt-PT" sz="1600" dirty="0"/>
-              <a:t>			- maioria dos seus funcionários estão na faixa etária dos vinte </a:t>
-            </a:r>
-          </a:p>
-          <a:p>
-            <a:r>
-              <a:rPr lang="pt-PT" sz="1600" dirty="0"/>
-              <a:t>			- dispõem de tempo livre para horário extra</a:t>
-            </a:r>
-          </a:p>
-          <a:p>
-            <a:r>
-              <a:rPr lang="pt-PT" sz="1600" dirty="0"/>
-              <a:t>			- viram aqui uma ótima oportunidade. </a:t>
-            </a:r>
-          </a:p>
-          <a:p>
-            <a:r>
-              <a:rPr lang="pt-PT" sz="1600" dirty="0"/>
-              <a:t>			- </a:t>
-            </a:r>
-            <a:r>
-              <a:rPr lang="pt-PT" sz="1600" b="1" dirty="0">
-                <a:solidFill>
-                  <a:schemeClr val="accent2"/>
-                </a:solidFill>
-              </a:rPr>
-              <a:t>Surge, assim, a ideia de fazer um serviço ao domicílio de babysitting; </a:t>
-            </a:r>
-          </a:p>
-          <a:p>
-            <a:endParaRPr lang="pt-PT" sz="1600" b="1" dirty="0">
-              <a:solidFill>
-                <a:schemeClr val="accent2"/>
-              </a:solidFill>
-            </a:endParaRPr>
-          </a:p>
-          <a:p>
-            <a:pPr marL="342900" indent="-342900">
-              <a:buFont typeface="Arial" panose="020B0604020202020204" pitchFamily="34" charset="0"/>
-              <a:buChar char="•"/>
-            </a:pPr>
-            <a:r>
-              <a:rPr lang="pt-PT" sz="1600" dirty="0"/>
-              <a:t>Realização de inquéritos: </a:t>
-            </a:r>
-          </a:p>
-          <a:p>
-            <a:r>
-              <a:rPr lang="pt-PT" sz="1600" dirty="0"/>
-              <a:t>	- disposição para trabalhar horas extra</a:t>
-            </a:r>
-          </a:p>
-          <a:p>
-            <a:r>
-              <a:rPr lang="pt-PT" sz="1600" dirty="0"/>
-              <a:t>	- disponibilidade para horas tardias e para deslocações ao domicílio</a:t>
-            </a:r>
-          </a:p>
-          <a:p>
-            <a:r>
-              <a:rPr lang="pt-PT" sz="1600" dirty="0"/>
-              <a:t>	-&gt; Sem necessidade de contratação de agentes externos ao infantário!</a:t>
-            </a:r>
-          </a:p>
-          <a:p>
-            <a:endParaRPr lang="pt-PT" sz="1600" dirty="0"/>
-          </a:p>
-          <a:p>
-            <a:pPr marL="342900" indent="-342900">
-              <a:buFont typeface="Arial" panose="020B0604020202020204" pitchFamily="34" charset="0"/>
-              <a:buChar char="•"/>
-            </a:pPr>
-            <a:r>
-              <a:rPr lang="pt-PT" sz="1600" dirty="0"/>
-              <a:t>É criada a plataforma “GuguDadah”.</a:t>
-            </a:r>
-          </a:p>
-        </p:txBody>
-      </p:sp>
-    </p:spTree>
-    <p:extLst>
-      <p:ext uri="{BB962C8B-B14F-4D97-AF65-F5344CB8AC3E}">
-        <p14:creationId xmlns:p14="http://schemas.microsoft.com/office/powerpoint/2010/main" val="1370001760"/>
       </p:ext>
     </p:extLst>
   </p:cSld>

--- a/relatorio/Fase 2/LI4.pptx
+++ b/relatorio/Fase 2/LI4.pptx
@@ -5,65 +5,64 @@
     <p:sldMasterId id="2147483648" r:id="rId1"/>
   </p:sldMasterIdLst>
   <p:notesMasterIdLst>
-    <p:notesMasterId r:id="rId58"/>
+    <p:notesMasterId r:id="rId57"/>
   </p:notesMasterIdLst>
   <p:sldIdLst>
     <p:sldId id="256" r:id="rId2"/>
-    <p:sldId id="306" r:id="rId3"/>
-    <p:sldId id="307" r:id="rId4"/>
-    <p:sldId id="304" r:id="rId5"/>
-    <p:sldId id="274" r:id="rId6"/>
-    <p:sldId id="297" r:id="rId7"/>
-    <p:sldId id="298" r:id="rId8"/>
-    <p:sldId id="299" r:id="rId9"/>
-    <p:sldId id="264" r:id="rId10"/>
-    <p:sldId id="309" r:id="rId11"/>
-    <p:sldId id="259" r:id="rId12"/>
-    <p:sldId id="275" r:id="rId13"/>
-    <p:sldId id="260" r:id="rId14"/>
-    <p:sldId id="311" r:id="rId15"/>
-    <p:sldId id="276" r:id="rId16"/>
-    <p:sldId id="301" r:id="rId17"/>
-    <p:sldId id="312" r:id="rId18"/>
-    <p:sldId id="302" r:id="rId19"/>
-    <p:sldId id="305" r:id="rId20"/>
-    <p:sldId id="308" r:id="rId21"/>
-    <p:sldId id="314" r:id="rId22"/>
-    <p:sldId id="315" r:id="rId23"/>
-    <p:sldId id="319" r:id="rId24"/>
-    <p:sldId id="320" r:id="rId25"/>
-    <p:sldId id="321" r:id="rId26"/>
-    <p:sldId id="322" r:id="rId27"/>
-    <p:sldId id="324" r:id="rId28"/>
-    <p:sldId id="325" r:id="rId29"/>
-    <p:sldId id="326" r:id="rId30"/>
-    <p:sldId id="328" r:id="rId31"/>
-    <p:sldId id="331" r:id="rId32"/>
-    <p:sldId id="332" r:id="rId33"/>
-    <p:sldId id="330" r:id="rId34"/>
-    <p:sldId id="335" r:id="rId35"/>
-    <p:sldId id="333" r:id="rId36"/>
-    <p:sldId id="336" r:id="rId37"/>
-    <p:sldId id="334" r:id="rId38"/>
-    <p:sldId id="337" r:id="rId39"/>
-    <p:sldId id="338" r:id="rId40"/>
-    <p:sldId id="339" r:id="rId41"/>
-    <p:sldId id="340" r:id="rId42"/>
-    <p:sldId id="342" r:id="rId43"/>
-    <p:sldId id="341" r:id="rId44"/>
-    <p:sldId id="343" r:id="rId45"/>
-    <p:sldId id="344" r:id="rId46"/>
-    <p:sldId id="345" r:id="rId47"/>
-    <p:sldId id="346" r:id="rId48"/>
-    <p:sldId id="347" r:id="rId49"/>
-    <p:sldId id="348" r:id="rId50"/>
-    <p:sldId id="349" r:id="rId51"/>
-    <p:sldId id="351" r:id="rId52"/>
-    <p:sldId id="350" r:id="rId53"/>
-    <p:sldId id="352" r:id="rId54"/>
-    <p:sldId id="353" r:id="rId55"/>
-    <p:sldId id="354" r:id="rId56"/>
-    <p:sldId id="303" r:id="rId57"/>
+    <p:sldId id="307" r:id="rId3"/>
+    <p:sldId id="304" r:id="rId4"/>
+    <p:sldId id="274" r:id="rId5"/>
+    <p:sldId id="297" r:id="rId6"/>
+    <p:sldId id="298" r:id="rId7"/>
+    <p:sldId id="299" r:id="rId8"/>
+    <p:sldId id="264" r:id="rId9"/>
+    <p:sldId id="309" r:id="rId10"/>
+    <p:sldId id="259" r:id="rId11"/>
+    <p:sldId id="275" r:id="rId12"/>
+    <p:sldId id="260" r:id="rId13"/>
+    <p:sldId id="311" r:id="rId14"/>
+    <p:sldId id="276" r:id="rId15"/>
+    <p:sldId id="301" r:id="rId16"/>
+    <p:sldId id="312" r:id="rId17"/>
+    <p:sldId id="302" r:id="rId18"/>
+    <p:sldId id="305" r:id="rId19"/>
+    <p:sldId id="308" r:id="rId20"/>
+    <p:sldId id="314" r:id="rId21"/>
+    <p:sldId id="315" r:id="rId22"/>
+    <p:sldId id="319" r:id="rId23"/>
+    <p:sldId id="320" r:id="rId24"/>
+    <p:sldId id="321" r:id="rId25"/>
+    <p:sldId id="322" r:id="rId26"/>
+    <p:sldId id="324" r:id="rId27"/>
+    <p:sldId id="325" r:id="rId28"/>
+    <p:sldId id="326" r:id="rId29"/>
+    <p:sldId id="328" r:id="rId30"/>
+    <p:sldId id="331" r:id="rId31"/>
+    <p:sldId id="332" r:id="rId32"/>
+    <p:sldId id="330" r:id="rId33"/>
+    <p:sldId id="335" r:id="rId34"/>
+    <p:sldId id="333" r:id="rId35"/>
+    <p:sldId id="336" r:id="rId36"/>
+    <p:sldId id="334" r:id="rId37"/>
+    <p:sldId id="337" r:id="rId38"/>
+    <p:sldId id="338" r:id="rId39"/>
+    <p:sldId id="339" r:id="rId40"/>
+    <p:sldId id="340" r:id="rId41"/>
+    <p:sldId id="342" r:id="rId42"/>
+    <p:sldId id="341" r:id="rId43"/>
+    <p:sldId id="343" r:id="rId44"/>
+    <p:sldId id="344" r:id="rId45"/>
+    <p:sldId id="345" r:id="rId46"/>
+    <p:sldId id="346" r:id="rId47"/>
+    <p:sldId id="347" r:id="rId48"/>
+    <p:sldId id="348" r:id="rId49"/>
+    <p:sldId id="349" r:id="rId50"/>
+    <p:sldId id="351" r:id="rId51"/>
+    <p:sldId id="350" r:id="rId52"/>
+    <p:sldId id="352" r:id="rId53"/>
+    <p:sldId id="353" r:id="rId54"/>
+    <p:sldId id="354" r:id="rId55"/>
+    <p:sldId id="303" r:id="rId56"/>
   </p:sldIdLst>
   <p:sldSz cx="12192000" cy="6858000"/>
   <p:notesSz cx="6858000" cy="9144000"/>
@@ -252,7 +251,7 @@
           <a:p>
             <a:fld id="{FC77EE40-E473-4F3B-ABB7-4026700F0D66}" type="datetimeFigureOut">
               <a:rPr lang="pt-PT" smtClean="0"/>
-              <a:t>23-04-2018</a:t>
+              <a:t>24/04/2018</a:t>
             </a:fld>
             <a:endParaRPr lang="pt-PT" dirty="0"/>
           </a:p>
@@ -410,7 +409,7 @@
           <a:p>
             <a:fld id="{F2D13AFA-C489-4F08-BBC3-E69A09335FB4}" type="slidenum">
               <a:rPr lang="pt-PT" smtClean="0"/>
-              <a:t>‹#›</a:t>
+              <a:t>‹nº›</a:t>
             </a:fld>
             <a:endParaRPr lang="pt-PT" dirty="0"/>
           </a:p>
@@ -584,7 +583,7 @@
           <a:p>
             <a:fld id="{F2D13AFA-C489-4F08-BBC3-E69A09335FB4}" type="slidenum">
               <a:rPr lang="pt-PT" smtClean="0"/>
-              <a:t>5</a:t>
+              <a:t>4</a:t>
             </a:fld>
             <a:endParaRPr lang="pt-PT" dirty="0"/>
           </a:p>
@@ -668,7 +667,7 @@
           <a:p>
             <a:fld id="{F2D13AFA-C489-4F08-BBC3-E69A09335FB4}" type="slidenum">
               <a:rPr lang="pt-PT" smtClean="0"/>
-              <a:t>7</a:t>
+              <a:t>6</a:t>
             </a:fld>
             <a:endParaRPr lang="pt-PT" dirty="0"/>
           </a:p>
@@ -1410,7 +1409,7 @@
             <a:fld id="{B61BEF0D-F0BB-DE4B-95CE-6DB70DBA9567}" type="datetimeFigureOut">
               <a:rPr lang="en-US" dirty="0"/>
               <a:pPr/>
-              <a:t>4/23/2018</a:t>
+              <a:t>4/24/2018</a:t>
             </a:fld>
             <a:endParaRPr lang="en-US" dirty="0"/>
           </a:p>
@@ -1453,7 +1452,7 @@
             <a:fld id="{D57F1E4F-1CFF-5643-939E-217C01CDF565}" type="slidenum">
               <a:rPr lang="en-US" dirty="0"/>
               <a:pPr/>
-              <a:t>‹#›</a:t>
+              <a:t>‹nº›</a:t>
             </a:fld>
             <a:endParaRPr lang="en-US" dirty="0"/>
           </a:p>
@@ -1658,7 +1657,7 @@
             <a:fld id="{B61BEF0D-F0BB-DE4B-95CE-6DB70DBA9567}" type="datetimeFigureOut">
               <a:rPr lang="en-US" dirty="0"/>
               <a:pPr/>
-              <a:t>4/23/2018</a:t>
+              <a:t>4/24/2018</a:t>
             </a:fld>
             <a:endParaRPr lang="en-US" dirty="0"/>
           </a:p>
@@ -1701,7 +1700,7 @@
             <a:fld id="{D57F1E4F-1CFF-5643-939E-217C01CDF565}" type="slidenum">
               <a:rPr lang="en-US" dirty="0"/>
               <a:pPr/>
-              <a:t>‹#›</a:t>
+              <a:t>‹nº›</a:t>
             </a:fld>
             <a:endParaRPr lang="en-US" dirty="0"/>
           </a:p>
@@ -1969,7 +1968,7 @@
             <a:fld id="{B61BEF0D-F0BB-DE4B-95CE-6DB70DBA9567}" type="datetimeFigureOut">
               <a:rPr lang="en-US" dirty="0"/>
               <a:pPr/>
-              <a:t>4/23/2018</a:t>
+              <a:t>4/24/2018</a:t>
             </a:fld>
             <a:endParaRPr lang="en-US" dirty="0"/>
           </a:p>
@@ -2012,7 +2011,7 @@
             <a:fld id="{D57F1E4F-1CFF-5643-939E-217C01CDF565}" type="slidenum">
               <a:rPr lang="en-US" dirty="0"/>
               <a:pPr/>
-              <a:t>‹#›</a:t>
+              <a:t>‹nº›</a:t>
             </a:fld>
             <a:endParaRPr lang="en-US" dirty="0"/>
           </a:p>
@@ -2307,7 +2306,7 @@
             <a:fld id="{B61BEF0D-F0BB-DE4B-95CE-6DB70DBA9567}" type="datetimeFigureOut">
               <a:rPr lang="en-US" dirty="0"/>
               <a:pPr/>
-              <a:t>4/23/2018</a:t>
+              <a:t>4/24/2018</a:t>
             </a:fld>
             <a:endParaRPr lang="en-US" dirty="0"/>
           </a:p>
@@ -2350,7 +2349,7 @@
             <a:fld id="{D57F1E4F-1CFF-5643-939E-217C01CDF565}" type="slidenum">
               <a:rPr lang="en-US" dirty="0"/>
               <a:pPr/>
-              <a:t>‹#›</a:t>
+              <a:t>‹nº›</a:t>
             </a:fld>
             <a:endParaRPr lang="en-US" dirty="0"/>
           </a:p>
@@ -2618,7 +2617,7 @@
             <a:fld id="{B61BEF0D-F0BB-DE4B-95CE-6DB70DBA9567}" type="datetimeFigureOut">
               <a:rPr lang="en-US" dirty="0"/>
               <a:pPr/>
-              <a:t>4/23/2018</a:t>
+              <a:t>4/24/2018</a:t>
             </a:fld>
             <a:endParaRPr lang="en-US" dirty="0"/>
           </a:p>
@@ -2661,7 +2660,7 @@
             <a:fld id="{D57F1E4F-1CFF-5643-939E-217C01CDF565}" type="slidenum">
               <a:rPr lang="en-US" dirty="0"/>
               <a:pPr/>
-              <a:t>‹#›</a:t>
+              <a:t>‹nº›</a:t>
             </a:fld>
             <a:endParaRPr lang="en-US" dirty="0"/>
           </a:p>
@@ -3008,7 +3007,7 @@
             <a:fld id="{B61BEF0D-F0BB-DE4B-95CE-6DB70DBA9567}" type="datetimeFigureOut">
               <a:rPr lang="en-US" dirty="0"/>
               <a:pPr/>
-              <a:t>4/23/2018</a:t>
+              <a:t>4/24/2018</a:t>
             </a:fld>
             <a:endParaRPr lang="en-US" dirty="0"/>
           </a:p>
@@ -3051,7 +3050,7 @@
             <a:fld id="{D57F1E4F-1CFF-5643-939E-217C01CDF565}" type="slidenum">
               <a:rPr lang="en-US" dirty="0"/>
               <a:pPr/>
-              <a:t>‹#›</a:t>
+              <a:t>‹nº›</a:t>
             </a:fld>
             <a:endParaRPr lang="en-US" dirty="0"/>
           </a:p>
@@ -3174,7 +3173,7 @@
           <a:p>
             <a:fld id="{55C6B4A9-1611-4792-9094-5F34BCA07E0B}" type="datetimeFigureOut">
               <a:rPr lang="en-US" dirty="0"/>
-              <a:t>4/23/2018</a:t>
+              <a:t>4/24/2018</a:t>
             </a:fld>
             <a:endParaRPr lang="en-US" dirty="0"/>
           </a:p>
@@ -3216,7 +3215,7 @@
           <a:p>
             <a:fld id="{89333C77-0158-454C-844F-B7AB9BD7DAD4}" type="slidenum">
               <a:rPr lang="en-US" dirty="0"/>
-              <a:t>‹#›</a:t>
+              <a:t>‹nº›</a:t>
             </a:fld>
             <a:endParaRPr lang="en-US" dirty="0"/>
           </a:p>
@@ -3350,7 +3349,7 @@
             <a:fld id="{B61BEF0D-F0BB-DE4B-95CE-6DB70DBA9567}" type="datetimeFigureOut">
               <a:rPr lang="en-US" dirty="0"/>
               <a:pPr/>
-              <a:t>4/23/2018</a:t>
+              <a:t>4/24/2018</a:t>
             </a:fld>
             <a:endParaRPr lang="en-US" dirty="0"/>
           </a:p>
@@ -3393,7 +3392,7 @@
             <a:fld id="{D57F1E4F-1CFF-5643-939E-217C01CDF565}" type="slidenum">
               <a:rPr lang="en-US" dirty="0"/>
               <a:pPr/>
-              <a:t>‹#›</a:t>
+              <a:t>‹nº›</a:t>
             </a:fld>
             <a:endParaRPr lang="en-US" dirty="0"/>
           </a:p>
@@ -3523,7 +3522,7 @@
             <a:fld id="{B61BEF0D-F0BB-DE4B-95CE-6DB70DBA9567}" type="datetimeFigureOut">
               <a:rPr lang="en-US" dirty="0"/>
               <a:pPr/>
-              <a:t>4/23/2018</a:t>
+              <a:t>4/24/2018</a:t>
             </a:fld>
             <a:endParaRPr lang="en-US" dirty="0"/>
           </a:p>
@@ -3566,7 +3565,7 @@
             <a:fld id="{D57F1E4F-1CFF-5643-939E-217C01CDF565}" type="slidenum">
               <a:rPr lang="en-US" dirty="0"/>
               <a:pPr/>
-              <a:t>‹#›</a:t>
+              <a:t>‹nº›</a:t>
             </a:fld>
             <a:endParaRPr lang="en-US" dirty="0"/>
           </a:p>
@@ -3767,7 +3766,7 @@
             <a:fld id="{B61BEF0D-F0BB-DE4B-95CE-6DB70DBA9567}" type="datetimeFigureOut">
               <a:rPr lang="en-US" dirty="0"/>
               <a:pPr/>
-              <a:t>4/23/2018</a:t>
+              <a:t>4/24/2018</a:t>
             </a:fld>
             <a:endParaRPr lang="en-US" dirty="0"/>
           </a:p>
@@ -3810,7 +3809,7 @@
             <a:fld id="{D57F1E4F-1CFF-5643-939E-217C01CDF565}" type="slidenum">
               <a:rPr lang="en-US" dirty="0"/>
               <a:pPr/>
-              <a:t>‹#›</a:t>
+              <a:t>‹nº›</a:t>
             </a:fld>
             <a:endParaRPr lang="en-US" dirty="0"/>
           </a:p>
@@ -3995,7 +3994,7 @@
           <a:p>
             <a:fld id="{EB712588-04B1-427B-82EE-E8DB90309F08}" type="datetimeFigureOut">
               <a:rPr lang="en-US" dirty="0"/>
-              <a:t>4/23/2018</a:t>
+              <a:t>4/24/2018</a:t>
             </a:fld>
             <a:endParaRPr lang="en-US" dirty="0"/>
           </a:p>
@@ -4037,7 +4036,7 @@
           <a:p>
             <a:fld id="{6FF9F0C5-380F-41C2-899A-BAC0F0927E16}" type="slidenum">
               <a:rPr lang="en-US" dirty="0"/>
-              <a:t>‹#›</a:t>
+              <a:t>‹nº›</a:t>
             </a:fld>
             <a:endParaRPr lang="en-US" dirty="0"/>
           </a:p>
@@ -4365,7 +4364,7 @@
             <a:fld id="{B61BEF0D-F0BB-DE4B-95CE-6DB70DBA9567}" type="datetimeFigureOut">
               <a:rPr lang="en-US" dirty="0"/>
               <a:pPr/>
-              <a:t>4/23/2018</a:t>
+              <a:t>4/24/2018</a:t>
             </a:fld>
             <a:endParaRPr lang="en-US" dirty="0"/>
           </a:p>
@@ -4408,7 +4407,7 @@
             <a:fld id="{D57F1E4F-1CFF-5643-939E-217C01CDF565}" type="slidenum">
               <a:rPr lang="en-US" dirty="0"/>
               <a:pPr/>
-              <a:t>‹#›</a:t>
+              <a:t>‹nº›</a:t>
             </a:fld>
             <a:endParaRPr lang="en-US" dirty="0"/>
           </a:p>
@@ -4485,7 +4484,7 @@
             <a:fld id="{B61BEF0D-F0BB-DE4B-95CE-6DB70DBA9567}" type="datetimeFigureOut">
               <a:rPr lang="en-US" dirty="0"/>
               <a:pPr/>
-              <a:t>4/23/2018</a:t>
+              <a:t>4/24/2018</a:t>
             </a:fld>
             <a:endParaRPr lang="en-US" dirty="0"/>
           </a:p>
@@ -4528,7 +4527,7 @@
             <a:fld id="{D57F1E4F-1CFF-5643-939E-217C01CDF565}" type="slidenum">
               <a:rPr lang="en-US" dirty="0"/>
               <a:pPr/>
-              <a:t>‹#›</a:t>
+              <a:t>‹nº›</a:t>
             </a:fld>
             <a:endParaRPr lang="en-US" dirty="0"/>
           </a:p>
@@ -4577,7 +4576,7 @@
             <a:fld id="{B61BEF0D-F0BB-DE4B-95CE-6DB70DBA9567}" type="datetimeFigureOut">
               <a:rPr lang="en-US" dirty="0"/>
               <a:pPr/>
-              <a:t>4/23/2018</a:t>
+              <a:t>4/24/2018</a:t>
             </a:fld>
             <a:endParaRPr lang="en-US" dirty="0"/>
           </a:p>
@@ -4620,7 +4619,7 @@
             <a:fld id="{D57F1E4F-1CFF-5643-939E-217C01CDF565}" type="slidenum">
               <a:rPr lang="en-US" dirty="0"/>
               <a:pPr/>
-              <a:t>‹#›</a:t>
+              <a:t>‹nº›</a:t>
             </a:fld>
             <a:endParaRPr lang="en-US" dirty="0"/>
           </a:p>
@@ -4828,7 +4827,7 @@
           <a:p>
             <a:fld id="{42A54C80-263E-416B-A8E0-580EDEADCBDC}" type="datetimeFigureOut">
               <a:rPr lang="en-US" dirty="0"/>
-              <a:t>4/23/2018</a:t>
+              <a:t>4/24/2018</a:t>
             </a:fld>
             <a:endParaRPr lang="en-US" dirty="0"/>
           </a:p>
@@ -4870,7 +4869,7 @@
           <a:p>
             <a:fld id="{519954A3-9DFD-4C44-94BA-B95130A3BA1C}" type="slidenum">
               <a:rPr lang="en-US" dirty="0"/>
-              <a:t>‹#›</a:t>
+              <a:t>‹nº›</a:t>
             </a:fld>
             <a:endParaRPr lang="en-US" dirty="0"/>
           </a:p>
@@ -5087,7 +5086,7 @@
             <a:fld id="{B61BEF0D-F0BB-DE4B-95CE-6DB70DBA9567}" type="datetimeFigureOut">
               <a:rPr lang="en-US" dirty="0"/>
               <a:pPr/>
-              <a:t>4/23/2018</a:t>
+              <a:t>4/24/2018</a:t>
             </a:fld>
             <a:endParaRPr lang="en-US" dirty="0"/>
           </a:p>
@@ -5130,7 +5129,7 @@
             <a:fld id="{D57F1E4F-1CFF-5643-939E-217C01CDF565}" type="slidenum">
               <a:rPr lang="en-US" dirty="0"/>
               <a:pPr/>
-              <a:t>‹#›</a:t>
+              <a:t>‹nº›</a:t>
             </a:fld>
             <a:endParaRPr lang="en-US" dirty="0"/>
           </a:p>
@@ -5827,7 +5826,7 @@
             <a:fld id="{B61BEF0D-F0BB-DE4B-95CE-6DB70DBA9567}" type="datetimeFigureOut">
               <a:rPr lang="en-US" dirty="0"/>
               <a:pPr/>
-              <a:t>4/23/2018</a:t>
+              <a:t>4/24/2018</a:t>
             </a:fld>
             <a:endParaRPr lang="en-US" dirty="0"/>
           </a:p>
@@ -5904,7 +5903,7 @@
             <a:fld id="{D57F1E4F-1CFF-5643-939E-217C01CDF565}" type="slidenum">
               <a:rPr lang="en-US" dirty="0"/>
               <a:pPr/>
-              <a:t>‹#›</a:t>
+              <a:t>‹nº›</a:t>
             </a:fld>
             <a:endParaRPr lang="en-US" dirty="0"/>
           </a:p>
@@ -6810,206 +6809,10 @@
       </p:transition>
     </mc:Fallback>
   </mc:AlternateContent>
-  <p:timing>
-    <p:tnLst>
-      <p:par>
-        <p:cTn id="1" dur="indefinite" restart="never" nodeType="tmRoot"/>
-      </p:par>
-    </p:tnLst>
-  </p:timing>
 </p:sld>
 </file>
 
 <file path=ppt/slides/slide10.xml><?xml version="1.0" encoding="utf-8"?>
-<p:sld xmlns:a="http://schemas.openxmlformats.org/drawingml/2006/main" xmlns:r="http://schemas.openxmlformats.org/officeDocument/2006/relationships" xmlns:p="http://schemas.openxmlformats.org/presentationml/2006/main">
-  <p:cSld>
-    <p:spTree>
-      <p:nvGrpSpPr>
-        <p:cNvPr id="1" name=""/>
-        <p:cNvGrpSpPr/>
-        <p:nvPr/>
-      </p:nvGrpSpPr>
-      <p:grpSpPr>
-        <a:xfrm>
-          <a:off x="0" y="0"/>
-          <a:ext cx="0" cy="0"/>
-          <a:chOff x="0" y="0"/>
-          <a:chExt cx="0" cy="0"/>
-        </a:xfrm>
-      </p:grpSpPr>
-      <p:sp>
-        <p:nvSpPr>
-          <p:cNvPr id="2" name="Title 1"/>
-          <p:cNvSpPr>
-            <a:spLocks noGrp="1"/>
-          </p:cNvSpPr>
-          <p:nvPr>
-            <p:ph type="title"/>
-          </p:nvPr>
-        </p:nvSpPr>
-        <p:spPr>
-          <a:xfrm>
-            <a:off x="677334" y="352484"/>
-            <a:ext cx="5327226" cy="1278466"/>
-          </a:xfrm>
-        </p:spPr>
-        <p:txBody>
-          <a:bodyPr>
-            <a:noAutofit/>
-          </a:bodyPr>
-          <a:lstStyle/>
-          <a:p>
-            <a:r>
-              <a:rPr lang="pt-PT" sz="4000" dirty="0" smtClean="0"/>
-              <a:t>Logótipo melhorado</a:t>
-            </a:r>
-            <a:endParaRPr lang="pt-PT" sz="4000" dirty="0"/>
-          </a:p>
-        </p:txBody>
-      </p:sp>
-      <p:sp>
-        <p:nvSpPr>
-          <p:cNvPr id="5" name="Text Placeholder 4"/>
-          <p:cNvSpPr>
-            <a:spLocks noGrp="1"/>
-          </p:cNvSpPr>
-          <p:nvPr>
-            <p:ph type="body" sz="half" idx="2"/>
-          </p:nvPr>
-        </p:nvSpPr>
-        <p:spPr>
-          <a:xfrm>
-            <a:off x="677334" y="2182154"/>
-            <a:ext cx="6759786" cy="2024423"/>
-          </a:xfrm>
-        </p:spPr>
-        <p:txBody>
-          <a:bodyPr>
-            <a:normAutofit/>
-          </a:bodyPr>
-          <a:lstStyle/>
-          <a:p>
-            <a:pPr marL="285750" indent="-285750">
-              <a:buFont typeface="Arial" panose="020B0604020202020204" pitchFamily="34" charset="0"/>
-              <a:buChar char="•"/>
-            </a:pPr>
-            <a:r>
-              <a:rPr lang="pt-PT" sz="2800" dirty="0" smtClean="0"/>
-              <a:t>Transmite mais profissionalismo</a:t>
-            </a:r>
-          </a:p>
-          <a:p>
-            <a:pPr marL="285750" indent="-285750">
-              <a:buFont typeface="Arial" panose="020B0604020202020204" pitchFamily="34" charset="0"/>
-              <a:buChar char="•"/>
-            </a:pPr>
-            <a:r>
-              <a:rPr lang="pt-PT" sz="2800" dirty="0" smtClean="0"/>
-              <a:t>É feito para os pais, não para os bebés</a:t>
-            </a:r>
-          </a:p>
-          <a:p>
-            <a:pPr marL="285750" indent="-285750">
-              <a:buFont typeface="Arial" panose="020B0604020202020204" pitchFamily="34" charset="0"/>
-              <a:buChar char="•"/>
-            </a:pPr>
-            <a:r>
-              <a:rPr lang="pt-PT" sz="2800" i="1" dirty="0" smtClean="0"/>
-              <a:t>Look</a:t>
-            </a:r>
-            <a:r>
-              <a:rPr lang="pt-PT" sz="2800" dirty="0" smtClean="0"/>
-              <a:t> moderno e </a:t>
-            </a:r>
-            <a:r>
-              <a:rPr lang="pt-PT" sz="2800" i="1" dirty="0" smtClean="0"/>
-              <a:t>clean</a:t>
-            </a:r>
-            <a:endParaRPr lang="pt-PT" sz="2800" i="1" dirty="0"/>
-          </a:p>
-        </p:txBody>
-      </p:sp>
-      <p:sp>
-        <p:nvSpPr>
-          <p:cNvPr id="7" name="TextBox 6"/>
-          <p:cNvSpPr txBox="1"/>
-          <p:nvPr/>
-        </p:nvSpPr>
-        <p:spPr>
-          <a:xfrm>
-            <a:off x="677334" y="4452644"/>
-            <a:ext cx="7397329" cy="1190437"/>
-          </a:xfrm>
-          <a:prstGeom prst="rect">
-            <a:avLst/>
-          </a:prstGeom>
-          <a:solidFill>
-            <a:schemeClr val="tx2">
-              <a:lumMod val="60000"/>
-              <a:lumOff val="40000"/>
-            </a:schemeClr>
-          </a:solidFill>
-        </p:spPr>
-        <p:txBody>
-          <a:bodyPr wrap="square" rtlCol="0">
-            <a:spAutoFit/>
-          </a:bodyPr>
-          <a:lstStyle/>
-          <a:p>
-            <a:endParaRPr lang="pt-PT" dirty="0"/>
-          </a:p>
-        </p:txBody>
-      </p:sp>
-      <p:pic>
-        <p:nvPicPr>
-          <p:cNvPr id="6" name="Content Placeholder 5"/>
-          <p:cNvPicPr>
-            <a:picLocks noGrp="1" noChangeAspect="1"/>
-          </p:cNvPicPr>
-          <p:nvPr>
-            <p:ph idx="1"/>
-          </p:nvPr>
-        </p:nvPicPr>
-        <p:blipFill>
-          <a:blip r:embed="rId2">
-            <a:extLst>
-              <a:ext uri="{28A0092B-C50C-407E-A947-70E740481C1C}">
-                <a14:useLocalDpi xmlns:a14="http://schemas.microsoft.com/office/drawing/2010/main" val="0"/>
-              </a:ext>
-            </a:extLst>
-          </a:blip>
-          <a:stretch>
-            <a:fillRect/>
-          </a:stretch>
-        </p:blipFill>
-        <p:spPr>
-          <a:xfrm>
-            <a:off x="677334" y="4452981"/>
-            <a:ext cx="7397329" cy="1190437"/>
-          </a:xfrm>
-        </p:spPr>
-      </p:pic>
-    </p:spTree>
-    <p:extLst>
-      <p:ext uri="{BB962C8B-B14F-4D97-AF65-F5344CB8AC3E}">
-        <p14:creationId xmlns:p14="http://schemas.microsoft.com/office/powerpoint/2010/main" val="1154395365"/>
-      </p:ext>
-    </p:extLst>
-  </p:cSld>
-  <p:clrMapOvr>
-    <a:masterClrMapping/>
-  </p:clrMapOvr>
-  <p:timing>
-    <p:tnLst>
-      <p:par>
-        <p:cTn id="1" dur="indefinite" restart="never" nodeType="tmRoot"/>
-      </p:par>
-    </p:tnLst>
-  </p:timing>
-</p:sld>
-</file>
-
-<file path=ppt/slides/slide11.xml><?xml version="1.0" encoding="utf-8"?>
 <p:sld xmlns:a="http://schemas.openxmlformats.org/drawingml/2006/main" xmlns:r="http://schemas.openxmlformats.org/officeDocument/2006/relationships" xmlns:p="http://schemas.openxmlformats.org/presentationml/2006/main">
   <p:cSld>
     <p:spTree>
@@ -7352,17 +7155,10 @@
       </p:transition>
     </mc:Fallback>
   </mc:AlternateContent>
-  <p:timing>
-    <p:tnLst>
-      <p:par>
-        <p:cTn id="1" dur="indefinite" restart="never" nodeType="tmRoot"/>
-      </p:par>
-    </p:tnLst>
-  </p:timing>
 </p:sld>
 </file>
 
-<file path=ppt/slides/slide12.xml><?xml version="1.0" encoding="utf-8"?>
+<file path=ppt/slides/slide11.xml><?xml version="1.0" encoding="utf-8"?>
 <p:sld xmlns:a="http://schemas.openxmlformats.org/drawingml/2006/main" xmlns:r="http://schemas.openxmlformats.org/officeDocument/2006/relationships" xmlns:p="http://schemas.openxmlformats.org/presentationml/2006/main">
   <p:cSld>
     <p:spTree>
@@ -7660,17 +7456,10 @@
       </p:transition>
     </mc:Fallback>
   </mc:AlternateContent>
-  <p:timing>
-    <p:tnLst>
-      <p:par>
-        <p:cTn id="1" dur="indefinite" restart="never" nodeType="tmRoot"/>
-      </p:par>
-    </p:tnLst>
-  </p:timing>
 </p:sld>
 </file>
 
-<file path=ppt/slides/slide13.xml><?xml version="1.0" encoding="utf-8"?>
+<file path=ppt/slides/slide12.xml><?xml version="1.0" encoding="utf-8"?>
 <p:sld xmlns:a="http://schemas.openxmlformats.org/drawingml/2006/main" xmlns:r="http://schemas.openxmlformats.org/officeDocument/2006/relationships" xmlns:p="http://schemas.openxmlformats.org/presentationml/2006/main">
   <p:cSld>
     <p:spTree>
@@ -8185,17 +7974,10 @@
       </p:transition>
     </mc:Fallback>
   </mc:AlternateContent>
-  <p:timing>
-    <p:tnLst>
-      <p:par>
-        <p:cTn id="1" dur="indefinite" restart="never" nodeType="tmRoot"/>
-      </p:par>
-    </p:tnLst>
-  </p:timing>
 </p:sld>
 </file>
 
-<file path=ppt/slides/slide14.xml><?xml version="1.0" encoding="utf-8"?>
+<file path=ppt/slides/slide13.xml><?xml version="1.0" encoding="utf-8"?>
 <p:sld xmlns:a="http://schemas.openxmlformats.org/drawingml/2006/main" xmlns:r="http://schemas.openxmlformats.org/officeDocument/2006/relationships" xmlns:p="http://schemas.openxmlformats.org/presentationml/2006/main">
   <p:cSld>
     <p:spTree>
@@ -8311,12 +8093,8 @@
           </a:lstStyle>
           <a:p>
             <a:r>
-              <a:rPr lang="pt-PT" dirty="0" smtClean="0"/>
-              <a:t>Melhoramento das Medidas </a:t>
-            </a:r>
-            <a:r>
               <a:rPr lang="pt-PT" dirty="0"/>
-              <a:t>de Sucesso</a:t>
+              <a:t>Melhoramento das Medidas de Sucesso</a:t>
             </a:r>
           </a:p>
         </p:txBody>
@@ -8366,48 +8144,7 @@
               <a:t>fácil utilização</a:t>
             </a:r>
             <a:r>
-              <a:rPr lang="pt-PT" dirty="0" smtClean="0"/>
-              <a:t>;</a:t>
-            </a:r>
-          </a:p>
-          <a:p>
-            <a:pPr marL="285750" lvl="0" indent="-285750" algn="just">
-              <a:buFont typeface="Arial" panose="020B0604020202020204" pitchFamily="34" charset="0"/>
-              <a:buChar char="•"/>
-            </a:pPr>
-            <a:endParaRPr lang="pt-PT" dirty="0" smtClean="0"/>
-          </a:p>
-          <a:p>
-            <a:pPr marL="285750" lvl="0" indent="-285750" algn="just">
-              <a:buFont typeface="Arial" panose="020B0604020202020204" pitchFamily="34" charset="0"/>
-              <a:buChar char="•"/>
-            </a:pPr>
-            <a:r>
               <a:rPr lang="pt-PT" dirty="0"/>
-              <a:t>Devem ser atingidos </a:t>
-            </a:r>
-            <a:r>
-              <a:rPr lang="pt-PT" b="1" dirty="0">
-                <a:solidFill>
-                  <a:schemeClr val="accent2"/>
-                </a:solidFill>
-              </a:rPr>
-              <a:t>1000 usos </a:t>
-            </a:r>
-            <a:r>
-              <a:rPr lang="pt-PT" dirty="0"/>
-              <a:t>da aplicação no </a:t>
-            </a:r>
-            <a:r>
-              <a:rPr lang="pt-PT" b="1" dirty="0">
-                <a:solidFill>
-                  <a:schemeClr val="accent2"/>
-                </a:solidFill>
-              </a:rPr>
-              <a:t>período de 365 dias</a:t>
-            </a:r>
-            <a:r>
-              <a:rPr lang="pt-PT" dirty="0" smtClean="0"/>
               <a:t>;</a:t>
             </a:r>
           </a:p>
@@ -8425,7 +8162,7 @@
             </a:pPr>
             <a:r>
               <a:rPr lang="pt-PT" dirty="0"/>
-              <a:t>Verificar </a:t>
+              <a:t>Devem ser atingidos </a:t>
             </a:r>
             <a:r>
               <a:rPr lang="pt-PT" b="1" dirty="0">
@@ -8433,11 +8170,23 @@
                   <a:schemeClr val="accent2"/>
                 </a:solidFill>
               </a:rPr>
-              <a:t>escalabilidade</a:t>
+              <a:t>1000 usos </a:t>
             </a:r>
             <a:r>
               <a:rPr lang="pt-PT" dirty="0"/>
-              <a:t> do sistema para outros infantários;</a:t>
+              <a:t>da aplicação no </a:t>
+            </a:r>
+            <a:r>
+              <a:rPr lang="pt-PT" b="1" dirty="0">
+                <a:solidFill>
+                  <a:schemeClr val="accent2"/>
+                </a:solidFill>
+              </a:rPr>
+              <a:t>período de 365 dias</a:t>
+            </a:r>
+            <a:r>
+              <a:rPr lang="pt-PT" dirty="0"/>
+              <a:t>;</a:t>
             </a:r>
           </a:p>
           <a:p>
@@ -8453,28 +8202,20 @@
               <a:buChar char="•"/>
             </a:pPr>
             <a:r>
+              <a:rPr lang="pt-PT" dirty="0"/>
+              <a:t>Verificar </a:t>
+            </a:r>
+            <a:r>
               <a:rPr lang="pt-PT" b="1" dirty="0">
                 <a:solidFill>
                   <a:schemeClr val="accent2"/>
                 </a:solidFill>
               </a:rPr>
-              <a:t>Utilização fácil e frequente </a:t>
+              <a:t>escalabilidade</a:t>
             </a:r>
             <a:r>
               <a:rPr lang="pt-PT" dirty="0"/>
-              <a:t>da aplicação pelos utilizadores alvo, com um </a:t>
-            </a:r>
-            <a:r>
-              <a:rPr lang="pt-PT" b="1" dirty="0">
-                <a:solidFill>
-                  <a:schemeClr val="accent2"/>
-                </a:solidFill>
-              </a:rPr>
-              <a:t>crescimento consecutivo</a:t>
-            </a:r>
-            <a:r>
-              <a:rPr lang="pt-PT" dirty="0"/>
-              <a:t> no número de usos da plataforma durante o primeiro ano;</a:t>
+              <a:t> do sistema para outros infantários;</a:t>
             </a:r>
           </a:p>
           <a:p>
@@ -8490,8 +8231,16 @@
               <a:buChar char="•"/>
             </a:pPr>
             <a:r>
+              <a:rPr lang="pt-PT" b="1" dirty="0">
+                <a:solidFill>
+                  <a:schemeClr val="accent2"/>
+                </a:solidFill>
+              </a:rPr>
+              <a:t>Utilização fácil e frequente </a:t>
+            </a:r>
+            <a:r>
               <a:rPr lang="pt-PT" dirty="0"/>
-              <a:t>O </a:t>
+              <a:t>da aplicação pelos utilizadores alvo, com um </a:t>
             </a:r>
             <a:r>
               <a:rPr lang="pt-PT" b="1" dirty="0">
@@ -8499,23 +8248,11 @@
                   <a:schemeClr val="accent2"/>
                 </a:solidFill>
               </a:rPr>
-              <a:t>nível de satisfação </a:t>
+              <a:t>crescimento consecutivo</a:t>
             </a:r>
             <a:r>
               <a:rPr lang="pt-PT" dirty="0"/>
-              <a:t>dos utilizadores do infantário, avaliado através dos inquéritos anuais, deve subir, pelo menos, </a:t>
-            </a:r>
-            <a:r>
-              <a:rPr lang="pt-PT" b="1" dirty="0">
-                <a:solidFill>
-                  <a:schemeClr val="accent2"/>
-                </a:solidFill>
-              </a:rPr>
-              <a:t>3 pontos percentuais</a:t>
-            </a:r>
-            <a:r>
-              <a:rPr lang="pt-PT" dirty="0" smtClean="0"/>
-              <a:t>;</a:t>
+              <a:t> no número de usos da plataforma durante o primeiro ano;</a:t>
             </a:r>
           </a:p>
           <a:p>
@@ -8540,11 +8277,11 @@
                   <a:schemeClr val="accent2"/>
                 </a:solidFill>
               </a:rPr>
-              <a:t>número de utilizadores </a:t>
+              <a:t>nível de satisfação </a:t>
             </a:r>
             <a:r>
               <a:rPr lang="pt-PT" dirty="0"/>
-              <a:t>do infantário deve </a:t>
+              <a:t>dos utilizadores do infantário, avaliado através dos inquéritos anuais, deve subir, pelo menos, </a:t>
             </a:r>
             <a:r>
               <a:rPr lang="pt-PT" b="1" dirty="0">
@@ -8552,11 +8289,11 @@
                   <a:schemeClr val="accent2"/>
                 </a:solidFill>
               </a:rPr>
-              <a:t>subir 5 pontos percentuais</a:t>
+              <a:t>3 pontos percentuais</a:t>
             </a:r>
             <a:r>
               <a:rPr lang="pt-PT" dirty="0"/>
-              <a:t>, um ano após a implementação.</a:t>
+              <a:t>;</a:t>
             </a:r>
           </a:p>
           <a:p>
@@ -8564,7 +8301,48 @@
               <a:buFont typeface="Arial" panose="020B0604020202020204" pitchFamily="34" charset="0"/>
               <a:buChar char="•"/>
             </a:pPr>
-            <a:endParaRPr lang="pt-PT" b="1" dirty="0" smtClean="0">
+            <a:endParaRPr lang="pt-PT" dirty="0"/>
+          </a:p>
+          <a:p>
+            <a:pPr marL="285750" lvl="0" indent="-285750" algn="just">
+              <a:buFont typeface="Arial" panose="020B0604020202020204" pitchFamily="34" charset="0"/>
+              <a:buChar char="•"/>
+            </a:pPr>
+            <a:r>
+              <a:rPr lang="pt-PT" dirty="0"/>
+              <a:t>O </a:t>
+            </a:r>
+            <a:r>
+              <a:rPr lang="pt-PT" b="1" dirty="0">
+                <a:solidFill>
+                  <a:schemeClr val="accent2"/>
+                </a:solidFill>
+              </a:rPr>
+              <a:t>número de utilizadores </a:t>
+            </a:r>
+            <a:r>
+              <a:rPr lang="pt-PT" dirty="0"/>
+              <a:t>do infantário deve </a:t>
+            </a:r>
+            <a:r>
+              <a:rPr lang="pt-PT" b="1" dirty="0">
+                <a:solidFill>
+                  <a:schemeClr val="accent2"/>
+                </a:solidFill>
+              </a:rPr>
+              <a:t>subir 5 pontos percentuais</a:t>
+            </a:r>
+            <a:r>
+              <a:rPr lang="pt-PT" dirty="0"/>
+              <a:t>, um ano após a implementação.</a:t>
+            </a:r>
+          </a:p>
+          <a:p>
+            <a:pPr marL="285750" lvl="0" indent="-285750" algn="just">
+              <a:buFont typeface="Arial" panose="020B0604020202020204" pitchFamily="34" charset="0"/>
+              <a:buChar char="•"/>
+            </a:pPr>
+            <a:endParaRPr lang="pt-PT" b="1" dirty="0">
               <a:solidFill>
                 <a:schemeClr val="accent2"/>
               </a:solidFill>
@@ -8576,20 +8354,12 @@
               <a:buChar char="•"/>
             </a:pPr>
             <a:r>
-              <a:rPr lang="pt-PT" b="1" dirty="0" smtClean="0">
+              <a:rPr lang="pt-PT" b="1" dirty="0">
                 <a:solidFill>
                   <a:schemeClr val="accent2"/>
                 </a:solidFill>
               </a:rPr>
-              <a:t>Funcionar </a:t>
-            </a:r>
-            <a:r>
-              <a:rPr lang="pt-PT" b="1" dirty="0">
-                <a:solidFill>
-                  <a:schemeClr val="accent2"/>
-                </a:solidFill>
-              </a:rPr>
-              <a:t>24h, 365 dias por ano!</a:t>
+              <a:t>Funcionar 24h, 365 dias por ano!</a:t>
             </a:r>
           </a:p>
         </p:txBody>
@@ -8616,17 +8386,10 @@
       </p:transition>
     </mc:Fallback>
   </mc:AlternateContent>
-  <p:timing>
-    <p:tnLst>
-      <p:par>
-        <p:cTn id="1" dur="indefinite" restart="never" nodeType="tmRoot"/>
-      </p:par>
-    </p:tnLst>
-  </p:timing>
 </p:sld>
 </file>
 
-<file path=ppt/slides/slide15.xml><?xml version="1.0" encoding="utf-8"?>
+<file path=ppt/slides/slide14.xml><?xml version="1.0" encoding="utf-8"?>
 <p:sld xmlns:a="http://schemas.openxmlformats.org/drawingml/2006/main" xmlns:r="http://schemas.openxmlformats.org/officeDocument/2006/relationships" xmlns:p="http://schemas.openxmlformats.org/presentationml/2006/main">
   <p:cSld>
     <p:spTree>
@@ -8841,17 +8604,10 @@
       </p:transition>
     </mc:Fallback>
   </mc:AlternateContent>
-  <p:timing>
-    <p:tnLst>
-      <p:par>
-        <p:cTn id="1" dur="indefinite" restart="never" nodeType="tmRoot"/>
-      </p:par>
-    </p:tnLst>
-  </p:timing>
 </p:sld>
 </file>
 
-<file path=ppt/slides/slide16.xml><?xml version="1.0" encoding="utf-8"?>
+<file path=ppt/slides/slide15.xml><?xml version="1.0" encoding="utf-8"?>
 <p:sld xmlns:a="http://schemas.openxmlformats.org/drawingml/2006/main" xmlns:r="http://schemas.openxmlformats.org/officeDocument/2006/relationships" xmlns:p="http://schemas.openxmlformats.org/presentationml/2006/main">
   <p:cSld>
     <p:spTree>
@@ -9097,17 +8853,22 @@
   <p:clrMapOvr>
     <a:masterClrMapping/>
   </p:clrMapOvr>
-  <p:timing>
-    <p:tnLst>
-      <p:par>
-        <p:cTn id="1" dur="indefinite" restart="never" nodeType="tmRoot"/>
-      </p:par>
-    </p:tnLst>
-  </p:timing>
+  <mc:AlternateContent xmlns:mc="http://schemas.openxmlformats.org/markup-compatibility/2006">
+    <mc:Choice xmlns:p14="http://schemas.microsoft.com/office/powerpoint/2010/main" Requires="p14">
+      <p:transition spd="med" p14:dur="700">
+        <p:fade/>
+      </p:transition>
+    </mc:Choice>
+    <mc:Fallback>
+      <p:transition spd="med">
+        <p:fade/>
+      </p:transition>
+    </mc:Fallback>
+  </mc:AlternateContent>
 </p:sld>
 </file>
 
-<file path=ppt/slides/slide17.xml><?xml version="1.0" encoding="utf-8"?>
+<file path=ppt/slides/slide16.xml><?xml version="1.0" encoding="utf-8"?>
 <p:sld xmlns:a="http://schemas.openxmlformats.org/drawingml/2006/main" xmlns:r="http://schemas.openxmlformats.org/officeDocument/2006/relationships" xmlns:p="http://schemas.openxmlformats.org/presentationml/2006/main">
   <p:cSld>
     <p:spTree>
@@ -9274,17 +9035,22 @@
   <p:clrMapOvr>
     <a:masterClrMapping/>
   </p:clrMapOvr>
-  <p:timing>
-    <p:tnLst>
-      <p:par>
-        <p:cTn id="1" dur="indefinite" restart="never" nodeType="tmRoot"/>
-      </p:par>
-    </p:tnLst>
-  </p:timing>
+  <mc:AlternateContent xmlns:mc="http://schemas.openxmlformats.org/markup-compatibility/2006">
+    <mc:Choice xmlns:p14="http://schemas.microsoft.com/office/powerpoint/2010/main" Requires="p14">
+      <p:transition spd="med" p14:dur="700">
+        <p:fade/>
+      </p:transition>
+    </mc:Choice>
+    <mc:Fallback>
+      <p:transition spd="med">
+        <p:fade/>
+      </p:transition>
+    </mc:Fallback>
+  </mc:AlternateContent>
 </p:sld>
 </file>
 
-<file path=ppt/slides/slide18.xml><?xml version="1.0" encoding="utf-8"?>
+<file path=ppt/slides/slide17.xml><?xml version="1.0" encoding="utf-8"?>
 <p:sld xmlns:a="http://schemas.openxmlformats.org/drawingml/2006/main" xmlns:r="http://schemas.openxmlformats.org/officeDocument/2006/relationships" xmlns:p="http://schemas.openxmlformats.org/presentationml/2006/main">
   <p:cSld>
     <p:spTree>
@@ -9487,17 +9253,22 @@
   <p:clrMapOvr>
     <a:masterClrMapping/>
   </p:clrMapOvr>
-  <p:timing>
-    <p:tnLst>
-      <p:par>
-        <p:cTn id="1" dur="indefinite" restart="never" nodeType="tmRoot"/>
-      </p:par>
-    </p:tnLst>
-  </p:timing>
+  <mc:AlternateContent xmlns:mc="http://schemas.openxmlformats.org/markup-compatibility/2006">
+    <mc:Choice xmlns:p14="http://schemas.microsoft.com/office/powerpoint/2010/main" Requires="p14">
+      <p:transition spd="med" p14:dur="700">
+        <p:fade/>
+      </p:transition>
+    </mc:Choice>
+    <mc:Fallback>
+      <p:transition spd="med">
+        <p:fade/>
+      </p:transition>
+    </mc:Fallback>
+  </mc:AlternateContent>
 </p:sld>
 </file>
 
-<file path=ppt/slides/slide19.xml><?xml version="1.0" encoding="utf-8"?>
+<file path=ppt/slides/slide18.xml><?xml version="1.0" encoding="utf-8"?>
 <p:sld xmlns:a="http://schemas.openxmlformats.org/drawingml/2006/main" xmlns:r="http://schemas.openxmlformats.org/officeDocument/2006/relationships" xmlns:p="http://schemas.openxmlformats.org/presentationml/2006/main">
   <p:cSld>
     <p:spTree>
@@ -9873,13 +9644,92 @@
       </p:transition>
     </mc:Fallback>
   </mc:AlternateContent>
-  <p:timing>
-    <p:tnLst>
-      <p:par>
-        <p:cTn id="1" dur="indefinite" restart="never" nodeType="tmRoot"/>
-      </p:par>
-    </p:tnLst>
-  </p:timing>
+</p:sld>
+</file>
+
+<file path=ppt/slides/slide19.xml><?xml version="1.0" encoding="utf-8"?>
+<p:sld xmlns:a="http://schemas.openxmlformats.org/drawingml/2006/main" xmlns:r="http://schemas.openxmlformats.org/officeDocument/2006/relationships" xmlns:p="http://schemas.openxmlformats.org/presentationml/2006/main">
+  <p:cSld>
+    <p:spTree>
+      <p:nvGrpSpPr>
+        <p:cNvPr id="1" name=""/>
+        <p:cNvGrpSpPr/>
+        <p:nvPr/>
+      </p:nvGrpSpPr>
+      <p:grpSpPr>
+        <a:xfrm>
+          <a:off x="0" y="0"/>
+          <a:ext cx="0" cy="0"/>
+          <a:chOff x="0" y="0"/>
+          <a:chExt cx="0" cy="0"/>
+        </a:xfrm>
+      </p:grpSpPr>
+      <p:sp>
+        <p:nvSpPr>
+          <p:cNvPr id="2" name="Title 1"/>
+          <p:cNvSpPr>
+            <a:spLocks noGrp="1"/>
+          </p:cNvSpPr>
+          <p:nvPr>
+            <p:ph type="title"/>
+          </p:nvPr>
+        </p:nvSpPr>
+        <p:spPr/>
+        <p:txBody>
+          <a:bodyPr/>
+          <a:lstStyle/>
+          <a:p>
+            <a:r>
+              <a:rPr lang="pt-PT" dirty="0"/>
+              <a:t>Parte II</a:t>
+            </a:r>
+          </a:p>
+        </p:txBody>
+      </p:sp>
+      <p:sp>
+        <p:nvSpPr>
+          <p:cNvPr id="3" name="Text Placeholder 2"/>
+          <p:cNvSpPr>
+            <a:spLocks noGrp="1"/>
+          </p:cNvSpPr>
+          <p:nvPr>
+            <p:ph type="body" idx="1"/>
+          </p:nvPr>
+        </p:nvSpPr>
+        <p:spPr/>
+        <p:txBody>
+          <a:bodyPr/>
+          <a:lstStyle/>
+          <a:p>
+            <a:r>
+              <a:rPr lang="pt-PT" dirty="0"/>
+              <a:t>Especificação</a:t>
+            </a:r>
+          </a:p>
+        </p:txBody>
+      </p:sp>
+    </p:spTree>
+    <p:extLst>
+      <p:ext uri="{BB962C8B-B14F-4D97-AF65-F5344CB8AC3E}">
+        <p14:creationId xmlns:p14="http://schemas.microsoft.com/office/powerpoint/2010/main" val="1871161917"/>
+      </p:ext>
+    </p:extLst>
+  </p:cSld>
+  <p:clrMapOvr>
+    <a:masterClrMapping/>
+  </p:clrMapOvr>
+  <mc:AlternateContent xmlns:mc="http://schemas.openxmlformats.org/markup-compatibility/2006">
+    <mc:Choice xmlns:p14="http://schemas.microsoft.com/office/powerpoint/2010/main" Requires="p14">
+      <p:transition spd="med" p14:dur="700">
+        <p:fade/>
+      </p:transition>
+    </mc:Choice>
+    <mc:Fallback>
+      <p:transition spd="med">
+        <p:fade/>
+      </p:transition>
+    </mc:Fallback>
+  </mc:AlternateContent>
 </p:sld>
 </file>
 
@@ -9915,18 +9765,21 @@
           <a:bodyPr/>
           <a:lstStyle/>
           <a:p>
-            <a:endParaRPr lang="pt-PT"/>
-          </a:p>
-        </p:txBody>
-      </p:sp>
-      <p:sp>
-        <p:nvSpPr>
-          <p:cNvPr id="3" name="Content Placeholder 2"/>
+            <a:r>
+              <a:rPr lang="pt-PT" dirty="0"/>
+              <a:t>Parte I</a:t>
+            </a:r>
+          </a:p>
+        </p:txBody>
+      </p:sp>
+      <p:sp>
+        <p:nvSpPr>
+          <p:cNvPr id="3" name="Text Placeholder 2"/>
           <p:cNvSpPr>
             <a:spLocks noGrp="1"/>
           </p:cNvSpPr>
           <p:nvPr>
-            <p:ph idx="1"/>
+            <p:ph type="body" idx="1"/>
           </p:nvPr>
         </p:nvSpPr>
         <p:spPr/>
@@ -9934,27 +9787,35 @@
           <a:bodyPr/>
           <a:lstStyle/>
           <a:p>
-            <a:endParaRPr lang="pt-PT"/>
+            <a:r>
+              <a:rPr lang="pt-PT" dirty="0"/>
+              <a:t>Fundamentação</a:t>
+            </a:r>
           </a:p>
         </p:txBody>
       </p:sp>
     </p:spTree>
     <p:extLst>
       <p:ext uri="{BB962C8B-B14F-4D97-AF65-F5344CB8AC3E}">
-        <p14:creationId xmlns:p14="http://schemas.microsoft.com/office/powerpoint/2010/main" val="88422279"/>
+        <p14:creationId xmlns:p14="http://schemas.microsoft.com/office/powerpoint/2010/main" val="2134899933"/>
       </p:ext>
     </p:extLst>
   </p:cSld>
   <p:clrMapOvr>
     <a:masterClrMapping/>
   </p:clrMapOvr>
-  <p:timing>
-    <p:tnLst>
-      <p:par>
-        <p:cTn id="1" dur="indefinite" restart="never" nodeType="tmRoot"/>
-      </p:par>
-    </p:tnLst>
-  </p:timing>
+  <mc:AlternateContent xmlns:mc="http://schemas.openxmlformats.org/markup-compatibility/2006">
+    <mc:Choice xmlns:p14="http://schemas.microsoft.com/office/powerpoint/2010/main" Requires="p14">
+      <p:transition spd="med" p14:dur="700">
+        <p:fade/>
+      </p:transition>
+    </mc:Choice>
+    <mc:Fallback>
+      <p:transition spd="med">
+        <p:fade/>
+      </p:transition>
+    </mc:Fallback>
+  </mc:AlternateContent>
 </p:sld>
 </file>
 
@@ -9977,89 +9838,6 @@
       </p:grpSpPr>
       <p:sp>
         <p:nvSpPr>
-          <p:cNvPr id="2" name="Title 1"/>
-          <p:cNvSpPr>
-            <a:spLocks noGrp="1"/>
-          </p:cNvSpPr>
-          <p:nvPr>
-            <p:ph type="title"/>
-          </p:nvPr>
-        </p:nvSpPr>
-        <p:spPr/>
-        <p:txBody>
-          <a:bodyPr/>
-          <a:lstStyle/>
-          <a:p>
-            <a:r>
-              <a:rPr lang="pt-PT" dirty="0" smtClean="0"/>
-              <a:t>Parte II</a:t>
-            </a:r>
-            <a:endParaRPr lang="pt-PT" dirty="0"/>
-          </a:p>
-        </p:txBody>
-      </p:sp>
-      <p:sp>
-        <p:nvSpPr>
-          <p:cNvPr id="3" name="Text Placeholder 2"/>
-          <p:cNvSpPr>
-            <a:spLocks noGrp="1"/>
-          </p:cNvSpPr>
-          <p:nvPr>
-            <p:ph type="body" idx="1"/>
-          </p:nvPr>
-        </p:nvSpPr>
-        <p:spPr/>
-        <p:txBody>
-          <a:bodyPr/>
-          <a:lstStyle/>
-          <a:p>
-            <a:r>
-              <a:rPr lang="pt-PT" dirty="0" smtClean="0"/>
-              <a:t>Especificação</a:t>
-            </a:r>
-            <a:endParaRPr lang="pt-PT" dirty="0"/>
-          </a:p>
-        </p:txBody>
-      </p:sp>
-    </p:spTree>
-    <p:extLst>
-      <p:ext uri="{BB962C8B-B14F-4D97-AF65-F5344CB8AC3E}">
-        <p14:creationId xmlns:p14="http://schemas.microsoft.com/office/powerpoint/2010/main" val="1871161917"/>
-      </p:ext>
-    </p:extLst>
-  </p:cSld>
-  <p:clrMapOvr>
-    <a:masterClrMapping/>
-  </p:clrMapOvr>
-  <p:timing>
-    <p:tnLst>
-      <p:par>
-        <p:cTn id="1" dur="indefinite" restart="never" nodeType="tmRoot"/>
-      </p:par>
-    </p:tnLst>
-  </p:timing>
-</p:sld>
-</file>
-
-<file path=ppt/slides/slide21.xml><?xml version="1.0" encoding="utf-8"?>
-<p:sld xmlns:a="http://schemas.openxmlformats.org/drawingml/2006/main" xmlns:r="http://schemas.openxmlformats.org/officeDocument/2006/relationships" xmlns:p="http://schemas.openxmlformats.org/presentationml/2006/main">
-  <p:cSld>
-    <p:spTree>
-      <p:nvGrpSpPr>
-        <p:cNvPr id="1" name=""/>
-        <p:cNvGrpSpPr/>
-        <p:nvPr/>
-      </p:nvGrpSpPr>
-      <p:grpSpPr>
-        <a:xfrm>
-          <a:off x="0" y="0"/>
-          <a:ext cx="0" cy="0"/>
-          <a:chOff x="0" y="0"/>
-          <a:chExt cx="0" cy="0"/>
-        </a:xfrm>
-      </p:grpSpPr>
-      <p:sp>
-        <p:nvSpPr>
           <p:cNvPr id="4" name="Title 3"/>
           <p:cNvSpPr>
             <a:spLocks noGrp="1"/>
@@ -10074,14 +9852,9 @@
           <a:lstStyle/>
           <a:p>
             <a:r>
-              <a:rPr lang="pt-PT" dirty="0" smtClean="0"/>
-              <a:t>Requisitos do utilizador e de sistema </a:t>
-            </a:r>
-            <a:r>
-              <a:rPr lang="pt-PT" dirty="0" smtClean="0"/>
-              <a:t>funcionais - Cliente</a:t>
-            </a:r>
-            <a:endParaRPr lang="pt-PT" dirty="0"/>
+              <a:rPr lang="pt-PT" dirty="0"/>
+              <a:t>Requisitos do utilizador e de sistema funcionais - Cliente</a:t>
+            </a:r>
           </a:p>
         </p:txBody>
       </p:sp>
@@ -10119,17 +9892,22 @@
   <p:clrMapOvr>
     <a:masterClrMapping/>
   </p:clrMapOvr>
-  <p:timing>
-    <p:tnLst>
-      <p:par>
-        <p:cTn id="1" dur="indefinite" restart="never" nodeType="tmRoot"/>
-      </p:par>
-    </p:tnLst>
-  </p:timing>
+  <mc:AlternateContent xmlns:mc="http://schemas.openxmlformats.org/markup-compatibility/2006">
+    <mc:Choice xmlns:p14="http://schemas.microsoft.com/office/powerpoint/2010/main" Requires="p14">
+      <p:transition spd="med" p14:dur="700">
+        <p:fade/>
+      </p:transition>
+    </mc:Choice>
+    <mc:Fallback>
+      <p:transition spd="med">
+        <p:fade/>
+      </p:transition>
+    </mc:Fallback>
+  </mc:AlternateContent>
 </p:sld>
 </file>
 
-<file path=ppt/slides/slide22.xml><?xml version="1.0" encoding="utf-8"?>
+<file path=ppt/slides/slide21.xml><?xml version="1.0" encoding="utf-8"?>
 <p:sld xmlns:a="http://schemas.openxmlformats.org/drawingml/2006/main" xmlns:r="http://schemas.openxmlformats.org/officeDocument/2006/relationships" xmlns:p="http://schemas.openxmlformats.org/presentationml/2006/main">
   <p:cSld>
     <p:spTree>
@@ -10162,14 +9940,9 @@
           <a:lstStyle/>
           <a:p>
             <a:r>
-              <a:rPr lang="pt-PT" dirty="0" smtClean="0"/>
-              <a:t>Requisitos do utilizador e de sistema </a:t>
-            </a:r>
-            <a:r>
               <a:rPr lang="pt-PT" dirty="0"/>
-              <a:t>funcionais - Cliente</a:t>
-            </a:r>
-            <a:endParaRPr lang="pt-PT" dirty="0"/>
+              <a:t>Requisitos do utilizador e de sistema funcionais - Cliente</a:t>
+            </a:r>
           </a:p>
         </p:txBody>
       </p:sp>
@@ -10207,17 +9980,22 @@
   <p:clrMapOvr>
     <a:masterClrMapping/>
   </p:clrMapOvr>
-  <p:timing>
-    <p:tnLst>
-      <p:par>
-        <p:cTn id="1" dur="indefinite" restart="never" nodeType="tmRoot"/>
-      </p:par>
-    </p:tnLst>
-  </p:timing>
+  <mc:AlternateContent xmlns:mc="http://schemas.openxmlformats.org/markup-compatibility/2006">
+    <mc:Choice xmlns:p14="http://schemas.microsoft.com/office/powerpoint/2010/main" Requires="p14">
+      <p:transition spd="med" p14:dur="700">
+        <p:fade/>
+      </p:transition>
+    </mc:Choice>
+    <mc:Fallback>
+      <p:transition spd="med">
+        <p:fade/>
+      </p:transition>
+    </mc:Fallback>
+  </mc:AlternateContent>
 </p:sld>
 </file>
 
-<file path=ppt/slides/slide23.xml><?xml version="1.0" encoding="utf-8"?>
+<file path=ppt/slides/slide22.xml><?xml version="1.0" encoding="utf-8"?>
 <p:sld xmlns:a="http://schemas.openxmlformats.org/drawingml/2006/main" xmlns:r="http://schemas.openxmlformats.org/officeDocument/2006/relationships" xmlns:p="http://schemas.openxmlformats.org/presentationml/2006/main">
   <p:cSld>
     <p:spTree>
@@ -10250,14 +10028,9 @@
           <a:lstStyle/>
           <a:p>
             <a:r>
-              <a:rPr lang="pt-PT" dirty="0" smtClean="0"/>
-              <a:t>Requisitos do utilizador e de sistema </a:t>
-            </a:r>
-            <a:r>
-              <a:rPr lang="pt-PT" dirty="0" smtClean="0"/>
-              <a:t>funcionais - Profissional</a:t>
-            </a:r>
-            <a:endParaRPr lang="pt-PT" dirty="0"/>
+              <a:rPr lang="pt-PT" dirty="0"/>
+              <a:t>Requisitos do utilizador e de sistema funcionais - Profissional</a:t>
+            </a:r>
           </a:p>
         </p:txBody>
       </p:sp>
@@ -10294,17 +10067,22 @@
   <p:clrMapOvr>
     <a:masterClrMapping/>
   </p:clrMapOvr>
-  <p:timing>
-    <p:tnLst>
-      <p:par>
-        <p:cTn id="1" dur="indefinite" restart="never" nodeType="tmRoot"/>
-      </p:par>
-    </p:tnLst>
-  </p:timing>
+  <mc:AlternateContent xmlns:mc="http://schemas.openxmlformats.org/markup-compatibility/2006">
+    <mc:Choice xmlns:p14="http://schemas.microsoft.com/office/powerpoint/2010/main" Requires="p14">
+      <p:transition spd="med" p14:dur="700">
+        <p:fade/>
+      </p:transition>
+    </mc:Choice>
+    <mc:Fallback>
+      <p:transition spd="med">
+        <p:fade/>
+      </p:transition>
+    </mc:Fallback>
+  </mc:AlternateContent>
 </p:sld>
 </file>
 
-<file path=ppt/slides/slide24.xml><?xml version="1.0" encoding="utf-8"?>
+<file path=ppt/slides/slide23.xml><?xml version="1.0" encoding="utf-8"?>
 <p:sld xmlns:a="http://schemas.openxmlformats.org/drawingml/2006/main" xmlns:r="http://schemas.openxmlformats.org/officeDocument/2006/relationships" xmlns:p="http://schemas.openxmlformats.org/presentationml/2006/main">
   <p:cSld>
     <p:spTree>
@@ -10337,14 +10115,9 @@
           <a:lstStyle/>
           <a:p>
             <a:r>
-              <a:rPr lang="pt-PT" dirty="0" smtClean="0"/>
-              <a:t>Requisitos do utilizador e de sistema </a:t>
-            </a:r>
-            <a:r>
-              <a:rPr lang="pt-PT" dirty="0" smtClean="0"/>
-              <a:t>funcionais – Cliente e Profissional</a:t>
-            </a:r>
-            <a:endParaRPr lang="pt-PT" dirty="0"/>
+              <a:rPr lang="pt-PT" dirty="0"/>
+              <a:t>Requisitos do utilizador e de sistema funcionais – Cliente e Profissional</a:t>
+            </a:r>
           </a:p>
         </p:txBody>
       </p:sp>
@@ -10381,17 +10154,22 @@
   <p:clrMapOvr>
     <a:masterClrMapping/>
   </p:clrMapOvr>
-  <p:timing>
-    <p:tnLst>
-      <p:par>
-        <p:cTn id="1" dur="indefinite" restart="never" nodeType="tmRoot"/>
-      </p:par>
-    </p:tnLst>
-  </p:timing>
+  <mc:AlternateContent xmlns:mc="http://schemas.openxmlformats.org/markup-compatibility/2006">
+    <mc:Choice xmlns:p14="http://schemas.microsoft.com/office/powerpoint/2010/main" Requires="p14">
+      <p:transition spd="med" p14:dur="700">
+        <p:fade/>
+      </p:transition>
+    </mc:Choice>
+    <mc:Fallback>
+      <p:transition spd="med">
+        <p:fade/>
+      </p:transition>
+    </mc:Fallback>
+  </mc:AlternateContent>
 </p:sld>
 </file>
 
-<file path=ppt/slides/slide25.xml><?xml version="1.0" encoding="utf-8"?>
+<file path=ppt/slides/slide24.xml><?xml version="1.0" encoding="utf-8"?>
 <p:sld xmlns:a="http://schemas.openxmlformats.org/drawingml/2006/main" xmlns:r="http://schemas.openxmlformats.org/officeDocument/2006/relationships" xmlns:p="http://schemas.openxmlformats.org/presentationml/2006/main">
   <p:cSld>
     <p:spTree>
@@ -10424,14 +10202,9 @@
           <a:lstStyle/>
           <a:p>
             <a:r>
-              <a:rPr lang="pt-PT" dirty="0" smtClean="0"/>
-              <a:t>Requisitos do utilizador e de sistema </a:t>
-            </a:r>
-            <a:r>
               <a:rPr lang="pt-PT" dirty="0"/>
-              <a:t>funcionais – Cliente e Profissional</a:t>
-            </a:r>
-            <a:endParaRPr lang="pt-PT" dirty="0"/>
+              <a:t>Requisitos do utilizador e de sistema funcionais – Cliente e Profissional</a:t>
+            </a:r>
           </a:p>
         </p:txBody>
       </p:sp>
@@ -10469,17 +10242,22 @@
   <p:clrMapOvr>
     <a:masterClrMapping/>
   </p:clrMapOvr>
-  <p:timing>
-    <p:tnLst>
-      <p:par>
-        <p:cTn id="1" dur="indefinite" restart="never" nodeType="tmRoot"/>
-      </p:par>
-    </p:tnLst>
-  </p:timing>
+  <mc:AlternateContent xmlns:mc="http://schemas.openxmlformats.org/markup-compatibility/2006">
+    <mc:Choice xmlns:p14="http://schemas.microsoft.com/office/powerpoint/2010/main" Requires="p14">
+      <p:transition spd="med" p14:dur="700">
+        <p:fade/>
+      </p:transition>
+    </mc:Choice>
+    <mc:Fallback>
+      <p:transition spd="med">
+        <p:fade/>
+      </p:transition>
+    </mc:Fallback>
+  </mc:AlternateContent>
 </p:sld>
 </file>
 
-<file path=ppt/slides/slide26.xml><?xml version="1.0" encoding="utf-8"?>
+<file path=ppt/slides/slide25.xml><?xml version="1.0" encoding="utf-8"?>
 <p:sld xmlns:a="http://schemas.openxmlformats.org/drawingml/2006/main" xmlns:r="http://schemas.openxmlformats.org/officeDocument/2006/relationships" xmlns:p="http://schemas.openxmlformats.org/presentationml/2006/main">
   <p:cSld>
     <p:spTree>
@@ -10512,14 +10290,9 @@
           <a:lstStyle/>
           <a:p>
             <a:r>
-              <a:rPr lang="pt-PT" dirty="0" smtClean="0"/>
-              <a:t>Requisitos do utilizador e de sistema </a:t>
-            </a:r>
-            <a:r>
               <a:rPr lang="pt-PT" dirty="0"/>
-              <a:t>funcionais – Cliente e Profissional</a:t>
-            </a:r>
-            <a:endParaRPr lang="pt-PT" dirty="0"/>
+              <a:t>Requisitos do utilizador e de sistema funcionais – Cliente e Profissional</a:t>
+            </a:r>
           </a:p>
         </p:txBody>
       </p:sp>
@@ -10557,17 +10330,22 @@
   <p:clrMapOvr>
     <a:masterClrMapping/>
   </p:clrMapOvr>
-  <p:timing>
-    <p:tnLst>
-      <p:par>
-        <p:cTn id="1" dur="indefinite" restart="never" nodeType="tmRoot"/>
-      </p:par>
-    </p:tnLst>
-  </p:timing>
+  <mc:AlternateContent xmlns:mc="http://schemas.openxmlformats.org/markup-compatibility/2006">
+    <mc:Choice xmlns:p14="http://schemas.microsoft.com/office/powerpoint/2010/main" Requires="p14">
+      <p:transition spd="med" p14:dur="700">
+        <p:fade/>
+      </p:transition>
+    </mc:Choice>
+    <mc:Fallback>
+      <p:transition spd="med">
+        <p:fade/>
+      </p:transition>
+    </mc:Fallback>
+  </mc:AlternateContent>
 </p:sld>
 </file>
 
-<file path=ppt/slides/slide27.xml><?xml version="1.0" encoding="utf-8"?>
+<file path=ppt/slides/slide26.xml><?xml version="1.0" encoding="utf-8"?>
 <p:sld xmlns:a="http://schemas.openxmlformats.org/drawingml/2006/main" xmlns:r="http://schemas.openxmlformats.org/officeDocument/2006/relationships" xmlns:p="http://schemas.openxmlformats.org/presentationml/2006/main">
   <p:cSld>
     <p:spTree>
@@ -10600,14 +10378,9 @@
           <a:lstStyle/>
           <a:p>
             <a:r>
-              <a:rPr lang="pt-PT" dirty="0" smtClean="0"/>
-              <a:t>Requisitos do utilizador e de sistema </a:t>
-            </a:r>
-            <a:r>
-              <a:rPr lang="pt-PT" dirty="0" smtClean="0"/>
-              <a:t>funcionais - Administrador</a:t>
-            </a:r>
-            <a:endParaRPr lang="pt-PT" dirty="0"/>
+              <a:rPr lang="pt-PT" dirty="0"/>
+              <a:t>Requisitos do utilizador e de sistema funcionais - Administrador</a:t>
+            </a:r>
           </a:p>
         </p:txBody>
       </p:sp>
@@ -10644,17 +10417,22 @@
   <p:clrMapOvr>
     <a:masterClrMapping/>
   </p:clrMapOvr>
-  <p:timing>
-    <p:tnLst>
-      <p:par>
-        <p:cTn id="1" dur="indefinite" restart="never" nodeType="tmRoot"/>
-      </p:par>
-    </p:tnLst>
-  </p:timing>
+  <mc:AlternateContent xmlns:mc="http://schemas.openxmlformats.org/markup-compatibility/2006">
+    <mc:Choice xmlns:p14="http://schemas.microsoft.com/office/powerpoint/2010/main" Requires="p14">
+      <p:transition spd="med" p14:dur="700">
+        <p:fade/>
+      </p:transition>
+    </mc:Choice>
+    <mc:Fallback>
+      <p:transition spd="med">
+        <p:fade/>
+      </p:transition>
+    </mc:Fallback>
+  </mc:AlternateContent>
 </p:sld>
 </file>
 
-<file path=ppt/slides/slide28.xml><?xml version="1.0" encoding="utf-8"?>
+<file path=ppt/slides/slide27.xml><?xml version="1.0" encoding="utf-8"?>
 <p:sld xmlns:a="http://schemas.openxmlformats.org/drawingml/2006/main" xmlns:r="http://schemas.openxmlformats.org/officeDocument/2006/relationships" xmlns:p="http://schemas.openxmlformats.org/presentationml/2006/main">
   <p:cSld>
     <p:spTree>
@@ -10687,18 +10465,9 @@
           <a:lstStyle/>
           <a:p>
             <a:r>
-              <a:rPr lang="pt-PT" dirty="0" smtClean="0"/>
-              <a:t>Requisitos do utilizador e de sistema </a:t>
-            </a:r>
-            <a:r>
               <a:rPr lang="pt-PT" dirty="0"/>
-              <a:t>funcionais </a:t>
-            </a:r>
-            <a:r>
-              <a:rPr lang="pt-PT" dirty="0" smtClean="0"/>
-              <a:t>– Administrador</a:t>
-            </a:r>
-            <a:endParaRPr lang="pt-PT" dirty="0"/>
+              <a:t>Requisitos do utilizador e de sistema funcionais – Administrador</a:t>
+            </a:r>
           </a:p>
         </p:txBody>
       </p:sp>
@@ -10736,17 +10505,22 @@
   <p:clrMapOvr>
     <a:masterClrMapping/>
   </p:clrMapOvr>
-  <p:timing>
-    <p:tnLst>
-      <p:par>
-        <p:cTn id="1" dur="indefinite" restart="never" nodeType="tmRoot"/>
-      </p:par>
-    </p:tnLst>
-  </p:timing>
+  <mc:AlternateContent xmlns:mc="http://schemas.openxmlformats.org/markup-compatibility/2006">
+    <mc:Choice xmlns:p14="http://schemas.microsoft.com/office/powerpoint/2010/main" Requires="p14">
+      <p:transition spd="med" p14:dur="700">
+        <p:fade/>
+      </p:transition>
+    </mc:Choice>
+    <mc:Fallback>
+      <p:transition spd="med">
+        <p:fade/>
+      </p:transition>
+    </mc:Fallback>
+  </mc:AlternateContent>
 </p:sld>
 </file>
 
-<file path=ppt/slides/slide29.xml><?xml version="1.0" encoding="utf-8"?>
+<file path=ppt/slides/slide28.xml><?xml version="1.0" encoding="utf-8"?>
 <p:sld xmlns:a="http://schemas.openxmlformats.org/drawingml/2006/main" xmlns:r="http://schemas.openxmlformats.org/officeDocument/2006/relationships" xmlns:p="http://schemas.openxmlformats.org/presentationml/2006/main">
   <p:cSld>
     <p:spTree>
@@ -10779,14 +10553,9 @@
           <a:lstStyle/>
           <a:p>
             <a:r>
-              <a:rPr lang="pt-PT" dirty="0" smtClean="0"/>
-              <a:t>Requisitos do utilizador e de sistema </a:t>
-            </a:r>
-            <a:r>
-              <a:rPr lang="pt-PT" dirty="0" smtClean="0"/>
-              <a:t>funcionais - Administrador</a:t>
-            </a:r>
-            <a:endParaRPr lang="pt-PT" dirty="0"/>
+              <a:rPr lang="pt-PT" dirty="0"/>
+              <a:t>Requisitos do utilizador e de sistema funcionais - Administrador</a:t>
+            </a:r>
           </a:p>
         </p:txBody>
       </p:sp>
@@ -10824,13 +10593,135 @@
   <p:clrMapOvr>
     <a:masterClrMapping/>
   </p:clrMapOvr>
-  <p:timing>
-    <p:tnLst>
-      <p:par>
-        <p:cTn id="1" dur="indefinite" restart="never" nodeType="tmRoot"/>
-      </p:par>
-    </p:tnLst>
-  </p:timing>
+  <mc:AlternateContent xmlns:mc="http://schemas.openxmlformats.org/markup-compatibility/2006">
+    <mc:Choice xmlns:p14="http://schemas.microsoft.com/office/powerpoint/2010/main" Requires="p14">
+      <p:transition spd="med" p14:dur="700">
+        <p:fade/>
+      </p:transition>
+    </mc:Choice>
+    <mc:Fallback>
+      <p:transition spd="med">
+        <p:fade/>
+      </p:transition>
+    </mc:Fallback>
+  </mc:AlternateContent>
+</p:sld>
+</file>
+
+<file path=ppt/slides/slide29.xml><?xml version="1.0" encoding="utf-8"?>
+<p:sld xmlns:a="http://schemas.openxmlformats.org/drawingml/2006/main" xmlns:r="http://schemas.openxmlformats.org/officeDocument/2006/relationships" xmlns:p="http://schemas.openxmlformats.org/presentationml/2006/main">
+  <p:cSld>
+    <p:spTree>
+      <p:nvGrpSpPr>
+        <p:cNvPr id="1" name=""/>
+        <p:cNvGrpSpPr/>
+        <p:nvPr/>
+      </p:nvGrpSpPr>
+      <p:grpSpPr>
+        <a:xfrm>
+          <a:off x="0" y="0"/>
+          <a:ext cx="0" cy="0"/>
+          <a:chOff x="0" y="0"/>
+          <a:chExt cx="0" cy="0"/>
+        </a:xfrm>
+      </p:grpSpPr>
+      <p:sp>
+        <p:nvSpPr>
+          <p:cNvPr id="4" name="Title 3"/>
+          <p:cNvSpPr>
+            <a:spLocks noGrp="1"/>
+          </p:cNvSpPr>
+          <p:nvPr>
+            <p:ph type="title"/>
+          </p:nvPr>
+        </p:nvSpPr>
+        <p:spPr/>
+        <p:txBody>
+          <a:bodyPr/>
+          <a:lstStyle/>
+          <a:p>
+            <a:r>
+              <a:rPr lang="pt-PT" dirty="0"/>
+              <a:t>Requisitos de sistem não-funcionais</a:t>
+            </a:r>
+          </a:p>
+        </p:txBody>
+      </p:sp>
+      <p:sp>
+        <p:nvSpPr>
+          <p:cNvPr id="2" name="Content Placeholder 1"/>
+          <p:cNvSpPr>
+            <a:spLocks noGrp="1"/>
+          </p:cNvSpPr>
+          <p:nvPr>
+            <p:ph idx="1"/>
+          </p:nvPr>
+        </p:nvSpPr>
+        <p:spPr/>
+        <p:txBody>
+          <a:bodyPr>
+            <a:normAutofit/>
+          </a:bodyPr>
+          <a:lstStyle/>
+          <a:p>
+            <a:pPr algn="just"/>
+            <a:r>
+              <a:rPr lang="pt-PT" sz="2800" dirty="0"/>
+              <a:t>Organizacionais</a:t>
+            </a:r>
+          </a:p>
+          <a:p>
+            <a:pPr lvl="1" algn="just"/>
+            <a:r>
+              <a:rPr lang="pt-PT" sz="2400" dirty="0"/>
+              <a:t>O utilizador deve autenticar-se com o seu username e a password respetiva;</a:t>
+            </a:r>
+          </a:p>
+          <a:p>
+            <a:pPr lvl="1" algn="just"/>
+            <a:r>
+              <a:rPr lang="pt-PT" sz="2400" dirty="0"/>
+              <a:t>A linguagem de programação a utilizar será C# em cooperação com a framework ASP.NET;</a:t>
+            </a:r>
+          </a:p>
+          <a:p>
+            <a:pPr lvl="1" algn="just"/>
+            <a:r>
+              <a:rPr lang="pt-PT" sz="2400" dirty="0"/>
+              <a:t>O SGBD a usar deve ser o SQL Server;</a:t>
+            </a:r>
+          </a:p>
+          <a:p>
+            <a:pPr lvl="1" algn="just"/>
+            <a:r>
+              <a:rPr lang="pt-PT" sz="2400" dirty="0"/>
+              <a:t>A aplicação será desenvolvida para web;</a:t>
+            </a:r>
+          </a:p>
+        </p:txBody>
+      </p:sp>
+    </p:spTree>
+    <p:extLst>
+      <p:ext uri="{BB962C8B-B14F-4D97-AF65-F5344CB8AC3E}">
+        <p14:creationId xmlns:p14="http://schemas.microsoft.com/office/powerpoint/2010/main" val="1620922798"/>
+      </p:ext>
+    </p:extLst>
+  </p:cSld>
+  <p:clrMapOvr>
+    <a:masterClrMapping/>
+  </p:clrMapOvr>
+  <mc:AlternateContent xmlns:mc="http://schemas.openxmlformats.org/markup-compatibility/2006">
+    <mc:Choice xmlns:p14="http://schemas.microsoft.com/office/powerpoint/2010/main" Requires="p14">
+      <p:transition spd="med" p14:dur="700">
+        <p:fade/>
+      </p:transition>
+    </mc:Choice>
+    <mc:Fallback>
+      <p:transition spd="med">
+        <p:fade/>
+      </p:transition>
+    </mc:Fallback>
+  </mc:AlternateContent>
 </p:sld>
 </file>
 
@@ -10853,67 +10744,175 @@
       </p:grpSpPr>
       <p:sp>
         <p:nvSpPr>
-          <p:cNvPr id="2" name="Title 1"/>
+          <p:cNvPr id="3" name="Marcador de Posição de Conteúdo 2">
+            <a:extLst>
+              <a:ext uri="{FF2B5EF4-FFF2-40B4-BE49-F238E27FC236}">
+                <a16:creationId xmlns:a16="http://schemas.microsoft.com/office/drawing/2014/main" id="{78155F68-0F43-4FE9-A743-20F9DAFEFA50}"/>
+              </a:ext>
+            </a:extLst>
+          </p:cNvPr>
           <p:cNvSpPr>
             <a:spLocks noGrp="1"/>
           </p:cNvSpPr>
           <p:nvPr>
-            <p:ph type="title"/>
-          </p:nvPr>
-        </p:nvSpPr>
-        <p:spPr/>
-        <p:txBody>
-          <a:bodyPr/>
+            <p:ph idx="1"/>
+          </p:nvPr>
+        </p:nvSpPr>
+        <p:spPr>
+          <a:xfrm>
+            <a:off x="677334" y="706583"/>
+            <a:ext cx="8596668" cy="5334780"/>
+          </a:xfrm>
+        </p:spPr>
+        <p:txBody>
+          <a:bodyPr>
+            <a:normAutofit/>
+          </a:bodyPr>
           <a:lstStyle/>
           <a:p>
-            <a:r>
-              <a:rPr lang="pt-PT" dirty="0" smtClean="0"/>
-              <a:t>Parte I</a:t>
-            </a:r>
-            <a:endParaRPr lang="pt-PT" dirty="0"/>
-          </a:p>
-        </p:txBody>
-      </p:sp>
-      <p:sp>
-        <p:nvSpPr>
-          <p:cNvPr id="3" name="Text Placeholder 2"/>
-          <p:cNvSpPr>
-            <a:spLocks noGrp="1"/>
-          </p:cNvSpPr>
-          <p:nvPr>
-            <p:ph type="body" idx="1"/>
-          </p:nvPr>
-        </p:nvSpPr>
-        <p:spPr/>
-        <p:txBody>
-          <a:bodyPr/>
-          <a:lstStyle/>
-          <a:p>
-            <a:r>
-              <a:rPr lang="pt-PT" dirty="0" smtClean="0"/>
-              <a:t>Fundamentação</a:t>
-            </a:r>
-            <a:endParaRPr lang="pt-PT" dirty="0"/>
+            <a:pPr>
+              <a:lnSpc>
+                <a:spcPct val="150000"/>
+              </a:lnSpc>
+            </a:pPr>
+            <a:r>
+              <a:rPr lang="pt-PT" sz="2000" dirty="0">
+                <a:solidFill>
+                  <a:schemeClr val="tx1"/>
+                </a:solidFill>
+              </a:rPr>
+              <a:t>Contextualização </a:t>
+            </a:r>
+          </a:p>
+          <a:p>
+            <a:pPr>
+              <a:lnSpc>
+                <a:spcPct val="150000"/>
+              </a:lnSpc>
+            </a:pPr>
+            <a:r>
+              <a:rPr lang="pt-PT" sz="2000" dirty="0">
+                <a:solidFill>
+                  <a:schemeClr val="tx1"/>
+                </a:solidFill>
+              </a:rPr>
+              <a:t>Motivação e Objetivos</a:t>
+            </a:r>
+          </a:p>
+          <a:p>
+            <a:pPr>
+              <a:lnSpc>
+                <a:spcPct val="150000"/>
+              </a:lnSpc>
+            </a:pPr>
+            <a:r>
+              <a:rPr lang="pt-PT" sz="2000" dirty="0">
+                <a:solidFill>
+                  <a:schemeClr val="tx1"/>
+                </a:solidFill>
+              </a:rPr>
+              <a:t>Definição da Identidade do Sistema a Desenvolver </a:t>
+            </a:r>
+          </a:p>
+          <a:p>
+            <a:pPr>
+              <a:lnSpc>
+                <a:spcPct val="150000"/>
+              </a:lnSpc>
+            </a:pPr>
+            <a:r>
+              <a:rPr lang="pt-PT" sz="2000" dirty="0">
+                <a:solidFill>
+                  <a:schemeClr val="tx1"/>
+                </a:solidFill>
+              </a:rPr>
+              <a:t>Análise de Viabilidade </a:t>
+            </a:r>
+          </a:p>
+          <a:p>
+            <a:pPr>
+              <a:lnSpc>
+                <a:spcPct val="150000"/>
+              </a:lnSpc>
+            </a:pPr>
+            <a:r>
+              <a:rPr lang="pt-PT" sz="2000" dirty="0">
+                <a:solidFill>
+                  <a:schemeClr val="tx1"/>
+                </a:solidFill>
+              </a:rPr>
+              <a:t>Identificação dos Recursos Necessários </a:t>
+            </a:r>
+          </a:p>
+          <a:p>
+            <a:pPr>
+              <a:lnSpc>
+                <a:spcPct val="150000"/>
+              </a:lnSpc>
+            </a:pPr>
+            <a:r>
+              <a:rPr lang="pt-PT" sz="2000" dirty="0">
+                <a:solidFill>
+                  <a:schemeClr val="tx1"/>
+                </a:solidFill>
+              </a:rPr>
+              <a:t>Modelo de Sistema </a:t>
+            </a:r>
+          </a:p>
+          <a:p>
+            <a:pPr>
+              <a:lnSpc>
+                <a:spcPct val="150000"/>
+              </a:lnSpc>
+            </a:pPr>
+            <a:r>
+              <a:rPr lang="pt-PT" sz="2000" dirty="0">
+                <a:solidFill>
+                  <a:schemeClr val="tx1"/>
+                </a:solidFill>
+              </a:rPr>
+              <a:t>Definição de Medidas de Sucesso </a:t>
+            </a:r>
+          </a:p>
+          <a:p>
+            <a:pPr>
+              <a:lnSpc>
+                <a:spcPct val="150000"/>
+              </a:lnSpc>
+            </a:pPr>
+            <a:r>
+              <a:rPr lang="pt-PT" sz="2000" dirty="0">
+                <a:solidFill>
+                  <a:schemeClr val="tx1"/>
+                </a:solidFill>
+              </a:rPr>
+              <a:t>Plano de Desenvolvimento </a:t>
+            </a:r>
           </a:p>
         </p:txBody>
       </p:sp>
     </p:spTree>
     <p:extLst>
       <p:ext uri="{BB962C8B-B14F-4D97-AF65-F5344CB8AC3E}">
-        <p14:creationId xmlns:p14="http://schemas.microsoft.com/office/powerpoint/2010/main" val="2134899933"/>
+        <p14:creationId xmlns:p14="http://schemas.microsoft.com/office/powerpoint/2010/main" val="482868652"/>
       </p:ext>
     </p:extLst>
   </p:cSld>
   <p:clrMapOvr>
     <a:masterClrMapping/>
   </p:clrMapOvr>
-  <p:timing>
-    <p:tnLst>
-      <p:par>
-        <p:cTn id="1" dur="indefinite" restart="never" nodeType="tmRoot"/>
-      </p:par>
-    </p:tnLst>
-  </p:timing>
+  <mc:AlternateContent xmlns:mc="http://schemas.openxmlformats.org/markup-compatibility/2006">
+    <mc:Choice xmlns:p14="http://schemas.microsoft.com/office/powerpoint/2010/main" Requires="p14">
+      <p:transition spd="med" p14:dur="700">
+        <p:fade/>
+      </p:transition>
+    </mc:Choice>
+    <mc:Fallback>
+      <p:transition spd="med">
+        <p:fade/>
+      </p:transition>
+    </mc:Fallback>
+  </mc:AlternateContent>
 </p:sld>
 </file>
 
@@ -10950,10 +10949,9 @@
           <a:lstStyle/>
           <a:p>
             <a:r>
-              <a:rPr lang="pt-PT" dirty="0" smtClean="0"/>
+              <a:rPr lang="pt-PT" dirty="0"/>
               <a:t>Requisitos de sistem não-funcionais</a:t>
             </a:r>
-            <a:endParaRPr lang="pt-PT" dirty="0"/>
           </a:p>
         </p:txBody>
       </p:sp>
@@ -10976,48 +10974,22 @@
           <a:p>
             <a:pPr algn="just"/>
             <a:r>
-              <a:rPr lang="pt-PT" sz="2800" dirty="0" smtClean="0"/>
-              <a:t>Organizacionais</a:t>
+              <a:rPr lang="pt-PT" sz="2800" dirty="0"/>
+              <a:t>Externos</a:t>
             </a:r>
           </a:p>
           <a:p>
             <a:pPr lvl="1" algn="just"/>
             <a:r>
               <a:rPr lang="pt-PT" sz="2400" dirty="0"/>
-              <a:t>O utilizador deve autenticar-se com o seu username e a password respetiva</a:t>
-            </a:r>
-            <a:r>
-              <a:rPr lang="pt-PT" sz="2400" dirty="0" smtClean="0"/>
-              <a:t>;</a:t>
+              <a:t>O sistema deve recorrer a uma API de mapas para representar a localização do trabalho ou até mesmo para representar a sua própria localização;</a:t>
             </a:r>
           </a:p>
           <a:p>
             <a:pPr lvl="1" algn="just"/>
             <a:r>
               <a:rPr lang="pt-PT" sz="2400" dirty="0"/>
-              <a:t>A linguagem de programação a utilizar será C# em cooperação com a framework ASP.NET</a:t>
-            </a:r>
-            <a:r>
-              <a:rPr lang="pt-PT" sz="2400" dirty="0" smtClean="0"/>
-              <a:t>;</a:t>
-            </a:r>
-          </a:p>
-          <a:p>
-            <a:pPr lvl="1" algn="just"/>
-            <a:r>
-              <a:rPr lang="pt-PT" sz="2400" dirty="0"/>
-              <a:t>O SGBD a usar deve ser o SQL Server</a:t>
-            </a:r>
-            <a:r>
-              <a:rPr lang="pt-PT" sz="2400" dirty="0" smtClean="0"/>
-              <a:t>;</a:t>
-            </a:r>
-          </a:p>
-          <a:p>
-            <a:pPr lvl="1" algn="just"/>
-            <a:r>
-              <a:rPr lang="pt-PT" sz="2400" dirty="0"/>
-              <a:t>A aplicação será desenvolvida para web;</a:t>
+              <a:t>O sistema não deve apresentar aos utilizadores dados privados acerca dos restantes utilizadores, sendo que, cada utilizador só pode ver os seus dados e aqueles que são públicos; </a:t>
             </a:r>
           </a:p>
         </p:txBody>
@@ -11025,20 +10997,25 @@
     </p:spTree>
     <p:extLst>
       <p:ext uri="{BB962C8B-B14F-4D97-AF65-F5344CB8AC3E}">
-        <p14:creationId xmlns:p14="http://schemas.microsoft.com/office/powerpoint/2010/main" val="1620922798"/>
+        <p14:creationId xmlns:p14="http://schemas.microsoft.com/office/powerpoint/2010/main" val="374380089"/>
       </p:ext>
     </p:extLst>
   </p:cSld>
   <p:clrMapOvr>
     <a:masterClrMapping/>
   </p:clrMapOvr>
-  <p:timing>
-    <p:tnLst>
-      <p:par>
-        <p:cTn id="1" dur="indefinite" restart="never" nodeType="tmRoot"/>
-      </p:par>
-    </p:tnLst>
-  </p:timing>
+  <mc:AlternateContent xmlns:mc="http://schemas.openxmlformats.org/markup-compatibility/2006">
+    <mc:Choice xmlns:p14="http://schemas.microsoft.com/office/powerpoint/2010/main" Requires="p14">
+      <p:transition spd="med" p14:dur="700">
+        <p:fade/>
+      </p:transition>
+    </mc:Choice>
+    <mc:Fallback>
+      <p:transition spd="med">
+        <p:fade/>
+      </p:transition>
+    </mc:Fallback>
+  </mc:AlternateContent>
 </p:sld>
 </file>
 
@@ -11075,10 +11052,9 @@
           <a:lstStyle/>
           <a:p>
             <a:r>
-              <a:rPr lang="pt-PT" dirty="0" smtClean="0"/>
+              <a:rPr lang="pt-PT" dirty="0"/>
               <a:t>Requisitos de sistem não-funcionais</a:t>
             </a:r>
-            <a:endParaRPr lang="pt-PT" dirty="0"/>
           </a:p>
         </p:txBody>
       </p:sp>
@@ -11092,35 +11068,57 @@
             <p:ph idx="1"/>
           </p:nvPr>
         </p:nvSpPr>
-        <p:spPr/>
+        <p:spPr>
+          <a:xfrm>
+            <a:off x="677334" y="2160589"/>
+            <a:ext cx="8596668" cy="4352178"/>
+          </a:xfrm>
+        </p:spPr>
         <p:txBody>
           <a:bodyPr>
-            <a:normAutofit/>
+            <a:normAutofit fontScale="92500"/>
           </a:bodyPr>
           <a:lstStyle/>
           <a:p>
             <a:pPr algn="just"/>
             <a:r>
-              <a:rPr lang="pt-PT" sz="2800" dirty="0" smtClean="0"/>
-              <a:t>Externos</a:t>
+              <a:rPr lang="pt-PT" sz="2800" dirty="0"/>
+              <a:t>Produto</a:t>
             </a:r>
           </a:p>
           <a:p>
             <a:pPr lvl="1" algn="just"/>
             <a:r>
               <a:rPr lang="pt-PT" sz="2400" dirty="0"/>
-              <a:t>O sistema deve recorrer a uma API de mapas para representar a localização do trabalho ou até mesmo para representar a sua própria localização</a:t>
-            </a:r>
-            <a:r>
-              <a:rPr lang="pt-PT" sz="2400" dirty="0" smtClean="0"/>
-              <a:t>;</a:t>
+              <a:t>O sistema deve estar disponível 24h por dia. No pior dos casos, espera-se uma disponibilidade média superior a 99%;</a:t>
             </a:r>
           </a:p>
           <a:p>
             <a:pPr lvl="1" algn="just"/>
             <a:r>
               <a:rPr lang="pt-PT" sz="2400" dirty="0"/>
-              <a:t>O sistema não deve apresentar aos utilizadores dados privados acerca dos restantes utilizadores, sendo que, cada utilizador só pode ver os seus dados e aqueles que são públicos; </a:t>
+              <a:t>O sistema deve ser de fácil uso;</a:t>
+            </a:r>
+          </a:p>
+          <a:p>
+            <a:pPr lvl="1" algn="just"/>
+            <a:r>
+              <a:rPr lang="pt-PT" sz="2400" dirty="0"/>
+              <a:t>O sistema deve ser produzido de modo a ser executado em todos os browsers;</a:t>
+            </a:r>
+          </a:p>
+          <a:p>
+            <a:pPr lvl="1" algn="just"/>
+            <a:r>
+              <a:rPr lang="pt-PT" sz="2400" dirty="0"/>
+              <a:t>O sistema deve suportar o registo de 1000 utilizadores, no espaço de 1 ano;</a:t>
+            </a:r>
+          </a:p>
+          <a:p>
+            <a:pPr lvl="1" algn="just"/>
+            <a:r>
+              <a:rPr lang="pt-PT" sz="2400" dirty="0"/>
+              <a:t>O nível de satisfação dos utilizadores com a aplicação deverá ser elevado.</a:t>
             </a:r>
           </a:p>
         </p:txBody>
@@ -11128,20 +11126,25 @@
     </p:spTree>
     <p:extLst>
       <p:ext uri="{BB962C8B-B14F-4D97-AF65-F5344CB8AC3E}">
-        <p14:creationId xmlns:p14="http://schemas.microsoft.com/office/powerpoint/2010/main" val="374380089"/>
+        <p14:creationId xmlns:p14="http://schemas.microsoft.com/office/powerpoint/2010/main" val="206296111"/>
       </p:ext>
     </p:extLst>
   </p:cSld>
   <p:clrMapOvr>
     <a:masterClrMapping/>
   </p:clrMapOvr>
-  <p:timing>
-    <p:tnLst>
-      <p:par>
-        <p:cTn id="1" dur="indefinite" restart="never" nodeType="tmRoot"/>
-      </p:par>
-    </p:tnLst>
-  </p:timing>
+  <mc:AlternateContent xmlns:mc="http://schemas.openxmlformats.org/markup-compatibility/2006">
+    <mc:Choice xmlns:p14="http://schemas.microsoft.com/office/powerpoint/2010/main" Requires="p14">
+      <p:transition spd="med" p14:dur="700">
+        <p:fade/>
+      </p:transition>
+    </mc:Choice>
+    <mc:Fallback>
+      <p:transition spd="med">
+        <p:fade/>
+      </p:transition>
+    </mc:Fallback>
+  </mc:AlternateContent>
 </p:sld>
 </file>
 
@@ -11172,147 +11175,6 @@
             <p:ph type="title"/>
           </p:nvPr>
         </p:nvSpPr>
-        <p:spPr/>
-        <p:txBody>
-          <a:bodyPr/>
-          <a:lstStyle/>
-          <a:p>
-            <a:r>
-              <a:rPr lang="pt-PT" dirty="0" smtClean="0"/>
-              <a:t>Requisitos de sistem não-funcionais</a:t>
-            </a:r>
-            <a:endParaRPr lang="pt-PT" dirty="0"/>
-          </a:p>
-        </p:txBody>
-      </p:sp>
-      <p:sp>
-        <p:nvSpPr>
-          <p:cNvPr id="2" name="Content Placeholder 1"/>
-          <p:cNvSpPr>
-            <a:spLocks noGrp="1"/>
-          </p:cNvSpPr>
-          <p:nvPr>
-            <p:ph idx="1"/>
-          </p:nvPr>
-        </p:nvSpPr>
-        <p:spPr>
-          <a:xfrm>
-            <a:off x="677334" y="2160589"/>
-            <a:ext cx="8596668" cy="4352178"/>
-          </a:xfrm>
-        </p:spPr>
-        <p:txBody>
-          <a:bodyPr>
-            <a:normAutofit fontScale="92500"/>
-          </a:bodyPr>
-          <a:lstStyle/>
-          <a:p>
-            <a:pPr algn="just"/>
-            <a:r>
-              <a:rPr lang="pt-PT" sz="2800" dirty="0" smtClean="0"/>
-              <a:t>Produto</a:t>
-            </a:r>
-          </a:p>
-          <a:p>
-            <a:pPr lvl="1" algn="just"/>
-            <a:r>
-              <a:rPr lang="pt-PT" sz="2400" dirty="0"/>
-              <a:t>O sistema deve estar disponível 24h por dia. No pior dos casos, espera-se uma disponibilidade média superior a 99</a:t>
-            </a:r>
-            <a:r>
-              <a:rPr lang="pt-PT" sz="2400" dirty="0" smtClean="0"/>
-              <a:t>%;</a:t>
-            </a:r>
-          </a:p>
-          <a:p>
-            <a:pPr lvl="1" algn="just"/>
-            <a:r>
-              <a:rPr lang="pt-PT" sz="2400" dirty="0"/>
-              <a:t>O sistema deve ser de fácil uso</a:t>
-            </a:r>
-            <a:r>
-              <a:rPr lang="pt-PT" sz="2400" dirty="0" smtClean="0"/>
-              <a:t>;</a:t>
-            </a:r>
-          </a:p>
-          <a:p>
-            <a:pPr lvl="1" algn="just"/>
-            <a:r>
-              <a:rPr lang="pt-PT" sz="2400" dirty="0"/>
-              <a:t>O sistema deve ser produzido de modo a ser executado em todos os browsers</a:t>
-            </a:r>
-            <a:r>
-              <a:rPr lang="pt-PT" sz="2400" dirty="0" smtClean="0"/>
-              <a:t>;</a:t>
-            </a:r>
-          </a:p>
-          <a:p>
-            <a:pPr lvl="1" algn="just"/>
-            <a:r>
-              <a:rPr lang="pt-PT" sz="2400" dirty="0"/>
-              <a:t>O sistema deve suportar o registo de 1000 utilizadores, no espaço de 1 ano</a:t>
-            </a:r>
-            <a:r>
-              <a:rPr lang="pt-PT" sz="2400" dirty="0" smtClean="0"/>
-              <a:t>;</a:t>
-            </a:r>
-          </a:p>
-          <a:p>
-            <a:pPr lvl="1" algn="just"/>
-            <a:r>
-              <a:rPr lang="pt-PT" sz="2400" dirty="0"/>
-              <a:t>O nível de satisfação dos utilizadores com a aplicação deverá ser elevado.</a:t>
-            </a:r>
-          </a:p>
-        </p:txBody>
-      </p:sp>
-    </p:spTree>
-    <p:extLst>
-      <p:ext uri="{BB962C8B-B14F-4D97-AF65-F5344CB8AC3E}">
-        <p14:creationId xmlns:p14="http://schemas.microsoft.com/office/powerpoint/2010/main" val="206296111"/>
-      </p:ext>
-    </p:extLst>
-  </p:cSld>
-  <p:clrMapOvr>
-    <a:masterClrMapping/>
-  </p:clrMapOvr>
-  <p:timing>
-    <p:tnLst>
-      <p:par>
-        <p:cTn id="1" dur="indefinite" restart="never" nodeType="tmRoot"/>
-      </p:par>
-    </p:tnLst>
-  </p:timing>
-</p:sld>
-</file>
-
-<file path=ppt/slides/slide33.xml><?xml version="1.0" encoding="utf-8"?>
-<p:sld xmlns:a="http://schemas.openxmlformats.org/drawingml/2006/main" xmlns:r="http://schemas.openxmlformats.org/officeDocument/2006/relationships" xmlns:p="http://schemas.openxmlformats.org/presentationml/2006/main">
-  <p:cSld>
-    <p:spTree>
-      <p:nvGrpSpPr>
-        <p:cNvPr id="1" name=""/>
-        <p:cNvGrpSpPr/>
-        <p:nvPr/>
-      </p:nvGrpSpPr>
-      <p:grpSpPr>
-        <a:xfrm>
-          <a:off x="0" y="0"/>
-          <a:ext cx="0" cy="0"/>
-          <a:chOff x="0" y="0"/>
-          <a:chExt cx="0" cy="0"/>
-        </a:xfrm>
-      </p:grpSpPr>
-      <p:sp>
-        <p:nvSpPr>
-          <p:cNvPr id="4" name="Title 3"/>
-          <p:cNvSpPr>
-            <a:spLocks noGrp="1"/>
-          </p:cNvSpPr>
-          <p:nvPr>
-            <p:ph type="title"/>
-          </p:nvPr>
-        </p:nvSpPr>
         <p:spPr>
           <a:xfrm>
             <a:off x="0" y="0"/>
@@ -11324,10 +11186,9 @@
           <a:lstStyle/>
           <a:p>
             <a:r>
-              <a:rPr lang="pt-PT" dirty="0" smtClean="0"/>
+              <a:rPr lang="pt-PT" dirty="0"/>
               <a:t>Diagrama de Use Cases</a:t>
             </a:r>
-            <a:endParaRPr lang="pt-PT" dirty="0"/>
           </a:p>
         </p:txBody>
       </p:sp>
@@ -11399,17 +11260,22 @@
   <p:clrMapOvr>
     <a:masterClrMapping/>
   </p:clrMapOvr>
-  <p:timing>
-    <p:tnLst>
-      <p:par>
-        <p:cTn id="1" dur="indefinite" restart="never" nodeType="tmRoot"/>
-      </p:par>
-    </p:tnLst>
-  </p:timing>
+  <mc:AlternateContent xmlns:mc="http://schemas.openxmlformats.org/markup-compatibility/2006">
+    <mc:Choice xmlns:p14="http://schemas.microsoft.com/office/powerpoint/2010/main" Requires="p14">
+      <p:transition spd="med" p14:dur="700">
+        <p:fade/>
+      </p:transition>
+    </mc:Choice>
+    <mc:Fallback>
+      <p:transition spd="med">
+        <p:fade/>
+      </p:transition>
+    </mc:Fallback>
+  </mc:AlternateContent>
 </p:sld>
 </file>
 
-<file path=ppt/slides/slide34.xml><?xml version="1.0" encoding="utf-8"?>
+<file path=ppt/slides/slide33.xml><?xml version="1.0" encoding="utf-8"?>
 <p:sld xmlns:a="http://schemas.openxmlformats.org/drawingml/2006/main" xmlns:r="http://schemas.openxmlformats.org/officeDocument/2006/relationships" xmlns:p="http://schemas.openxmlformats.org/presentationml/2006/main">
   <p:cSld>
     <p:spTree>
@@ -11447,17 +11313,16 @@
           <a:lstStyle/>
           <a:p>
             <a:r>
-              <a:rPr lang="pt-PT" dirty="0" smtClean="0"/>
+              <a:rPr lang="pt-PT" dirty="0"/>
               <a:t>Especificação do Use Case</a:t>
             </a:r>
             <a:br>
-              <a:rPr lang="pt-PT" dirty="0" smtClean="0"/>
+              <a:rPr lang="pt-PT" dirty="0"/>
             </a:br>
             <a:r>
-              <a:rPr lang="pt-PT" dirty="0" smtClean="0"/>
+              <a:rPr lang="pt-PT" dirty="0"/>
               <a:t>“Agendar trabalho”</a:t>
             </a:r>
-            <a:endParaRPr lang="pt-PT" dirty="0"/>
           </a:p>
         </p:txBody>
       </p:sp>
@@ -11556,10 +11421,22 @@
   <p:clrMapOvr>
     <a:masterClrMapping/>
   </p:clrMapOvr>
+  <mc:AlternateContent xmlns:mc="http://schemas.openxmlformats.org/markup-compatibility/2006">
+    <mc:Choice xmlns:p14="http://schemas.microsoft.com/office/powerpoint/2010/main" Requires="p14">
+      <p:transition spd="med" p14:dur="700">
+        <p:fade/>
+      </p:transition>
+    </mc:Choice>
+    <mc:Fallback>
+      <p:transition spd="med">
+        <p:fade/>
+      </p:transition>
+    </mc:Fallback>
+  </mc:AlternateContent>
 </p:sld>
 </file>
 
-<file path=ppt/slides/slide35.xml><?xml version="1.0" encoding="utf-8"?>
+<file path=ppt/slides/slide34.xml><?xml version="1.0" encoding="utf-8"?>
 <p:sld xmlns:a="http://schemas.openxmlformats.org/drawingml/2006/main" xmlns:r="http://schemas.openxmlformats.org/officeDocument/2006/relationships" xmlns:p="http://schemas.openxmlformats.org/presentationml/2006/main">
   <p:cSld>
     <p:spTree>
@@ -11597,17 +11474,16 @@
           <a:lstStyle/>
           <a:p>
             <a:r>
-              <a:rPr lang="pt-PT" dirty="0" smtClean="0"/>
+              <a:rPr lang="pt-PT" dirty="0"/>
               <a:t>Especificação do Use Case</a:t>
             </a:r>
             <a:br>
-              <a:rPr lang="pt-PT" dirty="0" smtClean="0"/>
+              <a:rPr lang="pt-PT" dirty="0"/>
             </a:br>
             <a:r>
-              <a:rPr lang="pt-PT" dirty="0" smtClean="0"/>
+              <a:rPr lang="pt-PT" dirty="0"/>
               <a:t>“Aceitar proposta de trabalho”</a:t>
             </a:r>
-            <a:endParaRPr lang="pt-PT" dirty="0"/>
           </a:p>
         </p:txBody>
       </p:sp>
@@ -11650,17 +11526,22 @@
   <p:clrMapOvr>
     <a:masterClrMapping/>
   </p:clrMapOvr>
-  <p:timing>
-    <p:tnLst>
-      <p:par>
-        <p:cTn id="1" dur="indefinite" restart="never" nodeType="tmRoot"/>
-      </p:par>
-    </p:tnLst>
-  </p:timing>
+  <mc:AlternateContent xmlns:mc="http://schemas.openxmlformats.org/markup-compatibility/2006">
+    <mc:Choice xmlns:p14="http://schemas.microsoft.com/office/powerpoint/2010/main" Requires="p14">
+      <p:transition spd="med" p14:dur="700">
+        <p:fade/>
+      </p:transition>
+    </mc:Choice>
+    <mc:Fallback>
+      <p:transition spd="med">
+        <p:fade/>
+      </p:transition>
+    </mc:Fallback>
+  </mc:AlternateContent>
 </p:sld>
 </file>
 
-<file path=ppt/slides/slide36.xml><?xml version="1.0" encoding="utf-8"?>
+<file path=ppt/slides/slide35.xml><?xml version="1.0" encoding="utf-8"?>
 <p:sld xmlns:a="http://schemas.openxmlformats.org/drawingml/2006/main" xmlns:r="http://schemas.openxmlformats.org/officeDocument/2006/relationships" xmlns:p="http://schemas.openxmlformats.org/presentationml/2006/main">
   <p:cSld>
     <p:spTree>
@@ -11698,17 +11579,16 @@
           <a:lstStyle/>
           <a:p>
             <a:r>
-              <a:rPr lang="pt-PT" dirty="0" smtClean="0"/>
+              <a:rPr lang="pt-PT" dirty="0"/>
               <a:t>Especificação do Use Case</a:t>
             </a:r>
             <a:br>
-              <a:rPr lang="pt-PT" dirty="0" smtClean="0"/>
+              <a:rPr lang="pt-PT" dirty="0"/>
             </a:br>
             <a:r>
-              <a:rPr lang="pt-PT" dirty="0" smtClean="0"/>
+              <a:rPr lang="pt-PT" dirty="0"/>
               <a:t>“Avaliar trabalho”</a:t>
             </a:r>
-            <a:endParaRPr lang="pt-PT" dirty="0"/>
           </a:p>
         </p:txBody>
       </p:sp>
@@ -11751,10 +11631,22 @@
   <p:clrMapOvr>
     <a:masterClrMapping/>
   </p:clrMapOvr>
+  <mc:AlternateContent xmlns:mc="http://schemas.openxmlformats.org/markup-compatibility/2006">
+    <mc:Choice xmlns:p14="http://schemas.microsoft.com/office/powerpoint/2010/main" Requires="p14">
+      <p:transition spd="med" p14:dur="700">
+        <p:fade/>
+      </p:transition>
+    </mc:Choice>
+    <mc:Fallback>
+      <p:transition spd="med">
+        <p:fade/>
+      </p:transition>
+    </mc:Fallback>
+  </mc:AlternateContent>
 </p:sld>
 </file>
 
-<file path=ppt/slides/slide37.xml><?xml version="1.0" encoding="utf-8"?>
+<file path=ppt/slides/slide36.xml><?xml version="1.0" encoding="utf-8"?>
 <p:sld xmlns:a="http://schemas.openxmlformats.org/drawingml/2006/main" xmlns:r="http://schemas.openxmlformats.org/officeDocument/2006/relationships" xmlns:p="http://schemas.openxmlformats.org/presentationml/2006/main">
   <p:cSld>
     <p:spTree>
@@ -11792,17 +11684,16 @@
           <a:lstStyle/>
           <a:p>
             <a:r>
-              <a:rPr lang="pt-PT" dirty="0" smtClean="0"/>
+              <a:rPr lang="pt-PT" dirty="0"/>
               <a:t>Diagrama de Sequência de Sistema</a:t>
             </a:r>
             <a:br>
-              <a:rPr lang="pt-PT" dirty="0" smtClean="0"/>
+              <a:rPr lang="pt-PT" dirty="0"/>
             </a:br>
             <a:r>
-              <a:rPr lang="pt-PT" dirty="0" smtClean="0"/>
+              <a:rPr lang="pt-PT" dirty="0"/>
               <a:t>“Agendar trabalho”</a:t>
             </a:r>
-            <a:endParaRPr lang="pt-PT" dirty="0"/>
           </a:p>
         </p:txBody>
       </p:sp>
@@ -11901,17 +11792,22 @@
   <p:clrMapOvr>
     <a:masterClrMapping/>
   </p:clrMapOvr>
-  <p:timing>
-    <p:tnLst>
-      <p:par>
-        <p:cTn id="1" dur="indefinite" restart="never" nodeType="tmRoot"/>
-      </p:par>
-    </p:tnLst>
-  </p:timing>
+  <mc:AlternateContent xmlns:mc="http://schemas.openxmlformats.org/markup-compatibility/2006">
+    <mc:Choice xmlns:p14="http://schemas.microsoft.com/office/powerpoint/2010/main" Requires="p14">
+      <p:transition spd="med" p14:dur="700">
+        <p:fade/>
+      </p:transition>
+    </mc:Choice>
+    <mc:Fallback>
+      <p:transition spd="med">
+        <p:fade/>
+      </p:transition>
+    </mc:Fallback>
+  </mc:AlternateContent>
 </p:sld>
 </file>
 
-<file path=ppt/slides/slide38.xml><?xml version="1.0" encoding="utf-8"?>
+<file path=ppt/slides/slide37.xml><?xml version="1.0" encoding="utf-8"?>
 <p:sld xmlns:a="http://schemas.openxmlformats.org/drawingml/2006/main" xmlns:r="http://schemas.openxmlformats.org/officeDocument/2006/relationships" xmlns:p="http://schemas.openxmlformats.org/presentationml/2006/main">
   <p:cSld>
     <p:spTree>
@@ -11949,17 +11845,16 @@
           <a:lstStyle/>
           <a:p>
             <a:r>
-              <a:rPr lang="pt-PT" dirty="0" smtClean="0"/>
+              <a:rPr lang="pt-PT" dirty="0"/>
               <a:t>Diagrama de Sequência de Sistema</a:t>
             </a:r>
             <a:br>
-              <a:rPr lang="pt-PT" dirty="0" smtClean="0"/>
+              <a:rPr lang="pt-PT" dirty="0"/>
             </a:br>
             <a:r>
-              <a:rPr lang="pt-PT" dirty="0" smtClean="0"/>
+              <a:rPr lang="pt-PT" dirty="0"/>
               <a:t>“Aceitar proposta de trabalho”</a:t>
             </a:r>
-            <a:endParaRPr lang="pt-PT" dirty="0"/>
           </a:p>
         </p:txBody>
       </p:sp>
@@ -12035,17 +11930,22 @@
   <p:clrMapOvr>
     <a:masterClrMapping/>
   </p:clrMapOvr>
-  <p:timing>
-    <p:tnLst>
-      <p:par>
-        <p:cTn id="1" dur="indefinite" restart="never" nodeType="tmRoot"/>
-      </p:par>
-    </p:tnLst>
-  </p:timing>
+  <mc:AlternateContent xmlns:mc="http://schemas.openxmlformats.org/markup-compatibility/2006">
+    <mc:Choice xmlns:p14="http://schemas.microsoft.com/office/powerpoint/2010/main" Requires="p14">
+      <p:transition spd="med" p14:dur="700">
+        <p:fade/>
+      </p:transition>
+    </mc:Choice>
+    <mc:Fallback>
+      <p:transition spd="med">
+        <p:fade/>
+      </p:transition>
+    </mc:Fallback>
+  </mc:AlternateContent>
 </p:sld>
 </file>
 
-<file path=ppt/slides/slide39.xml><?xml version="1.0" encoding="utf-8"?>
+<file path=ppt/slides/slide38.xml><?xml version="1.0" encoding="utf-8"?>
 <p:sld xmlns:a="http://schemas.openxmlformats.org/drawingml/2006/main" xmlns:r="http://schemas.openxmlformats.org/officeDocument/2006/relationships" xmlns:p="http://schemas.openxmlformats.org/presentationml/2006/main">
   <p:cSld>
     <p:spTree>
@@ -12083,17 +11983,16 @@
           <a:lstStyle/>
           <a:p>
             <a:r>
-              <a:rPr lang="pt-PT" dirty="0" smtClean="0"/>
+              <a:rPr lang="pt-PT" dirty="0"/>
               <a:t>Diagrama de Sequência de Sistema</a:t>
             </a:r>
             <a:br>
-              <a:rPr lang="pt-PT" dirty="0" smtClean="0"/>
+              <a:rPr lang="pt-PT" dirty="0"/>
             </a:br>
             <a:r>
-              <a:rPr lang="pt-PT" dirty="0" smtClean="0"/>
+              <a:rPr lang="pt-PT" dirty="0"/>
               <a:t>“Avaliar trabalho”</a:t>
             </a:r>
-            <a:endParaRPr lang="pt-PT" dirty="0"/>
           </a:p>
         </p:txBody>
       </p:sp>
@@ -12169,17 +12068,22 @@
   <p:clrMapOvr>
     <a:masterClrMapping/>
   </p:clrMapOvr>
-  <p:timing>
-    <p:tnLst>
-      <p:par>
-        <p:cTn id="1" dur="indefinite" restart="never" nodeType="tmRoot"/>
-      </p:par>
-    </p:tnLst>
-  </p:timing>
+  <mc:AlternateContent xmlns:mc="http://schemas.openxmlformats.org/markup-compatibility/2006">
+    <mc:Choice xmlns:p14="http://schemas.microsoft.com/office/powerpoint/2010/main" Requires="p14">
+      <p:transition spd="med" p14:dur="700">
+        <p:fade/>
+      </p:transition>
+    </mc:Choice>
+    <mc:Fallback>
+      <p:transition spd="med">
+        <p:fade/>
+      </p:transition>
+    </mc:Fallback>
+  </mc:AlternateContent>
 </p:sld>
 </file>
 
-<file path=ppt/slides/slide4.xml><?xml version="1.0" encoding="utf-8"?>
+<file path=ppt/slides/slide39.xml><?xml version="1.0" encoding="utf-8"?>
 <p:sld xmlns:a="http://schemas.openxmlformats.org/drawingml/2006/main" xmlns:r="http://schemas.openxmlformats.org/officeDocument/2006/relationships" xmlns:p="http://schemas.openxmlformats.org/presentationml/2006/main">
   <p:cSld>
     <p:spTree>
@@ -12198,192 +12102,6 @@
       </p:grpSpPr>
       <p:sp>
         <p:nvSpPr>
-          <p:cNvPr id="3" name="Marcador de Posição de Conteúdo 2">
-            <a:extLst>
-              <a:ext uri="{FF2B5EF4-FFF2-40B4-BE49-F238E27FC236}">
-                <a16:creationId xmlns:a16="http://schemas.microsoft.com/office/drawing/2014/main" id="{78155F68-0F43-4FE9-A743-20F9DAFEFA50}"/>
-              </a:ext>
-            </a:extLst>
-          </p:cNvPr>
-          <p:cNvSpPr>
-            <a:spLocks noGrp="1"/>
-          </p:cNvSpPr>
-          <p:nvPr>
-            <p:ph idx="1"/>
-          </p:nvPr>
-        </p:nvSpPr>
-        <p:spPr>
-          <a:xfrm>
-            <a:off x="677334" y="706583"/>
-            <a:ext cx="8596668" cy="5334780"/>
-          </a:xfrm>
-        </p:spPr>
-        <p:txBody>
-          <a:bodyPr>
-            <a:normAutofit/>
-          </a:bodyPr>
-          <a:lstStyle/>
-          <a:p>
-            <a:pPr>
-              <a:lnSpc>
-                <a:spcPct val="150000"/>
-              </a:lnSpc>
-            </a:pPr>
-            <a:r>
-              <a:rPr lang="pt-PT" sz="2000" dirty="0">
-                <a:solidFill>
-                  <a:schemeClr val="tx1"/>
-                </a:solidFill>
-              </a:rPr>
-              <a:t>Contextualização </a:t>
-            </a:r>
-          </a:p>
-          <a:p>
-            <a:pPr>
-              <a:lnSpc>
-                <a:spcPct val="150000"/>
-              </a:lnSpc>
-            </a:pPr>
-            <a:r>
-              <a:rPr lang="pt-PT" sz="2000" dirty="0">
-                <a:solidFill>
-                  <a:schemeClr val="tx1"/>
-                </a:solidFill>
-              </a:rPr>
-              <a:t>Motivação e Objetivos</a:t>
-            </a:r>
-          </a:p>
-          <a:p>
-            <a:pPr>
-              <a:lnSpc>
-                <a:spcPct val="150000"/>
-              </a:lnSpc>
-            </a:pPr>
-            <a:r>
-              <a:rPr lang="pt-PT" sz="2000" dirty="0">
-                <a:solidFill>
-                  <a:schemeClr val="tx1"/>
-                </a:solidFill>
-              </a:rPr>
-              <a:t>Definição da Identidade do Sistema a Desenvolver </a:t>
-            </a:r>
-          </a:p>
-          <a:p>
-            <a:pPr>
-              <a:lnSpc>
-                <a:spcPct val="150000"/>
-              </a:lnSpc>
-            </a:pPr>
-            <a:r>
-              <a:rPr lang="pt-PT" sz="2000" dirty="0">
-                <a:solidFill>
-                  <a:schemeClr val="tx1"/>
-                </a:solidFill>
-              </a:rPr>
-              <a:t>Análise de Viabilidade </a:t>
-            </a:r>
-          </a:p>
-          <a:p>
-            <a:pPr>
-              <a:lnSpc>
-                <a:spcPct val="150000"/>
-              </a:lnSpc>
-            </a:pPr>
-            <a:r>
-              <a:rPr lang="pt-PT" sz="2000" dirty="0">
-                <a:solidFill>
-                  <a:schemeClr val="tx1"/>
-                </a:solidFill>
-              </a:rPr>
-              <a:t>Identificação dos Recursos Necessários </a:t>
-            </a:r>
-          </a:p>
-          <a:p>
-            <a:pPr>
-              <a:lnSpc>
-                <a:spcPct val="150000"/>
-              </a:lnSpc>
-            </a:pPr>
-            <a:r>
-              <a:rPr lang="pt-PT" sz="2000" dirty="0">
-                <a:solidFill>
-                  <a:schemeClr val="tx1"/>
-                </a:solidFill>
-              </a:rPr>
-              <a:t>Modelo de Sistema </a:t>
-            </a:r>
-          </a:p>
-          <a:p>
-            <a:pPr>
-              <a:lnSpc>
-                <a:spcPct val="150000"/>
-              </a:lnSpc>
-            </a:pPr>
-            <a:r>
-              <a:rPr lang="pt-PT" sz="2000" dirty="0">
-                <a:solidFill>
-                  <a:schemeClr val="tx1"/>
-                </a:solidFill>
-              </a:rPr>
-              <a:t>Definição de Medidas de Sucesso </a:t>
-            </a:r>
-          </a:p>
-          <a:p>
-            <a:pPr>
-              <a:lnSpc>
-                <a:spcPct val="150000"/>
-              </a:lnSpc>
-            </a:pPr>
-            <a:r>
-              <a:rPr lang="pt-PT" sz="2000" dirty="0">
-                <a:solidFill>
-                  <a:schemeClr val="tx1"/>
-                </a:solidFill>
-              </a:rPr>
-              <a:t>Plano de Desenvolvimento </a:t>
-            </a:r>
-          </a:p>
-        </p:txBody>
-      </p:sp>
-    </p:spTree>
-    <p:extLst>
-      <p:ext uri="{BB962C8B-B14F-4D97-AF65-F5344CB8AC3E}">
-        <p14:creationId xmlns:p14="http://schemas.microsoft.com/office/powerpoint/2010/main" val="482868652"/>
-      </p:ext>
-    </p:extLst>
-  </p:cSld>
-  <p:clrMapOvr>
-    <a:masterClrMapping/>
-  </p:clrMapOvr>
-  <p:timing>
-    <p:tnLst>
-      <p:par>
-        <p:cTn id="1" dur="indefinite" restart="never" nodeType="tmRoot"/>
-      </p:par>
-    </p:tnLst>
-  </p:timing>
-</p:sld>
-</file>
-
-<file path=ppt/slides/slide40.xml><?xml version="1.0" encoding="utf-8"?>
-<p:sld xmlns:a="http://schemas.openxmlformats.org/drawingml/2006/main" xmlns:r="http://schemas.openxmlformats.org/officeDocument/2006/relationships" xmlns:p="http://schemas.openxmlformats.org/presentationml/2006/main">
-  <p:cSld>
-    <p:spTree>
-      <p:nvGrpSpPr>
-        <p:cNvPr id="1" name=""/>
-        <p:cNvGrpSpPr/>
-        <p:nvPr/>
-      </p:nvGrpSpPr>
-      <p:grpSpPr>
-        <a:xfrm>
-          <a:off x="0" y="0"/>
-          <a:ext cx="0" cy="0"/>
-          <a:chOff x="0" y="0"/>
-          <a:chExt cx="0" cy="0"/>
-        </a:xfrm>
-      </p:grpSpPr>
-      <p:sp>
-        <p:nvSpPr>
           <p:cNvPr id="2" name="Title 1"/>
           <p:cNvSpPr>
             <a:spLocks noGrp="1"/>
@@ -12403,10 +12121,9 @@
           <a:lstStyle/>
           <a:p>
             <a:r>
-              <a:rPr lang="pt-PT" dirty="0" smtClean="0"/>
+              <a:rPr lang="pt-PT" dirty="0"/>
               <a:t>Diagrama de Máquinas de Estado</a:t>
             </a:r>
-            <a:endParaRPr lang="pt-PT" dirty="0"/>
           </a:p>
         </p:txBody>
       </p:sp>
@@ -12449,17 +12166,22 @@
   <p:clrMapOvr>
     <a:masterClrMapping/>
   </p:clrMapOvr>
-  <p:timing>
-    <p:tnLst>
-      <p:par>
-        <p:cTn id="1" dur="indefinite" restart="never" nodeType="tmRoot"/>
-      </p:par>
-    </p:tnLst>
-  </p:timing>
+  <mc:AlternateContent xmlns:mc="http://schemas.openxmlformats.org/markup-compatibility/2006">
+    <mc:Choice xmlns:p14="http://schemas.microsoft.com/office/powerpoint/2010/main" Requires="p14">
+      <p:transition spd="med" p14:dur="700">
+        <p:fade/>
+      </p:transition>
+    </mc:Choice>
+    <mc:Fallback>
+      <p:transition spd="med">
+        <p:fade/>
+      </p:transition>
+    </mc:Fallback>
+  </mc:AlternateContent>
 </p:sld>
 </file>
 
-<file path=ppt/slides/slide41.xml><?xml version="1.0" encoding="utf-8"?>
+<file path=ppt/slides/slide4.xml><?xml version="1.0" encoding="utf-8"?>
 <p:sld xmlns:a="http://schemas.openxmlformats.org/drawingml/2006/main" xmlns:r="http://schemas.openxmlformats.org/officeDocument/2006/relationships" xmlns:p="http://schemas.openxmlformats.org/presentationml/2006/main">
   <p:cSld>
     <p:spTree>
@@ -12478,6 +12200,342 @@
       </p:grpSpPr>
       <p:sp>
         <p:nvSpPr>
+          <p:cNvPr id="6" name="Título 1">
+            <a:extLst>
+              <a:ext uri="{FF2B5EF4-FFF2-40B4-BE49-F238E27FC236}">
+                <a16:creationId xmlns:a16="http://schemas.microsoft.com/office/drawing/2014/main" id="{76E33AE5-F7BC-4721-8718-71AB3D730002}"/>
+              </a:ext>
+            </a:extLst>
+          </p:cNvPr>
+          <p:cNvSpPr txBox="1">
+            <a:spLocks/>
+          </p:cNvSpPr>
+          <p:nvPr/>
+        </p:nvSpPr>
+        <p:spPr>
+          <a:xfrm>
+            <a:off x="283968" y="234908"/>
+            <a:ext cx="8596668" cy="1320800"/>
+          </a:xfrm>
+          <a:prstGeom prst="rect">
+            <a:avLst/>
+          </a:prstGeom>
+        </p:spPr>
+        <p:txBody>
+          <a:bodyPr/>
+          <a:lstStyle>
+            <a:lvl1pPr algn="l" defTabSz="457200" rtl="0" eaLnBrk="1" latinLnBrk="0" hangingPunct="1">
+              <a:spcBef>
+                <a:spcPct val="0"/>
+              </a:spcBef>
+              <a:buNone/>
+              <a:defRPr sz="3600" kern="1200">
+                <a:solidFill>
+                  <a:schemeClr val="accent1"/>
+                </a:solidFill>
+                <a:latin typeface="+mj-lt"/>
+                <a:ea typeface="+mj-ea"/>
+                <a:cs typeface="+mj-cs"/>
+              </a:defRPr>
+            </a:lvl1pPr>
+            <a:lvl2pPr eaLnBrk="1" hangingPunct="1">
+              <a:defRPr>
+                <a:solidFill>
+                  <a:schemeClr val="tx2"/>
+                </a:solidFill>
+              </a:defRPr>
+            </a:lvl2pPr>
+            <a:lvl3pPr eaLnBrk="1" hangingPunct="1">
+              <a:defRPr>
+                <a:solidFill>
+                  <a:schemeClr val="tx2"/>
+                </a:solidFill>
+              </a:defRPr>
+            </a:lvl3pPr>
+            <a:lvl4pPr eaLnBrk="1" hangingPunct="1">
+              <a:defRPr>
+                <a:solidFill>
+                  <a:schemeClr val="tx2"/>
+                </a:solidFill>
+              </a:defRPr>
+            </a:lvl4pPr>
+            <a:lvl5pPr eaLnBrk="1" hangingPunct="1">
+              <a:defRPr>
+                <a:solidFill>
+                  <a:schemeClr val="tx2"/>
+                </a:solidFill>
+              </a:defRPr>
+            </a:lvl5pPr>
+            <a:lvl6pPr eaLnBrk="1" hangingPunct="1">
+              <a:defRPr>
+                <a:solidFill>
+                  <a:schemeClr val="tx2"/>
+                </a:solidFill>
+              </a:defRPr>
+            </a:lvl6pPr>
+            <a:lvl7pPr eaLnBrk="1" hangingPunct="1">
+              <a:defRPr>
+                <a:solidFill>
+                  <a:schemeClr val="tx2"/>
+                </a:solidFill>
+              </a:defRPr>
+            </a:lvl7pPr>
+            <a:lvl8pPr eaLnBrk="1" hangingPunct="1">
+              <a:defRPr>
+                <a:solidFill>
+                  <a:schemeClr val="tx2"/>
+                </a:solidFill>
+              </a:defRPr>
+            </a:lvl8pPr>
+            <a:lvl9pPr eaLnBrk="1" hangingPunct="1">
+              <a:defRPr>
+                <a:solidFill>
+                  <a:schemeClr val="tx2"/>
+                </a:solidFill>
+              </a:defRPr>
+            </a:lvl9pPr>
+          </a:lstStyle>
+          <a:p>
+            <a:r>
+              <a:rPr lang="pt-PT" dirty="0"/>
+              <a:t>Contextualização</a:t>
+            </a:r>
+          </a:p>
+        </p:txBody>
+      </p:sp>
+      <p:sp>
+        <p:nvSpPr>
+          <p:cNvPr id="4" name="CaixaDeTexto 3">
+            <a:extLst>
+              <a:ext uri="{FF2B5EF4-FFF2-40B4-BE49-F238E27FC236}">
+                <a16:creationId xmlns:a16="http://schemas.microsoft.com/office/drawing/2014/main" id="{037B5F4B-DA41-45A6-98B2-0FFDF0BF4409}"/>
+              </a:ext>
+            </a:extLst>
+          </p:cNvPr>
+          <p:cNvSpPr txBox="1"/>
+          <p:nvPr/>
+        </p:nvSpPr>
+        <p:spPr>
+          <a:xfrm>
+            <a:off x="404948" y="1400499"/>
+            <a:ext cx="8987246" cy="4524315"/>
+          </a:xfrm>
+          <a:prstGeom prst="rect">
+            <a:avLst/>
+          </a:prstGeom>
+          <a:noFill/>
+        </p:spPr>
+        <p:txBody>
+          <a:bodyPr wrap="square" rtlCol="0">
+            <a:spAutoFit/>
+          </a:bodyPr>
+          <a:lstStyle/>
+          <a:p>
+            <a:pPr marL="342900" indent="-342900">
+              <a:buFont typeface="Arial" panose="020B0604020202020204" pitchFamily="34" charset="0"/>
+              <a:buChar char="•"/>
+            </a:pPr>
+            <a:r>
+              <a:rPr lang="pt-PT" sz="1600" dirty="0"/>
+              <a:t>Necessidade de produção contínua e rápida por parte das empresas, para singrar nos mercados económicos;</a:t>
+            </a:r>
+          </a:p>
+          <a:p>
+            <a:pPr marL="342900" indent="-342900">
+              <a:buFont typeface="Arial" panose="020B0604020202020204" pitchFamily="34" charset="0"/>
+              <a:buChar char="•"/>
+            </a:pPr>
+            <a:endParaRPr lang="pt-PT" sz="1600" dirty="0"/>
+          </a:p>
+          <a:p>
+            <a:pPr marL="342900" indent="-342900">
+              <a:buFont typeface="Arial" panose="020B0604020202020204" pitchFamily="34" charset="0"/>
+              <a:buChar char="•"/>
+            </a:pPr>
+            <a:r>
+              <a:rPr lang="pt-PT" sz="1600" dirty="0"/>
+              <a:t>Aumenta a carga horária dos trabalhadores -&gt; </a:t>
+            </a:r>
+            <a:r>
+              <a:rPr lang="pt-PT" sz="1600" b="1" dirty="0">
+                <a:solidFill>
+                  <a:schemeClr val="accent2"/>
+                </a:solidFill>
+              </a:rPr>
+              <a:t>problema</a:t>
+            </a:r>
+            <a:r>
+              <a:rPr lang="pt-PT" sz="1600" dirty="0">
+                <a:solidFill>
+                  <a:srgbClr val="FF0000"/>
+                </a:solidFill>
+              </a:rPr>
+              <a:t> </a:t>
+            </a:r>
+            <a:r>
+              <a:rPr lang="pt-PT" sz="1600" b="1" dirty="0">
+                <a:solidFill>
+                  <a:schemeClr val="accent2"/>
+                </a:solidFill>
+              </a:rPr>
+              <a:t>sério</a:t>
+            </a:r>
+            <a:r>
+              <a:rPr lang="pt-PT" sz="1600" dirty="0">
+                <a:solidFill>
+                  <a:srgbClr val="FF0000"/>
+                </a:solidFill>
+              </a:rPr>
+              <a:t> </a:t>
+            </a:r>
+            <a:r>
+              <a:rPr lang="pt-PT" sz="1600" dirty="0"/>
+              <a:t>para quem tem filhos torna-se difícil arranjar alguém para tomar conta dos filhos;</a:t>
+            </a:r>
+          </a:p>
+          <a:p>
+            <a:pPr marL="342900" indent="-342900">
+              <a:buFont typeface="Arial" panose="020B0604020202020204" pitchFamily="34" charset="0"/>
+              <a:buChar char="•"/>
+            </a:pPr>
+            <a:endParaRPr lang="pt-PT" sz="1600" dirty="0"/>
+          </a:p>
+          <a:p>
+            <a:pPr marL="342900" indent="-342900">
+              <a:buFont typeface="Arial" panose="020B0604020202020204" pitchFamily="34" charset="0"/>
+              <a:buChar char="•"/>
+            </a:pPr>
+            <a:r>
+              <a:rPr lang="pt-PT" sz="1600" dirty="0"/>
+              <a:t>“Bebés &amp; Companhia” possui uma cadeia de infantários espalhados pela grande Lisboa: </a:t>
+            </a:r>
+          </a:p>
+          <a:p>
+            <a:r>
+              <a:rPr lang="pt-PT" sz="1600" dirty="0"/>
+              <a:t>			- maioria dos seus funcionários estão na faixa etária dos vinte </a:t>
+            </a:r>
+          </a:p>
+          <a:p>
+            <a:r>
+              <a:rPr lang="pt-PT" sz="1600" dirty="0"/>
+              <a:t>			- dispõem de tempo livre para horário extra</a:t>
+            </a:r>
+          </a:p>
+          <a:p>
+            <a:r>
+              <a:rPr lang="pt-PT" sz="1600" dirty="0"/>
+              <a:t>			- viram aqui uma ótima oportunidade. </a:t>
+            </a:r>
+          </a:p>
+          <a:p>
+            <a:r>
+              <a:rPr lang="pt-PT" sz="1600" dirty="0"/>
+              <a:t>			- </a:t>
+            </a:r>
+            <a:r>
+              <a:rPr lang="pt-PT" sz="1600" b="1" dirty="0">
+                <a:solidFill>
+                  <a:schemeClr val="accent2"/>
+                </a:solidFill>
+              </a:rPr>
+              <a:t>Surge, assim, a ideia de fazer um serviço ao domicílio de babysitting; </a:t>
+            </a:r>
+          </a:p>
+          <a:p>
+            <a:endParaRPr lang="pt-PT" sz="1600" b="1" dirty="0">
+              <a:solidFill>
+                <a:schemeClr val="accent2"/>
+              </a:solidFill>
+            </a:endParaRPr>
+          </a:p>
+          <a:p>
+            <a:pPr marL="342900" indent="-342900">
+              <a:buFont typeface="Arial" panose="020B0604020202020204" pitchFamily="34" charset="0"/>
+              <a:buChar char="•"/>
+            </a:pPr>
+            <a:r>
+              <a:rPr lang="pt-PT" sz="1600" dirty="0"/>
+              <a:t>Realização de inquéritos: </a:t>
+            </a:r>
+          </a:p>
+          <a:p>
+            <a:r>
+              <a:rPr lang="pt-PT" sz="1600" dirty="0"/>
+              <a:t>	- disposição para trabalhar horas extra</a:t>
+            </a:r>
+          </a:p>
+          <a:p>
+            <a:r>
+              <a:rPr lang="pt-PT" sz="1600" dirty="0"/>
+              <a:t>	- disponibilidade para horas tardias e para deslocações ao domicílio</a:t>
+            </a:r>
+          </a:p>
+          <a:p>
+            <a:r>
+              <a:rPr lang="pt-PT" sz="1600" dirty="0"/>
+              <a:t>	-&gt; Sem necessidade de contratação de agentes externos ao infantário!</a:t>
+            </a:r>
+          </a:p>
+          <a:p>
+            <a:endParaRPr lang="pt-PT" sz="1600" dirty="0"/>
+          </a:p>
+          <a:p>
+            <a:pPr marL="342900" indent="-342900">
+              <a:buFont typeface="Arial" panose="020B0604020202020204" pitchFamily="34" charset="0"/>
+              <a:buChar char="•"/>
+            </a:pPr>
+            <a:r>
+              <a:rPr lang="pt-PT" sz="1600" dirty="0"/>
+              <a:t>É criada a plataforma “GuguDadah”.</a:t>
+            </a:r>
+          </a:p>
+        </p:txBody>
+      </p:sp>
+    </p:spTree>
+    <p:extLst>
+      <p:ext uri="{BB962C8B-B14F-4D97-AF65-F5344CB8AC3E}">
+        <p14:creationId xmlns:p14="http://schemas.microsoft.com/office/powerpoint/2010/main" val="1370001760"/>
+      </p:ext>
+    </p:extLst>
+  </p:cSld>
+  <p:clrMapOvr>
+    <a:masterClrMapping/>
+  </p:clrMapOvr>
+  <mc:AlternateContent xmlns:mc="http://schemas.openxmlformats.org/markup-compatibility/2006" xmlns:p14="http://schemas.microsoft.com/office/powerpoint/2010/main">
+    <mc:Choice Requires="p14">
+      <p:transition spd="med" p14:dur="700">
+        <p:fade/>
+      </p:transition>
+    </mc:Choice>
+    <mc:Fallback xmlns="">
+      <p:transition spd="med">
+        <p:fade/>
+      </p:transition>
+    </mc:Fallback>
+  </mc:AlternateContent>
+</p:sld>
+</file>
+
+<file path=ppt/slides/slide40.xml><?xml version="1.0" encoding="utf-8"?>
+<p:sld xmlns:a="http://schemas.openxmlformats.org/drawingml/2006/main" xmlns:r="http://schemas.openxmlformats.org/officeDocument/2006/relationships" xmlns:p="http://schemas.openxmlformats.org/presentationml/2006/main">
+  <p:cSld>
+    <p:spTree>
+      <p:nvGrpSpPr>
+        <p:cNvPr id="1" name=""/>
+        <p:cNvGrpSpPr/>
+        <p:nvPr/>
+      </p:nvGrpSpPr>
+      <p:grpSpPr>
+        <a:xfrm>
+          <a:off x="0" y="0"/>
+          <a:ext cx="0" cy="0"/>
+          <a:chOff x="0" y="0"/>
+          <a:chExt cx="0" cy="0"/>
+        </a:xfrm>
+      </p:grpSpPr>
+      <p:sp>
+        <p:nvSpPr>
           <p:cNvPr id="2" name="Title 1"/>
           <p:cNvSpPr>
             <a:spLocks noGrp="1"/>
@@ -12497,17 +12555,16 @@
           <a:lstStyle/>
           <a:p>
             <a:r>
-              <a:rPr lang="pt-PT" dirty="0" smtClean="0"/>
+              <a:rPr lang="pt-PT" dirty="0"/>
               <a:t>Diagrama de Máquinas de Estado</a:t>
             </a:r>
             <a:br>
-              <a:rPr lang="pt-PT" dirty="0" smtClean="0"/>
+              <a:rPr lang="pt-PT" dirty="0"/>
             </a:br>
             <a:r>
-              <a:rPr lang="pt-PT" dirty="0" smtClean="0"/>
+              <a:rPr lang="pt-PT" dirty="0"/>
               <a:t>“Agendar Trabalho”</a:t>
             </a:r>
-            <a:endParaRPr lang="pt-PT" dirty="0"/>
           </a:p>
         </p:txBody>
       </p:sp>
@@ -12550,17 +12607,22 @@
   <p:clrMapOvr>
     <a:masterClrMapping/>
   </p:clrMapOvr>
-  <p:timing>
-    <p:tnLst>
-      <p:par>
-        <p:cTn id="1" dur="indefinite" restart="never" nodeType="tmRoot"/>
-      </p:par>
-    </p:tnLst>
-  </p:timing>
+  <mc:AlternateContent xmlns:mc="http://schemas.openxmlformats.org/markup-compatibility/2006">
+    <mc:Choice xmlns:p14="http://schemas.microsoft.com/office/powerpoint/2010/main" Requires="p14">
+      <p:transition spd="med" p14:dur="700">
+        <p:fade/>
+      </p:transition>
+    </mc:Choice>
+    <mc:Fallback>
+      <p:transition spd="med">
+        <p:fade/>
+      </p:transition>
+    </mc:Fallback>
+  </mc:AlternateContent>
 </p:sld>
 </file>
 
-<file path=ppt/slides/slide42.xml><?xml version="1.0" encoding="utf-8"?>
+<file path=ppt/slides/slide41.xml><?xml version="1.0" encoding="utf-8"?>
 <p:sld xmlns:a="http://schemas.openxmlformats.org/drawingml/2006/main" xmlns:r="http://schemas.openxmlformats.org/officeDocument/2006/relationships" xmlns:p="http://schemas.openxmlformats.org/presentationml/2006/main">
   <p:cSld>
     <p:spTree>
@@ -12598,17 +12660,16 @@
           <a:lstStyle/>
           <a:p>
             <a:r>
-              <a:rPr lang="pt-PT" dirty="0" smtClean="0"/>
+              <a:rPr lang="pt-PT" dirty="0"/>
               <a:t>Diagrama de Máquinas de Estado</a:t>
             </a:r>
             <a:br>
-              <a:rPr lang="pt-PT" dirty="0" smtClean="0"/>
+              <a:rPr lang="pt-PT" dirty="0"/>
             </a:br>
             <a:r>
-              <a:rPr lang="pt-PT" dirty="0" smtClean="0"/>
+              <a:rPr lang="pt-PT" dirty="0"/>
               <a:t>“Verificar propostas de trabalho”</a:t>
             </a:r>
-            <a:endParaRPr lang="pt-PT" dirty="0"/>
           </a:p>
         </p:txBody>
       </p:sp>
@@ -12651,17 +12712,22 @@
   <p:clrMapOvr>
     <a:masterClrMapping/>
   </p:clrMapOvr>
-  <p:timing>
-    <p:tnLst>
-      <p:par>
-        <p:cTn id="1" dur="indefinite" restart="never" nodeType="tmRoot"/>
-      </p:par>
-    </p:tnLst>
-  </p:timing>
+  <mc:AlternateContent xmlns:mc="http://schemas.openxmlformats.org/markup-compatibility/2006">
+    <mc:Choice xmlns:p14="http://schemas.microsoft.com/office/powerpoint/2010/main" Requires="p14">
+      <p:transition spd="med" p14:dur="700">
+        <p:fade/>
+      </p:transition>
+    </mc:Choice>
+    <mc:Fallback>
+      <p:transition spd="med">
+        <p:fade/>
+      </p:transition>
+    </mc:Fallback>
+  </mc:AlternateContent>
 </p:sld>
 </file>
 
-<file path=ppt/slides/slide43.xml><?xml version="1.0" encoding="utf-8"?>
+<file path=ppt/slides/slide42.xml><?xml version="1.0" encoding="utf-8"?>
 <p:sld xmlns:a="http://schemas.openxmlformats.org/drawingml/2006/main" xmlns:r="http://schemas.openxmlformats.org/officeDocument/2006/relationships" xmlns:p="http://schemas.openxmlformats.org/presentationml/2006/main">
   <p:cSld>
     <p:spTree>
@@ -12699,17 +12765,16 @@
           <a:lstStyle/>
           <a:p>
             <a:r>
-              <a:rPr lang="pt-PT" dirty="0" smtClean="0"/>
+              <a:rPr lang="pt-PT" dirty="0"/>
               <a:t>Diagrama de Máquinas de Estado</a:t>
             </a:r>
             <a:br>
-              <a:rPr lang="pt-PT" dirty="0" smtClean="0"/>
+              <a:rPr lang="pt-PT" dirty="0"/>
             </a:br>
             <a:r>
-              <a:rPr lang="pt-PT" dirty="0" smtClean="0"/>
+              <a:rPr lang="pt-PT" dirty="0"/>
               <a:t>“Avaliar Trabalho”</a:t>
             </a:r>
-            <a:endParaRPr lang="pt-PT" dirty="0"/>
           </a:p>
         </p:txBody>
       </p:sp>
@@ -12752,17 +12817,22 @@
   <p:clrMapOvr>
     <a:masterClrMapping/>
   </p:clrMapOvr>
-  <p:timing>
-    <p:tnLst>
-      <p:par>
-        <p:cTn id="1" dur="indefinite" restart="never" nodeType="tmRoot"/>
-      </p:par>
-    </p:tnLst>
-  </p:timing>
+  <mc:AlternateContent xmlns:mc="http://schemas.openxmlformats.org/markup-compatibility/2006">
+    <mc:Choice xmlns:p14="http://schemas.microsoft.com/office/powerpoint/2010/main" Requires="p14">
+      <p:transition spd="med" p14:dur="700">
+        <p:fade/>
+      </p:transition>
+    </mc:Choice>
+    <mc:Fallback>
+      <p:transition spd="med">
+        <p:fade/>
+      </p:transition>
+    </mc:Fallback>
+  </mc:AlternateContent>
 </p:sld>
 </file>
 
-<file path=ppt/slides/slide44.xml><?xml version="1.0" encoding="utf-8"?>
+<file path=ppt/slides/slide43.xml><?xml version="1.0" encoding="utf-8"?>
 <p:sld xmlns:a="http://schemas.openxmlformats.org/drawingml/2006/main" xmlns:r="http://schemas.openxmlformats.org/officeDocument/2006/relationships" xmlns:p="http://schemas.openxmlformats.org/presentationml/2006/main">
   <p:cSld>
     <p:spTree>
@@ -12800,10 +12870,9 @@
           <a:lstStyle/>
           <a:p>
             <a:r>
-              <a:rPr lang="pt-PT" dirty="0" smtClean="0"/>
+              <a:rPr lang="pt-PT" dirty="0"/>
               <a:t>Diagrama de Atividade</a:t>
             </a:r>
-            <a:endParaRPr lang="pt-PT" dirty="0"/>
           </a:p>
         </p:txBody>
       </p:sp>
@@ -12845,17 +12914,22 @@
   <p:clrMapOvr>
     <a:masterClrMapping/>
   </p:clrMapOvr>
-  <p:timing>
-    <p:tnLst>
-      <p:par>
-        <p:cTn id="1" dur="indefinite" restart="never" nodeType="tmRoot"/>
-      </p:par>
-    </p:tnLst>
-  </p:timing>
+  <mc:AlternateContent xmlns:mc="http://schemas.openxmlformats.org/markup-compatibility/2006">
+    <mc:Choice xmlns:p14="http://schemas.microsoft.com/office/powerpoint/2010/main" Requires="p14">
+      <p:transition spd="med" p14:dur="700">
+        <p:fade/>
+      </p:transition>
+    </mc:Choice>
+    <mc:Fallback>
+      <p:transition spd="med">
+        <p:fade/>
+      </p:transition>
+    </mc:Fallback>
+  </mc:AlternateContent>
 </p:sld>
 </file>
 
-<file path=ppt/slides/slide45.xml><?xml version="1.0" encoding="utf-8"?>
+<file path=ppt/slides/slide44.xml><?xml version="1.0" encoding="utf-8"?>
 <p:sld xmlns:a="http://schemas.openxmlformats.org/drawingml/2006/main" xmlns:r="http://schemas.openxmlformats.org/officeDocument/2006/relationships" xmlns:p="http://schemas.openxmlformats.org/presentationml/2006/main">
   <p:cSld>
     <p:spTree>
@@ -12893,10 +12967,9 @@
           <a:lstStyle/>
           <a:p>
             <a:r>
-              <a:rPr lang="pt-PT" dirty="0" smtClean="0"/>
+              <a:rPr lang="pt-PT" dirty="0"/>
               <a:t>Diagrama de Classes</a:t>
             </a:r>
-            <a:endParaRPr lang="pt-PT" dirty="0"/>
           </a:p>
         </p:txBody>
       </p:sp>
@@ -12939,17 +13012,22 @@
   <p:clrMapOvr>
     <a:masterClrMapping/>
   </p:clrMapOvr>
-  <p:timing>
-    <p:tnLst>
-      <p:par>
-        <p:cTn id="1" dur="indefinite" restart="never" nodeType="tmRoot"/>
-      </p:par>
-    </p:tnLst>
-  </p:timing>
+  <mc:AlternateContent xmlns:mc="http://schemas.openxmlformats.org/markup-compatibility/2006">
+    <mc:Choice xmlns:p14="http://schemas.microsoft.com/office/powerpoint/2010/main" Requires="p14">
+      <p:transition spd="med" p14:dur="700">
+        <p:fade/>
+      </p:transition>
+    </mc:Choice>
+    <mc:Fallback>
+      <p:transition spd="med">
+        <p:fade/>
+      </p:transition>
+    </mc:Fallback>
+  </mc:AlternateContent>
 </p:sld>
 </file>
 
-<file path=ppt/slides/slide46.xml><?xml version="1.0" encoding="utf-8"?>
+<file path=ppt/slides/slide45.xml><?xml version="1.0" encoding="utf-8"?>
 <p:sld xmlns:a="http://schemas.openxmlformats.org/drawingml/2006/main" xmlns:r="http://schemas.openxmlformats.org/officeDocument/2006/relationships" xmlns:p="http://schemas.openxmlformats.org/presentationml/2006/main">
   <p:cSld>
     <p:spTree>
@@ -12987,10 +13065,9 @@
           <a:lstStyle/>
           <a:p>
             <a:r>
-              <a:rPr lang="pt-PT" dirty="0" smtClean="0"/>
+              <a:rPr lang="pt-PT" dirty="0"/>
               <a:t>Modelo Conceptual</a:t>
             </a:r>
-            <a:endParaRPr lang="pt-PT" dirty="0"/>
           </a:p>
         </p:txBody>
       </p:sp>
@@ -13033,17 +13110,22 @@
   <p:clrMapOvr>
     <a:masterClrMapping/>
   </p:clrMapOvr>
-  <p:timing>
-    <p:tnLst>
-      <p:par>
-        <p:cTn id="1" dur="indefinite" restart="never" nodeType="tmRoot"/>
-      </p:par>
-    </p:tnLst>
-  </p:timing>
+  <mc:AlternateContent xmlns:mc="http://schemas.openxmlformats.org/markup-compatibility/2006">
+    <mc:Choice xmlns:p14="http://schemas.microsoft.com/office/powerpoint/2010/main" Requires="p14">
+      <p:transition spd="med" p14:dur="700">
+        <p:fade/>
+      </p:transition>
+    </mc:Choice>
+    <mc:Fallback>
+      <p:transition spd="med">
+        <p:fade/>
+      </p:transition>
+    </mc:Fallback>
+  </mc:AlternateContent>
 </p:sld>
 </file>
 
-<file path=ppt/slides/slide47.xml><?xml version="1.0" encoding="utf-8"?>
+<file path=ppt/slides/slide46.xml><?xml version="1.0" encoding="utf-8"?>
 <p:sld xmlns:a="http://schemas.openxmlformats.org/drawingml/2006/main" xmlns:r="http://schemas.openxmlformats.org/officeDocument/2006/relationships" xmlns:p="http://schemas.openxmlformats.org/presentationml/2006/main">
   <p:cSld>
     <p:spTree>
@@ -13081,10 +13163,9 @@
           <a:lstStyle/>
           <a:p>
             <a:r>
-              <a:rPr lang="pt-PT" dirty="0" smtClean="0"/>
+              <a:rPr lang="pt-PT" dirty="0"/>
               <a:t>Entidades</a:t>
             </a:r>
-            <a:endParaRPr lang="pt-PT" dirty="0"/>
           </a:p>
         </p:txBody>
       </p:sp>
@@ -13141,17 +13222,22 @@
   <p:clrMapOvr>
     <a:masterClrMapping/>
   </p:clrMapOvr>
-  <p:timing>
-    <p:tnLst>
-      <p:par>
-        <p:cTn id="1" dur="indefinite" restart="never" nodeType="tmRoot"/>
-      </p:par>
-    </p:tnLst>
-  </p:timing>
+  <mc:AlternateContent xmlns:mc="http://schemas.openxmlformats.org/markup-compatibility/2006">
+    <mc:Choice xmlns:p14="http://schemas.microsoft.com/office/powerpoint/2010/main" Requires="p14">
+      <p:transition spd="med" p14:dur="700">
+        <p:fade/>
+      </p:transition>
+    </mc:Choice>
+    <mc:Fallback>
+      <p:transition spd="med">
+        <p:fade/>
+      </p:transition>
+    </mc:Fallback>
+  </mc:AlternateContent>
 </p:sld>
 </file>
 
-<file path=ppt/slides/slide48.xml><?xml version="1.0" encoding="utf-8"?>
+<file path=ppt/slides/slide47.xml><?xml version="1.0" encoding="utf-8"?>
 <p:sld xmlns:a="http://schemas.openxmlformats.org/drawingml/2006/main" xmlns:r="http://schemas.openxmlformats.org/officeDocument/2006/relationships" xmlns:p="http://schemas.openxmlformats.org/presentationml/2006/main">
   <p:cSld>
     <p:spTree>
@@ -13189,10 +13275,9 @@
           <a:lstStyle/>
           <a:p>
             <a:r>
-              <a:rPr lang="pt-PT" dirty="0" smtClean="0"/>
+              <a:rPr lang="pt-PT" dirty="0"/>
               <a:t>Tipos de relacionamento</a:t>
             </a:r>
-            <a:endParaRPr lang="pt-PT" dirty="0"/>
           </a:p>
         </p:txBody>
       </p:sp>
@@ -13249,13 +13334,139 @@
   <p:clrMapOvr>
     <a:masterClrMapping/>
   </p:clrMapOvr>
-  <p:timing>
-    <p:tnLst>
-      <p:par>
-        <p:cTn id="1" dur="indefinite" restart="never" nodeType="tmRoot"/>
-      </p:par>
-    </p:tnLst>
-  </p:timing>
+  <mc:AlternateContent xmlns:mc="http://schemas.openxmlformats.org/markup-compatibility/2006">
+    <mc:Choice xmlns:p14="http://schemas.microsoft.com/office/powerpoint/2010/main" Requires="p14">
+      <p:transition spd="med" p14:dur="700">
+        <p:fade/>
+      </p:transition>
+    </mc:Choice>
+    <mc:Fallback>
+      <p:transition spd="med">
+        <p:fade/>
+      </p:transition>
+    </mc:Fallback>
+  </mc:AlternateContent>
+</p:sld>
+</file>
+
+<file path=ppt/slides/slide48.xml><?xml version="1.0" encoding="utf-8"?>
+<p:sld xmlns:a="http://schemas.openxmlformats.org/drawingml/2006/main" xmlns:r="http://schemas.openxmlformats.org/officeDocument/2006/relationships" xmlns:p="http://schemas.openxmlformats.org/presentationml/2006/main">
+  <p:cSld>
+    <p:spTree>
+      <p:nvGrpSpPr>
+        <p:cNvPr id="1" name=""/>
+        <p:cNvGrpSpPr/>
+        <p:nvPr/>
+      </p:nvGrpSpPr>
+      <p:grpSpPr>
+        <a:xfrm>
+          <a:off x="0" y="0"/>
+          <a:ext cx="0" cy="0"/>
+          <a:chOff x="0" y="0"/>
+          <a:chExt cx="0" cy="0"/>
+        </a:xfrm>
+      </p:grpSpPr>
+      <p:sp>
+        <p:nvSpPr>
+          <p:cNvPr id="2" name="Title 1"/>
+          <p:cNvSpPr>
+            <a:spLocks noGrp="1"/>
+          </p:cNvSpPr>
+          <p:nvPr>
+            <p:ph type="title"/>
+          </p:nvPr>
+        </p:nvSpPr>
+        <p:spPr>
+          <a:xfrm>
+            <a:off x="677334" y="273698"/>
+            <a:ext cx="8596668" cy="1320800"/>
+          </a:xfrm>
+        </p:spPr>
+        <p:txBody>
+          <a:bodyPr/>
+          <a:lstStyle/>
+          <a:p>
+            <a:r>
+              <a:rPr lang="pt-PT" dirty="0"/>
+              <a:t>Atributos</a:t>
+            </a:r>
+          </a:p>
+        </p:txBody>
+      </p:sp>
+      <p:sp>
+        <p:nvSpPr>
+          <p:cNvPr id="3" name="Content Placeholder 2"/>
+          <p:cNvSpPr>
+            <a:spLocks noGrp="1"/>
+          </p:cNvSpPr>
+          <p:nvPr>
+            <p:ph sz="half" idx="1"/>
+          </p:nvPr>
+        </p:nvSpPr>
+        <p:spPr>
+          <a:xfrm>
+            <a:off x="677334" y="2160589"/>
+            <a:ext cx="6749833" cy="3880772"/>
+          </a:xfrm>
+        </p:spPr>
+        <p:txBody>
+          <a:bodyPr>
+            <a:normAutofit/>
+          </a:bodyPr>
+          <a:lstStyle/>
+          <a:p>
+            <a:pPr algn="just"/>
+            <a:r>
+              <a:rPr lang="pt-PT" sz="2400" dirty="0"/>
+              <a:t>Não existem quaisquer atributos compostos;</a:t>
+            </a:r>
+          </a:p>
+          <a:p>
+            <a:pPr algn="just"/>
+            <a:endParaRPr lang="pt-PT" sz="2400" dirty="0"/>
+          </a:p>
+          <a:p>
+            <a:pPr algn="just"/>
+            <a:r>
+              <a:rPr lang="pt-PT" sz="2400" dirty="0"/>
+              <a:t>O atributo Custo é derivado de Duração e Tipo (de Trabalho), com Turno (de Funcionário) e Estatuto (de Cliente);</a:t>
+            </a:r>
+          </a:p>
+          <a:p>
+            <a:pPr algn="just"/>
+            <a:endParaRPr lang="pt-PT" sz="2400" dirty="0"/>
+          </a:p>
+          <a:p>
+            <a:pPr algn="just"/>
+            <a:r>
+              <a:rPr lang="pt-PT" sz="2400" dirty="0"/>
+              <a:t>Não existem atributos multivalor; </a:t>
+            </a:r>
+          </a:p>
+        </p:txBody>
+      </p:sp>
+    </p:spTree>
+    <p:extLst>
+      <p:ext uri="{BB962C8B-B14F-4D97-AF65-F5344CB8AC3E}">
+        <p14:creationId xmlns:p14="http://schemas.microsoft.com/office/powerpoint/2010/main" val="694921459"/>
+      </p:ext>
+    </p:extLst>
+  </p:cSld>
+  <p:clrMapOvr>
+    <a:masterClrMapping/>
+  </p:clrMapOvr>
+  <mc:AlternateContent xmlns:mc="http://schemas.openxmlformats.org/markup-compatibility/2006">
+    <mc:Choice xmlns:p14="http://schemas.microsoft.com/office/powerpoint/2010/main" Requires="p14">
+      <p:transition spd="med" p14:dur="700">
+        <p:fade/>
+      </p:transition>
+    </mc:Choice>
+    <mc:Fallback>
+      <p:transition spd="med">
+        <p:fade/>
+      </p:transition>
+    </mc:Fallback>
+  </mc:AlternateContent>
 </p:sld>
 </file>
 
@@ -13297,471 +13508,9 @@
           <a:lstStyle/>
           <a:p>
             <a:r>
-              <a:rPr lang="pt-PT" dirty="0" smtClean="0"/>
-              <a:t>Atributos</a:t>
-            </a:r>
-            <a:endParaRPr lang="pt-PT" dirty="0"/>
-          </a:p>
-        </p:txBody>
-      </p:sp>
-      <p:sp>
-        <p:nvSpPr>
-          <p:cNvPr id="3" name="Content Placeholder 2"/>
-          <p:cNvSpPr>
-            <a:spLocks noGrp="1"/>
-          </p:cNvSpPr>
-          <p:nvPr>
-            <p:ph sz="half" idx="1"/>
-          </p:nvPr>
-        </p:nvSpPr>
-        <p:spPr>
-          <a:xfrm>
-            <a:off x="677334" y="2160589"/>
-            <a:ext cx="6749833" cy="3880772"/>
-          </a:xfrm>
-        </p:spPr>
-        <p:txBody>
-          <a:bodyPr>
-            <a:normAutofit/>
-          </a:bodyPr>
-          <a:lstStyle/>
-          <a:p>
-            <a:pPr algn="just"/>
-            <a:r>
-              <a:rPr lang="pt-PT" sz="2400" dirty="0" smtClean="0"/>
-              <a:t>Não existem quaisquer atributos compostos;</a:t>
-            </a:r>
-          </a:p>
-          <a:p>
-            <a:pPr algn="just"/>
-            <a:endParaRPr lang="pt-PT" sz="2400" dirty="0" smtClean="0"/>
-          </a:p>
-          <a:p>
-            <a:pPr algn="just"/>
-            <a:r>
-              <a:rPr lang="pt-PT" sz="2400" dirty="0" smtClean="0"/>
-              <a:t>O atributo Custo é derivado de Duração e Tipo (de Trabalho), com Turno (de Funcionário) e Estatuto (de Cliente);</a:t>
-            </a:r>
-          </a:p>
-          <a:p>
-            <a:pPr algn="just"/>
-            <a:endParaRPr lang="pt-PT" sz="2400" dirty="0" smtClean="0"/>
-          </a:p>
-          <a:p>
-            <a:pPr algn="just"/>
-            <a:r>
-              <a:rPr lang="pt-PT" sz="2400" dirty="0" smtClean="0"/>
-              <a:t>Não existem atributos multivalor; </a:t>
-            </a:r>
-            <a:endParaRPr lang="pt-PT" sz="2400" dirty="0"/>
-          </a:p>
-        </p:txBody>
-      </p:sp>
-    </p:spTree>
-    <p:extLst>
-      <p:ext uri="{BB962C8B-B14F-4D97-AF65-F5344CB8AC3E}">
-        <p14:creationId xmlns:p14="http://schemas.microsoft.com/office/powerpoint/2010/main" val="694921459"/>
-      </p:ext>
-    </p:extLst>
-  </p:cSld>
-  <p:clrMapOvr>
-    <a:masterClrMapping/>
-  </p:clrMapOvr>
-  <p:timing>
-    <p:tnLst>
-      <p:par>
-        <p:cTn id="1" dur="indefinite" restart="never" nodeType="tmRoot"/>
-      </p:par>
-    </p:tnLst>
-  </p:timing>
-</p:sld>
-</file>
-
-<file path=ppt/slides/slide5.xml><?xml version="1.0" encoding="utf-8"?>
-<p:sld xmlns:a="http://schemas.openxmlformats.org/drawingml/2006/main" xmlns:r="http://schemas.openxmlformats.org/officeDocument/2006/relationships" xmlns:p="http://schemas.openxmlformats.org/presentationml/2006/main">
-  <p:cSld>
-    <p:spTree>
-      <p:nvGrpSpPr>
-        <p:cNvPr id="1" name=""/>
-        <p:cNvGrpSpPr/>
-        <p:nvPr/>
-      </p:nvGrpSpPr>
-      <p:grpSpPr>
-        <a:xfrm>
-          <a:off x="0" y="0"/>
-          <a:ext cx="0" cy="0"/>
-          <a:chOff x="0" y="0"/>
-          <a:chExt cx="0" cy="0"/>
-        </a:xfrm>
-      </p:grpSpPr>
-      <p:sp>
-        <p:nvSpPr>
-          <p:cNvPr id="6" name="Título 1">
-            <a:extLst>
-              <a:ext uri="{FF2B5EF4-FFF2-40B4-BE49-F238E27FC236}">
-                <a16:creationId xmlns:a16="http://schemas.microsoft.com/office/drawing/2014/main" id="{76E33AE5-F7BC-4721-8718-71AB3D730002}"/>
-              </a:ext>
-            </a:extLst>
-          </p:cNvPr>
-          <p:cNvSpPr txBox="1">
-            <a:spLocks/>
-          </p:cNvSpPr>
-          <p:nvPr/>
-        </p:nvSpPr>
-        <p:spPr>
-          <a:xfrm>
-            <a:off x="283968" y="234908"/>
-            <a:ext cx="8596668" cy="1320800"/>
-          </a:xfrm>
-          <a:prstGeom prst="rect">
-            <a:avLst/>
-          </a:prstGeom>
-        </p:spPr>
-        <p:txBody>
-          <a:bodyPr/>
-          <a:lstStyle>
-            <a:lvl1pPr algn="l" defTabSz="457200" rtl="0" eaLnBrk="1" latinLnBrk="0" hangingPunct="1">
-              <a:spcBef>
-                <a:spcPct val="0"/>
-              </a:spcBef>
-              <a:buNone/>
-              <a:defRPr sz="3600" kern="1200">
-                <a:solidFill>
-                  <a:schemeClr val="accent1"/>
-                </a:solidFill>
-                <a:latin typeface="+mj-lt"/>
-                <a:ea typeface="+mj-ea"/>
-                <a:cs typeface="+mj-cs"/>
-              </a:defRPr>
-            </a:lvl1pPr>
-            <a:lvl2pPr eaLnBrk="1" hangingPunct="1">
-              <a:defRPr>
-                <a:solidFill>
-                  <a:schemeClr val="tx2"/>
-                </a:solidFill>
-              </a:defRPr>
-            </a:lvl2pPr>
-            <a:lvl3pPr eaLnBrk="1" hangingPunct="1">
-              <a:defRPr>
-                <a:solidFill>
-                  <a:schemeClr val="tx2"/>
-                </a:solidFill>
-              </a:defRPr>
-            </a:lvl3pPr>
-            <a:lvl4pPr eaLnBrk="1" hangingPunct="1">
-              <a:defRPr>
-                <a:solidFill>
-                  <a:schemeClr val="tx2"/>
-                </a:solidFill>
-              </a:defRPr>
-            </a:lvl4pPr>
-            <a:lvl5pPr eaLnBrk="1" hangingPunct="1">
-              <a:defRPr>
-                <a:solidFill>
-                  <a:schemeClr val="tx2"/>
-                </a:solidFill>
-              </a:defRPr>
-            </a:lvl5pPr>
-            <a:lvl6pPr eaLnBrk="1" hangingPunct="1">
-              <a:defRPr>
-                <a:solidFill>
-                  <a:schemeClr val="tx2"/>
-                </a:solidFill>
-              </a:defRPr>
-            </a:lvl6pPr>
-            <a:lvl7pPr eaLnBrk="1" hangingPunct="1">
-              <a:defRPr>
-                <a:solidFill>
-                  <a:schemeClr val="tx2"/>
-                </a:solidFill>
-              </a:defRPr>
-            </a:lvl7pPr>
-            <a:lvl8pPr eaLnBrk="1" hangingPunct="1">
-              <a:defRPr>
-                <a:solidFill>
-                  <a:schemeClr val="tx2"/>
-                </a:solidFill>
-              </a:defRPr>
-            </a:lvl8pPr>
-            <a:lvl9pPr eaLnBrk="1" hangingPunct="1">
-              <a:defRPr>
-                <a:solidFill>
-                  <a:schemeClr val="tx2"/>
-                </a:solidFill>
-              </a:defRPr>
-            </a:lvl9pPr>
-          </a:lstStyle>
-          <a:p>
-            <a:r>
               <a:rPr lang="pt-PT" dirty="0"/>
-              <a:t>Contextualização</a:t>
-            </a:r>
-          </a:p>
-        </p:txBody>
-      </p:sp>
-      <p:sp>
-        <p:nvSpPr>
-          <p:cNvPr id="4" name="CaixaDeTexto 3">
-            <a:extLst>
-              <a:ext uri="{FF2B5EF4-FFF2-40B4-BE49-F238E27FC236}">
-                <a16:creationId xmlns:a16="http://schemas.microsoft.com/office/drawing/2014/main" id="{037B5F4B-DA41-45A6-98B2-0FFDF0BF4409}"/>
-              </a:ext>
-            </a:extLst>
-          </p:cNvPr>
-          <p:cNvSpPr txBox="1"/>
-          <p:nvPr/>
-        </p:nvSpPr>
-        <p:spPr>
-          <a:xfrm>
-            <a:off x="404948" y="1400499"/>
-            <a:ext cx="8987246" cy="4524315"/>
-          </a:xfrm>
-          <a:prstGeom prst="rect">
-            <a:avLst/>
-          </a:prstGeom>
-          <a:noFill/>
-        </p:spPr>
-        <p:txBody>
-          <a:bodyPr wrap="square" rtlCol="0">
-            <a:spAutoFit/>
-          </a:bodyPr>
-          <a:lstStyle/>
-          <a:p>
-            <a:pPr marL="342900" indent="-342900">
-              <a:buFont typeface="Arial" panose="020B0604020202020204" pitchFamily="34" charset="0"/>
-              <a:buChar char="•"/>
-            </a:pPr>
-            <a:r>
-              <a:rPr lang="pt-PT" sz="1600" dirty="0"/>
-              <a:t>Necessidade de produção contínua e rápida por parte das empresas, para singrar nos mercados económicos;</a:t>
-            </a:r>
-          </a:p>
-          <a:p>
-            <a:pPr marL="342900" indent="-342900">
-              <a:buFont typeface="Arial" panose="020B0604020202020204" pitchFamily="34" charset="0"/>
-              <a:buChar char="•"/>
-            </a:pPr>
-            <a:endParaRPr lang="pt-PT" sz="1600" dirty="0"/>
-          </a:p>
-          <a:p>
-            <a:pPr marL="342900" indent="-342900">
-              <a:buFont typeface="Arial" panose="020B0604020202020204" pitchFamily="34" charset="0"/>
-              <a:buChar char="•"/>
-            </a:pPr>
-            <a:r>
-              <a:rPr lang="pt-PT" sz="1600" dirty="0"/>
-              <a:t>Aumenta a carga horária dos trabalhadores -&gt; </a:t>
-            </a:r>
-            <a:r>
-              <a:rPr lang="pt-PT" sz="1600" b="1" dirty="0">
-                <a:solidFill>
-                  <a:schemeClr val="accent2"/>
-                </a:solidFill>
-              </a:rPr>
-              <a:t>problema</a:t>
-            </a:r>
-            <a:r>
-              <a:rPr lang="pt-PT" sz="1600" dirty="0">
-                <a:solidFill>
-                  <a:srgbClr val="FF0000"/>
-                </a:solidFill>
-              </a:rPr>
-              <a:t> </a:t>
-            </a:r>
-            <a:r>
-              <a:rPr lang="pt-PT" sz="1600" b="1" dirty="0">
-                <a:solidFill>
-                  <a:schemeClr val="accent2"/>
-                </a:solidFill>
-              </a:rPr>
-              <a:t>sério</a:t>
-            </a:r>
-            <a:r>
-              <a:rPr lang="pt-PT" sz="1600" dirty="0">
-                <a:solidFill>
-                  <a:srgbClr val="FF0000"/>
-                </a:solidFill>
-              </a:rPr>
-              <a:t> </a:t>
-            </a:r>
-            <a:r>
-              <a:rPr lang="pt-PT" sz="1600" dirty="0"/>
-              <a:t>para quem tem filhos torna-se difícil arranjar alguém para tomar conta dos filhos;</a:t>
-            </a:r>
-          </a:p>
-          <a:p>
-            <a:pPr marL="342900" indent="-342900">
-              <a:buFont typeface="Arial" panose="020B0604020202020204" pitchFamily="34" charset="0"/>
-              <a:buChar char="•"/>
-            </a:pPr>
-            <a:endParaRPr lang="pt-PT" sz="1600" dirty="0"/>
-          </a:p>
-          <a:p>
-            <a:pPr marL="342900" indent="-342900">
-              <a:buFont typeface="Arial" panose="020B0604020202020204" pitchFamily="34" charset="0"/>
-              <a:buChar char="•"/>
-            </a:pPr>
-            <a:r>
-              <a:rPr lang="pt-PT" sz="1600" dirty="0"/>
-              <a:t>“Bebés &amp; Companhia” possui uma cadeia de infantários espalhados pela grande Lisboa: </a:t>
-            </a:r>
-          </a:p>
-          <a:p>
-            <a:r>
-              <a:rPr lang="pt-PT" sz="1600" dirty="0"/>
-              <a:t>			- maioria dos seus funcionários estão na faixa etária dos vinte </a:t>
-            </a:r>
-          </a:p>
-          <a:p>
-            <a:r>
-              <a:rPr lang="pt-PT" sz="1600" dirty="0"/>
-              <a:t>			- dispõem de tempo livre para horário extra</a:t>
-            </a:r>
-          </a:p>
-          <a:p>
-            <a:r>
-              <a:rPr lang="pt-PT" sz="1600" dirty="0"/>
-              <a:t>			- viram aqui uma ótima oportunidade. </a:t>
-            </a:r>
-          </a:p>
-          <a:p>
-            <a:r>
-              <a:rPr lang="pt-PT" sz="1600" dirty="0"/>
-              <a:t>			- </a:t>
-            </a:r>
-            <a:r>
-              <a:rPr lang="pt-PT" sz="1600" b="1" dirty="0">
-                <a:solidFill>
-                  <a:schemeClr val="accent2"/>
-                </a:solidFill>
-              </a:rPr>
-              <a:t>Surge, assim, a ideia de fazer um serviço ao domicílio de babysitting; </a:t>
-            </a:r>
-          </a:p>
-          <a:p>
-            <a:endParaRPr lang="pt-PT" sz="1600" b="1" dirty="0">
-              <a:solidFill>
-                <a:schemeClr val="accent2"/>
-              </a:solidFill>
-            </a:endParaRPr>
-          </a:p>
-          <a:p>
-            <a:pPr marL="342900" indent="-342900">
-              <a:buFont typeface="Arial" panose="020B0604020202020204" pitchFamily="34" charset="0"/>
-              <a:buChar char="•"/>
-            </a:pPr>
-            <a:r>
-              <a:rPr lang="pt-PT" sz="1600" dirty="0"/>
-              <a:t>Realização de inquéritos: </a:t>
-            </a:r>
-          </a:p>
-          <a:p>
-            <a:r>
-              <a:rPr lang="pt-PT" sz="1600" dirty="0"/>
-              <a:t>	- disposição para trabalhar horas extra</a:t>
-            </a:r>
-          </a:p>
-          <a:p>
-            <a:r>
-              <a:rPr lang="pt-PT" sz="1600" dirty="0"/>
-              <a:t>	- disponibilidade para horas tardias e para deslocações ao domicílio</a:t>
-            </a:r>
-          </a:p>
-          <a:p>
-            <a:r>
-              <a:rPr lang="pt-PT" sz="1600" dirty="0"/>
-              <a:t>	-&gt; Sem necessidade de contratação de agentes externos ao infantário!</a:t>
-            </a:r>
-          </a:p>
-          <a:p>
-            <a:endParaRPr lang="pt-PT" sz="1600" dirty="0"/>
-          </a:p>
-          <a:p>
-            <a:pPr marL="342900" indent="-342900">
-              <a:buFont typeface="Arial" panose="020B0604020202020204" pitchFamily="34" charset="0"/>
-              <a:buChar char="•"/>
-            </a:pPr>
-            <a:r>
-              <a:rPr lang="pt-PT" sz="1600" dirty="0"/>
-              <a:t>É criada a plataforma “GuguDadah”.</a:t>
-            </a:r>
-          </a:p>
-        </p:txBody>
-      </p:sp>
-    </p:spTree>
-    <p:extLst>
-      <p:ext uri="{BB962C8B-B14F-4D97-AF65-F5344CB8AC3E}">
-        <p14:creationId xmlns:p14="http://schemas.microsoft.com/office/powerpoint/2010/main" val="1370001760"/>
-      </p:ext>
-    </p:extLst>
-  </p:cSld>
-  <p:clrMapOvr>
-    <a:masterClrMapping/>
-  </p:clrMapOvr>
-  <mc:AlternateContent xmlns:mc="http://schemas.openxmlformats.org/markup-compatibility/2006" xmlns:p14="http://schemas.microsoft.com/office/powerpoint/2010/main">
-    <mc:Choice Requires="p14">
-      <p:transition spd="med" p14:dur="700">
-        <p:fade/>
-      </p:transition>
-    </mc:Choice>
-    <mc:Fallback xmlns="">
-      <p:transition spd="med">
-        <p:fade/>
-      </p:transition>
-    </mc:Fallback>
-  </mc:AlternateContent>
-  <p:timing>
-    <p:tnLst>
-      <p:par>
-        <p:cTn id="1" dur="indefinite" restart="never" nodeType="tmRoot"/>
-      </p:par>
-    </p:tnLst>
-  </p:timing>
-</p:sld>
-</file>
-
-<file path=ppt/slides/slide50.xml><?xml version="1.0" encoding="utf-8"?>
-<p:sld xmlns:a="http://schemas.openxmlformats.org/drawingml/2006/main" xmlns:r="http://schemas.openxmlformats.org/officeDocument/2006/relationships" xmlns:p="http://schemas.openxmlformats.org/presentationml/2006/main">
-  <p:cSld>
-    <p:spTree>
-      <p:nvGrpSpPr>
-        <p:cNvPr id="1" name=""/>
-        <p:cNvGrpSpPr/>
-        <p:nvPr/>
-      </p:nvGrpSpPr>
-      <p:grpSpPr>
-        <a:xfrm>
-          <a:off x="0" y="0"/>
-          <a:ext cx="0" cy="0"/>
-          <a:chOff x="0" y="0"/>
-          <a:chExt cx="0" cy="0"/>
-        </a:xfrm>
-      </p:grpSpPr>
-      <p:sp>
-        <p:nvSpPr>
-          <p:cNvPr id="2" name="Title 1"/>
-          <p:cNvSpPr>
-            <a:spLocks noGrp="1"/>
-          </p:cNvSpPr>
-          <p:nvPr>
-            <p:ph type="title"/>
-          </p:nvPr>
-        </p:nvSpPr>
-        <p:spPr>
-          <a:xfrm>
-            <a:off x="677334" y="273698"/>
-            <a:ext cx="8596668" cy="1320800"/>
-          </a:xfrm>
-        </p:spPr>
-        <p:txBody>
-          <a:bodyPr/>
-          <a:lstStyle/>
-          <a:p>
-            <a:r>
-              <a:rPr lang="pt-PT" dirty="0" smtClean="0"/>
               <a:t>Modelo Lógico</a:t>
             </a:r>
-            <a:endParaRPr lang="pt-PT" dirty="0"/>
           </a:p>
         </p:txBody>
       </p:sp>
@@ -13804,17 +13553,22 @@
   <p:clrMapOvr>
     <a:masterClrMapping/>
   </p:clrMapOvr>
-  <p:timing>
-    <p:tnLst>
-      <p:par>
-        <p:cTn id="1" dur="indefinite" restart="never" nodeType="tmRoot"/>
-      </p:par>
-    </p:tnLst>
-  </p:timing>
+  <mc:AlternateContent xmlns:mc="http://schemas.openxmlformats.org/markup-compatibility/2006">
+    <mc:Choice xmlns:p14="http://schemas.microsoft.com/office/powerpoint/2010/main" Requires="p14">
+      <p:transition spd="med" p14:dur="700">
+        <p:fade/>
+      </p:transition>
+    </mc:Choice>
+    <mc:Fallback>
+      <p:transition spd="med">
+        <p:fade/>
+      </p:transition>
+    </mc:Fallback>
+  </mc:AlternateContent>
 </p:sld>
 </file>
 
-<file path=ppt/slides/slide51.xml><?xml version="1.0" encoding="utf-8"?>
+<file path=ppt/slides/slide5.xml><?xml version="1.0" encoding="utf-8"?>
 <p:sld xmlns:a="http://schemas.openxmlformats.org/drawingml/2006/main" xmlns:r="http://schemas.openxmlformats.org/officeDocument/2006/relationships" xmlns:p="http://schemas.openxmlformats.org/presentationml/2006/main">
   <p:cSld>
     <p:spTree>
@@ -13833,6 +13587,317 @@
       </p:grpSpPr>
       <p:sp>
         <p:nvSpPr>
+          <p:cNvPr id="2" name="CaixaDeTexto 1">
+            <a:extLst>
+              <a:ext uri="{FF2B5EF4-FFF2-40B4-BE49-F238E27FC236}">
+                <a16:creationId xmlns:a16="http://schemas.microsoft.com/office/drawing/2014/main" id="{5F7693A0-786B-4B06-A6F3-C9B34444D8BA}"/>
+              </a:ext>
+            </a:extLst>
+          </p:cNvPr>
+          <p:cNvSpPr txBox="1"/>
+          <p:nvPr/>
+        </p:nvSpPr>
+        <p:spPr>
+          <a:xfrm>
+            <a:off x="382920" y="1555708"/>
+            <a:ext cx="8987246" cy="3170099"/>
+          </a:xfrm>
+          <a:prstGeom prst="rect">
+            <a:avLst/>
+          </a:prstGeom>
+          <a:noFill/>
+        </p:spPr>
+        <p:txBody>
+          <a:bodyPr wrap="square" rtlCol="0">
+            <a:spAutoFit/>
+          </a:bodyPr>
+          <a:lstStyle/>
+          <a:p>
+            <a:pPr marL="342900" indent="-342900" algn="just">
+              <a:buFont typeface="Arial" panose="020B0604020202020204" pitchFamily="34" charset="0"/>
+              <a:buChar char="•"/>
+            </a:pPr>
+            <a:r>
+              <a:rPr lang="pt-PT" dirty="0"/>
+              <a:t>Dificuldade de encontrar alguém que seja </a:t>
+            </a:r>
+            <a:r>
+              <a:rPr lang="pt-PT" b="1" dirty="0">
+                <a:solidFill>
+                  <a:schemeClr val="accent2"/>
+                </a:solidFill>
+              </a:rPr>
+              <a:t>responsável</a:t>
+            </a:r>
+            <a:r>
+              <a:rPr lang="pt-PT" dirty="0"/>
+              <a:t> para tomar conta dos nossos filhos a </a:t>
+            </a:r>
+            <a:r>
+              <a:rPr lang="pt-PT" b="1" dirty="0">
+                <a:solidFill>
+                  <a:schemeClr val="accent2"/>
+                </a:solidFill>
+              </a:rPr>
+              <a:t>horas tardias</a:t>
+            </a:r>
+            <a:r>
+              <a:rPr lang="pt-PT" dirty="0"/>
+              <a:t>, ou a falta de disponibilidade dos infantários de tomar conta de crianças adoentadas;</a:t>
+            </a:r>
+          </a:p>
+          <a:p>
+            <a:pPr marL="342900" indent="-342900" algn="just">
+              <a:buFont typeface="Arial" panose="020B0604020202020204" pitchFamily="34" charset="0"/>
+              <a:buChar char="•"/>
+            </a:pPr>
+            <a:endParaRPr lang="pt-PT" dirty="0"/>
+          </a:p>
+          <a:p>
+            <a:pPr marL="342900" indent="-342900" algn="just">
+              <a:buFont typeface="Arial" panose="020B0604020202020204" pitchFamily="34" charset="0"/>
+              <a:buChar char="•"/>
+            </a:pPr>
+            <a:r>
+              <a:rPr lang="pt-PT" dirty="0"/>
+              <a:t>A </a:t>
+            </a:r>
+            <a:r>
+              <a:rPr lang="pt-PT" b="1" dirty="0">
+                <a:solidFill>
+                  <a:schemeClr val="accent2"/>
+                </a:solidFill>
+              </a:rPr>
+              <a:t>inexistência</a:t>
+            </a:r>
+            <a:r>
+              <a:rPr lang="pt-PT" dirty="0"/>
+              <a:t> de um sistema que permita a requisição de serviços de babysitting online, em Portugal;</a:t>
+            </a:r>
+          </a:p>
+          <a:p>
+            <a:pPr marL="342900" indent="-342900" algn="just">
+              <a:buFont typeface="Arial" panose="020B0604020202020204" pitchFamily="34" charset="0"/>
+              <a:buChar char="•"/>
+            </a:pPr>
+            <a:endParaRPr lang="pt-PT" dirty="0"/>
+          </a:p>
+          <a:p>
+            <a:pPr marL="342900" indent="-342900" algn="just">
+              <a:buFont typeface="Arial" panose="020B0604020202020204" pitchFamily="34" charset="0"/>
+              <a:buChar char="•"/>
+            </a:pPr>
+            <a:r>
+              <a:rPr lang="pt-PT" dirty="0"/>
+              <a:t>A maioria dos trabalhadores dos infantários Bebés &amp; Companhia possuem </a:t>
+            </a:r>
+            <a:r>
+              <a:rPr lang="pt-PT" b="1" dirty="0">
+                <a:solidFill>
+                  <a:schemeClr val="accent2"/>
+                </a:solidFill>
+              </a:rPr>
+              <a:t>idade</a:t>
+            </a:r>
+            <a:r>
+              <a:rPr lang="pt-PT" dirty="0"/>
+              <a:t> no intervalo dos </a:t>
+            </a:r>
+            <a:r>
+              <a:rPr lang="pt-PT" b="1" dirty="0">
+                <a:solidFill>
+                  <a:schemeClr val="accent2"/>
+                </a:solidFill>
+              </a:rPr>
+              <a:t>vinte aos trinta</a:t>
+            </a:r>
+            <a:r>
+              <a:rPr lang="pt-PT" dirty="0"/>
+              <a:t>. Têm mais facilidade e </a:t>
+            </a:r>
+            <a:r>
+              <a:rPr lang="pt-PT" b="1" dirty="0">
+                <a:solidFill>
+                  <a:schemeClr val="accent2"/>
+                </a:solidFill>
+              </a:rPr>
+              <a:t>disponibilidade</a:t>
+            </a:r>
+            <a:r>
+              <a:rPr lang="pt-PT" dirty="0"/>
+              <a:t> para trabalharem em </a:t>
+            </a:r>
+            <a:r>
+              <a:rPr lang="pt-PT" b="1" dirty="0">
+                <a:solidFill>
+                  <a:schemeClr val="accent2"/>
+                </a:solidFill>
+              </a:rPr>
+              <a:t>horas não tão comuns</a:t>
+            </a:r>
+            <a:r>
+              <a:rPr lang="pt-PT" dirty="0"/>
+              <a:t>;</a:t>
+            </a:r>
+          </a:p>
+          <a:p>
+            <a:pPr marL="342900" indent="-342900" algn="just">
+              <a:buFont typeface="Arial" panose="020B0604020202020204" pitchFamily="34" charset="0"/>
+              <a:buChar char="•"/>
+            </a:pPr>
+            <a:endParaRPr lang="pt-PT" sz="2000" dirty="0"/>
+          </a:p>
+        </p:txBody>
+      </p:sp>
+      <p:sp>
+        <p:nvSpPr>
+          <p:cNvPr id="3" name="Título 1">
+            <a:extLst>
+              <a:ext uri="{FF2B5EF4-FFF2-40B4-BE49-F238E27FC236}">
+                <a16:creationId xmlns:a16="http://schemas.microsoft.com/office/drawing/2014/main" id="{BA983806-5ACF-436A-BC02-C3E78778BFFE}"/>
+              </a:ext>
+            </a:extLst>
+          </p:cNvPr>
+          <p:cNvSpPr txBox="1">
+            <a:spLocks/>
+          </p:cNvSpPr>
+          <p:nvPr/>
+        </p:nvSpPr>
+        <p:spPr>
+          <a:xfrm>
+            <a:off x="283968" y="234908"/>
+            <a:ext cx="8596668" cy="1320800"/>
+          </a:xfrm>
+          <a:prstGeom prst="rect">
+            <a:avLst/>
+          </a:prstGeom>
+        </p:spPr>
+        <p:txBody>
+          <a:bodyPr/>
+          <a:lstStyle>
+            <a:lvl1pPr algn="l" defTabSz="457200" rtl="0" eaLnBrk="1" latinLnBrk="0" hangingPunct="1">
+              <a:spcBef>
+                <a:spcPct val="0"/>
+              </a:spcBef>
+              <a:buNone/>
+              <a:defRPr sz="3600" kern="1200">
+                <a:solidFill>
+                  <a:schemeClr val="accent1"/>
+                </a:solidFill>
+                <a:latin typeface="+mj-lt"/>
+                <a:ea typeface="+mj-ea"/>
+                <a:cs typeface="+mj-cs"/>
+              </a:defRPr>
+            </a:lvl1pPr>
+            <a:lvl2pPr eaLnBrk="1" hangingPunct="1">
+              <a:defRPr>
+                <a:solidFill>
+                  <a:schemeClr val="tx2"/>
+                </a:solidFill>
+              </a:defRPr>
+            </a:lvl2pPr>
+            <a:lvl3pPr eaLnBrk="1" hangingPunct="1">
+              <a:defRPr>
+                <a:solidFill>
+                  <a:schemeClr val="tx2"/>
+                </a:solidFill>
+              </a:defRPr>
+            </a:lvl3pPr>
+            <a:lvl4pPr eaLnBrk="1" hangingPunct="1">
+              <a:defRPr>
+                <a:solidFill>
+                  <a:schemeClr val="tx2"/>
+                </a:solidFill>
+              </a:defRPr>
+            </a:lvl4pPr>
+            <a:lvl5pPr eaLnBrk="1" hangingPunct="1">
+              <a:defRPr>
+                <a:solidFill>
+                  <a:schemeClr val="tx2"/>
+                </a:solidFill>
+              </a:defRPr>
+            </a:lvl5pPr>
+            <a:lvl6pPr eaLnBrk="1" hangingPunct="1">
+              <a:defRPr>
+                <a:solidFill>
+                  <a:schemeClr val="tx2"/>
+                </a:solidFill>
+              </a:defRPr>
+            </a:lvl6pPr>
+            <a:lvl7pPr eaLnBrk="1" hangingPunct="1">
+              <a:defRPr>
+                <a:solidFill>
+                  <a:schemeClr val="tx2"/>
+                </a:solidFill>
+              </a:defRPr>
+            </a:lvl7pPr>
+            <a:lvl8pPr eaLnBrk="1" hangingPunct="1">
+              <a:defRPr>
+                <a:solidFill>
+                  <a:schemeClr val="tx2"/>
+                </a:solidFill>
+              </a:defRPr>
+            </a:lvl8pPr>
+            <a:lvl9pPr eaLnBrk="1" hangingPunct="1">
+              <a:defRPr>
+                <a:solidFill>
+                  <a:schemeClr val="tx2"/>
+                </a:solidFill>
+              </a:defRPr>
+            </a:lvl9pPr>
+          </a:lstStyle>
+          <a:p>
+            <a:r>
+              <a:rPr lang="pt-PT" dirty="0"/>
+              <a:t>Motivação</a:t>
+            </a:r>
+          </a:p>
+        </p:txBody>
+      </p:sp>
+    </p:spTree>
+    <p:extLst>
+      <p:ext uri="{BB962C8B-B14F-4D97-AF65-F5344CB8AC3E}">
+        <p14:creationId xmlns:p14="http://schemas.microsoft.com/office/powerpoint/2010/main" val="229223528"/>
+      </p:ext>
+    </p:extLst>
+  </p:cSld>
+  <p:clrMapOvr>
+    <a:masterClrMapping/>
+  </p:clrMapOvr>
+  <mc:AlternateContent xmlns:mc="http://schemas.openxmlformats.org/markup-compatibility/2006" xmlns:p14="http://schemas.microsoft.com/office/powerpoint/2010/main">
+    <mc:Choice Requires="p14">
+      <p:transition spd="med" p14:dur="700">
+        <p:fade/>
+      </p:transition>
+    </mc:Choice>
+    <mc:Fallback xmlns="">
+      <p:transition spd="med">
+        <p:fade/>
+      </p:transition>
+    </mc:Fallback>
+  </mc:AlternateContent>
+</p:sld>
+</file>
+
+<file path=ppt/slides/slide50.xml><?xml version="1.0" encoding="utf-8"?>
+<p:sld xmlns:a="http://schemas.openxmlformats.org/drawingml/2006/main" xmlns:r="http://schemas.openxmlformats.org/officeDocument/2006/relationships" xmlns:p="http://schemas.openxmlformats.org/presentationml/2006/main">
+  <p:cSld>
+    <p:spTree>
+      <p:nvGrpSpPr>
+        <p:cNvPr id="1" name=""/>
+        <p:cNvGrpSpPr/>
+        <p:nvPr/>
+      </p:nvGrpSpPr>
+      <p:grpSpPr>
+        <a:xfrm>
+          <a:off x="0" y="0"/>
+          <a:ext cx="0" cy="0"/>
+          <a:chOff x="0" y="0"/>
+          <a:chExt cx="0" cy="0"/>
+        </a:xfrm>
+      </p:grpSpPr>
+      <p:sp>
+        <p:nvSpPr>
           <p:cNvPr id="2" name="Title 1"/>
           <p:cNvSpPr>
             <a:spLocks noGrp="1"/>
@@ -13852,10 +13917,9 @@
           <a:lstStyle/>
           <a:p>
             <a:r>
-              <a:rPr lang="pt-PT" dirty="0" smtClean="0"/>
+              <a:rPr lang="pt-PT" dirty="0"/>
               <a:t>Mockups “Agendar Trabalho”</a:t>
             </a:r>
-            <a:endParaRPr lang="pt-PT" dirty="0"/>
           </a:p>
         </p:txBody>
       </p:sp>
@@ -13928,17 +13992,22 @@
   <p:clrMapOvr>
     <a:masterClrMapping/>
   </p:clrMapOvr>
-  <p:timing>
-    <p:tnLst>
-      <p:par>
-        <p:cTn id="1" dur="indefinite" restart="never" nodeType="tmRoot"/>
-      </p:par>
-    </p:tnLst>
-  </p:timing>
+  <mc:AlternateContent xmlns:mc="http://schemas.openxmlformats.org/markup-compatibility/2006">
+    <mc:Choice xmlns:p14="http://schemas.microsoft.com/office/powerpoint/2010/main" Requires="p14">
+      <p:transition spd="med" p14:dur="700">
+        <p:fade/>
+      </p:transition>
+    </mc:Choice>
+    <mc:Fallback>
+      <p:transition spd="med">
+        <p:fade/>
+      </p:transition>
+    </mc:Fallback>
+  </mc:AlternateContent>
 </p:sld>
 </file>
 
-<file path=ppt/slides/slide52.xml><?xml version="1.0" encoding="utf-8"?>
+<file path=ppt/slides/slide51.xml><?xml version="1.0" encoding="utf-8"?>
 <p:sld xmlns:a="http://schemas.openxmlformats.org/drawingml/2006/main" xmlns:r="http://schemas.openxmlformats.org/officeDocument/2006/relationships" xmlns:p="http://schemas.openxmlformats.org/presentationml/2006/main">
   <p:cSld>
     <p:spTree>
@@ -13976,12 +14045,8 @@
           <a:lstStyle/>
           <a:p>
             <a:r>
-              <a:rPr lang="pt-PT" dirty="0" smtClean="0"/>
-              <a:t>Mockups </a:t>
-            </a:r>
-            <a:r>
               <a:rPr lang="pt-PT" dirty="0"/>
-              <a:t>“Agendar Trabalho”</a:t>
+              <a:t>Mockups “Agendar Trabalho”</a:t>
             </a:r>
           </a:p>
         </p:txBody>
@@ -14055,17 +14120,22 @@
   <p:clrMapOvr>
     <a:masterClrMapping/>
   </p:clrMapOvr>
-  <p:timing>
-    <p:tnLst>
-      <p:par>
-        <p:cTn id="1" dur="indefinite" restart="never" nodeType="tmRoot"/>
-      </p:par>
-    </p:tnLst>
-  </p:timing>
+  <mc:AlternateContent xmlns:mc="http://schemas.openxmlformats.org/markup-compatibility/2006">
+    <mc:Choice xmlns:p14="http://schemas.microsoft.com/office/powerpoint/2010/main" Requires="p14">
+      <p:transition spd="med" p14:dur="700">
+        <p:fade/>
+      </p:transition>
+    </mc:Choice>
+    <mc:Fallback>
+      <p:transition spd="med">
+        <p:fade/>
+      </p:transition>
+    </mc:Fallback>
+  </mc:AlternateContent>
 </p:sld>
 </file>
 
-<file path=ppt/slides/slide53.xml><?xml version="1.0" encoding="utf-8"?>
+<file path=ppt/slides/slide52.xml><?xml version="1.0" encoding="utf-8"?>
 <p:sld xmlns:a="http://schemas.openxmlformats.org/drawingml/2006/main" xmlns:r="http://schemas.openxmlformats.org/officeDocument/2006/relationships" xmlns:p="http://schemas.openxmlformats.org/presentationml/2006/main">
   <p:cSld>
     <p:spTree>
@@ -14103,12 +14173,8 @@
           <a:lstStyle/>
           <a:p>
             <a:r>
-              <a:rPr lang="pt-PT" dirty="0" smtClean="0"/>
-              <a:t>Mockups </a:t>
-            </a:r>
-            <a:r>
               <a:rPr lang="pt-PT" dirty="0"/>
-              <a:t>“Agendar Trabalho”</a:t>
+              <a:t>Mockups “Agendar Trabalho”</a:t>
             </a:r>
           </a:p>
         </p:txBody>
@@ -14152,17 +14218,22 @@
   <p:clrMapOvr>
     <a:masterClrMapping/>
   </p:clrMapOvr>
-  <p:timing>
-    <p:tnLst>
-      <p:par>
-        <p:cTn id="1" dur="indefinite" restart="never" nodeType="tmRoot"/>
-      </p:par>
-    </p:tnLst>
-  </p:timing>
+  <mc:AlternateContent xmlns:mc="http://schemas.openxmlformats.org/markup-compatibility/2006">
+    <mc:Choice xmlns:p14="http://schemas.microsoft.com/office/powerpoint/2010/main" Requires="p14">
+      <p:transition spd="med" p14:dur="700">
+        <p:fade/>
+      </p:transition>
+    </mc:Choice>
+    <mc:Fallback>
+      <p:transition spd="med">
+        <p:fade/>
+      </p:transition>
+    </mc:Fallback>
+  </mc:AlternateContent>
 </p:sld>
 </file>
 
-<file path=ppt/slides/slide54.xml><?xml version="1.0" encoding="utf-8"?>
+<file path=ppt/slides/slide53.xml><?xml version="1.0" encoding="utf-8"?>
 <p:sld xmlns:a="http://schemas.openxmlformats.org/drawingml/2006/main" xmlns:r="http://schemas.openxmlformats.org/officeDocument/2006/relationships" xmlns:p="http://schemas.openxmlformats.org/presentationml/2006/main">
   <p:cSld>
     <p:spTree>
@@ -14200,10 +14271,9 @@
           <a:lstStyle/>
           <a:p>
             <a:r>
-              <a:rPr lang="pt-PT" dirty="0" smtClean="0"/>
+              <a:rPr lang="pt-PT" dirty="0"/>
               <a:t>Mockups “Área de Profissional”</a:t>
             </a:r>
-            <a:endParaRPr lang="pt-PT" dirty="0"/>
           </a:p>
         </p:txBody>
       </p:sp>
@@ -14275,17 +14345,22 @@
   <p:clrMapOvr>
     <a:masterClrMapping/>
   </p:clrMapOvr>
-  <p:timing>
-    <p:tnLst>
-      <p:par>
-        <p:cTn id="1" dur="indefinite" restart="never" nodeType="tmRoot"/>
-      </p:par>
-    </p:tnLst>
-  </p:timing>
+  <mc:AlternateContent xmlns:mc="http://schemas.openxmlformats.org/markup-compatibility/2006">
+    <mc:Choice xmlns:p14="http://schemas.microsoft.com/office/powerpoint/2010/main" Requires="p14">
+      <p:transition spd="med" p14:dur="700">
+        <p:fade/>
+      </p:transition>
+    </mc:Choice>
+    <mc:Fallback>
+      <p:transition spd="med">
+        <p:fade/>
+      </p:transition>
+    </mc:Fallback>
+  </mc:AlternateContent>
 </p:sld>
 </file>
 
-<file path=ppt/slides/slide55.xml><?xml version="1.0" encoding="utf-8"?>
+<file path=ppt/slides/slide54.xml><?xml version="1.0" encoding="utf-8"?>
 <p:sld xmlns:a="http://schemas.openxmlformats.org/drawingml/2006/main" xmlns:r="http://schemas.openxmlformats.org/officeDocument/2006/relationships" xmlns:p="http://schemas.openxmlformats.org/presentationml/2006/main">
   <p:cSld>
     <p:spTree>
@@ -14323,10 +14398,9 @@
           <a:lstStyle/>
           <a:p>
             <a:r>
-              <a:rPr lang="pt-PT" dirty="0" smtClean="0"/>
+              <a:rPr lang="pt-PT" dirty="0"/>
               <a:t>Mockups “Área de Cliente”</a:t>
             </a:r>
-            <a:endParaRPr lang="pt-PT" dirty="0"/>
           </a:p>
         </p:txBody>
       </p:sp>
@@ -14397,17 +14471,22 @@
   <p:clrMapOvr>
     <a:masterClrMapping/>
   </p:clrMapOvr>
-  <p:timing>
-    <p:tnLst>
-      <p:par>
-        <p:cTn id="1" dur="indefinite" restart="never" nodeType="tmRoot"/>
-      </p:par>
-    </p:tnLst>
-  </p:timing>
+  <mc:AlternateContent xmlns:mc="http://schemas.openxmlformats.org/markup-compatibility/2006">
+    <mc:Choice xmlns:p14="http://schemas.microsoft.com/office/powerpoint/2010/main" Requires="p14">
+      <p:transition spd="med" p14:dur="700">
+        <p:fade/>
+      </p:transition>
+    </mc:Choice>
+    <mc:Fallback>
+      <p:transition spd="med">
+        <p:fade/>
+      </p:transition>
+    </mc:Fallback>
+  </mc:AlternateContent>
 </p:sld>
 </file>
 
-<file path=ppt/slides/slide56.xml><?xml version="1.0" encoding="utf-8"?>
+<file path=ppt/slides/slide55.xml><?xml version="1.0" encoding="utf-8"?>
 <p:sld xmlns:a="http://schemas.openxmlformats.org/drawingml/2006/main" xmlns:r="http://schemas.openxmlformats.org/officeDocument/2006/relationships" xmlns:p="http://schemas.openxmlformats.org/presentationml/2006/main">
   <p:cSld>
     <p:spTree>
@@ -14891,335 +14970,10 @@
       </p:transition>
     </mc:Fallback>
   </mc:AlternateContent>
-  <p:timing>
-    <p:tnLst>
-      <p:par>
-        <p:cTn id="1" dur="indefinite" restart="never" nodeType="tmRoot"/>
-      </p:par>
-    </p:tnLst>
-  </p:timing>
 </p:sld>
 </file>
 
 <file path=ppt/slides/slide6.xml><?xml version="1.0" encoding="utf-8"?>
-<p:sld xmlns:a="http://schemas.openxmlformats.org/drawingml/2006/main" xmlns:r="http://schemas.openxmlformats.org/officeDocument/2006/relationships" xmlns:p="http://schemas.openxmlformats.org/presentationml/2006/main">
-  <p:cSld>
-    <p:spTree>
-      <p:nvGrpSpPr>
-        <p:cNvPr id="1" name=""/>
-        <p:cNvGrpSpPr/>
-        <p:nvPr/>
-      </p:nvGrpSpPr>
-      <p:grpSpPr>
-        <a:xfrm>
-          <a:off x="0" y="0"/>
-          <a:ext cx="0" cy="0"/>
-          <a:chOff x="0" y="0"/>
-          <a:chExt cx="0" cy="0"/>
-        </a:xfrm>
-      </p:grpSpPr>
-      <p:sp>
-        <p:nvSpPr>
-          <p:cNvPr id="2" name="CaixaDeTexto 1">
-            <a:extLst>
-              <a:ext uri="{FF2B5EF4-FFF2-40B4-BE49-F238E27FC236}">
-                <a16:creationId xmlns:a16="http://schemas.microsoft.com/office/drawing/2014/main" id="{5F7693A0-786B-4B06-A6F3-C9B34444D8BA}"/>
-              </a:ext>
-            </a:extLst>
-          </p:cNvPr>
-          <p:cNvSpPr txBox="1"/>
-          <p:nvPr/>
-        </p:nvSpPr>
-        <p:spPr>
-          <a:xfrm>
-            <a:off x="382920" y="1555708"/>
-            <a:ext cx="8987246" cy="3170099"/>
-          </a:xfrm>
-          <a:prstGeom prst="rect">
-            <a:avLst/>
-          </a:prstGeom>
-          <a:noFill/>
-        </p:spPr>
-        <p:txBody>
-          <a:bodyPr wrap="square" rtlCol="0">
-            <a:spAutoFit/>
-          </a:bodyPr>
-          <a:lstStyle/>
-          <a:p>
-            <a:pPr marL="342900" indent="-342900" algn="just">
-              <a:buFont typeface="Arial" panose="020B0604020202020204" pitchFamily="34" charset="0"/>
-              <a:buChar char="•"/>
-            </a:pPr>
-            <a:r>
-              <a:rPr lang="pt-PT" dirty="0"/>
-              <a:t>Dificuldade de encontrar alguém que seja </a:t>
-            </a:r>
-            <a:r>
-              <a:rPr lang="pt-PT" b="1" dirty="0">
-                <a:solidFill>
-                  <a:schemeClr val="accent2"/>
-                </a:solidFill>
-              </a:rPr>
-              <a:t>responsável</a:t>
-            </a:r>
-            <a:r>
-              <a:rPr lang="pt-PT" dirty="0"/>
-              <a:t> para tomar conta dos nossos filhos a </a:t>
-            </a:r>
-            <a:r>
-              <a:rPr lang="pt-PT" b="1" dirty="0">
-                <a:solidFill>
-                  <a:schemeClr val="accent2"/>
-                </a:solidFill>
-              </a:rPr>
-              <a:t>horas tardias</a:t>
-            </a:r>
-            <a:r>
-              <a:rPr lang="pt-PT" dirty="0"/>
-              <a:t>, ou a falta de disponibilidade dos infantários de tomar conta de crianças adoentadas;</a:t>
-            </a:r>
-          </a:p>
-          <a:p>
-            <a:pPr marL="342900" indent="-342900" algn="just">
-              <a:buFont typeface="Arial" panose="020B0604020202020204" pitchFamily="34" charset="0"/>
-              <a:buChar char="•"/>
-            </a:pPr>
-            <a:endParaRPr lang="pt-PT" dirty="0"/>
-          </a:p>
-          <a:p>
-            <a:pPr marL="342900" indent="-342900" algn="just">
-              <a:buFont typeface="Arial" panose="020B0604020202020204" pitchFamily="34" charset="0"/>
-              <a:buChar char="•"/>
-            </a:pPr>
-            <a:r>
-              <a:rPr lang="pt-PT" dirty="0"/>
-              <a:t>A </a:t>
-            </a:r>
-            <a:r>
-              <a:rPr lang="pt-PT" b="1" dirty="0">
-                <a:solidFill>
-                  <a:schemeClr val="accent2"/>
-                </a:solidFill>
-              </a:rPr>
-              <a:t>inexistência</a:t>
-            </a:r>
-            <a:r>
-              <a:rPr lang="pt-PT" dirty="0"/>
-              <a:t> de um sistema que permita a requisição de serviços de babysitting online, em Portugal;</a:t>
-            </a:r>
-          </a:p>
-          <a:p>
-            <a:pPr marL="342900" indent="-342900" algn="just">
-              <a:buFont typeface="Arial" panose="020B0604020202020204" pitchFamily="34" charset="0"/>
-              <a:buChar char="•"/>
-            </a:pPr>
-            <a:endParaRPr lang="pt-PT" dirty="0"/>
-          </a:p>
-          <a:p>
-            <a:pPr marL="342900" indent="-342900" algn="just">
-              <a:buFont typeface="Arial" panose="020B0604020202020204" pitchFamily="34" charset="0"/>
-              <a:buChar char="•"/>
-            </a:pPr>
-            <a:r>
-              <a:rPr lang="pt-PT" dirty="0"/>
-              <a:t>A maioria dos trabalhadores dos infantários Bebés &amp; Companhia possuem </a:t>
-            </a:r>
-            <a:r>
-              <a:rPr lang="pt-PT" b="1" dirty="0">
-                <a:solidFill>
-                  <a:schemeClr val="accent2"/>
-                </a:solidFill>
-              </a:rPr>
-              <a:t>idade</a:t>
-            </a:r>
-            <a:r>
-              <a:rPr lang="pt-PT" dirty="0"/>
-              <a:t> no intervalo dos </a:t>
-            </a:r>
-            <a:r>
-              <a:rPr lang="pt-PT" b="1" dirty="0">
-                <a:solidFill>
-                  <a:schemeClr val="accent2"/>
-                </a:solidFill>
-              </a:rPr>
-              <a:t>vinte aos trinta</a:t>
-            </a:r>
-            <a:r>
-              <a:rPr lang="pt-PT" dirty="0"/>
-              <a:t>. Têm mais facilidade e </a:t>
-            </a:r>
-            <a:r>
-              <a:rPr lang="pt-PT" b="1" dirty="0">
-                <a:solidFill>
-                  <a:schemeClr val="accent2"/>
-                </a:solidFill>
-              </a:rPr>
-              <a:t>disponibilidade</a:t>
-            </a:r>
-            <a:r>
-              <a:rPr lang="pt-PT" dirty="0"/>
-              <a:t> para trabalharem em </a:t>
-            </a:r>
-            <a:r>
-              <a:rPr lang="pt-PT" b="1" dirty="0">
-                <a:solidFill>
-                  <a:schemeClr val="accent2"/>
-                </a:solidFill>
-              </a:rPr>
-              <a:t>horas não tão comuns</a:t>
-            </a:r>
-            <a:r>
-              <a:rPr lang="pt-PT" dirty="0"/>
-              <a:t>;</a:t>
-            </a:r>
-          </a:p>
-          <a:p>
-            <a:pPr marL="342900" indent="-342900" algn="just">
-              <a:buFont typeface="Arial" panose="020B0604020202020204" pitchFamily="34" charset="0"/>
-              <a:buChar char="•"/>
-            </a:pPr>
-            <a:endParaRPr lang="pt-PT" sz="2000" dirty="0"/>
-          </a:p>
-        </p:txBody>
-      </p:sp>
-      <p:sp>
-        <p:nvSpPr>
-          <p:cNvPr id="3" name="Título 1">
-            <a:extLst>
-              <a:ext uri="{FF2B5EF4-FFF2-40B4-BE49-F238E27FC236}">
-                <a16:creationId xmlns:a16="http://schemas.microsoft.com/office/drawing/2014/main" id="{BA983806-5ACF-436A-BC02-C3E78778BFFE}"/>
-              </a:ext>
-            </a:extLst>
-          </p:cNvPr>
-          <p:cNvSpPr txBox="1">
-            <a:spLocks/>
-          </p:cNvSpPr>
-          <p:nvPr/>
-        </p:nvSpPr>
-        <p:spPr>
-          <a:xfrm>
-            <a:off x="283968" y="234908"/>
-            <a:ext cx="8596668" cy="1320800"/>
-          </a:xfrm>
-          <a:prstGeom prst="rect">
-            <a:avLst/>
-          </a:prstGeom>
-        </p:spPr>
-        <p:txBody>
-          <a:bodyPr/>
-          <a:lstStyle>
-            <a:lvl1pPr algn="l" defTabSz="457200" rtl="0" eaLnBrk="1" latinLnBrk="0" hangingPunct="1">
-              <a:spcBef>
-                <a:spcPct val="0"/>
-              </a:spcBef>
-              <a:buNone/>
-              <a:defRPr sz="3600" kern="1200">
-                <a:solidFill>
-                  <a:schemeClr val="accent1"/>
-                </a:solidFill>
-                <a:latin typeface="+mj-lt"/>
-                <a:ea typeface="+mj-ea"/>
-                <a:cs typeface="+mj-cs"/>
-              </a:defRPr>
-            </a:lvl1pPr>
-            <a:lvl2pPr eaLnBrk="1" hangingPunct="1">
-              <a:defRPr>
-                <a:solidFill>
-                  <a:schemeClr val="tx2"/>
-                </a:solidFill>
-              </a:defRPr>
-            </a:lvl2pPr>
-            <a:lvl3pPr eaLnBrk="1" hangingPunct="1">
-              <a:defRPr>
-                <a:solidFill>
-                  <a:schemeClr val="tx2"/>
-                </a:solidFill>
-              </a:defRPr>
-            </a:lvl3pPr>
-            <a:lvl4pPr eaLnBrk="1" hangingPunct="1">
-              <a:defRPr>
-                <a:solidFill>
-                  <a:schemeClr val="tx2"/>
-                </a:solidFill>
-              </a:defRPr>
-            </a:lvl4pPr>
-            <a:lvl5pPr eaLnBrk="1" hangingPunct="1">
-              <a:defRPr>
-                <a:solidFill>
-                  <a:schemeClr val="tx2"/>
-                </a:solidFill>
-              </a:defRPr>
-            </a:lvl5pPr>
-            <a:lvl6pPr eaLnBrk="1" hangingPunct="1">
-              <a:defRPr>
-                <a:solidFill>
-                  <a:schemeClr val="tx2"/>
-                </a:solidFill>
-              </a:defRPr>
-            </a:lvl6pPr>
-            <a:lvl7pPr eaLnBrk="1" hangingPunct="1">
-              <a:defRPr>
-                <a:solidFill>
-                  <a:schemeClr val="tx2"/>
-                </a:solidFill>
-              </a:defRPr>
-            </a:lvl7pPr>
-            <a:lvl8pPr eaLnBrk="1" hangingPunct="1">
-              <a:defRPr>
-                <a:solidFill>
-                  <a:schemeClr val="tx2"/>
-                </a:solidFill>
-              </a:defRPr>
-            </a:lvl8pPr>
-            <a:lvl9pPr eaLnBrk="1" hangingPunct="1">
-              <a:defRPr>
-                <a:solidFill>
-                  <a:schemeClr val="tx2"/>
-                </a:solidFill>
-              </a:defRPr>
-            </a:lvl9pPr>
-          </a:lstStyle>
-          <a:p>
-            <a:r>
-              <a:rPr lang="pt-PT" dirty="0"/>
-              <a:t>Motivação</a:t>
-            </a:r>
-          </a:p>
-        </p:txBody>
-      </p:sp>
-    </p:spTree>
-    <p:extLst>
-      <p:ext uri="{BB962C8B-B14F-4D97-AF65-F5344CB8AC3E}">
-        <p14:creationId xmlns:p14="http://schemas.microsoft.com/office/powerpoint/2010/main" val="229223528"/>
-      </p:ext>
-    </p:extLst>
-  </p:cSld>
-  <p:clrMapOvr>
-    <a:masterClrMapping/>
-  </p:clrMapOvr>
-  <mc:AlternateContent xmlns:mc="http://schemas.openxmlformats.org/markup-compatibility/2006" xmlns:p14="http://schemas.microsoft.com/office/powerpoint/2010/main">
-    <mc:Choice Requires="p14">
-      <p:transition spd="med" p14:dur="700">
-        <p:fade/>
-      </p:transition>
-    </mc:Choice>
-    <mc:Fallback xmlns="">
-      <p:transition spd="med">
-        <p:fade/>
-      </p:transition>
-    </mc:Fallback>
-  </mc:AlternateContent>
-  <p:timing>
-    <p:tnLst>
-      <p:par>
-        <p:cTn id="1" dur="indefinite" restart="never" nodeType="tmRoot"/>
-      </p:par>
-    </p:tnLst>
-  </p:timing>
-</p:sld>
-</file>
-
-<file path=ppt/slides/slide7.xml><?xml version="1.0" encoding="utf-8"?>
 <p:sld xmlns:a="http://schemas.openxmlformats.org/drawingml/2006/main" xmlns:r="http://schemas.openxmlformats.org/officeDocument/2006/relationships" xmlns:p="http://schemas.openxmlformats.org/presentationml/2006/main">
   <p:cSld>
     <p:spTree>
@@ -15501,17 +15255,10 @@
       </p:transition>
     </mc:Fallback>
   </mc:AlternateContent>
-  <p:timing>
-    <p:tnLst>
-      <p:par>
-        <p:cTn id="1" dur="indefinite" restart="never" nodeType="tmRoot"/>
-      </p:par>
-    </p:tnLst>
-  </p:timing>
 </p:sld>
 </file>
 
-<file path=ppt/slides/slide8.xml><?xml version="1.0" encoding="utf-8"?>
+<file path=ppt/slides/slide7.xml><?xml version="1.0" encoding="utf-8"?>
 <p:sld xmlns:a="http://schemas.openxmlformats.org/drawingml/2006/main" xmlns:r="http://schemas.openxmlformats.org/officeDocument/2006/relationships" xmlns:p="http://schemas.openxmlformats.org/presentationml/2006/main">
   <p:cSld>
     <p:spTree>
@@ -15851,17 +15598,10 @@
       </p:transition>
     </mc:Fallback>
   </mc:AlternateContent>
-  <p:timing>
-    <p:tnLst>
-      <p:par>
-        <p:cTn id="1" dur="indefinite" restart="never" nodeType="tmRoot"/>
-      </p:par>
-    </p:tnLst>
-  </p:timing>
 </p:sld>
 </file>
 
-<file path=ppt/slides/slide9.xml><?xml version="1.0" encoding="utf-8"?>
+<file path=ppt/slides/slide8.xml><?xml version="1.0" encoding="utf-8"?>
 <p:sld xmlns:a="http://schemas.openxmlformats.org/drawingml/2006/main" xmlns:r="http://schemas.openxmlformats.org/officeDocument/2006/relationships" xmlns:p="http://schemas.openxmlformats.org/presentationml/2006/main">
   <p:cSld>
     <p:spTree>
@@ -16005,7 +15745,7 @@
         </p:nvGraphicFramePr>
         <p:xfrm>
           <a:off x="1117490" y="1945259"/>
-          <a:ext cx="7130040" cy="3385112"/>
+          <a:ext cx="7130040" cy="3298320"/>
         </p:xfrm>
         <a:graphic>
           <a:graphicData uri="http://schemas.openxmlformats.org/drawingml/2006/table">
@@ -16676,13 +16416,198 @@
       </p:transition>
     </mc:Fallback>
   </mc:AlternateContent>
-  <p:timing>
-    <p:tnLst>
-      <p:par>
-        <p:cTn id="1" dur="indefinite" restart="never" nodeType="tmRoot"/>
-      </p:par>
-    </p:tnLst>
-  </p:timing>
+</p:sld>
+</file>
+
+<file path=ppt/slides/slide9.xml><?xml version="1.0" encoding="utf-8"?>
+<p:sld xmlns:a="http://schemas.openxmlformats.org/drawingml/2006/main" xmlns:r="http://schemas.openxmlformats.org/officeDocument/2006/relationships" xmlns:p="http://schemas.openxmlformats.org/presentationml/2006/main">
+  <p:cSld>
+    <p:spTree>
+      <p:nvGrpSpPr>
+        <p:cNvPr id="1" name=""/>
+        <p:cNvGrpSpPr/>
+        <p:nvPr/>
+      </p:nvGrpSpPr>
+      <p:grpSpPr>
+        <a:xfrm>
+          <a:off x="0" y="0"/>
+          <a:ext cx="0" cy="0"/>
+          <a:chOff x="0" y="0"/>
+          <a:chExt cx="0" cy="0"/>
+        </a:xfrm>
+      </p:grpSpPr>
+      <p:sp>
+        <p:nvSpPr>
+          <p:cNvPr id="2" name="Title 1"/>
+          <p:cNvSpPr>
+            <a:spLocks noGrp="1"/>
+          </p:cNvSpPr>
+          <p:nvPr>
+            <p:ph type="title"/>
+          </p:nvPr>
+        </p:nvSpPr>
+        <p:spPr>
+          <a:xfrm>
+            <a:off x="677334" y="352484"/>
+            <a:ext cx="5327226" cy="1278466"/>
+          </a:xfrm>
+        </p:spPr>
+        <p:txBody>
+          <a:bodyPr>
+            <a:noAutofit/>
+          </a:bodyPr>
+          <a:lstStyle/>
+          <a:p>
+            <a:r>
+              <a:rPr lang="pt-PT" sz="4000" dirty="0"/>
+              <a:t>Logótipo melhorado</a:t>
+            </a:r>
+          </a:p>
+        </p:txBody>
+      </p:sp>
+      <p:sp>
+        <p:nvSpPr>
+          <p:cNvPr id="5" name="Text Placeholder 4"/>
+          <p:cNvSpPr>
+            <a:spLocks noGrp="1"/>
+          </p:cNvSpPr>
+          <p:nvPr>
+            <p:ph type="body" sz="half" idx="2"/>
+          </p:nvPr>
+        </p:nvSpPr>
+        <p:spPr>
+          <a:xfrm>
+            <a:off x="677334" y="2182154"/>
+            <a:ext cx="6759786" cy="2024423"/>
+          </a:xfrm>
+        </p:spPr>
+        <p:txBody>
+          <a:bodyPr>
+            <a:normAutofit/>
+          </a:bodyPr>
+          <a:lstStyle/>
+          <a:p>
+            <a:pPr marL="285750" indent="-285750">
+              <a:buFont typeface="Arial" panose="020B0604020202020204" pitchFamily="34" charset="0"/>
+              <a:buChar char="•"/>
+            </a:pPr>
+            <a:r>
+              <a:rPr lang="pt-PT" sz="2800" dirty="0"/>
+              <a:t>Transmite mais profissionalismo</a:t>
+            </a:r>
+          </a:p>
+          <a:p>
+            <a:pPr marL="285750" indent="-285750">
+              <a:buFont typeface="Arial" panose="020B0604020202020204" pitchFamily="34" charset="0"/>
+              <a:buChar char="•"/>
+            </a:pPr>
+            <a:r>
+              <a:rPr lang="pt-PT" sz="2800" dirty="0"/>
+              <a:t>É feito para os pais, não para os bebés</a:t>
+            </a:r>
+          </a:p>
+          <a:p>
+            <a:pPr marL="285750" indent="-285750">
+              <a:buFont typeface="Arial" panose="020B0604020202020204" pitchFamily="34" charset="0"/>
+              <a:buChar char="•"/>
+            </a:pPr>
+            <a:r>
+              <a:rPr lang="pt-PT" sz="2800" i="1" dirty="0"/>
+              <a:t>Look</a:t>
+            </a:r>
+            <a:r>
+              <a:rPr lang="pt-PT" sz="2800" dirty="0"/>
+              <a:t> moderno e </a:t>
+            </a:r>
+            <a:r>
+              <a:rPr lang="pt-PT" sz="2800" i="1" dirty="0"/>
+              <a:t>clean</a:t>
+            </a:r>
+          </a:p>
+        </p:txBody>
+      </p:sp>
+      <p:sp>
+        <p:nvSpPr>
+          <p:cNvPr id="7" name="TextBox 6"/>
+          <p:cNvSpPr txBox="1"/>
+          <p:nvPr/>
+        </p:nvSpPr>
+        <p:spPr>
+          <a:xfrm>
+            <a:off x="677334" y="4452644"/>
+            <a:ext cx="7397329" cy="1190437"/>
+          </a:xfrm>
+          <a:prstGeom prst="rect">
+            <a:avLst/>
+          </a:prstGeom>
+          <a:solidFill>
+            <a:schemeClr val="tx2">
+              <a:lumMod val="60000"/>
+              <a:lumOff val="40000"/>
+            </a:schemeClr>
+          </a:solidFill>
+        </p:spPr>
+        <p:txBody>
+          <a:bodyPr wrap="square" rtlCol="0">
+            <a:spAutoFit/>
+          </a:bodyPr>
+          <a:lstStyle/>
+          <a:p>
+            <a:endParaRPr lang="pt-PT" dirty="0"/>
+          </a:p>
+        </p:txBody>
+      </p:sp>
+      <p:pic>
+        <p:nvPicPr>
+          <p:cNvPr id="6" name="Content Placeholder 5"/>
+          <p:cNvPicPr>
+            <a:picLocks noGrp="1" noChangeAspect="1"/>
+          </p:cNvPicPr>
+          <p:nvPr>
+            <p:ph idx="1"/>
+          </p:nvPr>
+        </p:nvPicPr>
+        <p:blipFill>
+          <a:blip r:embed="rId2">
+            <a:extLst>
+              <a:ext uri="{28A0092B-C50C-407E-A947-70E740481C1C}">
+                <a14:useLocalDpi xmlns:a14="http://schemas.microsoft.com/office/drawing/2010/main" val="0"/>
+              </a:ext>
+            </a:extLst>
+          </a:blip>
+          <a:stretch>
+            <a:fillRect/>
+          </a:stretch>
+        </p:blipFill>
+        <p:spPr>
+          <a:xfrm>
+            <a:off x="677334" y="4452981"/>
+            <a:ext cx="7397329" cy="1190437"/>
+          </a:xfrm>
+        </p:spPr>
+      </p:pic>
+    </p:spTree>
+    <p:extLst>
+      <p:ext uri="{BB962C8B-B14F-4D97-AF65-F5344CB8AC3E}">
+        <p14:creationId xmlns:p14="http://schemas.microsoft.com/office/powerpoint/2010/main" val="1154395365"/>
+      </p:ext>
+    </p:extLst>
+  </p:cSld>
+  <p:clrMapOvr>
+    <a:masterClrMapping/>
+  </p:clrMapOvr>
+  <mc:AlternateContent xmlns:mc="http://schemas.openxmlformats.org/markup-compatibility/2006">
+    <mc:Choice xmlns:p14="http://schemas.microsoft.com/office/powerpoint/2010/main" Requires="p14">
+      <p:transition spd="med" p14:dur="700">
+        <p:fade/>
+      </p:transition>
+    </mc:Choice>
+    <mc:Fallback>
+      <p:transition spd="med">
+        <p:fade/>
+      </p:transition>
+    </mc:Fallback>
+  </mc:AlternateContent>
 </p:sld>
 </file>
 

--- a/relatorio/Fase 2/LI4.pptx
+++ b/relatorio/Fase 2/LI4.pptx
@@ -251,7 +251,7 @@
           <a:p>
             <a:fld id="{FC77EE40-E473-4F3B-ABB7-4026700F0D66}" type="datetimeFigureOut">
               <a:rPr lang="pt-PT" smtClean="0"/>
-              <a:t>24/04/2018</a:t>
+              <a:t>24-04-2018</a:t>
             </a:fld>
             <a:endParaRPr lang="pt-PT" dirty="0"/>
           </a:p>
@@ -409,7 +409,7 @@
           <a:p>
             <a:fld id="{F2D13AFA-C489-4F08-BBC3-E69A09335FB4}" type="slidenum">
               <a:rPr lang="pt-PT" smtClean="0"/>
-              <a:t>‹nº›</a:t>
+              <a:t>‹#›</a:t>
             </a:fld>
             <a:endParaRPr lang="pt-PT" dirty="0"/>
           </a:p>
@@ -1452,7 +1452,7 @@
             <a:fld id="{D57F1E4F-1CFF-5643-939E-217C01CDF565}" type="slidenum">
               <a:rPr lang="en-US" dirty="0"/>
               <a:pPr/>
-              <a:t>‹nº›</a:t>
+              <a:t>‹#›</a:t>
             </a:fld>
             <a:endParaRPr lang="en-US" dirty="0"/>
           </a:p>
@@ -1700,7 +1700,7 @@
             <a:fld id="{D57F1E4F-1CFF-5643-939E-217C01CDF565}" type="slidenum">
               <a:rPr lang="en-US" dirty="0"/>
               <a:pPr/>
-              <a:t>‹nº›</a:t>
+              <a:t>‹#›</a:t>
             </a:fld>
             <a:endParaRPr lang="en-US" dirty="0"/>
           </a:p>
@@ -2011,7 +2011,7 @@
             <a:fld id="{D57F1E4F-1CFF-5643-939E-217C01CDF565}" type="slidenum">
               <a:rPr lang="en-US" dirty="0"/>
               <a:pPr/>
-              <a:t>‹nº›</a:t>
+              <a:t>‹#›</a:t>
             </a:fld>
             <a:endParaRPr lang="en-US" dirty="0"/>
           </a:p>
@@ -2349,7 +2349,7 @@
             <a:fld id="{D57F1E4F-1CFF-5643-939E-217C01CDF565}" type="slidenum">
               <a:rPr lang="en-US" dirty="0"/>
               <a:pPr/>
-              <a:t>‹nº›</a:t>
+              <a:t>‹#›</a:t>
             </a:fld>
             <a:endParaRPr lang="en-US" dirty="0"/>
           </a:p>
@@ -2660,7 +2660,7 @@
             <a:fld id="{D57F1E4F-1CFF-5643-939E-217C01CDF565}" type="slidenum">
               <a:rPr lang="en-US" dirty="0"/>
               <a:pPr/>
-              <a:t>‹nº›</a:t>
+              <a:t>‹#›</a:t>
             </a:fld>
             <a:endParaRPr lang="en-US" dirty="0"/>
           </a:p>
@@ -3050,7 +3050,7 @@
             <a:fld id="{D57F1E4F-1CFF-5643-939E-217C01CDF565}" type="slidenum">
               <a:rPr lang="en-US" dirty="0"/>
               <a:pPr/>
-              <a:t>‹nº›</a:t>
+              <a:t>‹#›</a:t>
             </a:fld>
             <a:endParaRPr lang="en-US" dirty="0"/>
           </a:p>
@@ -3215,7 +3215,7 @@
           <a:p>
             <a:fld id="{89333C77-0158-454C-844F-B7AB9BD7DAD4}" type="slidenum">
               <a:rPr lang="en-US" dirty="0"/>
-              <a:t>‹nº›</a:t>
+              <a:t>‹#›</a:t>
             </a:fld>
             <a:endParaRPr lang="en-US" dirty="0"/>
           </a:p>
@@ -3392,7 +3392,7 @@
             <a:fld id="{D57F1E4F-1CFF-5643-939E-217C01CDF565}" type="slidenum">
               <a:rPr lang="en-US" dirty="0"/>
               <a:pPr/>
-              <a:t>‹nº›</a:t>
+              <a:t>‹#›</a:t>
             </a:fld>
             <a:endParaRPr lang="en-US" dirty="0"/>
           </a:p>
@@ -3565,7 +3565,7 @@
             <a:fld id="{D57F1E4F-1CFF-5643-939E-217C01CDF565}" type="slidenum">
               <a:rPr lang="en-US" dirty="0"/>
               <a:pPr/>
-              <a:t>‹nº›</a:t>
+              <a:t>‹#›</a:t>
             </a:fld>
             <a:endParaRPr lang="en-US" dirty="0"/>
           </a:p>
@@ -3809,7 +3809,7 @@
             <a:fld id="{D57F1E4F-1CFF-5643-939E-217C01CDF565}" type="slidenum">
               <a:rPr lang="en-US" dirty="0"/>
               <a:pPr/>
-              <a:t>‹nº›</a:t>
+              <a:t>‹#›</a:t>
             </a:fld>
             <a:endParaRPr lang="en-US" dirty="0"/>
           </a:p>
@@ -4036,7 +4036,7 @@
           <a:p>
             <a:fld id="{6FF9F0C5-380F-41C2-899A-BAC0F0927E16}" type="slidenum">
               <a:rPr lang="en-US" dirty="0"/>
-              <a:t>‹nº›</a:t>
+              <a:t>‹#›</a:t>
             </a:fld>
             <a:endParaRPr lang="en-US" dirty="0"/>
           </a:p>
@@ -4407,7 +4407,7 @@
             <a:fld id="{D57F1E4F-1CFF-5643-939E-217C01CDF565}" type="slidenum">
               <a:rPr lang="en-US" dirty="0"/>
               <a:pPr/>
-              <a:t>‹nº›</a:t>
+              <a:t>‹#›</a:t>
             </a:fld>
             <a:endParaRPr lang="en-US" dirty="0"/>
           </a:p>
@@ -4527,7 +4527,7 @@
             <a:fld id="{D57F1E4F-1CFF-5643-939E-217C01CDF565}" type="slidenum">
               <a:rPr lang="en-US" dirty="0"/>
               <a:pPr/>
-              <a:t>‹nº›</a:t>
+              <a:t>‹#›</a:t>
             </a:fld>
             <a:endParaRPr lang="en-US" dirty="0"/>
           </a:p>
@@ -4619,7 +4619,7 @@
             <a:fld id="{D57F1E4F-1CFF-5643-939E-217C01CDF565}" type="slidenum">
               <a:rPr lang="en-US" dirty="0"/>
               <a:pPr/>
-              <a:t>‹nº›</a:t>
+              <a:t>‹#›</a:t>
             </a:fld>
             <a:endParaRPr lang="en-US" dirty="0"/>
           </a:p>
@@ -4869,7 +4869,7 @@
           <a:p>
             <a:fld id="{519954A3-9DFD-4C44-94BA-B95130A3BA1C}" type="slidenum">
               <a:rPr lang="en-US" dirty="0"/>
-              <a:t>‹nº›</a:t>
+              <a:t>‹#›</a:t>
             </a:fld>
             <a:endParaRPr lang="en-US" dirty="0"/>
           </a:p>
@@ -5129,7 +5129,7 @@
             <a:fld id="{D57F1E4F-1CFF-5643-939E-217C01CDF565}" type="slidenum">
               <a:rPr lang="en-US" dirty="0"/>
               <a:pPr/>
-              <a:t>‹nº›</a:t>
+              <a:t>‹#›</a:t>
             </a:fld>
             <a:endParaRPr lang="en-US" dirty="0"/>
           </a:p>
@@ -5903,7 +5903,7 @@
             <a:fld id="{D57F1E4F-1CFF-5643-939E-217C01CDF565}" type="slidenum">
               <a:rPr lang="en-US" dirty="0"/>
               <a:pPr/>
-              <a:t>‹nº›</a:t>
+              <a:t>‹#›</a:t>
             </a:fld>
             <a:endParaRPr lang="en-US" dirty="0"/>
           </a:p>
@@ -6809,6 +6809,13 @@
       </p:transition>
     </mc:Fallback>
   </mc:AlternateContent>
+  <p:timing>
+    <p:tnLst>
+      <p:par>
+        <p:cTn id="1" dur="indefinite" restart="never" nodeType="tmRoot"/>
+      </p:par>
+    </p:tnLst>
+  </p:timing>
 </p:sld>
 </file>
 
@@ -7155,6 +7162,13 @@
       </p:transition>
     </mc:Fallback>
   </mc:AlternateContent>
+  <p:timing>
+    <p:tnLst>
+      <p:par>
+        <p:cTn id="1" dur="indefinite" restart="never" nodeType="tmRoot"/>
+      </p:par>
+    </p:tnLst>
+  </p:timing>
 </p:sld>
 </file>
 
@@ -7456,6 +7470,13 @@
       </p:transition>
     </mc:Fallback>
   </mc:AlternateContent>
+  <p:timing>
+    <p:tnLst>
+      <p:par>
+        <p:cTn id="1" dur="indefinite" restart="never" nodeType="tmRoot"/>
+      </p:par>
+    </p:tnLst>
+  </p:timing>
 </p:sld>
 </file>
 
@@ -7974,6 +7995,13 @@
       </p:transition>
     </mc:Fallback>
   </mc:AlternateContent>
+  <p:timing>
+    <p:tnLst>
+      <p:par>
+        <p:cTn id="1" dur="indefinite" restart="never" nodeType="tmRoot"/>
+      </p:par>
+    </p:tnLst>
+  </p:timing>
 </p:sld>
 </file>
 
@@ -8386,6 +8414,13 @@
       </p:transition>
     </mc:Fallback>
   </mc:AlternateContent>
+  <p:timing>
+    <p:tnLst>
+      <p:par>
+        <p:cTn id="1" dur="indefinite" restart="never" nodeType="tmRoot"/>
+      </p:par>
+    </p:tnLst>
+  </p:timing>
 </p:sld>
 </file>
 
@@ -8604,6 +8639,13 @@
       </p:transition>
     </mc:Fallback>
   </mc:AlternateContent>
+  <p:timing>
+    <p:tnLst>
+      <p:par>
+        <p:cTn id="1" dur="indefinite" restart="never" nodeType="tmRoot"/>
+      </p:par>
+    </p:tnLst>
+  </p:timing>
 </p:sld>
 </file>
 
@@ -8853,18 +8895,25 @@
   <p:clrMapOvr>
     <a:masterClrMapping/>
   </p:clrMapOvr>
-  <mc:AlternateContent xmlns:mc="http://schemas.openxmlformats.org/markup-compatibility/2006">
-    <mc:Choice xmlns:p14="http://schemas.microsoft.com/office/powerpoint/2010/main" Requires="p14">
+  <mc:AlternateContent xmlns:mc="http://schemas.openxmlformats.org/markup-compatibility/2006" xmlns:p14="http://schemas.microsoft.com/office/powerpoint/2010/main">
+    <mc:Choice Requires="p14">
       <p:transition spd="med" p14:dur="700">
         <p:fade/>
       </p:transition>
     </mc:Choice>
-    <mc:Fallback>
+    <mc:Fallback xmlns="">
       <p:transition spd="med">
         <p:fade/>
       </p:transition>
     </mc:Fallback>
   </mc:AlternateContent>
+  <p:timing>
+    <p:tnLst>
+      <p:par>
+        <p:cTn id="1" dur="indefinite" restart="never" nodeType="tmRoot"/>
+      </p:par>
+    </p:tnLst>
+  </p:timing>
 </p:sld>
 </file>
 
@@ -9035,18 +9084,25 @@
   <p:clrMapOvr>
     <a:masterClrMapping/>
   </p:clrMapOvr>
-  <mc:AlternateContent xmlns:mc="http://schemas.openxmlformats.org/markup-compatibility/2006">
-    <mc:Choice xmlns:p14="http://schemas.microsoft.com/office/powerpoint/2010/main" Requires="p14">
+  <mc:AlternateContent xmlns:mc="http://schemas.openxmlformats.org/markup-compatibility/2006" xmlns:p14="http://schemas.microsoft.com/office/powerpoint/2010/main">
+    <mc:Choice Requires="p14">
       <p:transition spd="med" p14:dur="700">
         <p:fade/>
       </p:transition>
     </mc:Choice>
-    <mc:Fallback>
+    <mc:Fallback xmlns="">
       <p:transition spd="med">
         <p:fade/>
       </p:transition>
     </mc:Fallback>
   </mc:AlternateContent>
+  <p:timing>
+    <p:tnLst>
+      <p:par>
+        <p:cTn id="1" dur="indefinite" restart="never" nodeType="tmRoot"/>
+      </p:par>
+    </p:tnLst>
+  </p:timing>
 </p:sld>
 </file>
 
@@ -9253,18 +9309,25 @@
   <p:clrMapOvr>
     <a:masterClrMapping/>
   </p:clrMapOvr>
-  <mc:AlternateContent xmlns:mc="http://schemas.openxmlformats.org/markup-compatibility/2006">
-    <mc:Choice xmlns:p14="http://schemas.microsoft.com/office/powerpoint/2010/main" Requires="p14">
+  <mc:AlternateContent xmlns:mc="http://schemas.openxmlformats.org/markup-compatibility/2006" xmlns:p14="http://schemas.microsoft.com/office/powerpoint/2010/main">
+    <mc:Choice Requires="p14">
       <p:transition spd="med" p14:dur="700">
         <p:fade/>
       </p:transition>
     </mc:Choice>
-    <mc:Fallback>
+    <mc:Fallback xmlns="">
       <p:transition spd="med">
         <p:fade/>
       </p:transition>
     </mc:Fallback>
   </mc:AlternateContent>
+  <p:timing>
+    <p:tnLst>
+      <p:par>
+        <p:cTn id="1" dur="indefinite" restart="never" nodeType="tmRoot"/>
+      </p:par>
+    </p:tnLst>
+  </p:timing>
 </p:sld>
 </file>
 
@@ -9644,6 +9707,13 @@
       </p:transition>
     </mc:Fallback>
   </mc:AlternateContent>
+  <p:timing>
+    <p:tnLst>
+      <p:par>
+        <p:cTn id="1" dur="indefinite" restart="never" nodeType="tmRoot"/>
+      </p:par>
+    </p:tnLst>
+  </p:timing>
 </p:sld>
 </file>
 
@@ -9718,18 +9788,25 @@
   <p:clrMapOvr>
     <a:masterClrMapping/>
   </p:clrMapOvr>
-  <mc:AlternateContent xmlns:mc="http://schemas.openxmlformats.org/markup-compatibility/2006">
-    <mc:Choice xmlns:p14="http://schemas.microsoft.com/office/powerpoint/2010/main" Requires="p14">
+  <mc:AlternateContent xmlns:mc="http://schemas.openxmlformats.org/markup-compatibility/2006" xmlns:p14="http://schemas.microsoft.com/office/powerpoint/2010/main">
+    <mc:Choice Requires="p14">
       <p:transition spd="med" p14:dur="700">
         <p:fade/>
       </p:transition>
     </mc:Choice>
-    <mc:Fallback>
+    <mc:Fallback xmlns="">
       <p:transition spd="med">
         <p:fade/>
       </p:transition>
     </mc:Fallback>
   </mc:AlternateContent>
+  <p:timing>
+    <p:tnLst>
+      <p:par>
+        <p:cTn id="1" dur="indefinite" restart="never" nodeType="tmRoot"/>
+      </p:par>
+    </p:tnLst>
+  </p:timing>
 </p:sld>
 </file>
 
@@ -9804,18 +9881,25 @@
   <p:clrMapOvr>
     <a:masterClrMapping/>
   </p:clrMapOvr>
-  <mc:AlternateContent xmlns:mc="http://schemas.openxmlformats.org/markup-compatibility/2006">
-    <mc:Choice xmlns:p14="http://schemas.microsoft.com/office/powerpoint/2010/main" Requires="p14">
+  <mc:AlternateContent xmlns:mc="http://schemas.openxmlformats.org/markup-compatibility/2006" xmlns:p14="http://schemas.microsoft.com/office/powerpoint/2010/main">
+    <mc:Choice Requires="p14">
       <p:transition spd="med" p14:dur="700">
         <p:fade/>
       </p:transition>
     </mc:Choice>
-    <mc:Fallback>
+    <mc:Fallback xmlns="">
       <p:transition spd="med">
         <p:fade/>
       </p:transition>
     </mc:Fallback>
   </mc:AlternateContent>
+  <p:timing>
+    <p:tnLst>
+      <p:par>
+        <p:cTn id="1" dur="indefinite" restart="never" nodeType="tmRoot"/>
+      </p:par>
+    </p:tnLst>
+  </p:timing>
 </p:sld>
 </file>
 
@@ -9892,18 +9976,25 @@
   <p:clrMapOvr>
     <a:masterClrMapping/>
   </p:clrMapOvr>
-  <mc:AlternateContent xmlns:mc="http://schemas.openxmlformats.org/markup-compatibility/2006">
-    <mc:Choice xmlns:p14="http://schemas.microsoft.com/office/powerpoint/2010/main" Requires="p14">
+  <mc:AlternateContent xmlns:mc="http://schemas.openxmlformats.org/markup-compatibility/2006" xmlns:p14="http://schemas.microsoft.com/office/powerpoint/2010/main">
+    <mc:Choice Requires="p14">
       <p:transition spd="med" p14:dur="700">
         <p:fade/>
       </p:transition>
     </mc:Choice>
-    <mc:Fallback>
+    <mc:Fallback xmlns="">
       <p:transition spd="med">
         <p:fade/>
       </p:transition>
     </mc:Fallback>
   </mc:AlternateContent>
+  <p:timing>
+    <p:tnLst>
+      <p:par>
+        <p:cTn id="1" dur="indefinite" restart="never" nodeType="tmRoot"/>
+      </p:par>
+    </p:tnLst>
+  </p:timing>
 </p:sld>
 </file>
 
@@ -9980,18 +10071,25 @@
   <p:clrMapOvr>
     <a:masterClrMapping/>
   </p:clrMapOvr>
-  <mc:AlternateContent xmlns:mc="http://schemas.openxmlformats.org/markup-compatibility/2006">
-    <mc:Choice xmlns:p14="http://schemas.microsoft.com/office/powerpoint/2010/main" Requires="p14">
+  <mc:AlternateContent xmlns:mc="http://schemas.openxmlformats.org/markup-compatibility/2006" xmlns:p14="http://schemas.microsoft.com/office/powerpoint/2010/main">
+    <mc:Choice Requires="p14">
       <p:transition spd="med" p14:dur="700">
         <p:fade/>
       </p:transition>
     </mc:Choice>
-    <mc:Fallback>
+    <mc:Fallback xmlns="">
       <p:transition spd="med">
         <p:fade/>
       </p:transition>
     </mc:Fallback>
   </mc:AlternateContent>
+  <p:timing>
+    <p:tnLst>
+      <p:par>
+        <p:cTn id="1" dur="indefinite" restart="never" nodeType="tmRoot"/>
+      </p:par>
+    </p:tnLst>
+  </p:timing>
 </p:sld>
 </file>
 
@@ -10067,18 +10165,25 @@
   <p:clrMapOvr>
     <a:masterClrMapping/>
   </p:clrMapOvr>
-  <mc:AlternateContent xmlns:mc="http://schemas.openxmlformats.org/markup-compatibility/2006">
-    <mc:Choice xmlns:p14="http://schemas.microsoft.com/office/powerpoint/2010/main" Requires="p14">
+  <mc:AlternateContent xmlns:mc="http://schemas.openxmlformats.org/markup-compatibility/2006" xmlns:p14="http://schemas.microsoft.com/office/powerpoint/2010/main">
+    <mc:Choice Requires="p14">
       <p:transition spd="med" p14:dur="700">
         <p:fade/>
       </p:transition>
     </mc:Choice>
-    <mc:Fallback>
+    <mc:Fallback xmlns="">
       <p:transition spd="med">
         <p:fade/>
       </p:transition>
     </mc:Fallback>
   </mc:AlternateContent>
+  <p:timing>
+    <p:tnLst>
+      <p:par>
+        <p:cTn id="1" dur="indefinite" restart="never" nodeType="tmRoot"/>
+      </p:par>
+    </p:tnLst>
+  </p:timing>
 </p:sld>
 </file>
 
@@ -10154,18 +10259,25 @@
   <p:clrMapOvr>
     <a:masterClrMapping/>
   </p:clrMapOvr>
-  <mc:AlternateContent xmlns:mc="http://schemas.openxmlformats.org/markup-compatibility/2006">
-    <mc:Choice xmlns:p14="http://schemas.microsoft.com/office/powerpoint/2010/main" Requires="p14">
+  <mc:AlternateContent xmlns:mc="http://schemas.openxmlformats.org/markup-compatibility/2006" xmlns:p14="http://schemas.microsoft.com/office/powerpoint/2010/main">
+    <mc:Choice Requires="p14">
       <p:transition spd="med" p14:dur="700">
         <p:fade/>
       </p:transition>
     </mc:Choice>
-    <mc:Fallback>
+    <mc:Fallback xmlns="">
       <p:transition spd="med">
         <p:fade/>
       </p:transition>
     </mc:Fallback>
   </mc:AlternateContent>
+  <p:timing>
+    <p:tnLst>
+      <p:par>
+        <p:cTn id="1" dur="indefinite" restart="never" nodeType="tmRoot"/>
+      </p:par>
+    </p:tnLst>
+  </p:timing>
 </p:sld>
 </file>
 
@@ -10242,18 +10354,25 @@
   <p:clrMapOvr>
     <a:masterClrMapping/>
   </p:clrMapOvr>
-  <mc:AlternateContent xmlns:mc="http://schemas.openxmlformats.org/markup-compatibility/2006">
-    <mc:Choice xmlns:p14="http://schemas.microsoft.com/office/powerpoint/2010/main" Requires="p14">
+  <mc:AlternateContent xmlns:mc="http://schemas.openxmlformats.org/markup-compatibility/2006" xmlns:p14="http://schemas.microsoft.com/office/powerpoint/2010/main">
+    <mc:Choice Requires="p14">
       <p:transition spd="med" p14:dur="700">
         <p:fade/>
       </p:transition>
     </mc:Choice>
-    <mc:Fallback>
+    <mc:Fallback xmlns="">
       <p:transition spd="med">
         <p:fade/>
       </p:transition>
     </mc:Fallback>
   </mc:AlternateContent>
+  <p:timing>
+    <p:tnLst>
+      <p:par>
+        <p:cTn id="1" dur="indefinite" restart="never" nodeType="tmRoot"/>
+      </p:par>
+    </p:tnLst>
+  </p:timing>
 </p:sld>
 </file>
 
@@ -10330,18 +10449,25 @@
   <p:clrMapOvr>
     <a:masterClrMapping/>
   </p:clrMapOvr>
-  <mc:AlternateContent xmlns:mc="http://schemas.openxmlformats.org/markup-compatibility/2006">
-    <mc:Choice xmlns:p14="http://schemas.microsoft.com/office/powerpoint/2010/main" Requires="p14">
+  <mc:AlternateContent xmlns:mc="http://schemas.openxmlformats.org/markup-compatibility/2006" xmlns:p14="http://schemas.microsoft.com/office/powerpoint/2010/main">
+    <mc:Choice Requires="p14">
       <p:transition spd="med" p14:dur="700">
         <p:fade/>
       </p:transition>
     </mc:Choice>
-    <mc:Fallback>
+    <mc:Fallback xmlns="">
       <p:transition spd="med">
         <p:fade/>
       </p:transition>
     </mc:Fallback>
   </mc:AlternateContent>
+  <p:timing>
+    <p:tnLst>
+      <p:par>
+        <p:cTn id="1" dur="indefinite" restart="never" nodeType="tmRoot"/>
+      </p:par>
+    </p:tnLst>
+  </p:timing>
 </p:sld>
 </file>
 
@@ -10417,18 +10543,25 @@
   <p:clrMapOvr>
     <a:masterClrMapping/>
   </p:clrMapOvr>
-  <mc:AlternateContent xmlns:mc="http://schemas.openxmlformats.org/markup-compatibility/2006">
-    <mc:Choice xmlns:p14="http://schemas.microsoft.com/office/powerpoint/2010/main" Requires="p14">
+  <mc:AlternateContent xmlns:mc="http://schemas.openxmlformats.org/markup-compatibility/2006" xmlns:p14="http://schemas.microsoft.com/office/powerpoint/2010/main">
+    <mc:Choice Requires="p14">
       <p:transition spd="med" p14:dur="700">
         <p:fade/>
       </p:transition>
     </mc:Choice>
-    <mc:Fallback>
+    <mc:Fallback xmlns="">
       <p:transition spd="med">
         <p:fade/>
       </p:transition>
     </mc:Fallback>
   </mc:AlternateContent>
+  <p:timing>
+    <p:tnLst>
+      <p:par>
+        <p:cTn id="1" dur="indefinite" restart="never" nodeType="tmRoot"/>
+      </p:par>
+    </p:tnLst>
+  </p:timing>
 </p:sld>
 </file>
 
@@ -10505,18 +10638,25 @@
   <p:clrMapOvr>
     <a:masterClrMapping/>
   </p:clrMapOvr>
-  <mc:AlternateContent xmlns:mc="http://schemas.openxmlformats.org/markup-compatibility/2006">
-    <mc:Choice xmlns:p14="http://schemas.microsoft.com/office/powerpoint/2010/main" Requires="p14">
+  <mc:AlternateContent xmlns:mc="http://schemas.openxmlformats.org/markup-compatibility/2006" xmlns:p14="http://schemas.microsoft.com/office/powerpoint/2010/main">
+    <mc:Choice Requires="p14">
       <p:transition spd="med" p14:dur="700">
         <p:fade/>
       </p:transition>
     </mc:Choice>
-    <mc:Fallback>
+    <mc:Fallback xmlns="">
       <p:transition spd="med">
         <p:fade/>
       </p:transition>
     </mc:Fallback>
   </mc:AlternateContent>
+  <p:timing>
+    <p:tnLst>
+      <p:par>
+        <p:cTn id="1" dur="indefinite" restart="never" nodeType="tmRoot"/>
+      </p:par>
+    </p:tnLst>
+  </p:timing>
 </p:sld>
 </file>
 
@@ -10593,18 +10733,25 @@
   <p:clrMapOvr>
     <a:masterClrMapping/>
   </p:clrMapOvr>
-  <mc:AlternateContent xmlns:mc="http://schemas.openxmlformats.org/markup-compatibility/2006">
-    <mc:Choice xmlns:p14="http://schemas.microsoft.com/office/powerpoint/2010/main" Requires="p14">
+  <mc:AlternateContent xmlns:mc="http://schemas.openxmlformats.org/markup-compatibility/2006" xmlns:p14="http://schemas.microsoft.com/office/powerpoint/2010/main">
+    <mc:Choice Requires="p14">
       <p:transition spd="med" p14:dur="700">
         <p:fade/>
       </p:transition>
     </mc:Choice>
-    <mc:Fallback>
+    <mc:Fallback xmlns="">
       <p:transition spd="med">
         <p:fade/>
       </p:transition>
     </mc:Fallback>
   </mc:AlternateContent>
+  <p:timing>
+    <p:tnLst>
+      <p:par>
+        <p:cTn id="1" dur="indefinite" restart="never" nodeType="tmRoot"/>
+      </p:par>
+    </p:tnLst>
+  </p:timing>
 </p:sld>
 </file>
 
@@ -10642,7 +10789,15 @@
           <a:p>
             <a:r>
               <a:rPr lang="pt-PT" dirty="0"/>
-              <a:t>Requisitos de sistem não-funcionais</a:t>
+              <a:t>Requisitos de </a:t>
+            </a:r>
+            <a:r>
+              <a:rPr lang="pt-PT" dirty="0" smtClean="0"/>
+              <a:t>sistema </a:t>
+            </a:r>
+            <a:r>
+              <a:rPr lang="pt-PT" dirty="0"/>
+              <a:t>não-funcionais</a:t>
             </a:r>
           </a:p>
         </p:txBody>
@@ -10710,18 +10865,25 @@
   <p:clrMapOvr>
     <a:masterClrMapping/>
   </p:clrMapOvr>
-  <mc:AlternateContent xmlns:mc="http://schemas.openxmlformats.org/markup-compatibility/2006">
-    <mc:Choice xmlns:p14="http://schemas.microsoft.com/office/powerpoint/2010/main" Requires="p14">
+  <mc:AlternateContent xmlns:mc="http://schemas.openxmlformats.org/markup-compatibility/2006" xmlns:p14="http://schemas.microsoft.com/office/powerpoint/2010/main">
+    <mc:Choice Requires="p14">
       <p:transition spd="med" p14:dur="700">
         <p:fade/>
       </p:transition>
     </mc:Choice>
-    <mc:Fallback>
+    <mc:Fallback xmlns="">
       <p:transition spd="med">
         <p:fade/>
       </p:transition>
     </mc:Fallback>
   </mc:AlternateContent>
+  <p:timing>
+    <p:tnLst>
+      <p:par>
+        <p:cTn id="1" dur="indefinite" restart="never" nodeType="tmRoot"/>
+      </p:par>
+    </p:tnLst>
+  </p:timing>
 </p:sld>
 </file>
 
@@ -10901,18 +11063,25 @@
   <p:clrMapOvr>
     <a:masterClrMapping/>
   </p:clrMapOvr>
-  <mc:AlternateContent xmlns:mc="http://schemas.openxmlformats.org/markup-compatibility/2006">
-    <mc:Choice xmlns:p14="http://schemas.microsoft.com/office/powerpoint/2010/main" Requires="p14">
+  <mc:AlternateContent xmlns:mc="http://schemas.openxmlformats.org/markup-compatibility/2006" xmlns:p14="http://schemas.microsoft.com/office/powerpoint/2010/main">
+    <mc:Choice Requires="p14">
       <p:transition spd="med" p14:dur="700">
         <p:fade/>
       </p:transition>
     </mc:Choice>
-    <mc:Fallback>
+    <mc:Fallback xmlns="">
       <p:transition spd="med">
         <p:fade/>
       </p:transition>
     </mc:Fallback>
   </mc:AlternateContent>
+  <p:timing>
+    <p:tnLst>
+      <p:par>
+        <p:cTn id="1" dur="indefinite" restart="never" nodeType="tmRoot"/>
+      </p:par>
+    </p:tnLst>
+  </p:timing>
 </p:sld>
 </file>
 
@@ -10950,7 +11119,15 @@
           <a:p>
             <a:r>
               <a:rPr lang="pt-PT" dirty="0"/>
-              <a:t>Requisitos de sistem não-funcionais</a:t>
+              <a:t>Requisitos de </a:t>
+            </a:r>
+            <a:r>
+              <a:rPr lang="pt-PT" dirty="0" smtClean="0"/>
+              <a:t>sistema </a:t>
+            </a:r>
+            <a:r>
+              <a:rPr lang="pt-PT" dirty="0"/>
+              <a:t>não-funcionais</a:t>
             </a:r>
           </a:p>
         </p:txBody>
@@ -11004,18 +11181,25 @@
   <p:clrMapOvr>
     <a:masterClrMapping/>
   </p:clrMapOvr>
-  <mc:AlternateContent xmlns:mc="http://schemas.openxmlformats.org/markup-compatibility/2006">
-    <mc:Choice xmlns:p14="http://schemas.microsoft.com/office/powerpoint/2010/main" Requires="p14">
+  <mc:AlternateContent xmlns:mc="http://schemas.openxmlformats.org/markup-compatibility/2006" xmlns:p14="http://schemas.microsoft.com/office/powerpoint/2010/main">
+    <mc:Choice Requires="p14">
       <p:transition spd="med" p14:dur="700">
         <p:fade/>
       </p:transition>
     </mc:Choice>
-    <mc:Fallback>
+    <mc:Fallback xmlns="">
       <p:transition spd="med">
         <p:fade/>
       </p:transition>
     </mc:Fallback>
   </mc:AlternateContent>
+  <p:timing>
+    <p:tnLst>
+      <p:par>
+        <p:cTn id="1" dur="indefinite" restart="never" nodeType="tmRoot"/>
+      </p:par>
+    </p:tnLst>
+  </p:timing>
 </p:sld>
 </file>
 
@@ -11053,7 +11237,15 @@
           <a:p>
             <a:r>
               <a:rPr lang="pt-PT" dirty="0"/>
-              <a:t>Requisitos de sistem não-funcionais</a:t>
+              <a:t>Requisitos de </a:t>
+            </a:r>
+            <a:r>
+              <a:rPr lang="pt-PT" dirty="0" smtClean="0"/>
+              <a:t>sistema </a:t>
+            </a:r>
+            <a:r>
+              <a:rPr lang="pt-PT" dirty="0"/>
+              <a:t>não-funcionais</a:t>
             </a:r>
           </a:p>
         </p:txBody>
@@ -11133,18 +11325,25 @@
   <p:clrMapOvr>
     <a:masterClrMapping/>
   </p:clrMapOvr>
-  <mc:AlternateContent xmlns:mc="http://schemas.openxmlformats.org/markup-compatibility/2006">
-    <mc:Choice xmlns:p14="http://schemas.microsoft.com/office/powerpoint/2010/main" Requires="p14">
+  <mc:AlternateContent xmlns:mc="http://schemas.openxmlformats.org/markup-compatibility/2006" xmlns:p14="http://schemas.microsoft.com/office/powerpoint/2010/main">
+    <mc:Choice Requires="p14">
       <p:transition spd="med" p14:dur="700">
         <p:fade/>
       </p:transition>
     </mc:Choice>
-    <mc:Fallback>
+    <mc:Fallback xmlns="">
       <p:transition spd="med">
         <p:fade/>
       </p:transition>
     </mc:Fallback>
   </mc:AlternateContent>
+  <p:timing>
+    <p:tnLst>
+      <p:par>
+        <p:cTn id="1" dur="indefinite" restart="never" nodeType="tmRoot"/>
+      </p:par>
+    </p:tnLst>
+  </p:timing>
 </p:sld>
 </file>
 
@@ -11260,18 +11459,25 @@
   <p:clrMapOvr>
     <a:masterClrMapping/>
   </p:clrMapOvr>
-  <mc:AlternateContent xmlns:mc="http://schemas.openxmlformats.org/markup-compatibility/2006">
-    <mc:Choice xmlns:p14="http://schemas.microsoft.com/office/powerpoint/2010/main" Requires="p14">
+  <mc:AlternateContent xmlns:mc="http://schemas.openxmlformats.org/markup-compatibility/2006" xmlns:p14="http://schemas.microsoft.com/office/powerpoint/2010/main">
+    <mc:Choice Requires="p14">
       <p:transition spd="med" p14:dur="700">
         <p:fade/>
       </p:transition>
     </mc:Choice>
-    <mc:Fallback>
+    <mc:Fallback xmlns="">
       <p:transition spd="med">
         <p:fade/>
       </p:transition>
     </mc:Fallback>
   </mc:AlternateContent>
+  <p:timing>
+    <p:tnLst>
+      <p:par>
+        <p:cTn id="1" dur="indefinite" restart="never" nodeType="tmRoot"/>
+      </p:par>
+    </p:tnLst>
+  </p:timing>
 </p:sld>
 </file>
 
@@ -11421,18 +11627,25 @@
   <p:clrMapOvr>
     <a:masterClrMapping/>
   </p:clrMapOvr>
-  <mc:AlternateContent xmlns:mc="http://schemas.openxmlformats.org/markup-compatibility/2006">
-    <mc:Choice xmlns:p14="http://schemas.microsoft.com/office/powerpoint/2010/main" Requires="p14">
+  <mc:AlternateContent xmlns:mc="http://schemas.openxmlformats.org/markup-compatibility/2006" xmlns:p14="http://schemas.microsoft.com/office/powerpoint/2010/main">
+    <mc:Choice Requires="p14">
       <p:transition spd="med" p14:dur="700">
         <p:fade/>
       </p:transition>
     </mc:Choice>
-    <mc:Fallback>
+    <mc:Fallback xmlns="">
       <p:transition spd="med">
         <p:fade/>
       </p:transition>
     </mc:Fallback>
   </mc:AlternateContent>
+  <p:timing>
+    <p:tnLst>
+      <p:par>
+        <p:cTn id="1" dur="indefinite" restart="never" nodeType="tmRoot"/>
+      </p:par>
+    </p:tnLst>
+  </p:timing>
 </p:sld>
 </file>
 
@@ -11526,18 +11739,25 @@
   <p:clrMapOvr>
     <a:masterClrMapping/>
   </p:clrMapOvr>
-  <mc:AlternateContent xmlns:mc="http://schemas.openxmlformats.org/markup-compatibility/2006">
-    <mc:Choice xmlns:p14="http://schemas.microsoft.com/office/powerpoint/2010/main" Requires="p14">
+  <mc:AlternateContent xmlns:mc="http://schemas.openxmlformats.org/markup-compatibility/2006" xmlns:p14="http://schemas.microsoft.com/office/powerpoint/2010/main">
+    <mc:Choice Requires="p14">
       <p:transition spd="med" p14:dur="700">
         <p:fade/>
       </p:transition>
     </mc:Choice>
-    <mc:Fallback>
+    <mc:Fallback xmlns="">
       <p:transition spd="med">
         <p:fade/>
       </p:transition>
     </mc:Fallback>
   </mc:AlternateContent>
+  <p:timing>
+    <p:tnLst>
+      <p:par>
+        <p:cTn id="1" dur="indefinite" restart="never" nodeType="tmRoot"/>
+      </p:par>
+    </p:tnLst>
+  </p:timing>
 </p:sld>
 </file>
 
@@ -11631,18 +11851,25 @@
   <p:clrMapOvr>
     <a:masterClrMapping/>
   </p:clrMapOvr>
-  <mc:AlternateContent xmlns:mc="http://schemas.openxmlformats.org/markup-compatibility/2006">
-    <mc:Choice xmlns:p14="http://schemas.microsoft.com/office/powerpoint/2010/main" Requires="p14">
+  <mc:AlternateContent xmlns:mc="http://schemas.openxmlformats.org/markup-compatibility/2006" xmlns:p14="http://schemas.microsoft.com/office/powerpoint/2010/main">
+    <mc:Choice Requires="p14">
       <p:transition spd="med" p14:dur="700">
         <p:fade/>
       </p:transition>
     </mc:Choice>
-    <mc:Fallback>
+    <mc:Fallback xmlns="">
       <p:transition spd="med">
         <p:fade/>
       </p:transition>
     </mc:Fallback>
   </mc:AlternateContent>
+  <p:timing>
+    <p:tnLst>
+      <p:par>
+        <p:cTn id="1" dur="indefinite" restart="never" nodeType="tmRoot"/>
+      </p:par>
+    </p:tnLst>
+  </p:timing>
 </p:sld>
 </file>
 
@@ -11792,18 +12019,25 @@
   <p:clrMapOvr>
     <a:masterClrMapping/>
   </p:clrMapOvr>
-  <mc:AlternateContent xmlns:mc="http://schemas.openxmlformats.org/markup-compatibility/2006">
-    <mc:Choice xmlns:p14="http://schemas.microsoft.com/office/powerpoint/2010/main" Requires="p14">
+  <mc:AlternateContent xmlns:mc="http://schemas.openxmlformats.org/markup-compatibility/2006" xmlns:p14="http://schemas.microsoft.com/office/powerpoint/2010/main">
+    <mc:Choice Requires="p14">
       <p:transition spd="med" p14:dur="700">
         <p:fade/>
       </p:transition>
     </mc:Choice>
-    <mc:Fallback>
+    <mc:Fallback xmlns="">
       <p:transition spd="med">
         <p:fade/>
       </p:transition>
     </mc:Fallback>
   </mc:AlternateContent>
+  <p:timing>
+    <p:tnLst>
+      <p:par>
+        <p:cTn id="1" dur="indefinite" restart="never" nodeType="tmRoot"/>
+      </p:par>
+    </p:tnLst>
+  </p:timing>
 </p:sld>
 </file>
 
@@ -11930,18 +12164,25 @@
   <p:clrMapOvr>
     <a:masterClrMapping/>
   </p:clrMapOvr>
-  <mc:AlternateContent xmlns:mc="http://schemas.openxmlformats.org/markup-compatibility/2006">
-    <mc:Choice xmlns:p14="http://schemas.microsoft.com/office/powerpoint/2010/main" Requires="p14">
+  <mc:AlternateContent xmlns:mc="http://schemas.openxmlformats.org/markup-compatibility/2006" xmlns:p14="http://schemas.microsoft.com/office/powerpoint/2010/main">
+    <mc:Choice Requires="p14">
       <p:transition spd="med" p14:dur="700">
         <p:fade/>
       </p:transition>
     </mc:Choice>
-    <mc:Fallback>
+    <mc:Fallback xmlns="">
       <p:transition spd="med">
         <p:fade/>
       </p:transition>
     </mc:Fallback>
   </mc:AlternateContent>
+  <p:timing>
+    <p:tnLst>
+      <p:par>
+        <p:cTn id="1" dur="indefinite" restart="never" nodeType="tmRoot"/>
+      </p:par>
+    </p:tnLst>
+  </p:timing>
 </p:sld>
 </file>
 
@@ -12068,18 +12309,25 @@
   <p:clrMapOvr>
     <a:masterClrMapping/>
   </p:clrMapOvr>
-  <mc:AlternateContent xmlns:mc="http://schemas.openxmlformats.org/markup-compatibility/2006">
-    <mc:Choice xmlns:p14="http://schemas.microsoft.com/office/powerpoint/2010/main" Requires="p14">
+  <mc:AlternateContent xmlns:mc="http://schemas.openxmlformats.org/markup-compatibility/2006" xmlns:p14="http://schemas.microsoft.com/office/powerpoint/2010/main">
+    <mc:Choice Requires="p14">
       <p:transition spd="med" p14:dur="700">
         <p:fade/>
       </p:transition>
     </mc:Choice>
-    <mc:Fallback>
+    <mc:Fallback xmlns="">
       <p:transition spd="med">
         <p:fade/>
       </p:transition>
     </mc:Fallback>
   </mc:AlternateContent>
+  <p:timing>
+    <p:tnLst>
+      <p:par>
+        <p:cTn id="1" dur="indefinite" restart="never" nodeType="tmRoot"/>
+      </p:par>
+    </p:tnLst>
+  </p:timing>
 </p:sld>
 </file>
 
@@ -12166,18 +12414,25 @@
   <p:clrMapOvr>
     <a:masterClrMapping/>
   </p:clrMapOvr>
-  <mc:AlternateContent xmlns:mc="http://schemas.openxmlformats.org/markup-compatibility/2006">
-    <mc:Choice xmlns:p14="http://schemas.microsoft.com/office/powerpoint/2010/main" Requires="p14">
+  <mc:AlternateContent xmlns:mc="http://schemas.openxmlformats.org/markup-compatibility/2006" xmlns:p14="http://schemas.microsoft.com/office/powerpoint/2010/main">
+    <mc:Choice Requires="p14">
       <p:transition spd="med" p14:dur="700">
         <p:fade/>
       </p:transition>
     </mc:Choice>
-    <mc:Fallback>
+    <mc:Fallback xmlns="">
       <p:transition spd="med">
         <p:fade/>
       </p:transition>
     </mc:Fallback>
   </mc:AlternateContent>
+  <p:timing>
+    <p:tnLst>
+      <p:par>
+        <p:cTn id="1" dur="indefinite" restart="never" nodeType="tmRoot"/>
+      </p:par>
+    </p:tnLst>
+  </p:timing>
 </p:sld>
 </file>
 
@@ -12514,6 +12769,13 @@
       </p:transition>
     </mc:Fallback>
   </mc:AlternateContent>
+  <p:timing>
+    <p:tnLst>
+      <p:par>
+        <p:cTn id="1" dur="indefinite" restart="never" nodeType="tmRoot"/>
+      </p:par>
+    </p:tnLst>
+  </p:timing>
 </p:sld>
 </file>
 
@@ -12607,18 +12869,25 @@
   <p:clrMapOvr>
     <a:masterClrMapping/>
   </p:clrMapOvr>
-  <mc:AlternateContent xmlns:mc="http://schemas.openxmlformats.org/markup-compatibility/2006">
-    <mc:Choice xmlns:p14="http://schemas.microsoft.com/office/powerpoint/2010/main" Requires="p14">
+  <mc:AlternateContent xmlns:mc="http://schemas.openxmlformats.org/markup-compatibility/2006" xmlns:p14="http://schemas.microsoft.com/office/powerpoint/2010/main">
+    <mc:Choice Requires="p14">
       <p:transition spd="med" p14:dur="700">
         <p:fade/>
       </p:transition>
     </mc:Choice>
-    <mc:Fallback>
+    <mc:Fallback xmlns="">
       <p:transition spd="med">
         <p:fade/>
       </p:transition>
     </mc:Fallback>
   </mc:AlternateContent>
+  <p:timing>
+    <p:tnLst>
+      <p:par>
+        <p:cTn id="1" dur="indefinite" restart="never" nodeType="tmRoot"/>
+      </p:par>
+    </p:tnLst>
+  </p:timing>
 </p:sld>
 </file>
 
@@ -12712,18 +12981,25 @@
   <p:clrMapOvr>
     <a:masterClrMapping/>
   </p:clrMapOvr>
-  <mc:AlternateContent xmlns:mc="http://schemas.openxmlformats.org/markup-compatibility/2006">
-    <mc:Choice xmlns:p14="http://schemas.microsoft.com/office/powerpoint/2010/main" Requires="p14">
+  <mc:AlternateContent xmlns:mc="http://schemas.openxmlformats.org/markup-compatibility/2006" xmlns:p14="http://schemas.microsoft.com/office/powerpoint/2010/main">
+    <mc:Choice Requires="p14">
       <p:transition spd="med" p14:dur="700">
         <p:fade/>
       </p:transition>
     </mc:Choice>
-    <mc:Fallback>
+    <mc:Fallback xmlns="">
       <p:transition spd="med">
         <p:fade/>
       </p:transition>
     </mc:Fallback>
   </mc:AlternateContent>
+  <p:timing>
+    <p:tnLst>
+      <p:par>
+        <p:cTn id="1" dur="indefinite" restart="never" nodeType="tmRoot"/>
+      </p:par>
+    </p:tnLst>
+  </p:timing>
 </p:sld>
 </file>
 
@@ -12817,18 +13093,25 @@
   <p:clrMapOvr>
     <a:masterClrMapping/>
   </p:clrMapOvr>
-  <mc:AlternateContent xmlns:mc="http://schemas.openxmlformats.org/markup-compatibility/2006">
-    <mc:Choice xmlns:p14="http://schemas.microsoft.com/office/powerpoint/2010/main" Requires="p14">
+  <mc:AlternateContent xmlns:mc="http://schemas.openxmlformats.org/markup-compatibility/2006" xmlns:p14="http://schemas.microsoft.com/office/powerpoint/2010/main">
+    <mc:Choice Requires="p14">
       <p:transition spd="med" p14:dur="700">
         <p:fade/>
       </p:transition>
     </mc:Choice>
-    <mc:Fallback>
+    <mc:Fallback xmlns="">
       <p:transition spd="med">
         <p:fade/>
       </p:transition>
     </mc:Fallback>
   </mc:AlternateContent>
+  <p:timing>
+    <p:tnLst>
+      <p:par>
+        <p:cTn id="1" dur="indefinite" restart="never" nodeType="tmRoot"/>
+      </p:par>
+    </p:tnLst>
+  </p:timing>
 </p:sld>
 </file>
 
@@ -12914,18 +13197,25 @@
   <p:clrMapOvr>
     <a:masterClrMapping/>
   </p:clrMapOvr>
-  <mc:AlternateContent xmlns:mc="http://schemas.openxmlformats.org/markup-compatibility/2006">
-    <mc:Choice xmlns:p14="http://schemas.microsoft.com/office/powerpoint/2010/main" Requires="p14">
+  <mc:AlternateContent xmlns:mc="http://schemas.openxmlformats.org/markup-compatibility/2006" xmlns:p14="http://schemas.microsoft.com/office/powerpoint/2010/main">
+    <mc:Choice Requires="p14">
       <p:transition spd="med" p14:dur="700">
         <p:fade/>
       </p:transition>
     </mc:Choice>
-    <mc:Fallback>
+    <mc:Fallback xmlns="">
       <p:transition spd="med">
         <p:fade/>
       </p:transition>
     </mc:Fallback>
   </mc:AlternateContent>
+  <p:timing>
+    <p:tnLst>
+      <p:par>
+        <p:cTn id="1" dur="indefinite" restart="never" nodeType="tmRoot"/>
+      </p:par>
+    </p:tnLst>
+  </p:timing>
 </p:sld>
 </file>
 
@@ -13012,18 +13302,25 @@
   <p:clrMapOvr>
     <a:masterClrMapping/>
   </p:clrMapOvr>
-  <mc:AlternateContent xmlns:mc="http://schemas.openxmlformats.org/markup-compatibility/2006">
-    <mc:Choice xmlns:p14="http://schemas.microsoft.com/office/powerpoint/2010/main" Requires="p14">
+  <mc:AlternateContent xmlns:mc="http://schemas.openxmlformats.org/markup-compatibility/2006" xmlns:p14="http://schemas.microsoft.com/office/powerpoint/2010/main">
+    <mc:Choice Requires="p14">
       <p:transition spd="med" p14:dur="700">
         <p:fade/>
       </p:transition>
     </mc:Choice>
-    <mc:Fallback>
+    <mc:Fallback xmlns="">
       <p:transition spd="med">
         <p:fade/>
       </p:transition>
     </mc:Fallback>
   </mc:AlternateContent>
+  <p:timing>
+    <p:tnLst>
+      <p:par>
+        <p:cTn id="1" dur="indefinite" restart="never" nodeType="tmRoot"/>
+      </p:par>
+    </p:tnLst>
+  </p:timing>
 </p:sld>
 </file>
 
@@ -13110,18 +13407,25 @@
   <p:clrMapOvr>
     <a:masterClrMapping/>
   </p:clrMapOvr>
-  <mc:AlternateContent xmlns:mc="http://schemas.openxmlformats.org/markup-compatibility/2006">
-    <mc:Choice xmlns:p14="http://schemas.microsoft.com/office/powerpoint/2010/main" Requires="p14">
+  <mc:AlternateContent xmlns:mc="http://schemas.openxmlformats.org/markup-compatibility/2006" xmlns:p14="http://schemas.microsoft.com/office/powerpoint/2010/main">
+    <mc:Choice Requires="p14">
       <p:transition spd="med" p14:dur="700">
         <p:fade/>
       </p:transition>
     </mc:Choice>
-    <mc:Fallback>
+    <mc:Fallback xmlns="">
       <p:transition spd="med">
         <p:fade/>
       </p:transition>
     </mc:Fallback>
   </mc:AlternateContent>
+  <p:timing>
+    <p:tnLst>
+      <p:par>
+        <p:cTn id="1" dur="indefinite" restart="never" nodeType="tmRoot"/>
+      </p:par>
+    </p:tnLst>
+  </p:timing>
 </p:sld>
 </file>
 
@@ -13222,18 +13526,25 @@
   <p:clrMapOvr>
     <a:masterClrMapping/>
   </p:clrMapOvr>
-  <mc:AlternateContent xmlns:mc="http://schemas.openxmlformats.org/markup-compatibility/2006">
-    <mc:Choice xmlns:p14="http://schemas.microsoft.com/office/powerpoint/2010/main" Requires="p14">
+  <mc:AlternateContent xmlns:mc="http://schemas.openxmlformats.org/markup-compatibility/2006" xmlns:p14="http://schemas.microsoft.com/office/powerpoint/2010/main">
+    <mc:Choice Requires="p14">
       <p:transition spd="med" p14:dur="700">
         <p:fade/>
       </p:transition>
     </mc:Choice>
-    <mc:Fallback>
+    <mc:Fallback xmlns="">
       <p:transition spd="med">
         <p:fade/>
       </p:transition>
     </mc:Fallback>
   </mc:AlternateContent>
+  <p:timing>
+    <p:tnLst>
+      <p:par>
+        <p:cTn id="1" dur="indefinite" restart="never" nodeType="tmRoot"/>
+      </p:par>
+    </p:tnLst>
+  </p:timing>
 </p:sld>
 </file>
 
@@ -13334,18 +13645,25 @@
   <p:clrMapOvr>
     <a:masterClrMapping/>
   </p:clrMapOvr>
-  <mc:AlternateContent xmlns:mc="http://schemas.openxmlformats.org/markup-compatibility/2006">
-    <mc:Choice xmlns:p14="http://schemas.microsoft.com/office/powerpoint/2010/main" Requires="p14">
+  <mc:AlternateContent xmlns:mc="http://schemas.openxmlformats.org/markup-compatibility/2006" xmlns:p14="http://schemas.microsoft.com/office/powerpoint/2010/main">
+    <mc:Choice Requires="p14">
       <p:transition spd="med" p14:dur="700">
         <p:fade/>
       </p:transition>
     </mc:Choice>
-    <mc:Fallback>
+    <mc:Fallback xmlns="">
       <p:transition spd="med">
         <p:fade/>
       </p:transition>
     </mc:Fallback>
   </mc:AlternateContent>
+  <p:timing>
+    <p:tnLst>
+      <p:par>
+        <p:cTn id="1" dur="indefinite" restart="never" nodeType="tmRoot"/>
+      </p:par>
+    </p:tnLst>
+  </p:timing>
 </p:sld>
 </file>
 
@@ -13455,18 +13773,25 @@
   <p:clrMapOvr>
     <a:masterClrMapping/>
   </p:clrMapOvr>
-  <mc:AlternateContent xmlns:mc="http://schemas.openxmlformats.org/markup-compatibility/2006">
-    <mc:Choice xmlns:p14="http://schemas.microsoft.com/office/powerpoint/2010/main" Requires="p14">
+  <mc:AlternateContent xmlns:mc="http://schemas.openxmlformats.org/markup-compatibility/2006" xmlns:p14="http://schemas.microsoft.com/office/powerpoint/2010/main">
+    <mc:Choice Requires="p14">
       <p:transition spd="med" p14:dur="700">
         <p:fade/>
       </p:transition>
     </mc:Choice>
-    <mc:Fallback>
+    <mc:Fallback xmlns="">
       <p:transition spd="med">
         <p:fade/>
       </p:transition>
     </mc:Fallback>
   </mc:AlternateContent>
+  <p:timing>
+    <p:tnLst>
+      <p:par>
+        <p:cTn id="1" dur="indefinite" restart="never" nodeType="tmRoot"/>
+      </p:par>
+    </p:tnLst>
+  </p:timing>
 </p:sld>
 </file>
 
@@ -13553,18 +13878,25 @@
   <p:clrMapOvr>
     <a:masterClrMapping/>
   </p:clrMapOvr>
-  <mc:AlternateContent xmlns:mc="http://schemas.openxmlformats.org/markup-compatibility/2006">
-    <mc:Choice xmlns:p14="http://schemas.microsoft.com/office/powerpoint/2010/main" Requires="p14">
+  <mc:AlternateContent xmlns:mc="http://schemas.openxmlformats.org/markup-compatibility/2006" xmlns:p14="http://schemas.microsoft.com/office/powerpoint/2010/main">
+    <mc:Choice Requires="p14">
       <p:transition spd="med" p14:dur="700">
         <p:fade/>
       </p:transition>
     </mc:Choice>
-    <mc:Fallback>
+    <mc:Fallback xmlns="">
       <p:transition spd="med">
         <p:fade/>
       </p:transition>
     </mc:Fallback>
   </mc:AlternateContent>
+  <p:timing>
+    <p:tnLst>
+      <p:par>
+        <p:cTn id="1" dur="indefinite" restart="never" nodeType="tmRoot"/>
+      </p:par>
+    </p:tnLst>
+  </p:timing>
 </p:sld>
 </file>
 
@@ -13876,6 +14208,13 @@
       </p:transition>
     </mc:Fallback>
   </mc:AlternateContent>
+  <p:timing>
+    <p:tnLst>
+      <p:par>
+        <p:cTn id="1" dur="indefinite" restart="never" nodeType="tmRoot"/>
+      </p:par>
+    </p:tnLst>
+  </p:timing>
 </p:sld>
 </file>
 
@@ -13992,18 +14331,25 @@
   <p:clrMapOvr>
     <a:masterClrMapping/>
   </p:clrMapOvr>
-  <mc:AlternateContent xmlns:mc="http://schemas.openxmlformats.org/markup-compatibility/2006">
-    <mc:Choice xmlns:p14="http://schemas.microsoft.com/office/powerpoint/2010/main" Requires="p14">
+  <mc:AlternateContent xmlns:mc="http://schemas.openxmlformats.org/markup-compatibility/2006" xmlns:p14="http://schemas.microsoft.com/office/powerpoint/2010/main">
+    <mc:Choice Requires="p14">
       <p:transition spd="med" p14:dur="700">
         <p:fade/>
       </p:transition>
     </mc:Choice>
-    <mc:Fallback>
+    <mc:Fallback xmlns="">
       <p:transition spd="med">
         <p:fade/>
       </p:transition>
     </mc:Fallback>
   </mc:AlternateContent>
+  <p:timing>
+    <p:tnLst>
+      <p:par>
+        <p:cTn id="1" dur="indefinite" restart="never" nodeType="tmRoot"/>
+      </p:par>
+    </p:tnLst>
+  </p:timing>
 </p:sld>
 </file>
 
@@ -14120,18 +14466,25 @@
   <p:clrMapOvr>
     <a:masterClrMapping/>
   </p:clrMapOvr>
-  <mc:AlternateContent xmlns:mc="http://schemas.openxmlformats.org/markup-compatibility/2006">
-    <mc:Choice xmlns:p14="http://schemas.microsoft.com/office/powerpoint/2010/main" Requires="p14">
+  <mc:AlternateContent xmlns:mc="http://schemas.openxmlformats.org/markup-compatibility/2006" xmlns:p14="http://schemas.microsoft.com/office/powerpoint/2010/main">
+    <mc:Choice Requires="p14">
       <p:transition spd="med" p14:dur="700">
         <p:fade/>
       </p:transition>
     </mc:Choice>
-    <mc:Fallback>
+    <mc:Fallback xmlns="">
       <p:transition spd="med">
         <p:fade/>
       </p:transition>
     </mc:Fallback>
   </mc:AlternateContent>
+  <p:timing>
+    <p:tnLst>
+      <p:par>
+        <p:cTn id="1" dur="indefinite" restart="never" nodeType="tmRoot"/>
+      </p:par>
+    </p:tnLst>
+  </p:timing>
 </p:sld>
 </file>
 
@@ -14218,18 +14571,25 @@
   <p:clrMapOvr>
     <a:masterClrMapping/>
   </p:clrMapOvr>
-  <mc:AlternateContent xmlns:mc="http://schemas.openxmlformats.org/markup-compatibility/2006">
-    <mc:Choice xmlns:p14="http://schemas.microsoft.com/office/powerpoint/2010/main" Requires="p14">
+  <mc:AlternateContent xmlns:mc="http://schemas.openxmlformats.org/markup-compatibility/2006" xmlns:p14="http://schemas.microsoft.com/office/powerpoint/2010/main">
+    <mc:Choice Requires="p14">
       <p:transition spd="med" p14:dur="700">
         <p:fade/>
       </p:transition>
     </mc:Choice>
-    <mc:Fallback>
+    <mc:Fallback xmlns="">
       <p:transition spd="med">
         <p:fade/>
       </p:transition>
     </mc:Fallback>
   </mc:AlternateContent>
+  <p:timing>
+    <p:tnLst>
+      <p:par>
+        <p:cTn id="1" dur="indefinite" restart="never" nodeType="tmRoot"/>
+      </p:par>
+    </p:tnLst>
+  </p:timing>
 </p:sld>
 </file>
 
@@ -14345,18 +14705,25 @@
   <p:clrMapOvr>
     <a:masterClrMapping/>
   </p:clrMapOvr>
-  <mc:AlternateContent xmlns:mc="http://schemas.openxmlformats.org/markup-compatibility/2006">
-    <mc:Choice xmlns:p14="http://schemas.microsoft.com/office/powerpoint/2010/main" Requires="p14">
+  <mc:AlternateContent xmlns:mc="http://schemas.openxmlformats.org/markup-compatibility/2006" xmlns:p14="http://schemas.microsoft.com/office/powerpoint/2010/main">
+    <mc:Choice Requires="p14">
       <p:transition spd="med" p14:dur="700">
         <p:fade/>
       </p:transition>
     </mc:Choice>
-    <mc:Fallback>
+    <mc:Fallback xmlns="">
       <p:transition spd="med">
         <p:fade/>
       </p:transition>
     </mc:Fallback>
   </mc:AlternateContent>
+  <p:timing>
+    <p:tnLst>
+      <p:par>
+        <p:cTn id="1" dur="indefinite" restart="never" nodeType="tmRoot"/>
+      </p:par>
+    </p:tnLst>
+  </p:timing>
 </p:sld>
 </file>
 
@@ -14471,18 +14838,25 @@
   <p:clrMapOvr>
     <a:masterClrMapping/>
   </p:clrMapOvr>
-  <mc:AlternateContent xmlns:mc="http://schemas.openxmlformats.org/markup-compatibility/2006">
-    <mc:Choice xmlns:p14="http://schemas.microsoft.com/office/powerpoint/2010/main" Requires="p14">
+  <mc:AlternateContent xmlns:mc="http://schemas.openxmlformats.org/markup-compatibility/2006" xmlns:p14="http://schemas.microsoft.com/office/powerpoint/2010/main">
+    <mc:Choice Requires="p14">
       <p:transition spd="med" p14:dur="700">
         <p:fade/>
       </p:transition>
     </mc:Choice>
-    <mc:Fallback>
+    <mc:Fallback xmlns="">
       <p:transition spd="med">
         <p:fade/>
       </p:transition>
     </mc:Fallback>
   </mc:AlternateContent>
+  <p:timing>
+    <p:tnLst>
+      <p:par>
+        <p:cTn id="1" dur="indefinite" restart="never" nodeType="tmRoot"/>
+      </p:par>
+    </p:tnLst>
+  </p:timing>
 </p:sld>
 </file>
 
@@ -14970,6 +15344,13 @@
       </p:transition>
     </mc:Fallback>
   </mc:AlternateContent>
+  <p:timing>
+    <p:tnLst>
+      <p:par>
+        <p:cTn id="1" dur="indefinite" restart="never" nodeType="tmRoot"/>
+      </p:par>
+    </p:tnLst>
+  </p:timing>
 </p:sld>
 </file>
 
@@ -15255,6 +15636,13 @@
       </p:transition>
     </mc:Fallback>
   </mc:AlternateContent>
+  <p:timing>
+    <p:tnLst>
+      <p:par>
+        <p:cTn id="1" dur="indefinite" restart="never" nodeType="tmRoot"/>
+      </p:par>
+    </p:tnLst>
+  </p:timing>
 </p:sld>
 </file>
 
@@ -15598,6 +15986,13 @@
       </p:transition>
     </mc:Fallback>
   </mc:AlternateContent>
+  <p:timing>
+    <p:tnLst>
+      <p:par>
+        <p:cTn id="1" dur="indefinite" restart="never" nodeType="tmRoot"/>
+      </p:par>
+    </p:tnLst>
+  </p:timing>
 </p:sld>
 </file>
 
@@ -15745,7 +16140,7 @@
         </p:nvGraphicFramePr>
         <p:xfrm>
           <a:off x="1117490" y="1945259"/>
-          <a:ext cx="7130040" cy="3298320"/>
+          <a:ext cx="7130040" cy="3385112"/>
         </p:xfrm>
         <a:graphic>
           <a:graphicData uri="http://schemas.openxmlformats.org/drawingml/2006/table">
@@ -16416,6 +16811,13 @@
       </p:transition>
     </mc:Fallback>
   </mc:AlternateContent>
+  <p:timing>
+    <p:tnLst>
+      <p:par>
+        <p:cTn id="1" dur="indefinite" restart="never" nodeType="tmRoot"/>
+      </p:par>
+    </p:tnLst>
+  </p:timing>
 </p:sld>
 </file>
 
@@ -16596,18 +16998,25 @@
   <p:clrMapOvr>
     <a:masterClrMapping/>
   </p:clrMapOvr>
-  <mc:AlternateContent xmlns:mc="http://schemas.openxmlformats.org/markup-compatibility/2006">
-    <mc:Choice xmlns:p14="http://schemas.microsoft.com/office/powerpoint/2010/main" Requires="p14">
+  <mc:AlternateContent xmlns:mc="http://schemas.openxmlformats.org/markup-compatibility/2006" xmlns:p14="http://schemas.microsoft.com/office/powerpoint/2010/main">
+    <mc:Choice Requires="p14">
       <p:transition spd="med" p14:dur="700">
         <p:fade/>
       </p:transition>
     </mc:Choice>
-    <mc:Fallback>
+    <mc:Fallback xmlns="">
       <p:transition spd="med">
         <p:fade/>
       </p:transition>
     </mc:Fallback>
   </mc:AlternateContent>
+  <p:timing>
+    <p:tnLst>
+      <p:par>
+        <p:cTn id="1" dur="indefinite" restart="never" nodeType="tmRoot"/>
+      </p:par>
+    </p:tnLst>
+  </p:timing>
 </p:sld>
 </file>
 

--- a/relatorio/Fase 2/LI4.pptx
+++ b/relatorio/Fase 2/LI4.pptx
@@ -8142,7 +8142,7 @@
         <p:spPr>
           <a:xfrm>
             <a:off x="444137" y="1237963"/>
-            <a:ext cx="8987246" cy="4801314"/>
+            <a:ext cx="8987246" cy="4247317"/>
           </a:xfrm>
           <a:prstGeom prst="rect">
             <a:avLst/>
@@ -8218,39 +8218,7 @@
             </a:r>
           </a:p>
           <a:p>
-            <a:pPr marL="285750" lvl="0" indent="-285750" algn="just">
-              <a:buFont typeface="Arial" panose="020B0604020202020204" pitchFamily="34" charset="0"/>
-              <a:buChar char="•"/>
-            </a:pPr>
-            <a:endParaRPr lang="pt-PT" dirty="0"/>
-          </a:p>
-          <a:p>
-            <a:pPr marL="285750" lvl="0" indent="-285750" algn="just">
-              <a:buFont typeface="Arial" panose="020B0604020202020204" pitchFamily="34" charset="0"/>
-              <a:buChar char="•"/>
-            </a:pPr>
-            <a:r>
-              <a:rPr lang="pt-PT" dirty="0"/>
-              <a:t>Verificar </a:t>
-            </a:r>
-            <a:r>
-              <a:rPr lang="pt-PT" b="1" dirty="0">
-                <a:solidFill>
-                  <a:schemeClr val="accent2"/>
-                </a:solidFill>
-              </a:rPr>
-              <a:t>escalabilidade</a:t>
-            </a:r>
-            <a:r>
-              <a:rPr lang="pt-PT" dirty="0"/>
-              <a:t> do sistema para outros infantários;</a:t>
-            </a:r>
-          </a:p>
-          <a:p>
-            <a:pPr marL="285750" lvl="0" indent="-285750" algn="just">
-              <a:buFont typeface="Arial" panose="020B0604020202020204" pitchFamily="34" charset="0"/>
-              <a:buChar char="•"/>
-            </a:pPr>
+            <a:pPr lvl="0" algn="just"/>
             <a:endParaRPr lang="pt-PT" dirty="0"/>
           </a:p>
           <a:p>
